--- a/HoachDinhChienLuoc/DoAnHoachDinhChienLuoc.pptx
+++ b/HoachDinhChienLuoc/DoAnHoachDinhChienLuoc.pptx
@@ -13,8 +13,17 @@
     <p:sldId id="271" r:id="rId7"/>
     <p:sldId id="266" r:id="rId8"/>
     <p:sldId id="267" r:id="rId9"/>
-    <p:sldId id="268" r:id="rId10"/>
-    <p:sldId id="265" r:id="rId11"/>
+    <p:sldId id="272" r:id="rId10"/>
+    <p:sldId id="273" r:id="rId11"/>
+    <p:sldId id="278" r:id="rId12"/>
+    <p:sldId id="275" r:id="rId13"/>
+    <p:sldId id="274" r:id="rId14"/>
+    <p:sldId id="276" r:id="rId15"/>
+    <p:sldId id="277" r:id="rId16"/>
+    <p:sldId id="279" r:id="rId17"/>
+    <p:sldId id="280" r:id="rId18"/>
+    <p:sldId id="268" r:id="rId19"/>
+    <p:sldId id="265" r:id="rId20"/>
   </p:sldIdLst>
   <p:sldSz cx="12192000" cy="6858000"/>
   <p:notesSz cx="6858000" cy="9144000"/>
@@ -128,7 +137,7 @@
     <p1510:client id="{67E5A3E0-56AB-384C-0811-8994DAAB6C4F}" v="1073" dt="2021-05-29T03:49:01.495"/>
     <p1510:client id="{69E48BF1-F70D-C9E0-D2E5-6FCCA6B0BE10}" v="222" dt="2021-05-29T04:04:25.740"/>
     <p1510:client id="{897949F2-03A4-DDC8-C11C-C8A66C2574A5}" v="487" dt="2021-05-29T04:32:05.763"/>
-    <p1510:client id="{9738FD45-B02D-D41C-56F8-892A23A6310C}" v="1803" dt="2021-06-21T15:24:31.180"/>
+    <p1510:client id="{9738FD45-B02D-D41C-56F8-892A23A6310C}" v="2561" dt="2021-06-21T16:20:29.205"/>
     <p1510:client id="{D15838F8-D3B1-BAF6-C38A-FFE8D60ECEB7}" v="692" dt="2021-05-29T07:50:38.359"/>
     <p1510:client id="{EE523538-979A-4B5C-91E7-9DA9A5F34A79}" v="1939" dt="2021-05-29T05:27:30.721"/>
   </p1510:revLst>
@@ -700,8 +709,8 @@
   </pc:docChgLst>
   <pc:docChgLst>
     <pc:chgData name="Trần Đình Lâm" userId="S::20c12007@student.hcmus.edu.vn::e1c56f1f-c2e7-42a0-af1e-bd87b6872d9f" providerId="AD" clId="Web-{9738FD45-B02D-D41C-56F8-892A23A6310C}"/>
-    <pc:docChg chg="addSld delSld modSld">
-      <pc:chgData name="Trần Đình Lâm" userId="S::20c12007@student.hcmus.edu.vn::e1c56f1f-c2e7-42a0-af1e-bd87b6872d9f" providerId="AD" clId="Web-{9738FD45-B02D-D41C-56F8-892A23A6310C}" dt="2021-06-21T15:24:31.180" v="1292" actId="1076"/>
+    <pc:docChg chg="addSld delSld modSld sldOrd">
+      <pc:chgData name="Trần Đình Lâm" userId="S::20c12007@student.hcmus.edu.vn::e1c56f1f-c2e7-42a0-af1e-bd87b6872d9f" providerId="AD" clId="Web-{9738FD45-B02D-D41C-56F8-892A23A6310C}" dt="2021-06-21T16:20:29.205" v="1777" actId="1076"/>
       <pc:docMkLst>
         <pc:docMk/>
       </pc:docMkLst>
@@ -901,8 +910,8 @@
           <pc:sldMk cId="1457057441" sldId="267"/>
         </pc:sldMkLst>
       </pc:sldChg>
-      <pc:sldChg chg="modSp add replId">
-        <pc:chgData name="Trần Đình Lâm" userId="S::20c12007@student.hcmus.edu.vn::e1c56f1f-c2e7-42a0-af1e-bd87b6872d9f" providerId="AD" clId="Web-{9738FD45-B02D-D41C-56F8-892A23A6310C}" dt="2021-06-21T14:14:48.951" v="437" actId="20577"/>
+      <pc:sldChg chg="addSp delSp modSp add replId">
+        <pc:chgData name="Trần Đình Lâm" userId="S::20c12007@student.hcmus.edu.vn::e1c56f1f-c2e7-42a0-af1e-bd87b6872d9f" providerId="AD" clId="Web-{9738FD45-B02D-D41C-56F8-892A23A6310C}" dt="2021-06-21T15:56:17.580" v="1496"/>
         <pc:sldMkLst>
           <pc:docMk/>
           <pc:sldMk cId="2740500306" sldId="267"/>
@@ -915,6 +924,30 @@
             <ac:spMk id="2" creationId="{EE2C1B71-8396-466A-BC7B-B65182F98752}"/>
           </ac:spMkLst>
         </pc:spChg>
+        <pc:spChg chg="del mod">
+          <ac:chgData name="Trần Đình Lâm" userId="S::20c12007@student.hcmus.edu.vn::e1c56f1f-c2e7-42a0-af1e-bd87b6872d9f" providerId="AD" clId="Web-{9738FD45-B02D-D41C-56F8-892A23A6310C}" dt="2021-06-21T15:52:32.700" v="1494"/>
+          <ac:spMkLst>
+            <pc:docMk/>
+            <pc:sldMk cId="2740500306" sldId="267"/>
+            <ac:spMk id="40" creationId="{4E53D4DB-EB70-40AF-A4FB-19C4F9B089E8}"/>
+          </ac:spMkLst>
+        </pc:spChg>
+        <pc:spChg chg="add del mod">
+          <ac:chgData name="Trần Đình Lâm" userId="S::20c12007@student.hcmus.edu.vn::e1c56f1f-c2e7-42a0-af1e-bd87b6872d9f" providerId="AD" clId="Web-{9738FD45-B02D-D41C-56F8-892A23A6310C}" dt="2021-06-21T15:56:17.580" v="1496"/>
+          <ac:spMkLst>
+            <pc:docMk/>
+            <pc:sldMk cId="2740500306" sldId="267"/>
+            <ac:spMk id="1692" creationId="{C3DAED63-0DB5-4126-A653-0897A95CC38B}"/>
+          </ac:spMkLst>
+        </pc:spChg>
+        <pc:graphicFrameChg chg="add mod modGraphic">
+          <ac:chgData name="Trần Đình Lâm" userId="S::20c12007@student.hcmus.edu.vn::e1c56f1f-c2e7-42a0-af1e-bd87b6872d9f" providerId="AD" clId="Web-{9738FD45-B02D-D41C-56F8-892A23A6310C}" dt="2021-06-21T15:52:42.435" v="1495" actId="1076"/>
+          <ac:graphicFrameMkLst>
+            <pc:docMk/>
+            <pc:sldMk cId="2740500306" sldId="267"/>
+            <ac:graphicFrameMk id="3" creationId="{4B9CE800-5AFA-4AFA-B286-4D0ED9A7FF5C}"/>
+          </ac:graphicFrameMkLst>
+        </pc:graphicFrameChg>
       </pc:sldChg>
       <pc:sldChg chg="modSp add replId">
         <pc:chgData name="Trần Đình Lâm" userId="S::20c12007@student.hcmus.edu.vn::e1c56f1f-c2e7-42a0-af1e-bd87b6872d9f" providerId="AD" clId="Web-{9738FD45-B02D-D41C-56F8-892A23A6310C}" dt="2021-06-21T14:14:55.108" v="443" actId="20577"/>
@@ -1131,12 +1164,146 @@
           <pc:sldMk cId="1798101102" sldId="272"/>
         </pc:sldMkLst>
       </pc:sldChg>
+      <pc:sldChg chg="addSp delSp modSp new">
+        <pc:chgData name="Trần Đình Lâm" userId="S::20c12007@student.hcmus.edu.vn::e1c56f1f-c2e7-42a0-af1e-bd87b6872d9f" providerId="AD" clId="Web-{9738FD45-B02D-D41C-56F8-892A23A6310C}" dt="2021-06-21T16:13:25.571" v="1700"/>
+        <pc:sldMkLst>
+          <pc:docMk/>
+          <pc:sldMk cId="2627859462" sldId="272"/>
+        </pc:sldMkLst>
+        <pc:spChg chg="mod">
+          <ac:chgData name="Trần Đình Lâm" userId="S::20c12007@student.hcmus.edu.vn::e1c56f1f-c2e7-42a0-af1e-bd87b6872d9f" providerId="AD" clId="Web-{9738FD45-B02D-D41C-56F8-892A23A6310C}" dt="2021-06-21T16:07:33.563" v="1543" actId="20577"/>
+          <ac:spMkLst>
+            <pc:docMk/>
+            <pc:sldMk cId="2627859462" sldId="272"/>
+            <ac:spMk id="2" creationId="{EBF3C664-E1DA-41E3-AAD5-4680841370D3}"/>
+          </ac:spMkLst>
+        </pc:spChg>
+        <pc:spChg chg="add del">
+          <ac:chgData name="Trần Đình Lâm" userId="S::20c12007@student.hcmus.edu.vn::e1c56f1f-c2e7-42a0-af1e-bd87b6872d9f" providerId="AD" clId="Web-{9738FD45-B02D-D41C-56F8-892A23A6310C}" dt="2021-06-21T16:13:25.571" v="1700"/>
+          <ac:spMkLst>
+            <pc:docMk/>
+            <pc:sldMk cId="2627859462" sldId="272"/>
+            <ac:spMk id="3" creationId="{270001F6-C9A3-4710-83B1-B547A87D0E88}"/>
+          </ac:spMkLst>
+        </pc:spChg>
+        <pc:picChg chg="add del mod ord">
+          <ac:chgData name="Trần Đình Lâm" userId="S::20c12007@student.hcmus.edu.vn::e1c56f1f-c2e7-42a0-af1e-bd87b6872d9f" providerId="AD" clId="Web-{9738FD45-B02D-D41C-56F8-892A23A6310C}" dt="2021-06-21T16:13:25.571" v="1700"/>
+          <ac:picMkLst>
+            <pc:docMk/>
+            <pc:sldMk cId="2627859462" sldId="272"/>
+            <ac:picMk id="5" creationId="{CF28E767-6BC8-4F80-9BDC-CA4AA586987B}"/>
+          </ac:picMkLst>
+        </pc:picChg>
+      </pc:sldChg>
       <pc:sldChg chg="del">
         <pc:chgData name="Trần Đình Lâm" userId="S::20c12007@student.hcmus.edu.vn::e1c56f1f-c2e7-42a0-af1e-bd87b6872d9f" providerId="AD" clId="Web-{9738FD45-B02D-D41C-56F8-892A23A6310C}" dt="2021-06-21T14:13:41.746" v="385"/>
         <pc:sldMkLst>
           <pc:docMk/>
           <pc:sldMk cId="868595400" sldId="273"/>
         </pc:sldMkLst>
+      </pc:sldChg>
+      <pc:sldChg chg="addSp delSp modSp new mod setBg">
+        <pc:chgData name="Trần Đình Lâm" userId="S::20c12007@student.hcmus.edu.vn::e1c56f1f-c2e7-42a0-af1e-bd87b6872d9f" providerId="AD" clId="Web-{9738FD45-B02D-D41C-56F8-892A23A6310C}" dt="2021-06-21T16:14:00.540" v="1708" actId="14100"/>
+        <pc:sldMkLst>
+          <pc:docMk/>
+          <pc:sldMk cId="2297162241" sldId="273"/>
+        </pc:sldMkLst>
+        <pc:spChg chg="mod">
+          <ac:chgData name="Trần Đình Lâm" userId="S::20c12007@student.hcmus.edu.vn::e1c56f1f-c2e7-42a0-af1e-bd87b6872d9f" providerId="AD" clId="Web-{9738FD45-B02D-D41C-56F8-892A23A6310C}" dt="2021-06-21T16:13:45.962" v="1705"/>
+          <ac:spMkLst>
+            <pc:docMk/>
+            <pc:sldMk cId="2297162241" sldId="273"/>
+            <ac:spMk id="2" creationId="{1D089AA2-066B-4261-AB5D-07B4856E2AE5}"/>
+          </ac:spMkLst>
+        </pc:spChg>
+        <pc:spChg chg="add del">
+          <ac:chgData name="Trần Đình Lâm" userId="S::20c12007@student.hcmus.edu.vn::e1c56f1f-c2e7-42a0-af1e-bd87b6872d9f" providerId="AD" clId="Web-{9738FD45-B02D-D41C-56F8-892A23A6310C}" dt="2021-06-21T16:13:35.821" v="1704"/>
+          <ac:spMkLst>
+            <pc:docMk/>
+            <pc:sldMk cId="2297162241" sldId="273"/>
+            <ac:spMk id="3" creationId="{3623B4A0-7545-4E2C-8B59-9B1C914F34BD}"/>
+          </ac:spMkLst>
+        </pc:spChg>
+        <pc:spChg chg="mod">
+          <ac:chgData name="Trần Đình Lâm" userId="S::20c12007@student.hcmus.edu.vn::e1c56f1f-c2e7-42a0-af1e-bd87b6872d9f" providerId="AD" clId="Web-{9738FD45-B02D-D41C-56F8-892A23A6310C}" dt="2021-06-21T16:13:45.962" v="1705"/>
+          <ac:spMkLst>
+            <pc:docMk/>
+            <pc:sldMk cId="2297162241" sldId="273"/>
+            <ac:spMk id="4" creationId="{7743B9EC-989C-4DFD-89CF-5AB3B4E1959E}"/>
+          </ac:spMkLst>
+        </pc:spChg>
+        <pc:spChg chg="add">
+          <ac:chgData name="Trần Đình Lâm" userId="S::20c12007@student.hcmus.edu.vn::e1c56f1f-c2e7-42a0-af1e-bd87b6872d9f" providerId="AD" clId="Web-{9738FD45-B02D-D41C-56F8-892A23A6310C}" dt="2021-06-21T16:13:45.962" v="1705"/>
+          <ac:spMkLst>
+            <pc:docMk/>
+            <pc:sldMk cId="2297162241" sldId="273"/>
+            <ac:spMk id="11" creationId="{4E4490D0-3672-446A-AC12-B4830333BDDD}"/>
+          </ac:spMkLst>
+        </pc:spChg>
+        <pc:spChg chg="add">
+          <ac:chgData name="Trần Đình Lâm" userId="S::20c12007@student.hcmus.edu.vn::e1c56f1f-c2e7-42a0-af1e-bd87b6872d9f" providerId="AD" clId="Web-{9738FD45-B02D-D41C-56F8-892A23A6310C}" dt="2021-06-21T16:13:45.962" v="1705"/>
+          <ac:spMkLst>
+            <pc:docMk/>
+            <pc:sldMk cId="2297162241" sldId="273"/>
+            <ac:spMk id="13" creationId="{39CB82C2-DF65-4EC1-8280-F201D50F570B}"/>
+          </ac:spMkLst>
+        </pc:spChg>
+        <pc:spChg chg="add">
+          <ac:chgData name="Trần Đình Lâm" userId="S::20c12007@student.hcmus.edu.vn::e1c56f1f-c2e7-42a0-af1e-bd87b6872d9f" providerId="AD" clId="Web-{9738FD45-B02D-D41C-56F8-892A23A6310C}" dt="2021-06-21T16:13:45.962" v="1705"/>
+          <ac:spMkLst>
+            <pc:docMk/>
+            <pc:sldMk cId="2297162241" sldId="273"/>
+            <ac:spMk id="17" creationId="{FA4CD5CB-D209-4D70-8CA4-629731C59219}"/>
+          </ac:spMkLst>
+        </pc:spChg>
+        <pc:spChg chg="add">
+          <ac:chgData name="Trần Đình Lâm" userId="S::20c12007@student.hcmus.edu.vn::e1c56f1f-c2e7-42a0-af1e-bd87b6872d9f" providerId="AD" clId="Web-{9738FD45-B02D-D41C-56F8-892A23A6310C}" dt="2021-06-21T16:13:45.962" v="1705"/>
+          <ac:spMkLst>
+            <pc:docMk/>
+            <pc:sldMk cId="2297162241" sldId="273"/>
+            <ac:spMk id="21" creationId="{B4C27B90-DF2B-4D00-BA07-18ED774CD2F1}"/>
+          </ac:spMkLst>
+        </pc:spChg>
+        <pc:spChg chg="add">
+          <ac:chgData name="Trần Đình Lâm" userId="S::20c12007@student.hcmus.edu.vn::e1c56f1f-c2e7-42a0-af1e-bd87b6872d9f" providerId="AD" clId="Web-{9738FD45-B02D-D41C-56F8-892A23A6310C}" dt="2021-06-21T16:13:45.962" v="1705"/>
+          <ac:spMkLst>
+            <pc:docMk/>
+            <pc:sldMk cId="2297162241" sldId="273"/>
+            <ac:spMk id="23" creationId="{593ACC25-C262-417A-8AA9-0641C772BDB6}"/>
+          </ac:spMkLst>
+        </pc:spChg>
+        <pc:picChg chg="add del mod ord">
+          <ac:chgData name="Trần Đình Lâm" userId="S::20c12007@student.hcmus.edu.vn::e1c56f1f-c2e7-42a0-af1e-bd87b6872d9f" providerId="AD" clId="Web-{9738FD45-B02D-D41C-56F8-892A23A6310C}" dt="2021-06-21T16:13:08.336" v="1698"/>
+          <ac:picMkLst>
+            <pc:docMk/>
+            <pc:sldMk cId="2297162241" sldId="273"/>
+            <ac:picMk id="5" creationId="{3425BD06-4AEA-466E-B194-081AA08CBF4F}"/>
+          </ac:picMkLst>
+        </pc:picChg>
+        <pc:picChg chg="add mod ord">
+          <ac:chgData name="Trần Đình Lâm" userId="S::20c12007@student.hcmus.edu.vn::e1c56f1f-c2e7-42a0-af1e-bd87b6872d9f" providerId="AD" clId="Web-{9738FD45-B02D-D41C-56F8-892A23A6310C}" dt="2021-06-21T16:14:00.540" v="1708" actId="14100"/>
+          <ac:picMkLst>
+            <pc:docMk/>
+            <pc:sldMk cId="2297162241" sldId="273"/>
+            <ac:picMk id="6" creationId="{E5A440EF-A125-451D-A0A8-D4939DA5932B}"/>
+          </ac:picMkLst>
+        </pc:picChg>
+        <pc:cxnChg chg="add">
+          <ac:chgData name="Trần Đình Lâm" userId="S::20c12007@student.hcmus.edu.vn::e1c56f1f-c2e7-42a0-af1e-bd87b6872d9f" providerId="AD" clId="Web-{9738FD45-B02D-D41C-56F8-892A23A6310C}" dt="2021-06-21T16:13:45.962" v="1705"/>
+          <ac:cxnSpMkLst>
+            <pc:docMk/>
+            <pc:sldMk cId="2297162241" sldId="273"/>
+            <ac:cxnSpMk id="15" creationId="{7E1D4427-852B-4B37-8E76-0E9F1810BA2A}"/>
+          </ac:cxnSpMkLst>
+        </pc:cxnChg>
+        <pc:cxnChg chg="add">
+          <ac:chgData name="Trần Đình Lâm" userId="S::20c12007@student.hcmus.edu.vn::e1c56f1f-c2e7-42a0-af1e-bd87b6872d9f" providerId="AD" clId="Web-{9738FD45-B02D-D41C-56F8-892A23A6310C}" dt="2021-06-21T16:13:45.962" v="1705"/>
+          <ac:cxnSpMkLst>
+            <pc:docMk/>
+            <pc:sldMk cId="2297162241" sldId="273"/>
+            <ac:cxnSpMk id="19" creationId="{5C6A2BAE-B461-4B55-8E1F-0722ABDD1393}"/>
+          </ac:cxnSpMkLst>
+        </pc:cxnChg>
       </pc:sldChg>
       <pc:sldChg chg="del">
         <pc:chgData name="Trần Đình Lâm" userId="S::20c12007@student.hcmus.edu.vn::e1c56f1f-c2e7-42a0-af1e-bd87b6872d9f" providerId="AD" clId="Web-{9738FD45-B02D-D41C-56F8-892A23A6310C}" dt="2021-06-21T14:13:41.746" v="384"/>
@@ -1145,12 +1312,756 @@
           <pc:sldMk cId="234214710" sldId="274"/>
         </pc:sldMkLst>
       </pc:sldChg>
+      <pc:sldChg chg="addSp delSp modSp add mod replId setBg">
+        <pc:chgData name="Trần Đình Lâm" userId="S::20c12007@student.hcmus.edu.vn::e1c56f1f-c2e7-42a0-af1e-bd87b6872d9f" providerId="AD" clId="Web-{9738FD45-B02D-D41C-56F8-892A23A6310C}" dt="2021-06-21T16:17:07.122" v="1738" actId="1076"/>
+        <pc:sldMkLst>
+          <pc:docMk/>
+          <pc:sldMk cId="695631241" sldId="274"/>
+        </pc:sldMkLst>
+        <pc:spChg chg="mod ord">
+          <ac:chgData name="Trần Đình Lâm" userId="S::20c12007@student.hcmus.edu.vn::e1c56f1f-c2e7-42a0-af1e-bd87b6872d9f" providerId="AD" clId="Web-{9738FD45-B02D-D41C-56F8-892A23A6310C}" dt="2021-06-21T16:16:53.216" v="1735"/>
+          <ac:spMkLst>
+            <pc:docMk/>
+            <pc:sldMk cId="695631241" sldId="274"/>
+            <ac:spMk id="2" creationId="{1D089AA2-066B-4261-AB5D-07B4856E2AE5}"/>
+          </ac:spMkLst>
+        </pc:spChg>
+        <pc:spChg chg="add del">
+          <ac:chgData name="Trần Đình Lâm" userId="S::20c12007@student.hcmus.edu.vn::e1c56f1f-c2e7-42a0-af1e-bd87b6872d9f" providerId="AD" clId="Web-{9738FD45-B02D-D41C-56F8-892A23A6310C}" dt="2021-06-21T16:16:49.419" v="1734"/>
+          <ac:spMkLst>
+            <pc:docMk/>
+            <pc:sldMk cId="695631241" sldId="274"/>
+            <ac:spMk id="3" creationId="{3623B4A0-7545-4E2C-8B59-9B1C914F34BD}"/>
+          </ac:spMkLst>
+        </pc:spChg>
+        <pc:spChg chg="mod">
+          <ac:chgData name="Trần Đình Lâm" userId="S::20c12007@student.hcmus.edu.vn::e1c56f1f-c2e7-42a0-af1e-bd87b6872d9f" providerId="AD" clId="Web-{9738FD45-B02D-D41C-56F8-892A23A6310C}" dt="2021-06-21T16:16:53.216" v="1735"/>
+          <ac:spMkLst>
+            <pc:docMk/>
+            <pc:sldMk cId="695631241" sldId="274"/>
+            <ac:spMk id="4" creationId="{7743B9EC-989C-4DFD-89CF-5AB3B4E1959E}"/>
+          </ac:spMkLst>
+        </pc:spChg>
+        <pc:spChg chg="add del">
+          <ac:chgData name="Trần Đình Lâm" userId="S::20c12007@student.hcmus.edu.vn::e1c56f1f-c2e7-42a0-af1e-bd87b6872d9f" providerId="AD" clId="Web-{9738FD45-B02D-D41C-56F8-892A23A6310C}" dt="2021-06-21T16:16:25.278" v="1726"/>
+          <ac:spMkLst>
+            <pc:docMk/>
+            <pc:sldMk cId="695631241" sldId="274"/>
+            <ac:spMk id="7" creationId="{25C8D2C1-DA83-420D-9635-D52CE066B5DA}"/>
+          </ac:spMkLst>
+        </pc:spChg>
+        <pc:spChg chg="add del">
+          <ac:chgData name="Trần Đình Lâm" userId="S::20c12007@student.hcmus.edu.vn::e1c56f1f-c2e7-42a0-af1e-bd87b6872d9f" providerId="AD" clId="Web-{9738FD45-B02D-D41C-56F8-892A23A6310C}" dt="2021-06-21T16:16:25.278" v="1726"/>
+          <ac:spMkLst>
+            <pc:docMk/>
+            <pc:sldMk cId="695631241" sldId="274"/>
+            <ac:spMk id="8" creationId="{434F74C9-6A0B-409E-AD1C-45B58BE91BB8}"/>
+          </ac:spMkLst>
+        </pc:spChg>
+        <pc:spChg chg="add del">
+          <ac:chgData name="Trần Đình Lâm" userId="S::20c12007@student.hcmus.edu.vn::e1c56f1f-c2e7-42a0-af1e-bd87b6872d9f" providerId="AD" clId="Web-{9738FD45-B02D-D41C-56F8-892A23A6310C}" dt="2021-06-21T16:16:14.402" v="1724"/>
+          <ac:spMkLst>
+            <pc:docMk/>
+            <pc:sldMk cId="695631241" sldId="274"/>
+            <ac:spMk id="10" creationId="{4E4490D0-3672-446A-AC12-B4830333BDDD}"/>
+          </ac:spMkLst>
+        </pc:spChg>
+        <pc:spChg chg="add del">
+          <ac:chgData name="Trần Đình Lâm" userId="S::20c12007@student.hcmus.edu.vn::e1c56f1f-c2e7-42a0-af1e-bd87b6872d9f" providerId="AD" clId="Web-{9738FD45-B02D-D41C-56F8-892A23A6310C}" dt="2021-06-21T16:16:25.278" v="1726"/>
+          <ac:spMkLst>
+            <pc:docMk/>
+            <pc:sldMk cId="695631241" sldId="274"/>
+            <ac:spMk id="11" creationId="{B76D919A-FC3E-4B4E-BAF0-ED6CFB8DC4AE}"/>
+          </ac:spMkLst>
+        </pc:spChg>
+        <pc:spChg chg="add del">
+          <ac:chgData name="Trần Đình Lâm" userId="S::20c12007@student.hcmus.edu.vn::e1c56f1f-c2e7-42a0-af1e-bd87b6872d9f" providerId="AD" clId="Web-{9738FD45-B02D-D41C-56F8-892A23A6310C}" dt="2021-06-21T16:16:14.402" v="1724"/>
+          <ac:spMkLst>
+            <pc:docMk/>
+            <pc:sldMk cId="695631241" sldId="274"/>
+            <ac:spMk id="12" creationId="{39CB82C2-DF65-4EC1-8280-F201D50F570B}"/>
+          </ac:spMkLst>
+        </pc:spChg>
+        <pc:spChg chg="add del">
+          <ac:chgData name="Trần Đình Lâm" userId="S::20c12007@student.hcmus.edu.vn::e1c56f1f-c2e7-42a0-af1e-bd87b6872d9f" providerId="AD" clId="Web-{9738FD45-B02D-D41C-56F8-892A23A6310C}" dt="2021-06-21T16:16:25.278" v="1726"/>
+          <ac:spMkLst>
+            <pc:docMk/>
+            <pc:sldMk cId="695631241" sldId="274"/>
+            <ac:spMk id="13" creationId="{8F66ACBD-1C82-4782-AA7C-05504DD7DE77}"/>
+          </ac:spMkLst>
+        </pc:spChg>
+        <pc:spChg chg="add del">
+          <ac:chgData name="Trần Đình Lâm" userId="S::20c12007@student.hcmus.edu.vn::e1c56f1f-c2e7-42a0-af1e-bd87b6872d9f" providerId="AD" clId="Web-{9738FD45-B02D-D41C-56F8-892A23A6310C}" dt="2021-06-21T16:16:43.872" v="1732"/>
+          <ac:spMkLst>
+            <pc:docMk/>
+            <pc:sldMk cId="695631241" sldId="274"/>
+            <ac:spMk id="15" creationId="{25C8D2C1-DA83-420D-9635-D52CE066B5DA}"/>
+          </ac:spMkLst>
+        </pc:spChg>
+        <pc:spChg chg="add del">
+          <ac:chgData name="Trần Đình Lâm" userId="S::20c12007@student.hcmus.edu.vn::e1c56f1f-c2e7-42a0-af1e-bd87b6872d9f" providerId="AD" clId="Web-{9738FD45-B02D-D41C-56F8-892A23A6310C}" dt="2021-06-21T16:16:14.402" v="1724"/>
+          <ac:spMkLst>
+            <pc:docMk/>
+            <pc:sldMk cId="695631241" sldId="274"/>
+            <ac:spMk id="16" creationId="{FA4CD5CB-D209-4D70-8CA4-629731C59219}"/>
+          </ac:spMkLst>
+        </pc:spChg>
+        <pc:spChg chg="add del">
+          <ac:chgData name="Trần Đình Lâm" userId="S::20c12007@student.hcmus.edu.vn::e1c56f1f-c2e7-42a0-af1e-bd87b6872d9f" providerId="AD" clId="Web-{9738FD45-B02D-D41C-56F8-892A23A6310C}" dt="2021-06-21T16:16:43.872" v="1732"/>
+          <ac:spMkLst>
+            <pc:docMk/>
+            <pc:sldMk cId="695631241" sldId="274"/>
+            <ac:spMk id="17" creationId="{434F74C9-6A0B-409E-AD1C-45B58BE91BB8}"/>
+          </ac:spMkLst>
+        </pc:spChg>
+        <pc:spChg chg="add del">
+          <ac:chgData name="Trần Đình Lâm" userId="S::20c12007@student.hcmus.edu.vn::e1c56f1f-c2e7-42a0-af1e-bd87b6872d9f" providerId="AD" clId="Web-{9738FD45-B02D-D41C-56F8-892A23A6310C}" dt="2021-06-21T16:16:14.402" v="1724"/>
+          <ac:spMkLst>
+            <pc:docMk/>
+            <pc:sldMk cId="695631241" sldId="274"/>
+            <ac:spMk id="20" creationId="{B4C27B90-DF2B-4D00-BA07-18ED774CD2F1}"/>
+          </ac:spMkLst>
+        </pc:spChg>
+        <pc:spChg chg="add del">
+          <ac:chgData name="Trần Đình Lâm" userId="S::20c12007@student.hcmus.edu.vn::e1c56f1f-c2e7-42a0-af1e-bd87b6872d9f" providerId="AD" clId="Web-{9738FD45-B02D-D41C-56F8-892A23A6310C}" dt="2021-06-21T16:16:43.872" v="1732"/>
+          <ac:spMkLst>
+            <pc:docMk/>
+            <pc:sldMk cId="695631241" sldId="274"/>
+            <ac:spMk id="21" creationId="{BE268116-E2A7-4F98-8812-192B4975E49B}"/>
+          </ac:spMkLst>
+        </pc:spChg>
+        <pc:spChg chg="add del">
+          <ac:chgData name="Trần Đình Lâm" userId="S::20c12007@student.hcmus.edu.vn::e1c56f1f-c2e7-42a0-af1e-bd87b6872d9f" providerId="AD" clId="Web-{9738FD45-B02D-D41C-56F8-892A23A6310C}" dt="2021-06-21T16:16:14.402" v="1724"/>
+          <ac:spMkLst>
+            <pc:docMk/>
+            <pc:sldMk cId="695631241" sldId="274"/>
+            <ac:spMk id="22" creationId="{593ACC25-C262-417A-8AA9-0641C772BDB6}"/>
+          </ac:spMkLst>
+        </pc:spChg>
+        <pc:spChg chg="add del">
+          <ac:chgData name="Trần Đình Lâm" userId="S::20c12007@student.hcmus.edu.vn::e1c56f1f-c2e7-42a0-af1e-bd87b6872d9f" providerId="AD" clId="Web-{9738FD45-B02D-D41C-56F8-892A23A6310C}" dt="2021-06-21T16:16:43.872" v="1732"/>
+          <ac:spMkLst>
+            <pc:docMk/>
+            <pc:sldMk cId="695631241" sldId="274"/>
+            <ac:spMk id="24" creationId="{FBEFFA83-BC6D-4CD2-A2BA-98AD67423BF2}"/>
+          </ac:spMkLst>
+        </pc:spChg>
+        <pc:spChg chg="add del">
+          <ac:chgData name="Trần Đình Lâm" userId="S::20c12007@student.hcmus.edu.vn::e1c56f1f-c2e7-42a0-af1e-bd87b6872d9f" providerId="AD" clId="Web-{9738FD45-B02D-D41C-56F8-892A23A6310C}" dt="2021-06-21T16:16:43.872" v="1732"/>
+          <ac:spMkLst>
+            <pc:docMk/>
+            <pc:sldMk cId="695631241" sldId="274"/>
+            <ac:spMk id="25" creationId="{AB5696BF-D495-4CAC-AA8A-4EBFF2C32A55}"/>
+          </ac:spMkLst>
+        </pc:spChg>
+        <pc:spChg chg="add">
+          <ac:chgData name="Trần Đình Lâm" userId="S::20c12007@student.hcmus.edu.vn::e1c56f1f-c2e7-42a0-af1e-bd87b6872d9f" providerId="AD" clId="Web-{9738FD45-B02D-D41C-56F8-892A23A6310C}" dt="2021-06-21T16:16:53.216" v="1735"/>
+          <ac:spMkLst>
+            <pc:docMk/>
+            <pc:sldMk cId="695631241" sldId="274"/>
+            <ac:spMk id="26" creationId="{4E4490D0-3672-446A-AC12-B4830333BDDD}"/>
+          </ac:spMkLst>
+        </pc:spChg>
+        <pc:spChg chg="add">
+          <ac:chgData name="Trần Đình Lâm" userId="S::20c12007@student.hcmus.edu.vn::e1c56f1f-c2e7-42a0-af1e-bd87b6872d9f" providerId="AD" clId="Web-{9738FD45-B02D-D41C-56F8-892A23A6310C}" dt="2021-06-21T16:16:53.216" v="1735"/>
+          <ac:spMkLst>
+            <pc:docMk/>
+            <pc:sldMk cId="695631241" sldId="274"/>
+            <ac:spMk id="27" creationId="{39CB82C2-DF65-4EC1-8280-F201D50F570B}"/>
+          </ac:spMkLst>
+        </pc:spChg>
+        <pc:spChg chg="add">
+          <ac:chgData name="Trần Đình Lâm" userId="S::20c12007@student.hcmus.edu.vn::e1c56f1f-c2e7-42a0-af1e-bd87b6872d9f" providerId="AD" clId="Web-{9738FD45-B02D-D41C-56F8-892A23A6310C}" dt="2021-06-21T16:16:53.216" v="1735"/>
+          <ac:spMkLst>
+            <pc:docMk/>
+            <pc:sldMk cId="695631241" sldId="274"/>
+            <ac:spMk id="29" creationId="{FA4CD5CB-D209-4D70-8CA4-629731C59219}"/>
+          </ac:spMkLst>
+        </pc:spChg>
+        <pc:spChg chg="add">
+          <ac:chgData name="Trần Đình Lâm" userId="S::20c12007@student.hcmus.edu.vn::e1c56f1f-c2e7-42a0-af1e-bd87b6872d9f" providerId="AD" clId="Web-{9738FD45-B02D-D41C-56F8-892A23A6310C}" dt="2021-06-21T16:16:53.216" v="1735"/>
+          <ac:spMkLst>
+            <pc:docMk/>
+            <pc:sldMk cId="695631241" sldId="274"/>
+            <ac:spMk id="31" creationId="{B4C27B90-DF2B-4D00-BA07-18ED774CD2F1}"/>
+          </ac:spMkLst>
+        </pc:spChg>
+        <pc:spChg chg="add">
+          <ac:chgData name="Trần Đình Lâm" userId="S::20c12007@student.hcmus.edu.vn::e1c56f1f-c2e7-42a0-af1e-bd87b6872d9f" providerId="AD" clId="Web-{9738FD45-B02D-D41C-56F8-892A23A6310C}" dt="2021-06-21T16:16:53.216" v="1735"/>
+          <ac:spMkLst>
+            <pc:docMk/>
+            <pc:sldMk cId="695631241" sldId="274"/>
+            <ac:spMk id="32" creationId="{593ACC25-C262-417A-8AA9-0641C772BDB6}"/>
+          </ac:spMkLst>
+        </pc:spChg>
+        <pc:picChg chg="add del mod ord">
+          <ac:chgData name="Trần Đình Lâm" userId="S::20c12007@student.hcmus.edu.vn::e1c56f1f-c2e7-42a0-af1e-bd87b6872d9f" providerId="AD" clId="Web-{9738FD45-B02D-D41C-56F8-892A23A6310C}" dt="2021-06-21T16:16:46.903" v="1733"/>
+          <ac:picMkLst>
+            <pc:docMk/>
+            <pc:sldMk cId="695631241" sldId="274"/>
+            <ac:picMk id="5" creationId="{1CB83C50-2CED-49B8-AD8B-3DB2ED55CA9B}"/>
+          </ac:picMkLst>
+        </pc:picChg>
+        <pc:picChg chg="add mod ord">
+          <ac:chgData name="Trần Đình Lâm" userId="S::20c12007@student.hcmus.edu.vn::e1c56f1f-c2e7-42a0-af1e-bd87b6872d9f" providerId="AD" clId="Web-{9738FD45-B02D-D41C-56F8-892A23A6310C}" dt="2021-06-21T16:17:07.122" v="1738" actId="1076"/>
+          <ac:picMkLst>
+            <pc:docMk/>
+            <pc:sldMk cId="695631241" sldId="274"/>
+            <ac:picMk id="6" creationId="{5FD71C84-4237-4EDA-87F6-EE888FEDB4C3}"/>
+          </ac:picMkLst>
+        </pc:picChg>
+        <pc:cxnChg chg="add del">
+          <ac:chgData name="Trần Đình Lâm" userId="S::20c12007@student.hcmus.edu.vn::e1c56f1f-c2e7-42a0-af1e-bd87b6872d9f" providerId="AD" clId="Web-{9738FD45-B02D-D41C-56F8-892A23A6310C}" dt="2021-06-21T16:16:25.278" v="1726"/>
+          <ac:cxnSpMkLst>
+            <pc:docMk/>
+            <pc:sldMk cId="695631241" sldId="274"/>
+            <ac:cxnSpMk id="9" creationId="{F5486A9D-1265-4B57-91E6-68E666B978BC}"/>
+          </ac:cxnSpMkLst>
+        </pc:cxnChg>
+        <pc:cxnChg chg="add del">
+          <ac:chgData name="Trần Đình Lâm" userId="S::20c12007@student.hcmus.edu.vn::e1c56f1f-c2e7-42a0-af1e-bd87b6872d9f" providerId="AD" clId="Web-{9738FD45-B02D-D41C-56F8-892A23A6310C}" dt="2021-06-21T16:16:14.402" v="1724"/>
+          <ac:cxnSpMkLst>
+            <pc:docMk/>
+            <pc:sldMk cId="695631241" sldId="274"/>
+            <ac:cxnSpMk id="14" creationId="{7E1D4427-852B-4B37-8E76-0E9F1810BA2A}"/>
+          </ac:cxnSpMkLst>
+        </pc:cxnChg>
+        <pc:cxnChg chg="add del">
+          <ac:chgData name="Trần Đình Lâm" userId="S::20c12007@student.hcmus.edu.vn::e1c56f1f-c2e7-42a0-af1e-bd87b6872d9f" providerId="AD" clId="Web-{9738FD45-B02D-D41C-56F8-892A23A6310C}" dt="2021-06-21T16:16:14.402" v="1724"/>
+          <ac:cxnSpMkLst>
+            <pc:docMk/>
+            <pc:sldMk cId="695631241" sldId="274"/>
+            <ac:cxnSpMk id="18" creationId="{5C6A2BAE-B461-4B55-8E1F-0722ABDD1393}"/>
+          </ac:cxnSpMkLst>
+        </pc:cxnChg>
+        <pc:cxnChg chg="add del">
+          <ac:chgData name="Trần Đình Lâm" userId="S::20c12007@student.hcmus.edu.vn::e1c56f1f-c2e7-42a0-af1e-bd87b6872d9f" providerId="AD" clId="Web-{9738FD45-B02D-D41C-56F8-892A23A6310C}" dt="2021-06-21T16:16:43.872" v="1732"/>
+          <ac:cxnSpMkLst>
+            <pc:docMk/>
+            <pc:sldMk cId="695631241" sldId="274"/>
+            <ac:cxnSpMk id="19" creationId="{F5486A9D-1265-4B57-91E6-68E666B978BC}"/>
+          </ac:cxnSpMkLst>
+        </pc:cxnChg>
+        <pc:cxnChg chg="add del">
+          <ac:chgData name="Trần Đình Lâm" userId="S::20c12007@student.hcmus.edu.vn::e1c56f1f-c2e7-42a0-af1e-bd87b6872d9f" providerId="AD" clId="Web-{9738FD45-B02D-D41C-56F8-892A23A6310C}" dt="2021-06-21T16:16:43.872" v="1732"/>
+          <ac:cxnSpMkLst>
+            <pc:docMk/>
+            <pc:sldMk cId="695631241" sldId="274"/>
+            <ac:cxnSpMk id="23" creationId="{73D8893D-DEBE-4F67-901F-166F75E9C6E7}"/>
+          </ac:cxnSpMkLst>
+        </pc:cxnChg>
+        <pc:cxnChg chg="add">
+          <ac:chgData name="Trần Đình Lâm" userId="S::20c12007@student.hcmus.edu.vn::e1c56f1f-c2e7-42a0-af1e-bd87b6872d9f" providerId="AD" clId="Web-{9738FD45-B02D-D41C-56F8-892A23A6310C}" dt="2021-06-21T16:16:53.216" v="1735"/>
+          <ac:cxnSpMkLst>
+            <pc:docMk/>
+            <pc:sldMk cId="695631241" sldId="274"/>
+            <ac:cxnSpMk id="28" creationId="{7E1D4427-852B-4B37-8E76-0E9F1810BA2A}"/>
+          </ac:cxnSpMkLst>
+        </pc:cxnChg>
+        <pc:cxnChg chg="add">
+          <ac:chgData name="Trần Đình Lâm" userId="S::20c12007@student.hcmus.edu.vn::e1c56f1f-c2e7-42a0-af1e-bd87b6872d9f" providerId="AD" clId="Web-{9738FD45-B02D-D41C-56F8-892A23A6310C}" dt="2021-06-21T16:16:53.216" v="1735"/>
+          <ac:cxnSpMkLst>
+            <pc:docMk/>
+            <pc:sldMk cId="695631241" sldId="274"/>
+            <ac:cxnSpMk id="30" creationId="{5C6A2BAE-B461-4B55-8E1F-0722ABDD1393}"/>
+          </ac:cxnSpMkLst>
+        </pc:cxnChg>
+      </pc:sldChg>
+      <pc:sldChg chg="addSp delSp modSp add mod ord replId setBg">
+        <pc:chgData name="Trần Đình Lâm" userId="S::20c12007@student.hcmus.edu.vn::e1c56f1f-c2e7-42a0-af1e-bd87b6872d9f" providerId="AD" clId="Web-{9738FD45-B02D-D41C-56F8-892A23A6310C}" dt="2021-06-21T16:15:28.261" v="1717"/>
+        <pc:sldMkLst>
+          <pc:docMk/>
+          <pc:sldMk cId="619985121" sldId="275"/>
+        </pc:sldMkLst>
+        <pc:spChg chg="mod">
+          <ac:chgData name="Trần Đình Lâm" userId="S::20c12007@student.hcmus.edu.vn::e1c56f1f-c2e7-42a0-af1e-bd87b6872d9f" providerId="AD" clId="Web-{9738FD45-B02D-D41C-56F8-892A23A6310C}" dt="2021-06-21T16:15:28.261" v="1717"/>
+          <ac:spMkLst>
+            <pc:docMk/>
+            <pc:sldMk cId="619985121" sldId="275"/>
+            <ac:spMk id="2" creationId="{1D089AA2-066B-4261-AB5D-07B4856E2AE5}"/>
+          </ac:spMkLst>
+        </pc:spChg>
+        <pc:spChg chg="del">
+          <ac:chgData name="Trần Đình Lâm" userId="S::20c12007@student.hcmus.edu.vn::e1c56f1f-c2e7-42a0-af1e-bd87b6872d9f" providerId="AD" clId="Web-{9738FD45-B02D-D41C-56F8-892A23A6310C}" dt="2021-06-21T16:14:52.276" v="1714"/>
+          <ac:spMkLst>
+            <pc:docMk/>
+            <pc:sldMk cId="619985121" sldId="275"/>
+            <ac:spMk id="3" creationId="{3623B4A0-7545-4E2C-8B59-9B1C914F34BD}"/>
+          </ac:spMkLst>
+        </pc:spChg>
+        <pc:spChg chg="mod">
+          <ac:chgData name="Trần Đình Lâm" userId="S::20c12007@student.hcmus.edu.vn::e1c56f1f-c2e7-42a0-af1e-bd87b6872d9f" providerId="AD" clId="Web-{9738FD45-B02D-D41C-56F8-892A23A6310C}" dt="2021-06-21T16:15:28.261" v="1717"/>
+          <ac:spMkLst>
+            <pc:docMk/>
+            <pc:sldMk cId="619985121" sldId="275"/>
+            <ac:spMk id="4" creationId="{7743B9EC-989C-4DFD-89CF-5AB3B4E1959E}"/>
+          </ac:spMkLst>
+        </pc:spChg>
+        <pc:spChg chg="add">
+          <ac:chgData name="Trần Đình Lâm" userId="S::20c12007@student.hcmus.edu.vn::e1c56f1f-c2e7-42a0-af1e-bd87b6872d9f" providerId="AD" clId="Web-{9738FD45-B02D-D41C-56F8-892A23A6310C}" dt="2021-06-21T16:15:28.261" v="1717"/>
+          <ac:spMkLst>
+            <pc:docMk/>
+            <pc:sldMk cId="619985121" sldId="275"/>
+            <ac:spMk id="10" creationId="{4E4490D0-3672-446A-AC12-B4830333BDDD}"/>
+          </ac:spMkLst>
+        </pc:spChg>
+        <pc:spChg chg="add">
+          <ac:chgData name="Trần Đình Lâm" userId="S::20c12007@student.hcmus.edu.vn::e1c56f1f-c2e7-42a0-af1e-bd87b6872d9f" providerId="AD" clId="Web-{9738FD45-B02D-D41C-56F8-892A23A6310C}" dt="2021-06-21T16:15:28.261" v="1717"/>
+          <ac:spMkLst>
+            <pc:docMk/>
+            <pc:sldMk cId="619985121" sldId="275"/>
+            <ac:spMk id="12" creationId="{39CB82C2-DF65-4EC1-8280-F201D50F570B}"/>
+          </ac:spMkLst>
+        </pc:spChg>
+        <pc:spChg chg="add">
+          <ac:chgData name="Trần Đình Lâm" userId="S::20c12007@student.hcmus.edu.vn::e1c56f1f-c2e7-42a0-af1e-bd87b6872d9f" providerId="AD" clId="Web-{9738FD45-B02D-D41C-56F8-892A23A6310C}" dt="2021-06-21T16:15:28.261" v="1717"/>
+          <ac:spMkLst>
+            <pc:docMk/>
+            <pc:sldMk cId="619985121" sldId="275"/>
+            <ac:spMk id="16" creationId="{FA4CD5CB-D209-4D70-8CA4-629731C59219}"/>
+          </ac:spMkLst>
+        </pc:spChg>
+        <pc:spChg chg="add">
+          <ac:chgData name="Trần Đình Lâm" userId="S::20c12007@student.hcmus.edu.vn::e1c56f1f-c2e7-42a0-af1e-bd87b6872d9f" providerId="AD" clId="Web-{9738FD45-B02D-D41C-56F8-892A23A6310C}" dt="2021-06-21T16:15:28.261" v="1717"/>
+          <ac:spMkLst>
+            <pc:docMk/>
+            <pc:sldMk cId="619985121" sldId="275"/>
+            <ac:spMk id="20" creationId="{B4C27B90-DF2B-4D00-BA07-18ED774CD2F1}"/>
+          </ac:spMkLst>
+        </pc:spChg>
+        <pc:spChg chg="add">
+          <ac:chgData name="Trần Đình Lâm" userId="S::20c12007@student.hcmus.edu.vn::e1c56f1f-c2e7-42a0-af1e-bd87b6872d9f" providerId="AD" clId="Web-{9738FD45-B02D-D41C-56F8-892A23A6310C}" dt="2021-06-21T16:15:28.261" v="1717"/>
+          <ac:spMkLst>
+            <pc:docMk/>
+            <pc:sldMk cId="619985121" sldId="275"/>
+            <ac:spMk id="22" creationId="{593ACC25-C262-417A-8AA9-0641C772BDB6}"/>
+          </ac:spMkLst>
+        </pc:spChg>
+        <pc:picChg chg="add mod ord">
+          <ac:chgData name="Trần Đình Lâm" userId="S::20c12007@student.hcmus.edu.vn::e1c56f1f-c2e7-42a0-af1e-bd87b6872d9f" providerId="AD" clId="Web-{9738FD45-B02D-D41C-56F8-892A23A6310C}" dt="2021-06-21T16:15:28.261" v="1717"/>
+          <ac:picMkLst>
+            <pc:docMk/>
+            <pc:sldMk cId="619985121" sldId="275"/>
+            <ac:picMk id="5" creationId="{113EB94B-F9F0-49B3-A45A-9FE6B0AA421A}"/>
+          </ac:picMkLst>
+        </pc:picChg>
+        <pc:cxnChg chg="add">
+          <ac:chgData name="Trần Đình Lâm" userId="S::20c12007@student.hcmus.edu.vn::e1c56f1f-c2e7-42a0-af1e-bd87b6872d9f" providerId="AD" clId="Web-{9738FD45-B02D-D41C-56F8-892A23A6310C}" dt="2021-06-21T16:15:28.261" v="1717"/>
+          <ac:cxnSpMkLst>
+            <pc:docMk/>
+            <pc:sldMk cId="619985121" sldId="275"/>
+            <ac:cxnSpMk id="14" creationId="{7E1D4427-852B-4B37-8E76-0E9F1810BA2A}"/>
+          </ac:cxnSpMkLst>
+        </pc:cxnChg>
+        <pc:cxnChg chg="add">
+          <ac:chgData name="Trần Đình Lâm" userId="S::20c12007@student.hcmus.edu.vn::e1c56f1f-c2e7-42a0-af1e-bd87b6872d9f" providerId="AD" clId="Web-{9738FD45-B02D-D41C-56F8-892A23A6310C}" dt="2021-06-21T16:15:28.261" v="1717"/>
+          <ac:cxnSpMkLst>
+            <pc:docMk/>
+            <pc:sldMk cId="619985121" sldId="275"/>
+            <ac:cxnSpMk id="18" creationId="{5C6A2BAE-B461-4B55-8E1F-0722ABDD1393}"/>
+          </ac:cxnSpMkLst>
+        </pc:cxnChg>
+      </pc:sldChg>
       <pc:sldChg chg="del">
         <pc:chgData name="Trần Đình Lâm" userId="S::20c12007@student.hcmus.edu.vn::e1c56f1f-c2e7-42a0-af1e-bd87b6872d9f" providerId="AD" clId="Web-{9738FD45-B02D-D41C-56F8-892A23A6310C}" dt="2021-06-21T14:13:41.731" v="380"/>
         <pc:sldMkLst>
           <pc:docMk/>
           <pc:sldMk cId="953755362" sldId="275"/>
         </pc:sldMkLst>
+      </pc:sldChg>
+      <pc:sldChg chg="addSp delSp modSp add mod replId setBg">
+        <pc:chgData name="Trần Đình Lâm" userId="S::20c12007@student.hcmus.edu.vn::e1c56f1f-c2e7-42a0-af1e-bd87b6872d9f" providerId="AD" clId="Web-{9738FD45-B02D-D41C-56F8-892A23A6310C}" dt="2021-06-21T16:17:39.607" v="1743" actId="14100"/>
+        <pc:sldMkLst>
+          <pc:docMk/>
+          <pc:sldMk cId="3118699940" sldId="276"/>
+        </pc:sldMkLst>
+        <pc:spChg chg="mod">
+          <ac:chgData name="Trần Đình Lâm" userId="S::20c12007@student.hcmus.edu.vn::e1c56f1f-c2e7-42a0-af1e-bd87b6872d9f" providerId="AD" clId="Web-{9738FD45-B02D-D41C-56F8-892A23A6310C}" dt="2021-06-21T16:17:23.998" v="1740"/>
+          <ac:spMkLst>
+            <pc:docMk/>
+            <pc:sldMk cId="3118699940" sldId="276"/>
+            <ac:spMk id="2" creationId="{1D089AA2-066B-4261-AB5D-07B4856E2AE5}"/>
+          </ac:spMkLst>
+        </pc:spChg>
+        <pc:spChg chg="del">
+          <ac:chgData name="Trần Đình Lâm" userId="S::20c12007@student.hcmus.edu.vn::e1c56f1f-c2e7-42a0-af1e-bd87b6872d9f" providerId="AD" clId="Web-{9738FD45-B02D-D41C-56F8-892A23A6310C}" dt="2021-06-21T16:17:19.576" v="1739"/>
+          <ac:spMkLst>
+            <pc:docMk/>
+            <pc:sldMk cId="3118699940" sldId="276"/>
+            <ac:spMk id="3" creationId="{3623B4A0-7545-4E2C-8B59-9B1C914F34BD}"/>
+          </ac:spMkLst>
+        </pc:spChg>
+        <pc:spChg chg="mod">
+          <ac:chgData name="Trần Đình Lâm" userId="S::20c12007@student.hcmus.edu.vn::e1c56f1f-c2e7-42a0-af1e-bd87b6872d9f" providerId="AD" clId="Web-{9738FD45-B02D-D41C-56F8-892A23A6310C}" dt="2021-06-21T16:17:23.998" v="1740"/>
+          <ac:spMkLst>
+            <pc:docMk/>
+            <pc:sldMk cId="3118699940" sldId="276"/>
+            <ac:spMk id="4" creationId="{7743B9EC-989C-4DFD-89CF-5AB3B4E1959E}"/>
+          </ac:spMkLst>
+        </pc:spChg>
+        <pc:spChg chg="add">
+          <ac:chgData name="Trần Đình Lâm" userId="S::20c12007@student.hcmus.edu.vn::e1c56f1f-c2e7-42a0-af1e-bd87b6872d9f" providerId="AD" clId="Web-{9738FD45-B02D-D41C-56F8-892A23A6310C}" dt="2021-06-21T16:17:23.998" v="1740"/>
+          <ac:spMkLst>
+            <pc:docMk/>
+            <pc:sldMk cId="3118699940" sldId="276"/>
+            <ac:spMk id="10" creationId="{4E4490D0-3672-446A-AC12-B4830333BDDD}"/>
+          </ac:spMkLst>
+        </pc:spChg>
+        <pc:spChg chg="add">
+          <ac:chgData name="Trần Đình Lâm" userId="S::20c12007@student.hcmus.edu.vn::e1c56f1f-c2e7-42a0-af1e-bd87b6872d9f" providerId="AD" clId="Web-{9738FD45-B02D-D41C-56F8-892A23A6310C}" dt="2021-06-21T16:17:23.998" v="1740"/>
+          <ac:spMkLst>
+            <pc:docMk/>
+            <pc:sldMk cId="3118699940" sldId="276"/>
+            <ac:spMk id="12" creationId="{39CB82C2-DF65-4EC1-8280-F201D50F570B}"/>
+          </ac:spMkLst>
+        </pc:spChg>
+        <pc:spChg chg="add">
+          <ac:chgData name="Trần Đình Lâm" userId="S::20c12007@student.hcmus.edu.vn::e1c56f1f-c2e7-42a0-af1e-bd87b6872d9f" providerId="AD" clId="Web-{9738FD45-B02D-D41C-56F8-892A23A6310C}" dt="2021-06-21T16:17:23.998" v="1740"/>
+          <ac:spMkLst>
+            <pc:docMk/>
+            <pc:sldMk cId="3118699940" sldId="276"/>
+            <ac:spMk id="16" creationId="{FA4CD5CB-D209-4D70-8CA4-629731C59219}"/>
+          </ac:spMkLst>
+        </pc:spChg>
+        <pc:spChg chg="add">
+          <ac:chgData name="Trần Đình Lâm" userId="S::20c12007@student.hcmus.edu.vn::e1c56f1f-c2e7-42a0-af1e-bd87b6872d9f" providerId="AD" clId="Web-{9738FD45-B02D-D41C-56F8-892A23A6310C}" dt="2021-06-21T16:17:23.998" v="1740"/>
+          <ac:spMkLst>
+            <pc:docMk/>
+            <pc:sldMk cId="3118699940" sldId="276"/>
+            <ac:spMk id="20" creationId="{B4C27B90-DF2B-4D00-BA07-18ED774CD2F1}"/>
+          </ac:spMkLst>
+        </pc:spChg>
+        <pc:spChg chg="add">
+          <ac:chgData name="Trần Đình Lâm" userId="S::20c12007@student.hcmus.edu.vn::e1c56f1f-c2e7-42a0-af1e-bd87b6872d9f" providerId="AD" clId="Web-{9738FD45-B02D-D41C-56F8-892A23A6310C}" dt="2021-06-21T16:17:23.998" v="1740"/>
+          <ac:spMkLst>
+            <pc:docMk/>
+            <pc:sldMk cId="3118699940" sldId="276"/>
+            <ac:spMk id="22" creationId="{593ACC25-C262-417A-8AA9-0641C772BDB6}"/>
+          </ac:spMkLst>
+        </pc:spChg>
+        <pc:picChg chg="add mod ord">
+          <ac:chgData name="Trần Đình Lâm" userId="S::20c12007@student.hcmus.edu.vn::e1c56f1f-c2e7-42a0-af1e-bd87b6872d9f" providerId="AD" clId="Web-{9738FD45-B02D-D41C-56F8-892A23A6310C}" dt="2021-06-21T16:17:39.607" v="1743" actId="14100"/>
+          <ac:picMkLst>
+            <pc:docMk/>
+            <pc:sldMk cId="3118699940" sldId="276"/>
+            <ac:picMk id="5" creationId="{C89AEBB4-D653-4329-A3E7-B8437198B48E}"/>
+          </ac:picMkLst>
+        </pc:picChg>
+        <pc:cxnChg chg="add">
+          <ac:chgData name="Trần Đình Lâm" userId="S::20c12007@student.hcmus.edu.vn::e1c56f1f-c2e7-42a0-af1e-bd87b6872d9f" providerId="AD" clId="Web-{9738FD45-B02D-D41C-56F8-892A23A6310C}" dt="2021-06-21T16:17:23.998" v="1740"/>
+          <ac:cxnSpMkLst>
+            <pc:docMk/>
+            <pc:sldMk cId="3118699940" sldId="276"/>
+            <ac:cxnSpMk id="14" creationId="{7E1D4427-852B-4B37-8E76-0E9F1810BA2A}"/>
+          </ac:cxnSpMkLst>
+        </pc:cxnChg>
+        <pc:cxnChg chg="add">
+          <ac:chgData name="Trần Đình Lâm" userId="S::20c12007@student.hcmus.edu.vn::e1c56f1f-c2e7-42a0-af1e-bd87b6872d9f" providerId="AD" clId="Web-{9738FD45-B02D-D41C-56F8-892A23A6310C}" dt="2021-06-21T16:17:23.998" v="1740"/>
+          <ac:cxnSpMkLst>
+            <pc:docMk/>
+            <pc:sldMk cId="3118699940" sldId="276"/>
+            <ac:cxnSpMk id="18" creationId="{5C6A2BAE-B461-4B55-8E1F-0722ABDD1393}"/>
+          </ac:cxnSpMkLst>
+        </pc:cxnChg>
+      </pc:sldChg>
+      <pc:sldChg chg="addSp delSp modSp add mod replId setBg">
+        <pc:chgData name="Trần Đình Lâm" userId="S::20c12007@student.hcmus.edu.vn::e1c56f1f-c2e7-42a0-af1e-bd87b6872d9f" providerId="AD" clId="Web-{9738FD45-B02D-D41C-56F8-892A23A6310C}" dt="2021-06-21T16:18:14.545" v="1748" actId="1076"/>
+        <pc:sldMkLst>
+          <pc:docMk/>
+          <pc:sldMk cId="2410360228" sldId="277"/>
+        </pc:sldMkLst>
+        <pc:spChg chg="mod">
+          <ac:chgData name="Trần Đình Lâm" userId="S::20c12007@student.hcmus.edu.vn::e1c56f1f-c2e7-42a0-af1e-bd87b6872d9f" providerId="AD" clId="Web-{9738FD45-B02D-D41C-56F8-892A23A6310C}" dt="2021-06-21T16:17:59.795" v="1745"/>
+          <ac:spMkLst>
+            <pc:docMk/>
+            <pc:sldMk cId="2410360228" sldId="277"/>
+            <ac:spMk id="2" creationId="{1D089AA2-066B-4261-AB5D-07B4856E2AE5}"/>
+          </ac:spMkLst>
+        </pc:spChg>
+        <pc:spChg chg="del">
+          <ac:chgData name="Trần Đình Lâm" userId="S::20c12007@student.hcmus.edu.vn::e1c56f1f-c2e7-42a0-af1e-bd87b6872d9f" providerId="AD" clId="Web-{9738FD45-B02D-D41C-56F8-892A23A6310C}" dt="2021-06-21T16:17:56.076" v="1744"/>
+          <ac:spMkLst>
+            <pc:docMk/>
+            <pc:sldMk cId="2410360228" sldId="277"/>
+            <ac:spMk id="3" creationId="{3623B4A0-7545-4E2C-8B59-9B1C914F34BD}"/>
+          </ac:spMkLst>
+        </pc:spChg>
+        <pc:spChg chg="mod">
+          <ac:chgData name="Trần Đình Lâm" userId="S::20c12007@student.hcmus.edu.vn::e1c56f1f-c2e7-42a0-af1e-bd87b6872d9f" providerId="AD" clId="Web-{9738FD45-B02D-D41C-56F8-892A23A6310C}" dt="2021-06-21T16:17:59.795" v="1745"/>
+          <ac:spMkLst>
+            <pc:docMk/>
+            <pc:sldMk cId="2410360228" sldId="277"/>
+            <ac:spMk id="4" creationId="{7743B9EC-989C-4DFD-89CF-5AB3B4E1959E}"/>
+          </ac:spMkLst>
+        </pc:spChg>
+        <pc:spChg chg="add">
+          <ac:chgData name="Trần Đình Lâm" userId="S::20c12007@student.hcmus.edu.vn::e1c56f1f-c2e7-42a0-af1e-bd87b6872d9f" providerId="AD" clId="Web-{9738FD45-B02D-D41C-56F8-892A23A6310C}" dt="2021-06-21T16:17:59.795" v="1745"/>
+          <ac:spMkLst>
+            <pc:docMk/>
+            <pc:sldMk cId="2410360228" sldId="277"/>
+            <ac:spMk id="10" creationId="{4E4490D0-3672-446A-AC12-B4830333BDDD}"/>
+          </ac:spMkLst>
+        </pc:spChg>
+        <pc:spChg chg="add">
+          <ac:chgData name="Trần Đình Lâm" userId="S::20c12007@student.hcmus.edu.vn::e1c56f1f-c2e7-42a0-af1e-bd87b6872d9f" providerId="AD" clId="Web-{9738FD45-B02D-D41C-56F8-892A23A6310C}" dt="2021-06-21T16:17:59.795" v="1745"/>
+          <ac:spMkLst>
+            <pc:docMk/>
+            <pc:sldMk cId="2410360228" sldId="277"/>
+            <ac:spMk id="12" creationId="{39CB82C2-DF65-4EC1-8280-F201D50F570B}"/>
+          </ac:spMkLst>
+        </pc:spChg>
+        <pc:spChg chg="add">
+          <ac:chgData name="Trần Đình Lâm" userId="S::20c12007@student.hcmus.edu.vn::e1c56f1f-c2e7-42a0-af1e-bd87b6872d9f" providerId="AD" clId="Web-{9738FD45-B02D-D41C-56F8-892A23A6310C}" dt="2021-06-21T16:17:59.795" v="1745"/>
+          <ac:spMkLst>
+            <pc:docMk/>
+            <pc:sldMk cId="2410360228" sldId="277"/>
+            <ac:spMk id="16" creationId="{FA4CD5CB-D209-4D70-8CA4-629731C59219}"/>
+          </ac:spMkLst>
+        </pc:spChg>
+        <pc:spChg chg="add">
+          <ac:chgData name="Trần Đình Lâm" userId="S::20c12007@student.hcmus.edu.vn::e1c56f1f-c2e7-42a0-af1e-bd87b6872d9f" providerId="AD" clId="Web-{9738FD45-B02D-D41C-56F8-892A23A6310C}" dt="2021-06-21T16:17:59.795" v="1745"/>
+          <ac:spMkLst>
+            <pc:docMk/>
+            <pc:sldMk cId="2410360228" sldId="277"/>
+            <ac:spMk id="20" creationId="{B4C27B90-DF2B-4D00-BA07-18ED774CD2F1}"/>
+          </ac:spMkLst>
+        </pc:spChg>
+        <pc:spChg chg="add">
+          <ac:chgData name="Trần Đình Lâm" userId="S::20c12007@student.hcmus.edu.vn::e1c56f1f-c2e7-42a0-af1e-bd87b6872d9f" providerId="AD" clId="Web-{9738FD45-B02D-D41C-56F8-892A23A6310C}" dt="2021-06-21T16:17:59.795" v="1745"/>
+          <ac:spMkLst>
+            <pc:docMk/>
+            <pc:sldMk cId="2410360228" sldId="277"/>
+            <ac:spMk id="22" creationId="{593ACC25-C262-417A-8AA9-0641C772BDB6}"/>
+          </ac:spMkLst>
+        </pc:spChg>
+        <pc:picChg chg="add mod ord">
+          <ac:chgData name="Trần Đình Lâm" userId="S::20c12007@student.hcmus.edu.vn::e1c56f1f-c2e7-42a0-af1e-bd87b6872d9f" providerId="AD" clId="Web-{9738FD45-B02D-D41C-56F8-892A23A6310C}" dt="2021-06-21T16:18:14.545" v="1748" actId="1076"/>
+          <ac:picMkLst>
+            <pc:docMk/>
+            <pc:sldMk cId="2410360228" sldId="277"/>
+            <ac:picMk id="5" creationId="{A3178145-4569-4EA8-8AAF-1944333CE599}"/>
+          </ac:picMkLst>
+        </pc:picChg>
+        <pc:cxnChg chg="add">
+          <ac:chgData name="Trần Đình Lâm" userId="S::20c12007@student.hcmus.edu.vn::e1c56f1f-c2e7-42a0-af1e-bd87b6872d9f" providerId="AD" clId="Web-{9738FD45-B02D-D41C-56F8-892A23A6310C}" dt="2021-06-21T16:17:59.795" v="1745"/>
+          <ac:cxnSpMkLst>
+            <pc:docMk/>
+            <pc:sldMk cId="2410360228" sldId="277"/>
+            <ac:cxnSpMk id="14" creationId="{7E1D4427-852B-4B37-8E76-0E9F1810BA2A}"/>
+          </ac:cxnSpMkLst>
+        </pc:cxnChg>
+        <pc:cxnChg chg="add">
+          <ac:chgData name="Trần Đình Lâm" userId="S::20c12007@student.hcmus.edu.vn::e1c56f1f-c2e7-42a0-af1e-bd87b6872d9f" providerId="AD" clId="Web-{9738FD45-B02D-D41C-56F8-892A23A6310C}" dt="2021-06-21T16:17:59.795" v="1745"/>
+          <ac:cxnSpMkLst>
+            <pc:docMk/>
+            <pc:sldMk cId="2410360228" sldId="277"/>
+            <ac:cxnSpMk id="18" creationId="{5C6A2BAE-B461-4B55-8E1F-0722ABDD1393}"/>
+          </ac:cxnSpMkLst>
+        </pc:cxnChg>
+      </pc:sldChg>
+      <pc:sldChg chg="addSp delSp modSp add mod replId setBg">
+        <pc:chgData name="Trần Đình Lâm" userId="S::20c12007@student.hcmus.edu.vn::e1c56f1f-c2e7-42a0-af1e-bd87b6872d9f" providerId="AD" clId="Web-{9738FD45-B02D-D41C-56F8-892A23A6310C}" dt="2021-06-21T16:15:51.121" v="1721" actId="1076"/>
+        <pc:sldMkLst>
+          <pc:docMk/>
+          <pc:sldMk cId="1785015907" sldId="278"/>
+        </pc:sldMkLst>
+        <pc:spChg chg="mod">
+          <ac:chgData name="Trần Đình Lâm" userId="S::20c12007@student.hcmus.edu.vn::e1c56f1f-c2e7-42a0-af1e-bd87b6872d9f" providerId="AD" clId="Web-{9738FD45-B02D-D41C-56F8-892A23A6310C}" dt="2021-06-21T16:15:37.027" v="1718"/>
+          <ac:spMkLst>
+            <pc:docMk/>
+            <pc:sldMk cId="1785015907" sldId="278"/>
+            <ac:spMk id="2" creationId="{1D089AA2-066B-4261-AB5D-07B4856E2AE5}"/>
+          </ac:spMkLst>
+        </pc:spChg>
+        <pc:spChg chg="del">
+          <ac:chgData name="Trần Đình Lâm" userId="S::20c12007@student.hcmus.edu.vn::e1c56f1f-c2e7-42a0-af1e-bd87b6872d9f" providerId="AD" clId="Web-{9738FD45-B02D-D41C-56F8-892A23A6310C}" dt="2021-06-21T16:14:17.822" v="1709"/>
+          <ac:spMkLst>
+            <pc:docMk/>
+            <pc:sldMk cId="1785015907" sldId="278"/>
+            <ac:spMk id="3" creationId="{3623B4A0-7545-4E2C-8B59-9B1C914F34BD}"/>
+          </ac:spMkLst>
+        </pc:spChg>
+        <pc:spChg chg="mod">
+          <ac:chgData name="Trần Đình Lâm" userId="S::20c12007@student.hcmus.edu.vn::e1c56f1f-c2e7-42a0-af1e-bd87b6872d9f" providerId="AD" clId="Web-{9738FD45-B02D-D41C-56F8-892A23A6310C}" dt="2021-06-21T16:14:24.478" v="1710"/>
+          <ac:spMkLst>
+            <pc:docMk/>
+            <pc:sldMk cId="1785015907" sldId="278"/>
+            <ac:spMk id="4" creationId="{7743B9EC-989C-4DFD-89CF-5AB3B4E1959E}"/>
+          </ac:spMkLst>
+        </pc:spChg>
+        <pc:spChg chg="add del">
+          <ac:chgData name="Trần Đình Lâm" userId="S::20c12007@student.hcmus.edu.vn::e1c56f1f-c2e7-42a0-af1e-bd87b6872d9f" providerId="AD" clId="Web-{9738FD45-B02D-D41C-56F8-892A23A6310C}" dt="2021-06-21T16:15:37.027" v="1718"/>
+          <ac:spMkLst>
+            <pc:docMk/>
+            <pc:sldMk cId="1785015907" sldId="278"/>
+            <ac:spMk id="10" creationId="{4E4490D0-3672-446A-AC12-B4830333BDDD}"/>
+          </ac:spMkLst>
+        </pc:spChg>
+        <pc:spChg chg="add del">
+          <ac:chgData name="Trần Đình Lâm" userId="S::20c12007@student.hcmus.edu.vn::e1c56f1f-c2e7-42a0-af1e-bd87b6872d9f" providerId="AD" clId="Web-{9738FD45-B02D-D41C-56F8-892A23A6310C}" dt="2021-06-21T16:15:37.027" v="1718"/>
+          <ac:spMkLst>
+            <pc:docMk/>
+            <pc:sldMk cId="1785015907" sldId="278"/>
+            <ac:spMk id="12" creationId="{39CB82C2-DF65-4EC1-8280-F201D50F570B}"/>
+          </ac:spMkLst>
+        </pc:spChg>
+        <pc:spChg chg="add del">
+          <ac:chgData name="Trần Đình Lâm" userId="S::20c12007@student.hcmus.edu.vn::e1c56f1f-c2e7-42a0-af1e-bd87b6872d9f" providerId="AD" clId="Web-{9738FD45-B02D-D41C-56F8-892A23A6310C}" dt="2021-06-21T16:15:37.027" v="1718"/>
+          <ac:spMkLst>
+            <pc:docMk/>
+            <pc:sldMk cId="1785015907" sldId="278"/>
+            <ac:spMk id="16" creationId="{C4AAA502-5435-489E-9538-3A40E6C71461}"/>
+          </ac:spMkLst>
+        </pc:spChg>
+        <pc:spChg chg="add del">
+          <ac:chgData name="Trần Đình Lâm" userId="S::20c12007@student.hcmus.edu.vn::e1c56f1f-c2e7-42a0-af1e-bd87b6872d9f" providerId="AD" clId="Web-{9738FD45-B02D-D41C-56F8-892A23A6310C}" dt="2021-06-21T16:15:37.027" v="1718"/>
+          <ac:spMkLst>
+            <pc:docMk/>
+            <pc:sldMk cId="1785015907" sldId="278"/>
+            <ac:spMk id="20" creationId="{DE42378B-2E28-4810-8421-7A473A40E376}"/>
+          </ac:spMkLst>
+        </pc:spChg>
+        <pc:spChg chg="add del">
+          <ac:chgData name="Trần Đình Lâm" userId="S::20c12007@student.hcmus.edu.vn::e1c56f1f-c2e7-42a0-af1e-bd87b6872d9f" providerId="AD" clId="Web-{9738FD45-B02D-D41C-56F8-892A23A6310C}" dt="2021-06-21T16:15:37.027" v="1718"/>
+          <ac:spMkLst>
+            <pc:docMk/>
+            <pc:sldMk cId="1785015907" sldId="278"/>
+            <ac:spMk id="22" creationId="{0D91DD17-237F-4811-BC0E-128EB1BD7CFE}"/>
+          </ac:spMkLst>
+        </pc:spChg>
+        <pc:spChg chg="add">
+          <ac:chgData name="Trần Đình Lâm" userId="S::20c12007@student.hcmus.edu.vn::e1c56f1f-c2e7-42a0-af1e-bd87b6872d9f" providerId="AD" clId="Web-{9738FD45-B02D-D41C-56F8-892A23A6310C}" dt="2021-06-21T16:15:37.027" v="1718"/>
+          <ac:spMkLst>
+            <pc:docMk/>
+            <pc:sldMk cId="1785015907" sldId="278"/>
+            <ac:spMk id="27" creationId="{4E4490D0-3672-446A-AC12-B4830333BDDD}"/>
+          </ac:spMkLst>
+        </pc:spChg>
+        <pc:spChg chg="add">
+          <ac:chgData name="Trần Đình Lâm" userId="S::20c12007@student.hcmus.edu.vn::e1c56f1f-c2e7-42a0-af1e-bd87b6872d9f" providerId="AD" clId="Web-{9738FD45-B02D-D41C-56F8-892A23A6310C}" dt="2021-06-21T16:15:37.027" v="1718"/>
+          <ac:spMkLst>
+            <pc:docMk/>
+            <pc:sldMk cId="1785015907" sldId="278"/>
+            <ac:spMk id="29" creationId="{39CB82C2-DF65-4EC1-8280-F201D50F570B}"/>
+          </ac:spMkLst>
+        </pc:spChg>
+        <pc:spChg chg="add">
+          <ac:chgData name="Trần Đình Lâm" userId="S::20c12007@student.hcmus.edu.vn::e1c56f1f-c2e7-42a0-af1e-bd87b6872d9f" providerId="AD" clId="Web-{9738FD45-B02D-D41C-56F8-892A23A6310C}" dt="2021-06-21T16:15:37.027" v="1718"/>
+          <ac:spMkLst>
+            <pc:docMk/>
+            <pc:sldMk cId="1785015907" sldId="278"/>
+            <ac:spMk id="33" creationId="{FA4CD5CB-D209-4D70-8CA4-629731C59219}"/>
+          </ac:spMkLst>
+        </pc:spChg>
+        <pc:spChg chg="add">
+          <ac:chgData name="Trần Đình Lâm" userId="S::20c12007@student.hcmus.edu.vn::e1c56f1f-c2e7-42a0-af1e-bd87b6872d9f" providerId="AD" clId="Web-{9738FD45-B02D-D41C-56F8-892A23A6310C}" dt="2021-06-21T16:15:37.027" v="1718"/>
+          <ac:spMkLst>
+            <pc:docMk/>
+            <pc:sldMk cId="1785015907" sldId="278"/>
+            <ac:spMk id="37" creationId="{B4C27B90-DF2B-4D00-BA07-18ED774CD2F1}"/>
+          </ac:spMkLst>
+        </pc:spChg>
+        <pc:spChg chg="add">
+          <ac:chgData name="Trần Đình Lâm" userId="S::20c12007@student.hcmus.edu.vn::e1c56f1f-c2e7-42a0-af1e-bd87b6872d9f" providerId="AD" clId="Web-{9738FD45-B02D-D41C-56F8-892A23A6310C}" dt="2021-06-21T16:15:37.027" v="1718"/>
+          <ac:spMkLst>
+            <pc:docMk/>
+            <pc:sldMk cId="1785015907" sldId="278"/>
+            <ac:spMk id="39" creationId="{593ACC25-C262-417A-8AA9-0641C772BDB6}"/>
+          </ac:spMkLst>
+        </pc:spChg>
+        <pc:picChg chg="add mod ord">
+          <ac:chgData name="Trần Đình Lâm" userId="S::20c12007@student.hcmus.edu.vn::e1c56f1f-c2e7-42a0-af1e-bd87b6872d9f" providerId="AD" clId="Web-{9738FD45-B02D-D41C-56F8-892A23A6310C}" dt="2021-06-21T16:15:51.121" v="1721" actId="1076"/>
+          <ac:picMkLst>
+            <pc:docMk/>
+            <pc:sldMk cId="1785015907" sldId="278"/>
+            <ac:picMk id="5" creationId="{28288018-24D1-41BD-9E16-A877B29822BE}"/>
+          </ac:picMkLst>
+        </pc:picChg>
+        <pc:cxnChg chg="add del">
+          <ac:chgData name="Trần Đình Lâm" userId="S::20c12007@student.hcmus.edu.vn::e1c56f1f-c2e7-42a0-af1e-bd87b6872d9f" providerId="AD" clId="Web-{9738FD45-B02D-D41C-56F8-892A23A6310C}" dt="2021-06-21T16:15:37.027" v="1718"/>
+          <ac:cxnSpMkLst>
+            <pc:docMk/>
+            <pc:sldMk cId="1785015907" sldId="278"/>
+            <ac:cxnSpMk id="14" creationId="{7E1D4427-852B-4B37-8E76-0E9F1810BA2A}"/>
+          </ac:cxnSpMkLst>
+        </pc:cxnChg>
+        <pc:cxnChg chg="add del">
+          <ac:chgData name="Trần Đình Lâm" userId="S::20c12007@student.hcmus.edu.vn::e1c56f1f-c2e7-42a0-af1e-bd87b6872d9f" providerId="AD" clId="Web-{9738FD45-B02D-D41C-56F8-892A23A6310C}" dt="2021-06-21T16:15:37.027" v="1718"/>
+          <ac:cxnSpMkLst>
+            <pc:docMk/>
+            <pc:sldMk cId="1785015907" sldId="278"/>
+            <ac:cxnSpMk id="18" creationId="{C9AC0290-4702-4519-B0F4-C2A46880997B}"/>
+          </ac:cxnSpMkLst>
+        </pc:cxnChg>
+        <pc:cxnChg chg="add">
+          <ac:chgData name="Trần Đình Lâm" userId="S::20c12007@student.hcmus.edu.vn::e1c56f1f-c2e7-42a0-af1e-bd87b6872d9f" providerId="AD" clId="Web-{9738FD45-B02D-D41C-56F8-892A23A6310C}" dt="2021-06-21T16:15:37.027" v="1718"/>
+          <ac:cxnSpMkLst>
+            <pc:docMk/>
+            <pc:sldMk cId="1785015907" sldId="278"/>
+            <ac:cxnSpMk id="31" creationId="{7E1D4427-852B-4B37-8E76-0E9F1810BA2A}"/>
+          </ac:cxnSpMkLst>
+        </pc:cxnChg>
+        <pc:cxnChg chg="add">
+          <ac:chgData name="Trần Đình Lâm" userId="S::20c12007@student.hcmus.edu.vn::e1c56f1f-c2e7-42a0-af1e-bd87b6872d9f" providerId="AD" clId="Web-{9738FD45-B02D-D41C-56F8-892A23A6310C}" dt="2021-06-21T16:15:37.027" v="1718"/>
+          <ac:cxnSpMkLst>
+            <pc:docMk/>
+            <pc:sldMk cId="1785015907" sldId="278"/>
+            <ac:cxnSpMk id="35" creationId="{5C6A2BAE-B461-4B55-8E1F-0722ABDD1393}"/>
+          </ac:cxnSpMkLst>
+        </pc:cxnChg>
+      </pc:sldChg>
+      <pc:sldChg chg="add del replId">
+        <pc:chgData name="Trần Đình Lâm" userId="S::20c12007@student.hcmus.edu.vn::e1c56f1f-c2e7-42a0-af1e-bd87b6872d9f" providerId="AD" clId="Web-{9738FD45-B02D-D41C-56F8-892A23A6310C}" dt="2021-06-21T16:12:17.866" v="1691"/>
+        <pc:sldMkLst>
+          <pc:docMk/>
+          <pc:sldMk cId="2658232223" sldId="278"/>
+        </pc:sldMkLst>
+      </pc:sldChg>
+      <pc:sldChg chg="modSp new">
+        <pc:chgData name="Trần Đình Lâm" userId="S::20c12007@student.hcmus.edu.vn::e1c56f1f-c2e7-42a0-af1e-bd87b6872d9f" providerId="AD" clId="Web-{9738FD45-B02D-D41C-56F8-892A23A6310C}" dt="2021-06-21T16:19:27.094" v="1765" actId="20577"/>
+        <pc:sldMkLst>
+          <pc:docMk/>
+          <pc:sldMk cId="1987568373" sldId="279"/>
+        </pc:sldMkLst>
+        <pc:spChg chg="mod">
+          <ac:chgData name="Trần Đình Lâm" userId="S::20c12007@student.hcmus.edu.vn::e1c56f1f-c2e7-42a0-af1e-bd87b6872d9f" providerId="AD" clId="Web-{9738FD45-B02D-D41C-56F8-892A23A6310C}" dt="2021-06-21T16:19:27.094" v="1765" actId="20577"/>
+          <ac:spMkLst>
+            <pc:docMk/>
+            <pc:sldMk cId="1987568373" sldId="279"/>
+            <ac:spMk id="2" creationId="{DF3FBF0F-F73B-43AD-955B-D970EC39E725}"/>
+          </ac:spMkLst>
+        </pc:spChg>
+      </pc:sldChg>
+      <pc:sldChg chg="addSp delSp modSp add replId">
+        <pc:chgData name="Trần Đình Lâm" userId="S::20c12007@student.hcmus.edu.vn::e1c56f1f-c2e7-42a0-af1e-bd87b6872d9f" providerId="AD" clId="Web-{9738FD45-B02D-D41C-56F8-892A23A6310C}" dt="2021-06-21T16:20:29.205" v="1777" actId="1076"/>
+        <pc:sldMkLst>
+          <pc:docMk/>
+          <pc:sldMk cId="2865463543" sldId="280"/>
+        </pc:sldMkLst>
+        <pc:spChg chg="mod">
+          <ac:chgData name="Trần Đình Lâm" userId="S::20c12007@student.hcmus.edu.vn::e1c56f1f-c2e7-42a0-af1e-bd87b6872d9f" providerId="AD" clId="Web-{9738FD45-B02D-D41C-56F8-892A23A6310C}" dt="2021-06-21T16:19:39.688" v="1771" actId="20577"/>
+          <ac:spMkLst>
+            <pc:docMk/>
+            <pc:sldMk cId="2865463543" sldId="280"/>
+            <ac:spMk id="2" creationId="{DF3FBF0F-F73B-43AD-955B-D970EC39E725}"/>
+          </ac:spMkLst>
+        </pc:spChg>
+        <pc:spChg chg="del">
+          <ac:chgData name="Trần Đình Lâm" userId="S::20c12007@student.hcmus.edu.vn::e1c56f1f-c2e7-42a0-af1e-bd87b6872d9f" providerId="AD" clId="Web-{9738FD45-B02D-D41C-56F8-892A23A6310C}" dt="2021-06-21T16:20:10.798" v="1772"/>
+          <ac:spMkLst>
+            <pc:docMk/>
+            <pc:sldMk cId="2865463543" sldId="280"/>
+            <ac:spMk id="3" creationId="{8C4018D4-E3F9-44BB-A371-1580B6EDB3B5}"/>
+          </ac:spMkLst>
+        </pc:spChg>
+        <pc:picChg chg="add mod ord">
+          <ac:chgData name="Trần Đình Lâm" userId="S::20c12007@student.hcmus.edu.vn::e1c56f1f-c2e7-42a0-af1e-bd87b6872d9f" providerId="AD" clId="Web-{9738FD45-B02D-D41C-56F8-892A23A6310C}" dt="2021-06-21T16:20:29.205" v="1777" actId="1076"/>
+          <ac:picMkLst>
+            <pc:docMk/>
+            <pc:sldMk cId="2865463543" sldId="280"/>
+            <ac:picMk id="5" creationId="{D6783082-BAB5-44DC-B587-FC6D3FBCB3A6}"/>
+          </ac:picMkLst>
+        </pc:picChg>
       </pc:sldChg>
     </pc:docChg>
   </pc:docChgLst>
@@ -7300,6 +8211,753 @@
 </file>
 
 <file path=ppt/diagrams/colors5.xml><?xml version="1.0" encoding="utf-8"?>
+<dgm:colorsDef xmlns:dgm="http://schemas.openxmlformats.org/drawingml/2006/diagram" xmlns:a="http://schemas.openxmlformats.org/drawingml/2006/main" uniqueId="urn:microsoft.com/office/officeart/2005/8/colors/accent1_2">
+  <dgm:title val=""/>
+  <dgm:desc val=""/>
+  <dgm:catLst>
+    <dgm:cat type="accent1" pri="11200"/>
+  </dgm:catLst>
+  <dgm:styleLbl name="node0">
+    <dgm:fillClrLst meth="repeat">
+      <a:schemeClr val="accent1"/>
+    </dgm:fillClrLst>
+    <dgm:linClrLst meth="repeat">
+      <a:schemeClr val="lt1"/>
+    </dgm:linClrLst>
+    <dgm:effectClrLst/>
+    <dgm:txLinClrLst/>
+    <dgm:txFillClrLst/>
+    <dgm:txEffectClrLst/>
+  </dgm:styleLbl>
+  <dgm:styleLbl name="alignNode1">
+    <dgm:fillClrLst meth="repeat">
+      <a:schemeClr val="accent1"/>
+    </dgm:fillClrLst>
+    <dgm:linClrLst meth="repeat">
+      <a:schemeClr val="accent1"/>
+    </dgm:linClrLst>
+    <dgm:effectClrLst/>
+    <dgm:txLinClrLst/>
+    <dgm:txFillClrLst/>
+    <dgm:txEffectClrLst/>
+  </dgm:styleLbl>
+  <dgm:styleLbl name="node1">
+    <dgm:fillClrLst meth="repeat">
+      <a:schemeClr val="accent1"/>
+    </dgm:fillClrLst>
+    <dgm:linClrLst meth="repeat">
+      <a:schemeClr val="lt1"/>
+    </dgm:linClrLst>
+    <dgm:effectClrLst/>
+    <dgm:txLinClrLst/>
+    <dgm:txFillClrLst/>
+    <dgm:txEffectClrLst/>
+  </dgm:styleLbl>
+  <dgm:styleLbl name="lnNode1">
+    <dgm:fillClrLst meth="repeat">
+      <a:schemeClr val="accent1"/>
+    </dgm:fillClrLst>
+    <dgm:linClrLst meth="repeat">
+      <a:schemeClr val="lt1"/>
+    </dgm:linClrLst>
+    <dgm:effectClrLst/>
+    <dgm:txLinClrLst/>
+    <dgm:txFillClrLst/>
+    <dgm:txEffectClrLst/>
+  </dgm:styleLbl>
+  <dgm:styleLbl name="vennNode1">
+    <dgm:fillClrLst meth="repeat">
+      <a:schemeClr val="accent1">
+        <a:alpha val="50000"/>
+      </a:schemeClr>
+    </dgm:fillClrLst>
+    <dgm:linClrLst meth="repeat">
+      <a:schemeClr val="lt1"/>
+    </dgm:linClrLst>
+    <dgm:effectClrLst/>
+    <dgm:txLinClrLst/>
+    <dgm:txFillClrLst/>
+    <dgm:txEffectClrLst/>
+  </dgm:styleLbl>
+  <dgm:styleLbl name="node2">
+    <dgm:fillClrLst meth="repeat">
+      <a:schemeClr val="accent1"/>
+    </dgm:fillClrLst>
+    <dgm:linClrLst meth="repeat">
+      <a:schemeClr val="lt1"/>
+    </dgm:linClrLst>
+    <dgm:effectClrLst/>
+    <dgm:txLinClrLst/>
+    <dgm:txFillClrLst/>
+    <dgm:txEffectClrLst/>
+  </dgm:styleLbl>
+  <dgm:styleLbl name="node3">
+    <dgm:fillClrLst meth="repeat">
+      <a:schemeClr val="accent1"/>
+    </dgm:fillClrLst>
+    <dgm:linClrLst meth="repeat">
+      <a:schemeClr val="lt1"/>
+    </dgm:linClrLst>
+    <dgm:effectClrLst/>
+    <dgm:txLinClrLst/>
+    <dgm:txFillClrLst/>
+    <dgm:txEffectClrLst/>
+  </dgm:styleLbl>
+  <dgm:styleLbl name="node4">
+    <dgm:fillClrLst meth="repeat">
+      <a:schemeClr val="accent1"/>
+    </dgm:fillClrLst>
+    <dgm:linClrLst meth="repeat">
+      <a:schemeClr val="lt1"/>
+    </dgm:linClrLst>
+    <dgm:effectClrLst/>
+    <dgm:txLinClrLst/>
+    <dgm:txFillClrLst/>
+    <dgm:txEffectClrLst/>
+  </dgm:styleLbl>
+  <dgm:styleLbl name="fgImgPlace1">
+    <dgm:fillClrLst meth="repeat">
+      <a:schemeClr val="accent1">
+        <a:tint val="50000"/>
+      </a:schemeClr>
+    </dgm:fillClrLst>
+    <dgm:linClrLst meth="repeat">
+      <a:schemeClr val="lt1"/>
+    </dgm:linClrLst>
+    <dgm:effectClrLst/>
+    <dgm:txLinClrLst/>
+    <dgm:txFillClrLst meth="repeat">
+      <a:schemeClr val="lt1"/>
+    </dgm:txFillClrLst>
+    <dgm:txEffectClrLst/>
+  </dgm:styleLbl>
+  <dgm:styleLbl name="alignImgPlace1">
+    <dgm:fillClrLst meth="repeat">
+      <a:schemeClr val="accent1">
+        <a:tint val="50000"/>
+      </a:schemeClr>
+    </dgm:fillClrLst>
+    <dgm:linClrLst meth="repeat">
+      <a:schemeClr val="lt1"/>
+    </dgm:linClrLst>
+    <dgm:effectClrLst/>
+    <dgm:txLinClrLst/>
+    <dgm:txFillClrLst meth="repeat">
+      <a:schemeClr val="lt1"/>
+    </dgm:txFillClrLst>
+    <dgm:txEffectClrLst/>
+  </dgm:styleLbl>
+  <dgm:styleLbl name="bgImgPlace1">
+    <dgm:fillClrLst meth="repeat">
+      <a:schemeClr val="accent1">
+        <a:tint val="50000"/>
+      </a:schemeClr>
+    </dgm:fillClrLst>
+    <dgm:linClrLst meth="repeat">
+      <a:schemeClr val="lt1"/>
+    </dgm:linClrLst>
+    <dgm:effectClrLst/>
+    <dgm:txLinClrLst/>
+    <dgm:txFillClrLst meth="repeat">
+      <a:schemeClr val="lt1"/>
+    </dgm:txFillClrLst>
+    <dgm:txEffectClrLst/>
+  </dgm:styleLbl>
+  <dgm:styleLbl name="sibTrans2D1">
+    <dgm:fillClrLst meth="repeat">
+      <a:schemeClr val="accent1">
+        <a:tint val="60000"/>
+      </a:schemeClr>
+    </dgm:fillClrLst>
+    <dgm:linClrLst meth="repeat">
+      <a:schemeClr val="accent1">
+        <a:tint val="60000"/>
+      </a:schemeClr>
+    </dgm:linClrLst>
+    <dgm:effectClrLst/>
+    <dgm:txLinClrLst/>
+    <dgm:txFillClrLst/>
+    <dgm:txEffectClrLst/>
+  </dgm:styleLbl>
+  <dgm:styleLbl name="fgSibTrans2D1">
+    <dgm:fillClrLst meth="repeat">
+      <a:schemeClr val="accent1">
+        <a:tint val="60000"/>
+      </a:schemeClr>
+    </dgm:fillClrLst>
+    <dgm:linClrLst meth="repeat">
+      <a:schemeClr val="accent1">
+        <a:tint val="60000"/>
+      </a:schemeClr>
+    </dgm:linClrLst>
+    <dgm:effectClrLst/>
+    <dgm:txLinClrLst/>
+    <dgm:txFillClrLst/>
+    <dgm:txEffectClrLst/>
+  </dgm:styleLbl>
+  <dgm:styleLbl name="bgSibTrans2D1">
+    <dgm:fillClrLst meth="repeat">
+      <a:schemeClr val="accent1">
+        <a:tint val="60000"/>
+      </a:schemeClr>
+    </dgm:fillClrLst>
+    <dgm:linClrLst meth="repeat">
+      <a:schemeClr val="accent1">
+        <a:tint val="60000"/>
+      </a:schemeClr>
+    </dgm:linClrLst>
+    <dgm:effectClrLst/>
+    <dgm:txLinClrLst/>
+    <dgm:txFillClrLst/>
+    <dgm:txEffectClrLst/>
+  </dgm:styleLbl>
+  <dgm:styleLbl name="sibTrans1D1">
+    <dgm:fillClrLst meth="repeat">
+      <a:schemeClr val="accent1"/>
+    </dgm:fillClrLst>
+    <dgm:linClrLst meth="repeat">
+      <a:schemeClr val="accent1"/>
+    </dgm:linClrLst>
+    <dgm:effectClrLst/>
+    <dgm:txLinClrLst/>
+    <dgm:txFillClrLst meth="repeat">
+      <a:schemeClr val="tx1"/>
+    </dgm:txFillClrLst>
+    <dgm:txEffectClrLst/>
+  </dgm:styleLbl>
+  <dgm:styleLbl name="callout">
+    <dgm:fillClrLst meth="repeat">
+      <a:schemeClr val="accent1"/>
+    </dgm:fillClrLst>
+    <dgm:linClrLst meth="repeat">
+      <a:schemeClr val="accent1">
+        <a:tint val="50000"/>
+      </a:schemeClr>
+    </dgm:linClrLst>
+    <dgm:effectClrLst/>
+    <dgm:txLinClrLst/>
+    <dgm:txFillClrLst meth="repeat">
+      <a:schemeClr val="tx1"/>
+    </dgm:txFillClrLst>
+    <dgm:txEffectClrLst/>
+  </dgm:styleLbl>
+  <dgm:styleLbl name="asst0">
+    <dgm:fillClrLst meth="repeat">
+      <a:schemeClr val="accent1"/>
+    </dgm:fillClrLst>
+    <dgm:linClrLst meth="repeat">
+      <a:schemeClr val="lt1"/>
+    </dgm:linClrLst>
+    <dgm:effectClrLst/>
+    <dgm:txLinClrLst/>
+    <dgm:txFillClrLst/>
+    <dgm:txEffectClrLst/>
+  </dgm:styleLbl>
+  <dgm:styleLbl name="asst1">
+    <dgm:fillClrLst meth="repeat">
+      <a:schemeClr val="accent1"/>
+    </dgm:fillClrLst>
+    <dgm:linClrLst meth="repeat">
+      <a:schemeClr val="lt1"/>
+    </dgm:linClrLst>
+    <dgm:effectClrLst/>
+    <dgm:txLinClrLst/>
+    <dgm:txFillClrLst/>
+    <dgm:txEffectClrLst/>
+  </dgm:styleLbl>
+  <dgm:styleLbl name="asst2">
+    <dgm:fillClrLst meth="repeat">
+      <a:schemeClr val="accent1"/>
+    </dgm:fillClrLst>
+    <dgm:linClrLst meth="repeat">
+      <a:schemeClr val="lt1"/>
+    </dgm:linClrLst>
+    <dgm:effectClrLst/>
+    <dgm:txLinClrLst/>
+    <dgm:txFillClrLst/>
+    <dgm:txEffectClrLst/>
+  </dgm:styleLbl>
+  <dgm:styleLbl name="asst3">
+    <dgm:fillClrLst meth="repeat">
+      <a:schemeClr val="accent1"/>
+    </dgm:fillClrLst>
+    <dgm:linClrLst meth="repeat">
+      <a:schemeClr val="lt1"/>
+    </dgm:linClrLst>
+    <dgm:effectClrLst/>
+    <dgm:txLinClrLst/>
+    <dgm:txFillClrLst/>
+    <dgm:txEffectClrLst/>
+  </dgm:styleLbl>
+  <dgm:styleLbl name="asst4">
+    <dgm:fillClrLst meth="repeat">
+      <a:schemeClr val="accent1"/>
+    </dgm:fillClrLst>
+    <dgm:linClrLst meth="repeat">
+      <a:schemeClr val="lt1"/>
+    </dgm:linClrLst>
+    <dgm:effectClrLst/>
+    <dgm:txLinClrLst/>
+    <dgm:txFillClrLst/>
+    <dgm:txEffectClrLst/>
+  </dgm:styleLbl>
+  <dgm:styleLbl name="parChTrans2D1">
+    <dgm:fillClrLst meth="repeat">
+      <a:schemeClr val="accent1">
+        <a:tint val="60000"/>
+      </a:schemeClr>
+    </dgm:fillClrLst>
+    <dgm:linClrLst meth="repeat">
+      <a:schemeClr val="accent1">
+        <a:tint val="60000"/>
+      </a:schemeClr>
+    </dgm:linClrLst>
+    <dgm:effectClrLst/>
+    <dgm:txLinClrLst/>
+    <dgm:txFillClrLst meth="repeat">
+      <a:schemeClr val="lt1"/>
+    </dgm:txFillClrLst>
+    <dgm:txEffectClrLst/>
+  </dgm:styleLbl>
+  <dgm:styleLbl name="parChTrans2D2">
+    <dgm:fillClrLst meth="repeat">
+      <a:schemeClr val="accent1"/>
+    </dgm:fillClrLst>
+    <dgm:linClrLst meth="repeat">
+      <a:schemeClr val="accent1"/>
+    </dgm:linClrLst>
+    <dgm:effectClrLst/>
+    <dgm:txLinClrLst/>
+    <dgm:txFillClrLst meth="repeat">
+      <a:schemeClr val="lt1"/>
+    </dgm:txFillClrLst>
+    <dgm:txEffectClrLst/>
+  </dgm:styleLbl>
+  <dgm:styleLbl name="parChTrans2D3">
+    <dgm:fillClrLst meth="repeat">
+      <a:schemeClr val="accent1"/>
+    </dgm:fillClrLst>
+    <dgm:linClrLst meth="repeat">
+      <a:schemeClr val="accent1"/>
+    </dgm:linClrLst>
+    <dgm:effectClrLst/>
+    <dgm:txLinClrLst/>
+    <dgm:txFillClrLst meth="repeat">
+      <a:schemeClr val="lt1"/>
+    </dgm:txFillClrLst>
+    <dgm:txEffectClrLst/>
+  </dgm:styleLbl>
+  <dgm:styleLbl name="parChTrans2D4">
+    <dgm:fillClrLst meth="repeat">
+      <a:schemeClr val="accent1"/>
+    </dgm:fillClrLst>
+    <dgm:linClrLst meth="repeat">
+      <a:schemeClr val="accent1"/>
+    </dgm:linClrLst>
+    <dgm:effectClrLst/>
+    <dgm:txLinClrLst/>
+    <dgm:txFillClrLst meth="repeat">
+      <a:schemeClr val="lt1"/>
+    </dgm:txFillClrLst>
+    <dgm:txEffectClrLst/>
+  </dgm:styleLbl>
+  <dgm:styleLbl name="parChTrans1D1">
+    <dgm:fillClrLst meth="repeat">
+      <a:schemeClr val="accent1"/>
+    </dgm:fillClrLst>
+    <dgm:linClrLst meth="repeat">
+      <a:schemeClr val="accent1">
+        <a:shade val="60000"/>
+      </a:schemeClr>
+    </dgm:linClrLst>
+    <dgm:effectClrLst/>
+    <dgm:txLinClrLst/>
+    <dgm:txFillClrLst meth="repeat">
+      <a:schemeClr val="tx1"/>
+    </dgm:txFillClrLst>
+    <dgm:txEffectClrLst/>
+  </dgm:styleLbl>
+  <dgm:styleLbl name="parChTrans1D2">
+    <dgm:fillClrLst meth="repeat">
+      <a:schemeClr val="accent1"/>
+    </dgm:fillClrLst>
+    <dgm:linClrLst meth="repeat">
+      <a:schemeClr val="accent1">
+        <a:shade val="60000"/>
+      </a:schemeClr>
+    </dgm:linClrLst>
+    <dgm:effectClrLst/>
+    <dgm:txLinClrLst/>
+    <dgm:txFillClrLst meth="repeat">
+      <a:schemeClr val="tx1"/>
+    </dgm:txFillClrLst>
+    <dgm:txEffectClrLst/>
+  </dgm:styleLbl>
+  <dgm:styleLbl name="parChTrans1D3">
+    <dgm:fillClrLst meth="repeat">
+      <a:schemeClr val="accent1"/>
+    </dgm:fillClrLst>
+    <dgm:linClrLst meth="repeat">
+      <a:schemeClr val="accent1">
+        <a:shade val="80000"/>
+      </a:schemeClr>
+    </dgm:linClrLst>
+    <dgm:effectClrLst/>
+    <dgm:txLinClrLst/>
+    <dgm:txFillClrLst meth="repeat">
+      <a:schemeClr val="tx1"/>
+    </dgm:txFillClrLst>
+    <dgm:txEffectClrLst/>
+  </dgm:styleLbl>
+  <dgm:styleLbl name="parChTrans1D4">
+    <dgm:fillClrLst meth="repeat">
+      <a:schemeClr val="accent1"/>
+    </dgm:fillClrLst>
+    <dgm:linClrLst meth="repeat">
+      <a:schemeClr val="accent1">
+        <a:shade val="80000"/>
+      </a:schemeClr>
+    </dgm:linClrLst>
+    <dgm:effectClrLst/>
+    <dgm:txLinClrLst/>
+    <dgm:txFillClrLst meth="repeat">
+      <a:schemeClr val="tx1"/>
+    </dgm:txFillClrLst>
+    <dgm:txEffectClrLst/>
+  </dgm:styleLbl>
+  <dgm:styleLbl name="fgAcc1">
+    <dgm:fillClrLst meth="repeat">
+      <a:schemeClr val="lt1">
+        <a:alpha val="90000"/>
+      </a:schemeClr>
+    </dgm:fillClrLst>
+    <dgm:linClrLst meth="repeat">
+      <a:schemeClr val="accent1"/>
+    </dgm:linClrLst>
+    <dgm:effectClrLst/>
+    <dgm:txLinClrLst/>
+    <dgm:txFillClrLst meth="repeat">
+      <a:schemeClr val="dk1"/>
+    </dgm:txFillClrLst>
+    <dgm:txEffectClrLst/>
+  </dgm:styleLbl>
+  <dgm:styleLbl name="conFgAcc1">
+    <dgm:fillClrLst meth="repeat">
+      <a:schemeClr val="lt1">
+        <a:alpha val="90000"/>
+      </a:schemeClr>
+    </dgm:fillClrLst>
+    <dgm:linClrLst meth="repeat">
+      <a:schemeClr val="accent1"/>
+    </dgm:linClrLst>
+    <dgm:effectClrLst/>
+    <dgm:txLinClrLst/>
+    <dgm:txFillClrLst meth="repeat">
+      <a:schemeClr val="dk1"/>
+    </dgm:txFillClrLst>
+    <dgm:txEffectClrLst/>
+  </dgm:styleLbl>
+  <dgm:styleLbl name="alignAcc1">
+    <dgm:fillClrLst meth="repeat">
+      <a:schemeClr val="lt1">
+        <a:alpha val="90000"/>
+      </a:schemeClr>
+    </dgm:fillClrLst>
+    <dgm:linClrLst meth="repeat">
+      <a:schemeClr val="accent1"/>
+    </dgm:linClrLst>
+    <dgm:effectClrLst/>
+    <dgm:txLinClrLst/>
+    <dgm:txFillClrLst meth="repeat">
+      <a:schemeClr val="dk1"/>
+    </dgm:txFillClrLst>
+    <dgm:txEffectClrLst/>
+  </dgm:styleLbl>
+  <dgm:styleLbl name="trAlignAcc1">
+    <dgm:fillClrLst meth="repeat">
+      <a:schemeClr val="lt1">
+        <a:alpha val="40000"/>
+      </a:schemeClr>
+    </dgm:fillClrLst>
+    <dgm:linClrLst meth="repeat">
+      <a:schemeClr val="accent1"/>
+    </dgm:linClrLst>
+    <dgm:effectClrLst/>
+    <dgm:txLinClrLst/>
+    <dgm:txFillClrLst meth="repeat">
+      <a:schemeClr val="dk1"/>
+    </dgm:txFillClrLst>
+    <dgm:txEffectClrLst/>
+  </dgm:styleLbl>
+  <dgm:styleLbl name="bgAcc1">
+    <dgm:fillClrLst meth="repeat">
+      <a:schemeClr val="lt1">
+        <a:alpha val="90000"/>
+      </a:schemeClr>
+    </dgm:fillClrLst>
+    <dgm:linClrLst meth="repeat">
+      <a:schemeClr val="accent1"/>
+    </dgm:linClrLst>
+    <dgm:effectClrLst/>
+    <dgm:txLinClrLst/>
+    <dgm:txFillClrLst meth="repeat">
+      <a:schemeClr val="dk1"/>
+    </dgm:txFillClrLst>
+    <dgm:txEffectClrLst/>
+  </dgm:styleLbl>
+  <dgm:styleLbl name="solidFgAcc1">
+    <dgm:fillClrLst meth="repeat">
+      <a:schemeClr val="lt1"/>
+    </dgm:fillClrLst>
+    <dgm:linClrLst meth="repeat">
+      <a:schemeClr val="accent1"/>
+    </dgm:linClrLst>
+    <dgm:effectClrLst/>
+    <dgm:txLinClrLst/>
+    <dgm:txFillClrLst meth="repeat">
+      <a:schemeClr val="dk1"/>
+    </dgm:txFillClrLst>
+    <dgm:txEffectClrLst/>
+  </dgm:styleLbl>
+  <dgm:styleLbl name="solidAlignAcc1">
+    <dgm:fillClrLst meth="repeat">
+      <a:schemeClr val="lt1"/>
+    </dgm:fillClrLst>
+    <dgm:linClrLst meth="repeat">
+      <a:schemeClr val="accent1"/>
+    </dgm:linClrLst>
+    <dgm:effectClrLst/>
+    <dgm:txLinClrLst/>
+    <dgm:txFillClrLst meth="repeat">
+      <a:schemeClr val="dk1"/>
+    </dgm:txFillClrLst>
+    <dgm:txEffectClrLst/>
+  </dgm:styleLbl>
+  <dgm:styleLbl name="solidBgAcc1">
+    <dgm:fillClrLst meth="repeat">
+      <a:schemeClr val="lt1"/>
+    </dgm:fillClrLst>
+    <dgm:linClrLst meth="repeat">
+      <a:schemeClr val="accent1"/>
+    </dgm:linClrLst>
+    <dgm:effectClrLst/>
+    <dgm:txLinClrLst/>
+    <dgm:txFillClrLst meth="repeat">
+      <a:schemeClr val="dk1"/>
+    </dgm:txFillClrLst>
+    <dgm:txEffectClrLst/>
+  </dgm:styleLbl>
+  <dgm:styleLbl name="fgAccFollowNode1">
+    <dgm:fillClrLst meth="repeat">
+      <a:schemeClr val="accent1">
+        <a:alpha val="90000"/>
+        <a:tint val="40000"/>
+      </a:schemeClr>
+    </dgm:fillClrLst>
+    <dgm:linClrLst meth="repeat">
+      <a:schemeClr val="accent1">
+        <a:alpha val="90000"/>
+        <a:tint val="40000"/>
+      </a:schemeClr>
+    </dgm:linClrLst>
+    <dgm:effectClrLst/>
+    <dgm:txLinClrLst/>
+    <dgm:txFillClrLst meth="repeat">
+      <a:schemeClr val="dk1"/>
+    </dgm:txFillClrLst>
+    <dgm:txEffectClrLst/>
+  </dgm:styleLbl>
+  <dgm:styleLbl name="alignAccFollowNode1">
+    <dgm:fillClrLst meth="repeat">
+      <a:schemeClr val="accent1">
+        <a:alpha val="90000"/>
+        <a:tint val="40000"/>
+      </a:schemeClr>
+    </dgm:fillClrLst>
+    <dgm:linClrLst meth="repeat">
+      <a:schemeClr val="accent1">
+        <a:alpha val="90000"/>
+        <a:tint val="40000"/>
+      </a:schemeClr>
+    </dgm:linClrLst>
+    <dgm:effectClrLst/>
+    <dgm:txLinClrLst/>
+    <dgm:txFillClrLst meth="repeat">
+      <a:schemeClr val="dk1"/>
+    </dgm:txFillClrLst>
+    <dgm:txEffectClrLst/>
+  </dgm:styleLbl>
+  <dgm:styleLbl name="bgAccFollowNode1">
+    <dgm:fillClrLst meth="repeat">
+      <a:schemeClr val="accent1">
+        <a:alpha val="90000"/>
+        <a:tint val="40000"/>
+      </a:schemeClr>
+    </dgm:fillClrLst>
+    <dgm:linClrLst meth="repeat">
+      <a:schemeClr val="accent1">
+        <a:alpha val="90000"/>
+        <a:tint val="40000"/>
+      </a:schemeClr>
+    </dgm:linClrLst>
+    <dgm:effectClrLst/>
+    <dgm:txLinClrLst/>
+    <dgm:txFillClrLst meth="repeat">
+      <a:schemeClr val="dk1"/>
+    </dgm:txFillClrLst>
+    <dgm:txEffectClrLst/>
+  </dgm:styleLbl>
+  <dgm:styleLbl name="fgAcc0">
+    <dgm:fillClrLst meth="repeat">
+      <a:schemeClr val="lt1">
+        <a:alpha val="90000"/>
+      </a:schemeClr>
+    </dgm:fillClrLst>
+    <dgm:linClrLst meth="repeat">
+      <a:schemeClr val="accent1"/>
+    </dgm:linClrLst>
+    <dgm:effectClrLst/>
+    <dgm:txLinClrLst/>
+    <dgm:txFillClrLst meth="repeat">
+      <a:schemeClr val="dk1"/>
+    </dgm:txFillClrLst>
+    <dgm:txEffectClrLst/>
+  </dgm:styleLbl>
+  <dgm:styleLbl name="fgAcc2">
+    <dgm:fillClrLst meth="repeat">
+      <a:schemeClr val="lt1">
+        <a:alpha val="90000"/>
+      </a:schemeClr>
+    </dgm:fillClrLst>
+    <dgm:linClrLst meth="repeat">
+      <a:schemeClr val="accent1"/>
+    </dgm:linClrLst>
+    <dgm:effectClrLst/>
+    <dgm:txLinClrLst/>
+    <dgm:txFillClrLst meth="repeat">
+      <a:schemeClr val="dk1"/>
+    </dgm:txFillClrLst>
+    <dgm:txEffectClrLst/>
+  </dgm:styleLbl>
+  <dgm:styleLbl name="fgAcc3">
+    <dgm:fillClrLst meth="repeat">
+      <a:schemeClr val="lt1">
+        <a:alpha val="90000"/>
+      </a:schemeClr>
+    </dgm:fillClrLst>
+    <dgm:linClrLst meth="repeat">
+      <a:schemeClr val="accent1"/>
+    </dgm:linClrLst>
+    <dgm:effectClrLst/>
+    <dgm:txLinClrLst/>
+    <dgm:txFillClrLst meth="repeat">
+      <a:schemeClr val="dk1"/>
+    </dgm:txFillClrLst>
+    <dgm:txEffectClrLst/>
+  </dgm:styleLbl>
+  <dgm:styleLbl name="fgAcc4">
+    <dgm:fillClrLst meth="repeat">
+      <a:schemeClr val="lt1">
+        <a:alpha val="90000"/>
+      </a:schemeClr>
+    </dgm:fillClrLst>
+    <dgm:linClrLst meth="repeat">
+      <a:schemeClr val="accent1"/>
+    </dgm:linClrLst>
+    <dgm:effectClrLst/>
+    <dgm:txLinClrLst/>
+    <dgm:txFillClrLst meth="repeat">
+      <a:schemeClr val="dk1"/>
+    </dgm:txFillClrLst>
+    <dgm:txEffectClrLst/>
+  </dgm:styleLbl>
+  <dgm:styleLbl name="bgShp">
+    <dgm:fillClrLst meth="repeat">
+      <a:schemeClr val="accent1">
+        <a:tint val="40000"/>
+      </a:schemeClr>
+    </dgm:fillClrLst>
+    <dgm:linClrLst meth="repeat">
+      <a:schemeClr val="accent1"/>
+    </dgm:linClrLst>
+    <dgm:effectClrLst/>
+    <dgm:txLinClrLst/>
+    <dgm:txFillClrLst meth="repeat">
+      <a:schemeClr val="dk1"/>
+    </dgm:txFillClrLst>
+    <dgm:txEffectClrLst/>
+  </dgm:styleLbl>
+  <dgm:styleLbl name="dkBgShp">
+    <dgm:fillClrLst meth="repeat">
+      <a:schemeClr val="accent1">
+        <a:shade val="80000"/>
+      </a:schemeClr>
+    </dgm:fillClrLst>
+    <dgm:linClrLst meth="repeat">
+      <a:schemeClr val="accent1"/>
+    </dgm:linClrLst>
+    <dgm:effectClrLst/>
+    <dgm:txLinClrLst/>
+    <dgm:txFillClrLst meth="repeat">
+      <a:schemeClr val="lt1"/>
+    </dgm:txFillClrLst>
+    <dgm:txEffectClrLst/>
+  </dgm:styleLbl>
+  <dgm:styleLbl name="trBgShp">
+    <dgm:fillClrLst meth="repeat">
+      <a:schemeClr val="accent1">
+        <a:tint val="50000"/>
+        <a:alpha val="40000"/>
+      </a:schemeClr>
+    </dgm:fillClrLst>
+    <dgm:linClrLst meth="repeat">
+      <a:schemeClr val="accent1"/>
+    </dgm:linClrLst>
+    <dgm:effectClrLst/>
+    <dgm:txLinClrLst/>
+    <dgm:txFillClrLst meth="repeat">
+      <a:schemeClr val="lt1"/>
+    </dgm:txFillClrLst>
+    <dgm:txEffectClrLst/>
+  </dgm:styleLbl>
+  <dgm:styleLbl name="fgShp">
+    <dgm:fillClrLst meth="repeat">
+      <a:schemeClr val="accent1">
+        <a:tint val="60000"/>
+      </a:schemeClr>
+    </dgm:fillClrLst>
+    <dgm:linClrLst meth="repeat">
+      <a:schemeClr val="lt1"/>
+    </dgm:linClrLst>
+    <dgm:effectClrLst/>
+    <dgm:txLinClrLst/>
+    <dgm:txFillClrLst meth="repeat">
+      <a:schemeClr val="dk1"/>
+    </dgm:txFillClrLst>
+    <dgm:txEffectClrLst/>
+  </dgm:styleLbl>
+  <dgm:styleLbl name="revTx">
+    <dgm:fillClrLst meth="repeat">
+      <a:schemeClr val="lt1">
+        <a:alpha val="0"/>
+      </a:schemeClr>
+    </dgm:fillClrLst>
+    <dgm:linClrLst meth="repeat">
+      <a:schemeClr val="dk1">
+        <a:alpha val="0"/>
+      </a:schemeClr>
+    </dgm:linClrLst>
+    <dgm:effectClrLst/>
+    <dgm:txLinClrLst/>
+    <dgm:txFillClrLst meth="repeat">
+      <a:schemeClr val="tx1"/>
+    </dgm:txFillClrLst>
+    <dgm:txEffectClrLst/>
+  </dgm:styleLbl>
+</dgm:colorsDef>
+</file>
+
+<file path=ppt/diagrams/colors6.xml><?xml version="1.0" encoding="utf-8"?>
 <dgm:colorsDef xmlns:dgm="http://schemas.openxmlformats.org/drawingml/2006/diagram" xmlns:a="http://schemas.openxmlformats.org/drawingml/2006/main" uniqueId="urn:microsoft.com/office/officeart/2005/8/colors/accent1_2">
   <dgm:title val=""/>
   <dgm:desc val=""/>
@@ -9659,6 +11317,449 @@
     <dgm:cxn modelId="{2788F865-FC35-44D3-AAB1-34306F5DFD0B}" type="presParOf" srcId="{ADBCC50E-0A31-4D9C-A431-E5C345153567}" destId="{928A4D03-574D-427B-8B77-C086977A7A30}" srcOrd="0" destOrd="0" presId="urn:microsoft.com/office/officeart/2005/8/layout/hierarchy1"/>
     <dgm:cxn modelId="{270C9F8B-4D39-4AAE-A3D1-E55593601DAC}" type="presParOf" srcId="{ADBCC50E-0A31-4D9C-A431-E5C345153567}" destId="{59C32728-E023-4589-A805-265C0D5C5A17}" srcOrd="1" destOrd="0" presId="urn:microsoft.com/office/officeart/2005/8/layout/hierarchy1"/>
     <dgm:cxn modelId="{1F77B94F-96C1-4D19-8E47-4B673F9004F7}" type="presParOf" srcId="{E8F7B4B0-A102-46C9-9E3C-26ADB6F37C0F}" destId="{1FCC92D5-07B7-4839-A027-570753AAE42E}" srcOrd="1" destOrd="0" presId="urn:microsoft.com/office/officeart/2005/8/layout/hierarchy1"/>
+  </dgm:cxnLst>
+  <dgm:bg/>
+  <dgm:whole/>
+  <dgm:extLst>
+    <a:ext uri="http://schemas.microsoft.com/office/drawing/2008/diagram">
+      <dsp:dataModelExt xmlns:dsp="http://schemas.microsoft.com/office/drawing/2008/diagram" relId="rId6" minVer="http://schemas.openxmlformats.org/drawingml/2006/diagram"/>
+    </a:ext>
+  </dgm:extLst>
+</dgm:dataModel>
+</file>
+
+<file path=ppt/diagrams/data6.xml><?xml version="1.0" encoding="utf-8"?>
+<dgm:dataModel xmlns:dgm="http://schemas.openxmlformats.org/drawingml/2006/diagram" xmlns:a="http://schemas.openxmlformats.org/drawingml/2006/main">
+  <dgm:ptLst>
+    <dgm:pt modelId="{3AC7567E-393A-4B6D-ADD9-E460C6DEDB23}" type="doc">
+      <dgm:prSet loTypeId="urn:microsoft.com/office/officeart/2005/8/layout/list1" loCatId="list" qsTypeId="urn:microsoft.com/office/officeart/2005/8/quickstyle/simple1" qsCatId="simple" csTypeId="urn:microsoft.com/office/officeart/2005/8/colors/accent1_2" csCatId="accent1" phldr="1"/>
+      <dgm:spPr/>
+      <dgm:t>
+        <a:bodyPr/>
+        <a:lstStyle/>
+        <a:p>
+          <a:endParaRPr lang="en-US"/>
+        </a:p>
+      </dgm:t>
+    </dgm:pt>
+    <dgm:pt modelId="{017E6EE5-E9A4-43E6-AE7A-0E0B2EF8D503}">
+      <dgm:prSet phldrT="[Text]"/>
+      <dgm:spPr/>
+      <dgm:t>
+        <a:bodyPr/>
+        <a:lstStyle/>
+        <a:p>
+          <a:pPr rtl="0"/>
+          <a:r>
+            <a:rPr lang="en-US" dirty="0"/>
+            <a:t> </a:t>
+          </a:r>
+          <a:r>
+            <a:rPr lang="en-US" dirty="0">
+              <a:latin typeface="Calibri Light" panose="020F0302020204030204"/>
+            </a:rPr>
+            <a:t>Thiết kế cơ sở dữ liệu</a:t>
+          </a:r>
+          <a:endParaRPr lang="en-US" dirty="0"/>
+        </a:p>
+      </dgm:t>
+    </dgm:pt>
+    <dgm:pt modelId="{C9C6D71D-F339-45C2-BB1E-63A68B7E2536}" type="parTrans" cxnId="{28B89F43-7110-4AAC-94B1-57D0AA93F3B6}">
+      <dgm:prSet/>
+      <dgm:spPr/>
+      <dgm:t>
+        <a:bodyPr/>
+        <a:lstStyle/>
+        <a:p>
+          <a:endParaRPr lang="en-US"/>
+        </a:p>
+      </dgm:t>
+    </dgm:pt>
+    <dgm:pt modelId="{301589ED-218D-4AB2-8C66-702FD07CB709}" type="sibTrans" cxnId="{28B89F43-7110-4AAC-94B1-57D0AA93F3B6}">
+      <dgm:prSet/>
+      <dgm:spPr/>
+      <dgm:t>
+        <a:bodyPr/>
+        <a:lstStyle/>
+        <a:p>
+          <a:endParaRPr lang="en-US"/>
+        </a:p>
+      </dgm:t>
+    </dgm:pt>
+    <dgm:pt modelId="{16B6CE65-8E66-4DF0-9A9E-E847623A2149}">
+      <dgm:prSet phldr="0"/>
+      <dgm:spPr/>
+      <dgm:t>
+        <a:bodyPr/>
+        <a:lstStyle/>
+        <a:p>
+          <a:pPr rtl="0">
+            <a:lnSpc>
+              <a:spcPct val="100000"/>
+            </a:lnSpc>
+          </a:pPr>
+          <a:r>
+            <a:rPr lang="en-US" dirty="0"/>
+            <a:t> </a:t>
+          </a:r>
+          <a:r>
+            <a:rPr lang="en-US" dirty="0">
+              <a:latin typeface="Calibri Light" panose="020F0302020204030204"/>
+            </a:rPr>
+            <a:t>Thiết kế chức năng</a:t>
+          </a:r>
+          <a:endParaRPr lang="en-US" b="1" dirty="0"/>
+        </a:p>
+      </dgm:t>
+    </dgm:pt>
+    <dgm:pt modelId="{A100A7FC-8385-409D-BA57-4857613B8441}" type="parTrans" cxnId="{6BDC0D36-2ABC-4AB3-8B3D-53D992884014}">
+      <dgm:prSet/>
+      <dgm:spPr/>
+    </dgm:pt>
+    <dgm:pt modelId="{C131778F-89E6-4DBC-9F28-756F2B3301EB}" type="sibTrans" cxnId="{6BDC0D36-2ABC-4AB3-8B3D-53D992884014}">
+      <dgm:prSet/>
+      <dgm:spPr/>
+    </dgm:pt>
+    <dgm:pt modelId="{114CA8C9-31A6-45D7-B1BD-3AFEB84DDF69}">
+      <dgm:prSet phldr="0"/>
+      <dgm:spPr/>
+      <dgm:t>
+        <a:bodyPr/>
+        <a:lstStyle/>
+        <a:p>
+          <a:pPr rtl="0"/>
+          <a:r>
+            <a:rPr lang="en-US" dirty="0"/>
+            <a:t> </a:t>
+          </a:r>
+          <a:r>
+            <a:rPr lang="en-US">
+              <a:latin typeface="Calibri Light" panose="020F0302020204030204"/>
+            </a:rPr>
+            <a:t>Hiện thực hóa use case</a:t>
+          </a:r>
+          <a:endParaRPr lang="en-US"/>
+        </a:p>
+      </dgm:t>
+    </dgm:pt>
+    <dgm:pt modelId="{57A3A63B-BDEB-49BF-A03A-2AE668C0C715}" type="parTrans" cxnId="{EC6364F5-FCB9-4E5C-AC30-A812CC6A9B00}">
+      <dgm:prSet/>
+      <dgm:spPr/>
+    </dgm:pt>
+    <dgm:pt modelId="{155482CC-51EC-4CD0-A1A3-27061FEDF09A}" type="sibTrans" cxnId="{EC6364F5-FCB9-4E5C-AC30-A812CC6A9B00}">
+      <dgm:prSet/>
+      <dgm:spPr/>
+    </dgm:pt>
+    <dgm:pt modelId="{422F6C4D-A575-4713-91D9-88D3B3A8FBC1}">
+      <dgm:prSet phldr="0"/>
+      <dgm:spPr/>
+      <dgm:t>
+        <a:bodyPr/>
+        <a:lstStyle/>
+        <a:p>
+          <a:pPr rtl="0"/>
+          <a:r>
+            <a:rPr lang="en-US" dirty="0">
+              <a:latin typeface="Calibri Light" panose="020F0302020204030204"/>
+            </a:rPr>
+            <a:t>Tầng Giao diện</a:t>
+          </a:r>
+          <a:endParaRPr lang="en-US" dirty="0"/>
+        </a:p>
+      </dgm:t>
+    </dgm:pt>
+    <dgm:pt modelId="{628D5603-1CAA-42DD-87EF-71368F7B3B08}" type="parTrans" cxnId="{C58C37C5-2FFD-4E31-B19A-90EDC37A8754}">
+      <dgm:prSet/>
+      <dgm:spPr/>
+    </dgm:pt>
+    <dgm:pt modelId="{E5AE1DB5-4D8D-43FF-9B99-7F4C53EEF523}" type="sibTrans" cxnId="{C58C37C5-2FFD-4E31-B19A-90EDC37A8754}">
+      <dgm:prSet/>
+      <dgm:spPr/>
+    </dgm:pt>
+    <dgm:pt modelId="{1CACB6AD-4196-415F-A7E4-ADEEB3F11A14}">
+      <dgm:prSet phldr="0"/>
+      <dgm:spPr/>
+      <dgm:t>
+        <a:bodyPr/>
+        <a:lstStyle/>
+        <a:p>
+          <a:pPr rtl="0"/>
+          <a:r>
+            <a:rPr lang="en-US" dirty="0">
+              <a:latin typeface="Calibri Light" panose="020F0302020204030204"/>
+            </a:rPr>
+            <a:t> Thiết kế kiến trúc</a:t>
+          </a:r>
+        </a:p>
+      </dgm:t>
+    </dgm:pt>
+    <dgm:pt modelId="{603FC459-2A22-4780-8899-0A1382B2AFF3}" type="parTrans" cxnId="{3FC8D951-DCCA-4F1B-8A56-2412D9181CA3}">
+      <dgm:prSet/>
+      <dgm:spPr/>
+    </dgm:pt>
+    <dgm:pt modelId="{29D56D89-7BA3-415E-9A7C-D719CA27176F}" type="sibTrans" cxnId="{3FC8D951-DCCA-4F1B-8A56-2412D9181CA3}">
+      <dgm:prSet/>
+      <dgm:spPr/>
+    </dgm:pt>
+    <dgm:pt modelId="{5D5B682C-E6D4-430C-B18E-032F6F84FD71}">
+      <dgm:prSet phldr="0"/>
+      <dgm:spPr/>
+      <dgm:t>
+        <a:bodyPr/>
+        <a:lstStyle/>
+        <a:p>
+          <a:pPr rtl="0"/>
+          <a:r>
+            <a:rPr lang="en-US" b="1" dirty="0">
+              <a:latin typeface="Calibri Light" panose="020F0302020204030204"/>
+            </a:rPr>
+            <a:t>Tầng Nghiệp vụ</a:t>
+          </a:r>
+        </a:p>
+      </dgm:t>
+    </dgm:pt>
+    <dgm:pt modelId="{512BB044-756B-4CD9-920A-A4BEC8683E66}" type="parTrans" cxnId="{711B515A-CD48-4DB7-8FE0-C35A3C5722A9}">
+      <dgm:prSet/>
+      <dgm:spPr/>
+    </dgm:pt>
+    <dgm:pt modelId="{F5EAC99B-00C4-41A6-BE37-992C4B8B6099}" type="sibTrans" cxnId="{711B515A-CD48-4DB7-8FE0-C35A3C5722A9}">
+      <dgm:prSet/>
+      <dgm:spPr/>
+    </dgm:pt>
+    <dgm:pt modelId="{DDC3BABE-9F6B-45E6-BD7A-44A264864C22}">
+      <dgm:prSet phldr="0"/>
+      <dgm:spPr/>
+      <dgm:t>
+        <a:bodyPr/>
+        <a:lstStyle/>
+        <a:p>
+          <a:pPr rtl="0"/>
+          <a:r>
+            <a:rPr lang="en-US" dirty="0">
+              <a:latin typeface="Calibri Light" panose="020F0302020204030204"/>
+            </a:rPr>
+            <a:t>Tầng Dữ liệu</a:t>
+          </a:r>
+        </a:p>
+      </dgm:t>
+    </dgm:pt>
+    <dgm:pt modelId="{E2BC65DB-F51D-49FC-A990-8EAE2FEBFCC4}" type="parTrans" cxnId="{36396808-B455-44A5-83C8-97D082B3197A}">
+      <dgm:prSet/>
+      <dgm:spPr/>
+    </dgm:pt>
+    <dgm:pt modelId="{D3F0D5C2-0F81-4027-A30D-32EBEBD5CE18}" type="sibTrans" cxnId="{36396808-B455-44A5-83C8-97D082B3197A}">
+      <dgm:prSet/>
+      <dgm:spPr/>
+    </dgm:pt>
+    <dgm:pt modelId="{15E35E60-D829-4987-B5D3-A46459412346}">
+      <dgm:prSet phldr="0"/>
+      <dgm:spPr/>
+      <dgm:t>
+        <a:bodyPr/>
+        <a:lstStyle/>
+        <a:p>
+          <a:pPr rtl="0"/>
+          <a:r>
+            <a:rPr lang="en-US" dirty="0">
+              <a:latin typeface="Calibri Light" panose="020F0302020204030204"/>
+            </a:rPr>
+            <a:t>Sơ đồ tuần tự</a:t>
+          </a:r>
+        </a:p>
+      </dgm:t>
+    </dgm:pt>
+    <dgm:pt modelId="{F79C410B-3A03-4C98-8CBD-13B3878A3BCC}" type="parTrans" cxnId="{B38D0424-4DB2-413C-94A9-FFF56F4993D3}">
+      <dgm:prSet/>
+      <dgm:spPr/>
+    </dgm:pt>
+    <dgm:pt modelId="{B9675B63-B8BE-4079-BCA0-FB1881BBDFE2}" type="sibTrans" cxnId="{B38D0424-4DB2-413C-94A9-FFF56F4993D3}">
+      <dgm:prSet/>
+      <dgm:spPr/>
+    </dgm:pt>
+    <dgm:pt modelId="{A39790EE-3C51-4D08-89F0-3E3539736866}" type="pres">
+      <dgm:prSet presAssocID="{3AC7567E-393A-4B6D-ADD9-E460C6DEDB23}" presName="linear" presStyleCnt="0">
+        <dgm:presLayoutVars>
+          <dgm:dir/>
+          <dgm:animLvl val="lvl"/>
+          <dgm:resizeHandles val="exact"/>
+        </dgm:presLayoutVars>
+      </dgm:prSet>
+      <dgm:spPr/>
+    </dgm:pt>
+    <dgm:pt modelId="{83FBDB60-4BD7-42E6-BC99-5FF11CC3ED58}" type="pres">
+      <dgm:prSet presAssocID="{16B6CE65-8E66-4DF0-9A9E-E847623A2149}" presName="parentLin" presStyleCnt="0"/>
+      <dgm:spPr/>
+    </dgm:pt>
+    <dgm:pt modelId="{855CE655-A495-4C7C-8AA1-2F8C05AB7CF3}" type="pres">
+      <dgm:prSet presAssocID="{16B6CE65-8E66-4DF0-9A9E-E847623A2149}" presName="parentLeftMargin" presStyleLbl="node1" presStyleIdx="0" presStyleCnt="4"/>
+      <dgm:spPr/>
+    </dgm:pt>
+    <dgm:pt modelId="{4A490A2B-110B-4306-8AD6-E06ACBB3A363}" type="pres">
+      <dgm:prSet presAssocID="{16B6CE65-8E66-4DF0-9A9E-E847623A2149}" presName="parentText" presStyleLbl="node1" presStyleIdx="0" presStyleCnt="4">
+        <dgm:presLayoutVars>
+          <dgm:chMax val="0"/>
+          <dgm:bulletEnabled val="1"/>
+        </dgm:presLayoutVars>
+      </dgm:prSet>
+      <dgm:spPr/>
+    </dgm:pt>
+    <dgm:pt modelId="{D3268175-3B73-4CCE-AA4F-5AD0B2197AC7}" type="pres">
+      <dgm:prSet presAssocID="{16B6CE65-8E66-4DF0-9A9E-E847623A2149}" presName="negativeSpace" presStyleCnt="0"/>
+      <dgm:spPr/>
+    </dgm:pt>
+    <dgm:pt modelId="{5F552BAF-B4FA-4D00-8A55-A400698F9954}" type="pres">
+      <dgm:prSet presAssocID="{16B6CE65-8E66-4DF0-9A9E-E847623A2149}" presName="childText" presStyleLbl="conFgAcc1" presStyleIdx="0" presStyleCnt="4">
+        <dgm:presLayoutVars>
+          <dgm:bulletEnabled val="1"/>
+        </dgm:presLayoutVars>
+      </dgm:prSet>
+      <dgm:spPr/>
+    </dgm:pt>
+    <dgm:pt modelId="{7FA279A3-85FC-4EE9-A100-7C8DCF54EDD8}" type="pres">
+      <dgm:prSet presAssocID="{C131778F-89E6-4DBC-9F28-756F2B3301EB}" presName="spaceBetweenRectangles" presStyleCnt="0"/>
+      <dgm:spPr/>
+    </dgm:pt>
+    <dgm:pt modelId="{85FB0A24-DEE0-4998-B5C2-5B5221C4DB50}" type="pres">
+      <dgm:prSet presAssocID="{114CA8C9-31A6-45D7-B1BD-3AFEB84DDF69}" presName="parentLin" presStyleCnt="0"/>
+      <dgm:spPr/>
+    </dgm:pt>
+    <dgm:pt modelId="{9AE99C9F-C2CB-4B7C-B6E2-90150C4ECAB8}" type="pres">
+      <dgm:prSet presAssocID="{114CA8C9-31A6-45D7-B1BD-3AFEB84DDF69}" presName="parentLeftMargin" presStyleLbl="node1" presStyleIdx="0" presStyleCnt="4"/>
+      <dgm:spPr/>
+    </dgm:pt>
+    <dgm:pt modelId="{DA1EE2F8-E1D0-4001-9BD9-57E2D3854EA9}" type="pres">
+      <dgm:prSet presAssocID="{114CA8C9-31A6-45D7-B1BD-3AFEB84DDF69}" presName="parentText" presStyleLbl="node1" presStyleIdx="1" presStyleCnt="4">
+        <dgm:presLayoutVars>
+          <dgm:chMax val="0"/>
+          <dgm:bulletEnabled val="1"/>
+        </dgm:presLayoutVars>
+      </dgm:prSet>
+      <dgm:spPr/>
+    </dgm:pt>
+    <dgm:pt modelId="{80B9B3E3-B5C4-4323-954F-A751B2690086}" type="pres">
+      <dgm:prSet presAssocID="{114CA8C9-31A6-45D7-B1BD-3AFEB84DDF69}" presName="negativeSpace" presStyleCnt="0"/>
+      <dgm:spPr/>
+    </dgm:pt>
+    <dgm:pt modelId="{8BE3189C-E413-41D3-AA70-8E89FBBA738F}" type="pres">
+      <dgm:prSet presAssocID="{114CA8C9-31A6-45D7-B1BD-3AFEB84DDF69}" presName="childText" presStyleLbl="conFgAcc1" presStyleIdx="1" presStyleCnt="4">
+        <dgm:presLayoutVars>
+          <dgm:bulletEnabled val="1"/>
+        </dgm:presLayoutVars>
+      </dgm:prSet>
+      <dgm:spPr/>
+    </dgm:pt>
+    <dgm:pt modelId="{6F9F8D9A-7278-4616-901A-5A206FC585F4}" type="pres">
+      <dgm:prSet presAssocID="{155482CC-51EC-4CD0-A1A3-27061FEDF09A}" presName="spaceBetweenRectangles" presStyleCnt="0"/>
+      <dgm:spPr/>
+    </dgm:pt>
+    <dgm:pt modelId="{BA119A01-18AF-4A93-A9E5-40A45D456AEF}" type="pres">
+      <dgm:prSet presAssocID="{017E6EE5-E9A4-43E6-AE7A-0E0B2EF8D503}" presName="parentLin" presStyleCnt="0"/>
+      <dgm:spPr/>
+    </dgm:pt>
+    <dgm:pt modelId="{9EA784A9-B803-4E65-B6E5-6A059379C6D0}" type="pres">
+      <dgm:prSet presAssocID="{017E6EE5-E9A4-43E6-AE7A-0E0B2EF8D503}" presName="parentLeftMargin" presStyleLbl="node1" presStyleIdx="1" presStyleCnt="4"/>
+      <dgm:spPr/>
+    </dgm:pt>
+    <dgm:pt modelId="{C2BB217A-F5AA-4BE8-8F14-8CC1EDD1DE9B}" type="pres">
+      <dgm:prSet presAssocID="{017E6EE5-E9A4-43E6-AE7A-0E0B2EF8D503}" presName="parentText" presStyleLbl="node1" presStyleIdx="2" presStyleCnt="4">
+        <dgm:presLayoutVars>
+          <dgm:chMax val="0"/>
+          <dgm:bulletEnabled val="1"/>
+        </dgm:presLayoutVars>
+      </dgm:prSet>
+      <dgm:spPr/>
+    </dgm:pt>
+    <dgm:pt modelId="{F0EB6F05-31BF-43A7-A530-B7576B5475C4}" type="pres">
+      <dgm:prSet presAssocID="{017E6EE5-E9A4-43E6-AE7A-0E0B2EF8D503}" presName="negativeSpace" presStyleCnt="0"/>
+      <dgm:spPr/>
+    </dgm:pt>
+    <dgm:pt modelId="{FBA74972-1BEE-4882-93B6-4FE68AAEF173}" type="pres">
+      <dgm:prSet presAssocID="{017E6EE5-E9A4-43E6-AE7A-0E0B2EF8D503}" presName="childText" presStyleLbl="conFgAcc1" presStyleIdx="2" presStyleCnt="4">
+        <dgm:presLayoutVars>
+          <dgm:bulletEnabled val="1"/>
+        </dgm:presLayoutVars>
+      </dgm:prSet>
+      <dgm:spPr/>
+    </dgm:pt>
+    <dgm:pt modelId="{5DF9BCB0-5131-4EB8-BAC1-91E85F14FCF5}" type="pres">
+      <dgm:prSet presAssocID="{301589ED-218D-4AB2-8C66-702FD07CB709}" presName="spaceBetweenRectangles" presStyleCnt="0"/>
+      <dgm:spPr/>
+    </dgm:pt>
+    <dgm:pt modelId="{2D420508-46C3-4050-931A-7ED3541C8C64}" type="pres">
+      <dgm:prSet presAssocID="{1CACB6AD-4196-415F-A7E4-ADEEB3F11A14}" presName="parentLin" presStyleCnt="0"/>
+      <dgm:spPr/>
+    </dgm:pt>
+    <dgm:pt modelId="{B33B5C64-2A3A-4461-A964-4CD0F97FBAB2}" type="pres">
+      <dgm:prSet presAssocID="{1CACB6AD-4196-415F-A7E4-ADEEB3F11A14}" presName="parentLeftMargin" presStyleLbl="node1" presStyleIdx="2" presStyleCnt="4"/>
+      <dgm:spPr/>
+    </dgm:pt>
+    <dgm:pt modelId="{5567BF49-C2D4-4FEF-AC1F-8E9883993197}" type="pres">
+      <dgm:prSet presAssocID="{1CACB6AD-4196-415F-A7E4-ADEEB3F11A14}" presName="parentText" presStyleLbl="node1" presStyleIdx="3" presStyleCnt="4">
+        <dgm:presLayoutVars>
+          <dgm:chMax val="0"/>
+          <dgm:bulletEnabled val="1"/>
+        </dgm:presLayoutVars>
+      </dgm:prSet>
+      <dgm:spPr/>
+    </dgm:pt>
+    <dgm:pt modelId="{BA21EECA-F921-477A-8F03-14B63233AD47}" type="pres">
+      <dgm:prSet presAssocID="{1CACB6AD-4196-415F-A7E4-ADEEB3F11A14}" presName="negativeSpace" presStyleCnt="0"/>
+      <dgm:spPr/>
+    </dgm:pt>
+    <dgm:pt modelId="{419E05F9-922F-4FB7-8801-1FEFF8005325}" type="pres">
+      <dgm:prSet presAssocID="{1CACB6AD-4196-415F-A7E4-ADEEB3F11A14}" presName="childText" presStyleLbl="conFgAcc1" presStyleIdx="3" presStyleCnt="4">
+        <dgm:presLayoutVars>
+          <dgm:bulletEnabled val="1"/>
+        </dgm:presLayoutVars>
+      </dgm:prSet>
+      <dgm:spPr/>
+    </dgm:pt>
+  </dgm:ptLst>
+  <dgm:cxnLst>
+    <dgm:cxn modelId="{36396808-B455-44A5-83C8-97D082B3197A}" srcId="{16B6CE65-8E66-4DF0-9A9E-E847623A2149}" destId="{DDC3BABE-9F6B-45E6-BD7A-44A264864C22}" srcOrd="2" destOrd="0" parTransId="{E2BC65DB-F51D-49FC-A990-8EAE2FEBFCC4}" sibTransId="{D3F0D5C2-0F81-4027-A30D-32EBEBD5CE18}"/>
+    <dgm:cxn modelId="{06D3BA18-9052-4A87-B4BE-78375B43A25B}" type="presOf" srcId="{5D5B682C-E6D4-430C-B18E-032F6F84FD71}" destId="{5F552BAF-B4FA-4D00-8A55-A400698F9954}" srcOrd="0" destOrd="0" presId="urn:microsoft.com/office/officeart/2005/8/layout/list1"/>
+    <dgm:cxn modelId="{B38D0424-4DB2-413C-94A9-FFF56F4993D3}" srcId="{114CA8C9-31A6-45D7-B1BD-3AFEB84DDF69}" destId="{15E35E60-D829-4987-B5D3-A46459412346}" srcOrd="0" destOrd="0" parTransId="{F79C410B-3A03-4C98-8CBD-13B3878A3BCC}" sibTransId="{B9675B63-B8BE-4079-BCA0-FB1881BBDFE2}"/>
+    <dgm:cxn modelId="{6ACD1534-3D9A-46B0-A717-159C2CC0375C}" type="presOf" srcId="{114CA8C9-31A6-45D7-B1BD-3AFEB84DDF69}" destId="{DA1EE2F8-E1D0-4001-9BD9-57E2D3854EA9}" srcOrd="1" destOrd="0" presId="urn:microsoft.com/office/officeart/2005/8/layout/list1"/>
+    <dgm:cxn modelId="{6BDC0D36-2ABC-4AB3-8B3D-53D992884014}" srcId="{3AC7567E-393A-4B6D-ADD9-E460C6DEDB23}" destId="{16B6CE65-8E66-4DF0-9A9E-E847623A2149}" srcOrd="0" destOrd="0" parTransId="{A100A7FC-8385-409D-BA57-4857613B8441}" sibTransId="{C131778F-89E6-4DBC-9F28-756F2B3301EB}"/>
+    <dgm:cxn modelId="{773F3A38-431D-4A07-BECB-ED758C4B75D0}" type="presOf" srcId="{16B6CE65-8E66-4DF0-9A9E-E847623A2149}" destId="{4A490A2B-110B-4306-8AD6-E06ACBB3A363}" srcOrd="1" destOrd="0" presId="urn:microsoft.com/office/officeart/2005/8/layout/list1"/>
+    <dgm:cxn modelId="{53F3B25B-630D-404C-BEFD-62A7EF110903}" type="presOf" srcId="{017E6EE5-E9A4-43E6-AE7A-0E0B2EF8D503}" destId="{C2BB217A-F5AA-4BE8-8F14-8CC1EDD1DE9B}" srcOrd="1" destOrd="0" presId="urn:microsoft.com/office/officeart/2005/8/layout/list1"/>
+    <dgm:cxn modelId="{54970E5F-6852-4630-91F8-58B805D99835}" type="presOf" srcId="{3AC7567E-393A-4B6D-ADD9-E460C6DEDB23}" destId="{A39790EE-3C51-4D08-89F0-3E3539736866}" srcOrd="0" destOrd="0" presId="urn:microsoft.com/office/officeart/2005/8/layout/list1"/>
+    <dgm:cxn modelId="{28B89F43-7110-4AAC-94B1-57D0AA93F3B6}" srcId="{3AC7567E-393A-4B6D-ADD9-E460C6DEDB23}" destId="{017E6EE5-E9A4-43E6-AE7A-0E0B2EF8D503}" srcOrd="2" destOrd="0" parTransId="{C9C6D71D-F339-45C2-BB1E-63A68B7E2536}" sibTransId="{301589ED-218D-4AB2-8C66-702FD07CB709}"/>
+    <dgm:cxn modelId="{B3D01744-BA08-47F1-8928-011D2088FC08}" type="presOf" srcId="{1CACB6AD-4196-415F-A7E4-ADEEB3F11A14}" destId="{5567BF49-C2D4-4FEF-AC1F-8E9883993197}" srcOrd="1" destOrd="0" presId="urn:microsoft.com/office/officeart/2005/8/layout/list1"/>
+    <dgm:cxn modelId="{5E84854A-F577-4D48-BA7F-13BE310687F8}" type="presOf" srcId="{1CACB6AD-4196-415F-A7E4-ADEEB3F11A14}" destId="{B33B5C64-2A3A-4461-A964-4CD0F97FBAB2}" srcOrd="0" destOrd="0" presId="urn:microsoft.com/office/officeart/2005/8/layout/list1"/>
+    <dgm:cxn modelId="{3FC8D951-DCCA-4F1B-8A56-2412D9181CA3}" srcId="{3AC7567E-393A-4B6D-ADD9-E460C6DEDB23}" destId="{1CACB6AD-4196-415F-A7E4-ADEEB3F11A14}" srcOrd="3" destOrd="0" parTransId="{603FC459-2A22-4780-8899-0A1382B2AFF3}" sibTransId="{29D56D89-7BA3-415E-9A7C-D719CA27176F}"/>
+    <dgm:cxn modelId="{14300B55-1379-408B-B66C-EB53CD72DD8A}" type="presOf" srcId="{15E35E60-D829-4987-B5D3-A46459412346}" destId="{8BE3189C-E413-41D3-AA70-8E89FBBA738F}" srcOrd="0" destOrd="0" presId="urn:microsoft.com/office/officeart/2005/8/layout/list1"/>
+    <dgm:cxn modelId="{711B515A-CD48-4DB7-8FE0-C35A3C5722A9}" srcId="{16B6CE65-8E66-4DF0-9A9E-E847623A2149}" destId="{5D5B682C-E6D4-430C-B18E-032F6F84FD71}" srcOrd="0" destOrd="0" parTransId="{512BB044-756B-4CD9-920A-A4BEC8683E66}" sibTransId="{F5EAC99B-00C4-41A6-BE37-992C4B8B6099}"/>
+    <dgm:cxn modelId="{B713C77F-6A49-4916-AD4E-4167CEC44180}" type="presOf" srcId="{DDC3BABE-9F6B-45E6-BD7A-44A264864C22}" destId="{5F552BAF-B4FA-4D00-8A55-A400698F9954}" srcOrd="0" destOrd="2" presId="urn:microsoft.com/office/officeart/2005/8/layout/list1"/>
+    <dgm:cxn modelId="{73A5268D-7D63-40ED-8920-E0405BBCB272}" type="presOf" srcId="{017E6EE5-E9A4-43E6-AE7A-0E0B2EF8D503}" destId="{9EA784A9-B803-4E65-B6E5-6A059379C6D0}" srcOrd="0" destOrd="0" presId="urn:microsoft.com/office/officeart/2005/8/layout/list1"/>
+    <dgm:cxn modelId="{FE6437AB-AA53-4E23-8CD2-BE89FF21C90C}" type="presOf" srcId="{16B6CE65-8E66-4DF0-9A9E-E847623A2149}" destId="{855CE655-A495-4C7C-8AA1-2F8C05AB7CF3}" srcOrd="0" destOrd="0" presId="urn:microsoft.com/office/officeart/2005/8/layout/list1"/>
+    <dgm:cxn modelId="{F814B0B0-5F0E-403C-9F4C-598A791440A8}" type="presOf" srcId="{114CA8C9-31A6-45D7-B1BD-3AFEB84DDF69}" destId="{9AE99C9F-C2CB-4B7C-B6E2-90150C4ECAB8}" srcOrd="0" destOrd="0" presId="urn:microsoft.com/office/officeart/2005/8/layout/list1"/>
+    <dgm:cxn modelId="{C58C37C5-2FFD-4E31-B19A-90EDC37A8754}" srcId="{16B6CE65-8E66-4DF0-9A9E-E847623A2149}" destId="{422F6C4D-A575-4713-91D9-88D3B3A8FBC1}" srcOrd="1" destOrd="0" parTransId="{628D5603-1CAA-42DD-87EF-71368F7B3B08}" sibTransId="{E5AE1DB5-4D8D-43FF-9B99-7F4C53EEF523}"/>
+    <dgm:cxn modelId="{BCB99FDA-7092-4EDF-9A18-3988B3AA3B7A}" type="presOf" srcId="{422F6C4D-A575-4713-91D9-88D3B3A8FBC1}" destId="{5F552BAF-B4FA-4D00-8A55-A400698F9954}" srcOrd="0" destOrd="1" presId="urn:microsoft.com/office/officeart/2005/8/layout/list1"/>
+    <dgm:cxn modelId="{EC6364F5-FCB9-4E5C-AC30-A812CC6A9B00}" srcId="{3AC7567E-393A-4B6D-ADD9-E460C6DEDB23}" destId="{114CA8C9-31A6-45D7-B1BD-3AFEB84DDF69}" srcOrd="1" destOrd="0" parTransId="{57A3A63B-BDEB-49BF-A03A-2AE668C0C715}" sibTransId="{155482CC-51EC-4CD0-A1A3-27061FEDF09A}"/>
+    <dgm:cxn modelId="{B13EAC09-9695-4E1C-BE6E-8D9F1D8CD35E}" type="presParOf" srcId="{A39790EE-3C51-4D08-89F0-3E3539736866}" destId="{83FBDB60-4BD7-42E6-BC99-5FF11CC3ED58}" srcOrd="0" destOrd="0" presId="urn:microsoft.com/office/officeart/2005/8/layout/list1"/>
+    <dgm:cxn modelId="{DB80336F-D704-4BFA-A0D7-89B3F1C8184C}" type="presParOf" srcId="{83FBDB60-4BD7-42E6-BC99-5FF11CC3ED58}" destId="{855CE655-A495-4C7C-8AA1-2F8C05AB7CF3}" srcOrd="0" destOrd="0" presId="urn:microsoft.com/office/officeart/2005/8/layout/list1"/>
+    <dgm:cxn modelId="{3A736020-52D2-4FC4-8A38-33C945E37E41}" type="presParOf" srcId="{83FBDB60-4BD7-42E6-BC99-5FF11CC3ED58}" destId="{4A490A2B-110B-4306-8AD6-E06ACBB3A363}" srcOrd="1" destOrd="0" presId="urn:microsoft.com/office/officeart/2005/8/layout/list1"/>
+    <dgm:cxn modelId="{2D4376FE-380F-4CE7-97BA-29F4FB87FFC0}" type="presParOf" srcId="{A39790EE-3C51-4D08-89F0-3E3539736866}" destId="{D3268175-3B73-4CCE-AA4F-5AD0B2197AC7}" srcOrd="1" destOrd="0" presId="urn:microsoft.com/office/officeart/2005/8/layout/list1"/>
+    <dgm:cxn modelId="{7CEB7D78-867E-4294-AD18-3B215CF5BC6F}" type="presParOf" srcId="{A39790EE-3C51-4D08-89F0-3E3539736866}" destId="{5F552BAF-B4FA-4D00-8A55-A400698F9954}" srcOrd="2" destOrd="0" presId="urn:microsoft.com/office/officeart/2005/8/layout/list1"/>
+    <dgm:cxn modelId="{1F5F7FFF-73DA-473B-995A-D75114DC464E}" type="presParOf" srcId="{A39790EE-3C51-4D08-89F0-3E3539736866}" destId="{7FA279A3-85FC-4EE9-A100-7C8DCF54EDD8}" srcOrd="3" destOrd="0" presId="urn:microsoft.com/office/officeart/2005/8/layout/list1"/>
+    <dgm:cxn modelId="{1250FB3B-8D5A-489B-8A19-D9B65EF5CBB2}" type="presParOf" srcId="{A39790EE-3C51-4D08-89F0-3E3539736866}" destId="{85FB0A24-DEE0-4998-B5C2-5B5221C4DB50}" srcOrd="4" destOrd="0" presId="urn:microsoft.com/office/officeart/2005/8/layout/list1"/>
+    <dgm:cxn modelId="{2A6BF6B6-B636-4E18-AF6B-DB4182757ACF}" type="presParOf" srcId="{85FB0A24-DEE0-4998-B5C2-5B5221C4DB50}" destId="{9AE99C9F-C2CB-4B7C-B6E2-90150C4ECAB8}" srcOrd="0" destOrd="0" presId="urn:microsoft.com/office/officeart/2005/8/layout/list1"/>
+    <dgm:cxn modelId="{A750CB84-B9E0-4A9B-95E4-DF95810DAC4C}" type="presParOf" srcId="{85FB0A24-DEE0-4998-B5C2-5B5221C4DB50}" destId="{DA1EE2F8-E1D0-4001-9BD9-57E2D3854EA9}" srcOrd="1" destOrd="0" presId="urn:microsoft.com/office/officeart/2005/8/layout/list1"/>
+    <dgm:cxn modelId="{83D68CCE-C53E-4BAB-9981-9786A3F6B0B4}" type="presParOf" srcId="{A39790EE-3C51-4D08-89F0-3E3539736866}" destId="{80B9B3E3-B5C4-4323-954F-A751B2690086}" srcOrd="5" destOrd="0" presId="urn:microsoft.com/office/officeart/2005/8/layout/list1"/>
+    <dgm:cxn modelId="{DBCA528F-71ED-42D8-915C-803527201F2F}" type="presParOf" srcId="{A39790EE-3C51-4D08-89F0-3E3539736866}" destId="{8BE3189C-E413-41D3-AA70-8E89FBBA738F}" srcOrd="6" destOrd="0" presId="urn:microsoft.com/office/officeart/2005/8/layout/list1"/>
+    <dgm:cxn modelId="{51916995-4027-43C0-824A-52C2F65E2ABC}" type="presParOf" srcId="{A39790EE-3C51-4D08-89F0-3E3539736866}" destId="{6F9F8D9A-7278-4616-901A-5A206FC585F4}" srcOrd="7" destOrd="0" presId="urn:microsoft.com/office/officeart/2005/8/layout/list1"/>
+    <dgm:cxn modelId="{93DD6BD4-4904-49DF-B694-FC40ECD74191}" type="presParOf" srcId="{A39790EE-3C51-4D08-89F0-3E3539736866}" destId="{BA119A01-18AF-4A93-A9E5-40A45D456AEF}" srcOrd="8" destOrd="0" presId="urn:microsoft.com/office/officeart/2005/8/layout/list1"/>
+    <dgm:cxn modelId="{159BAB32-FD31-4F89-B469-69288EC155B6}" type="presParOf" srcId="{BA119A01-18AF-4A93-A9E5-40A45D456AEF}" destId="{9EA784A9-B803-4E65-B6E5-6A059379C6D0}" srcOrd="0" destOrd="0" presId="urn:microsoft.com/office/officeart/2005/8/layout/list1"/>
+    <dgm:cxn modelId="{20D19845-FA68-4880-90A9-5D3EA24B5844}" type="presParOf" srcId="{BA119A01-18AF-4A93-A9E5-40A45D456AEF}" destId="{C2BB217A-F5AA-4BE8-8F14-8CC1EDD1DE9B}" srcOrd="1" destOrd="0" presId="urn:microsoft.com/office/officeart/2005/8/layout/list1"/>
+    <dgm:cxn modelId="{D778D851-D702-4F9C-AECE-6A5D7FD24AC7}" type="presParOf" srcId="{A39790EE-3C51-4D08-89F0-3E3539736866}" destId="{F0EB6F05-31BF-43A7-A530-B7576B5475C4}" srcOrd="9" destOrd="0" presId="urn:microsoft.com/office/officeart/2005/8/layout/list1"/>
+    <dgm:cxn modelId="{D42712AA-9914-4893-8ABA-9A56A893C8E2}" type="presParOf" srcId="{A39790EE-3C51-4D08-89F0-3E3539736866}" destId="{FBA74972-1BEE-4882-93B6-4FE68AAEF173}" srcOrd="10" destOrd="0" presId="urn:microsoft.com/office/officeart/2005/8/layout/list1"/>
+    <dgm:cxn modelId="{A997436D-74B6-44B6-BF92-916D21B6EE21}" type="presParOf" srcId="{A39790EE-3C51-4D08-89F0-3E3539736866}" destId="{5DF9BCB0-5131-4EB8-BAC1-91E85F14FCF5}" srcOrd="11" destOrd="0" presId="urn:microsoft.com/office/officeart/2005/8/layout/list1"/>
+    <dgm:cxn modelId="{51940648-5F92-43F0-B2C0-6FFD597AB133}" type="presParOf" srcId="{A39790EE-3C51-4D08-89F0-3E3539736866}" destId="{2D420508-46C3-4050-931A-7ED3541C8C64}" srcOrd="12" destOrd="0" presId="urn:microsoft.com/office/officeart/2005/8/layout/list1"/>
+    <dgm:cxn modelId="{7DA3AD50-B8E6-4F41-9F24-1E2321EA1B90}" type="presParOf" srcId="{2D420508-46C3-4050-931A-7ED3541C8C64}" destId="{B33B5C64-2A3A-4461-A964-4CD0F97FBAB2}" srcOrd="0" destOrd="0" presId="urn:microsoft.com/office/officeart/2005/8/layout/list1"/>
+    <dgm:cxn modelId="{E72E68C5-14C9-465B-951F-2898D8D86350}" type="presParOf" srcId="{2D420508-46C3-4050-931A-7ED3541C8C64}" destId="{5567BF49-C2D4-4FEF-AC1F-8E9883993197}" srcOrd="1" destOrd="0" presId="urn:microsoft.com/office/officeart/2005/8/layout/list1"/>
+    <dgm:cxn modelId="{BB7BCCE5-5818-4E76-9810-AFAC25BCAA8C}" type="presParOf" srcId="{A39790EE-3C51-4D08-89F0-3E3539736866}" destId="{BA21EECA-F921-477A-8F03-14B63233AD47}" srcOrd="13" destOrd="0" presId="urn:microsoft.com/office/officeart/2005/8/layout/list1"/>
+    <dgm:cxn modelId="{D94C4BD6-085A-48F9-9E90-97C53A128E09}" type="presParOf" srcId="{A39790EE-3C51-4D08-89F0-3E3539736866}" destId="{419E05F9-922F-4FB7-8801-1FEFF8005325}" srcOrd="14" destOrd="0" presId="urn:microsoft.com/office/officeart/2005/8/layout/list1"/>
   </dgm:cxnLst>
   <dgm:bg/>
   <dgm:whole/>
@@ -12407,6 +14508,642 @@
 </dsp:drawing>
 </file>
 
+<file path=ppt/diagrams/drawing6.xml><?xml version="1.0" encoding="utf-8"?>
+<dsp:drawing xmlns:dgm="http://schemas.openxmlformats.org/drawingml/2006/diagram" xmlns:dsp="http://schemas.microsoft.com/office/drawing/2008/diagram" xmlns:a="http://schemas.openxmlformats.org/drawingml/2006/main">
+  <dsp:spTree>
+    <dsp:nvGrpSpPr>
+      <dsp:cNvPr id="0" name=""/>
+      <dsp:cNvGrpSpPr/>
+    </dsp:nvGrpSpPr>
+    <dsp:grpSpPr/>
+    <dsp:sp modelId="{5F552BAF-B4FA-4D00-8A55-A400698F9954}">
+      <dsp:nvSpPr>
+        <dsp:cNvPr id="0" name=""/>
+        <dsp:cNvSpPr/>
+      </dsp:nvSpPr>
+      <dsp:spPr>
+        <a:xfrm>
+          <a:off x="0" y="489588"/>
+          <a:ext cx="7561039" cy="1890000"/>
+        </a:xfrm>
+        <a:prstGeom prst="rect">
+          <a:avLst/>
+        </a:prstGeom>
+        <a:solidFill>
+          <a:schemeClr val="lt1">
+            <a:alpha val="90000"/>
+            <a:hueOff val="0"/>
+            <a:satOff val="0"/>
+            <a:lumOff val="0"/>
+            <a:alphaOff val="0"/>
+          </a:schemeClr>
+        </a:solidFill>
+        <a:ln w="15875" cap="flat" cmpd="sng" algn="ctr">
+          <a:solidFill>
+            <a:schemeClr val="accent1">
+              <a:hueOff val="0"/>
+              <a:satOff val="0"/>
+              <a:lumOff val="0"/>
+              <a:alphaOff val="0"/>
+            </a:schemeClr>
+          </a:solidFill>
+          <a:prstDash val="solid"/>
+        </a:ln>
+        <a:effectLst/>
+      </dsp:spPr>
+      <dsp:style>
+        <a:lnRef idx="2">
+          <a:scrgbClr r="0" g="0" b="0"/>
+        </a:lnRef>
+        <a:fillRef idx="1">
+          <a:scrgbClr r="0" g="0" b="0"/>
+        </a:fillRef>
+        <a:effectRef idx="0">
+          <a:scrgbClr r="0" g="0" b="0"/>
+        </a:effectRef>
+        <a:fontRef idx="minor"/>
+      </dsp:style>
+      <dsp:txBody>
+        <a:bodyPr spcFirstLastPara="0" vert="horz" wrap="square" lIns="586821" tIns="520700" rIns="586821" bIns="177800" numCol="1" spcCol="1270" anchor="t" anchorCtr="0">
+          <a:noAutofit/>
+        </a:bodyPr>
+        <a:lstStyle/>
+        <a:p>
+          <a:pPr marL="228600" lvl="1" indent="-228600" algn="l" defTabSz="1111250" rtl="0">
+            <a:lnSpc>
+              <a:spcPct val="90000"/>
+            </a:lnSpc>
+            <a:spcBef>
+              <a:spcPct val="0"/>
+            </a:spcBef>
+            <a:spcAft>
+              <a:spcPct val="15000"/>
+            </a:spcAft>
+            <a:buChar char="•"/>
+          </a:pPr>
+          <a:r>
+            <a:rPr lang="en-US" sz="2500" b="1" kern="1200" dirty="0">
+              <a:latin typeface="Calibri Light" panose="020F0302020204030204"/>
+            </a:rPr>
+            <a:t>Tầng Nghiệp vụ</a:t>
+          </a:r>
+        </a:p>
+        <a:p>
+          <a:pPr marL="228600" lvl="1" indent="-228600" algn="l" defTabSz="1111250" rtl="0">
+            <a:lnSpc>
+              <a:spcPct val="90000"/>
+            </a:lnSpc>
+            <a:spcBef>
+              <a:spcPct val="0"/>
+            </a:spcBef>
+            <a:spcAft>
+              <a:spcPct val="15000"/>
+            </a:spcAft>
+            <a:buChar char="•"/>
+          </a:pPr>
+          <a:r>
+            <a:rPr lang="en-US" sz="2500" kern="1200" dirty="0">
+              <a:latin typeface="Calibri Light" panose="020F0302020204030204"/>
+            </a:rPr>
+            <a:t>Tầng Giao diện</a:t>
+          </a:r>
+          <a:endParaRPr lang="en-US" sz="2500" kern="1200" dirty="0"/>
+        </a:p>
+        <a:p>
+          <a:pPr marL="228600" lvl="1" indent="-228600" algn="l" defTabSz="1111250" rtl="0">
+            <a:lnSpc>
+              <a:spcPct val="90000"/>
+            </a:lnSpc>
+            <a:spcBef>
+              <a:spcPct val="0"/>
+            </a:spcBef>
+            <a:spcAft>
+              <a:spcPct val="15000"/>
+            </a:spcAft>
+            <a:buChar char="•"/>
+          </a:pPr>
+          <a:r>
+            <a:rPr lang="en-US" sz="2500" kern="1200" dirty="0">
+              <a:latin typeface="Calibri Light" panose="020F0302020204030204"/>
+            </a:rPr>
+            <a:t>Tầng Dữ liệu</a:t>
+          </a:r>
+        </a:p>
+      </dsp:txBody>
+      <dsp:txXfrm>
+        <a:off x="0" y="489588"/>
+        <a:ext cx="7561039" cy="1890000"/>
+      </dsp:txXfrm>
+    </dsp:sp>
+    <dsp:sp modelId="{4A490A2B-110B-4306-8AD6-E06ACBB3A363}">
+      <dsp:nvSpPr>
+        <dsp:cNvPr id="0" name=""/>
+        <dsp:cNvSpPr/>
+      </dsp:nvSpPr>
+      <dsp:spPr>
+        <a:xfrm>
+          <a:off x="378051" y="120588"/>
+          <a:ext cx="5292727" cy="738000"/>
+        </a:xfrm>
+        <a:prstGeom prst="roundRect">
+          <a:avLst/>
+        </a:prstGeom>
+        <a:solidFill>
+          <a:schemeClr val="accent1">
+            <a:hueOff val="0"/>
+            <a:satOff val="0"/>
+            <a:lumOff val="0"/>
+            <a:alphaOff val="0"/>
+          </a:schemeClr>
+        </a:solidFill>
+        <a:ln w="15875" cap="flat" cmpd="sng" algn="ctr">
+          <a:solidFill>
+            <a:schemeClr val="lt1">
+              <a:hueOff val="0"/>
+              <a:satOff val="0"/>
+              <a:lumOff val="0"/>
+              <a:alphaOff val="0"/>
+            </a:schemeClr>
+          </a:solidFill>
+          <a:prstDash val="solid"/>
+        </a:ln>
+        <a:effectLst/>
+      </dsp:spPr>
+      <dsp:style>
+        <a:lnRef idx="2">
+          <a:scrgbClr r="0" g="0" b="0"/>
+        </a:lnRef>
+        <a:fillRef idx="1">
+          <a:scrgbClr r="0" g="0" b="0"/>
+        </a:fillRef>
+        <a:effectRef idx="0">
+          <a:scrgbClr r="0" g="0" b="0"/>
+        </a:effectRef>
+        <a:fontRef idx="minor">
+          <a:schemeClr val="lt1"/>
+        </a:fontRef>
+      </dsp:style>
+      <dsp:txBody>
+        <a:bodyPr spcFirstLastPara="0" vert="horz" wrap="square" lIns="200052" tIns="0" rIns="200052" bIns="0" numCol="1" spcCol="1270" anchor="ctr" anchorCtr="0">
+          <a:noAutofit/>
+        </a:bodyPr>
+        <a:lstStyle/>
+        <a:p>
+          <a:pPr marL="0" lvl="0" indent="0" algn="l" defTabSz="1111250" rtl="0">
+            <a:lnSpc>
+              <a:spcPct val="100000"/>
+            </a:lnSpc>
+            <a:spcBef>
+              <a:spcPct val="0"/>
+            </a:spcBef>
+            <a:spcAft>
+              <a:spcPct val="35000"/>
+            </a:spcAft>
+            <a:buNone/>
+          </a:pPr>
+          <a:r>
+            <a:rPr lang="en-US" sz="2500" kern="1200" dirty="0"/>
+            <a:t> </a:t>
+          </a:r>
+          <a:r>
+            <a:rPr lang="en-US" sz="2500" kern="1200" dirty="0">
+              <a:latin typeface="Calibri Light" panose="020F0302020204030204"/>
+            </a:rPr>
+            <a:t>Thiết kế chức năng</a:t>
+          </a:r>
+          <a:endParaRPr lang="en-US" sz="2500" b="1" kern="1200" dirty="0"/>
+        </a:p>
+      </dsp:txBody>
+      <dsp:txXfrm>
+        <a:off x="414077" y="156614"/>
+        <a:ext cx="5220675" cy="665948"/>
+      </dsp:txXfrm>
+    </dsp:sp>
+    <dsp:sp modelId="{8BE3189C-E413-41D3-AA70-8E89FBBA738F}">
+      <dsp:nvSpPr>
+        <dsp:cNvPr id="0" name=""/>
+        <dsp:cNvSpPr/>
+      </dsp:nvSpPr>
+      <dsp:spPr>
+        <a:xfrm>
+          <a:off x="0" y="2883588"/>
+          <a:ext cx="7561039" cy="1063125"/>
+        </a:xfrm>
+        <a:prstGeom prst="rect">
+          <a:avLst/>
+        </a:prstGeom>
+        <a:solidFill>
+          <a:schemeClr val="lt1">
+            <a:alpha val="90000"/>
+            <a:hueOff val="0"/>
+            <a:satOff val="0"/>
+            <a:lumOff val="0"/>
+            <a:alphaOff val="0"/>
+          </a:schemeClr>
+        </a:solidFill>
+        <a:ln w="15875" cap="flat" cmpd="sng" algn="ctr">
+          <a:solidFill>
+            <a:schemeClr val="accent1">
+              <a:hueOff val="0"/>
+              <a:satOff val="0"/>
+              <a:lumOff val="0"/>
+              <a:alphaOff val="0"/>
+            </a:schemeClr>
+          </a:solidFill>
+          <a:prstDash val="solid"/>
+        </a:ln>
+        <a:effectLst/>
+      </dsp:spPr>
+      <dsp:style>
+        <a:lnRef idx="2">
+          <a:scrgbClr r="0" g="0" b="0"/>
+        </a:lnRef>
+        <a:fillRef idx="1">
+          <a:scrgbClr r="0" g="0" b="0"/>
+        </a:fillRef>
+        <a:effectRef idx="0">
+          <a:scrgbClr r="0" g="0" b="0"/>
+        </a:effectRef>
+        <a:fontRef idx="minor"/>
+      </dsp:style>
+      <dsp:txBody>
+        <a:bodyPr spcFirstLastPara="0" vert="horz" wrap="square" lIns="586821" tIns="520700" rIns="586821" bIns="177800" numCol="1" spcCol="1270" anchor="t" anchorCtr="0">
+          <a:noAutofit/>
+        </a:bodyPr>
+        <a:lstStyle/>
+        <a:p>
+          <a:pPr marL="228600" lvl="1" indent="-228600" algn="l" defTabSz="1111250" rtl="0">
+            <a:lnSpc>
+              <a:spcPct val="90000"/>
+            </a:lnSpc>
+            <a:spcBef>
+              <a:spcPct val="0"/>
+            </a:spcBef>
+            <a:spcAft>
+              <a:spcPct val="15000"/>
+            </a:spcAft>
+            <a:buChar char="•"/>
+          </a:pPr>
+          <a:r>
+            <a:rPr lang="en-US" sz="2500" kern="1200" dirty="0">
+              <a:latin typeface="Calibri Light" panose="020F0302020204030204"/>
+            </a:rPr>
+            <a:t>Sơ đồ tuần tự</a:t>
+          </a:r>
+        </a:p>
+      </dsp:txBody>
+      <dsp:txXfrm>
+        <a:off x="0" y="2883588"/>
+        <a:ext cx="7561039" cy="1063125"/>
+      </dsp:txXfrm>
+    </dsp:sp>
+    <dsp:sp modelId="{DA1EE2F8-E1D0-4001-9BD9-57E2D3854EA9}">
+      <dsp:nvSpPr>
+        <dsp:cNvPr id="0" name=""/>
+        <dsp:cNvSpPr/>
+      </dsp:nvSpPr>
+      <dsp:spPr>
+        <a:xfrm>
+          <a:off x="378051" y="2514588"/>
+          <a:ext cx="5292727" cy="738000"/>
+        </a:xfrm>
+        <a:prstGeom prst="roundRect">
+          <a:avLst/>
+        </a:prstGeom>
+        <a:solidFill>
+          <a:schemeClr val="accent1">
+            <a:hueOff val="0"/>
+            <a:satOff val="0"/>
+            <a:lumOff val="0"/>
+            <a:alphaOff val="0"/>
+          </a:schemeClr>
+        </a:solidFill>
+        <a:ln w="15875" cap="flat" cmpd="sng" algn="ctr">
+          <a:solidFill>
+            <a:schemeClr val="lt1">
+              <a:hueOff val="0"/>
+              <a:satOff val="0"/>
+              <a:lumOff val="0"/>
+              <a:alphaOff val="0"/>
+            </a:schemeClr>
+          </a:solidFill>
+          <a:prstDash val="solid"/>
+        </a:ln>
+        <a:effectLst/>
+      </dsp:spPr>
+      <dsp:style>
+        <a:lnRef idx="2">
+          <a:scrgbClr r="0" g="0" b="0"/>
+        </a:lnRef>
+        <a:fillRef idx="1">
+          <a:scrgbClr r="0" g="0" b="0"/>
+        </a:fillRef>
+        <a:effectRef idx="0">
+          <a:scrgbClr r="0" g="0" b="0"/>
+        </a:effectRef>
+        <a:fontRef idx="minor">
+          <a:schemeClr val="lt1"/>
+        </a:fontRef>
+      </dsp:style>
+      <dsp:txBody>
+        <a:bodyPr spcFirstLastPara="0" vert="horz" wrap="square" lIns="200052" tIns="0" rIns="200052" bIns="0" numCol="1" spcCol="1270" anchor="ctr" anchorCtr="0">
+          <a:noAutofit/>
+        </a:bodyPr>
+        <a:lstStyle/>
+        <a:p>
+          <a:pPr marL="0" lvl="0" indent="0" algn="l" defTabSz="1111250" rtl="0">
+            <a:lnSpc>
+              <a:spcPct val="90000"/>
+            </a:lnSpc>
+            <a:spcBef>
+              <a:spcPct val="0"/>
+            </a:spcBef>
+            <a:spcAft>
+              <a:spcPct val="35000"/>
+            </a:spcAft>
+            <a:buNone/>
+          </a:pPr>
+          <a:r>
+            <a:rPr lang="en-US" sz="2500" kern="1200" dirty="0"/>
+            <a:t> </a:t>
+          </a:r>
+          <a:r>
+            <a:rPr lang="en-US" sz="2500" kern="1200">
+              <a:latin typeface="Calibri Light" panose="020F0302020204030204"/>
+            </a:rPr>
+            <a:t>Hiện thực hóa use case</a:t>
+          </a:r>
+          <a:endParaRPr lang="en-US" sz="2500" kern="1200"/>
+        </a:p>
+      </dsp:txBody>
+      <dsp:txXfrm>
+        <a:off x="414077" y="2550614"/>
+        <a:ext cx="5220675" cy="665948"/>
+      </dsp:txXfrm>
+    </dsp:sp>
+    <dsp:sp modelId="{FBA74972-1BEE-4882-93B6-4FE68AAEF173}">
+      <dsp:nvSpPr>
+        <dsp:cNvPr id="0" name=""/>
+        <dsp:cNvSpPr/>
+      </dsp:nvSpPr>
+      <dsp:spPr>
+        <a:xfrm>
+          <a:off x="0" y="4450713"/>
+          <a:ext cx="7561039" cy="630000"/>
+        </a:xfrm>
+        <a:prstGeom prst="rect">
+          <a:avLst/>
+        </a:prstGeom>
+        <a:solidFill>
+          <a:schemeClr val="lt1">
+            <a:alpha val="90000"/>
+            <a:hueOff val="0"/>
+            <a:satOff val="0"/>
+            <a:lumOff val="0"/>
+            <a:alphaOff val="0"/>
+          </a:schemeClr>
+        </a:solidFill>
+        <a:ln w="15875" cap="flat" cmpd="sng" algn="ctr">
+          <a:solidFill>
+            <a:schemeClr val="accent1">
+              <a:hueOff val="0"/>
+              <a:satOff val="0"/>
+              <a:lumOff val="0"/>
+              <a:alphaOff val="0"/>
+            </a:schemeClr>
+          </a:solidFill>
+          <a:prstDash val="solid"/>
+        </a:ln>
+        <a:effectLst/>
+      </dsp:spPr>
+      <dsp:style>
+        <a:lnRef idx="2">
+          <a:scrgbClr r="0" g="0" b="0"/>
+        </a:lnRef>
+        <a:fillRef idx="1">
+          <a:scrgbClr r="0" g="0" b="0"/>
+        </a:fillRef>
+        <a:effectRef idx="0">
+          <a:scrgbClr r="0" g="0" b="0"/>
+        </a:effectRef>
+        <a:fontRef idx="minor"/>
+      </dsp:style>
+    </dsp:sp>
+    <dsp:sp modelId="{C2BB217A-F5AA-4BE8-8F14-8CC1EDD1DE9B}">
+      <dsp:nvSpPr>
+        <dsp:cNvPr id="0" name=""/>
+        <dsp:cNvSpPr/>
+      </dsp:nvSpPr>
+      <dsp:spPr>
+        <a:xfrm>
+          <a:off x="378051" y="4081713"/>
+          <a:ext cx="5292727" cy="738000"/>
+        </a:xfrm>
+        <a:prstGeom prst="roundRect">
+          <a:avLst/>
+        </a:prstGeom>
+        <a:solidFill>
+          <a:schemeClr val="accent1">
+            <a:hueOff val="0"/>
+            <a:satOff val="0"/>
+            <a:lumOff val="0"/>
+            <a:alphaOff val="0"/>
+          </a:schemeClr>
+        </a:solidFill>
+        <a:ln w="15875" cap="flat" cmpd="sng" algn="ctr">
+          <a:solidFill>
+            <a:schemeClr val="lt1">
+              <a:hueOff val="0"/>
+              <a:satOff val="0"/>
+              <a:lumOff val="0"/>
+              <a:alphaOff val="0"/>
+            </a:schemeClr>
+          </a:solidFill>
+          <a:prstDash val="solid"/>
+        </a:ln>
+        <a:effectLst/>
+      </dsp:spPr>
+      <dsp:style>
+        <a:lnRef idx="2">
+          <a:scrgbClr r="0" g="0" b="0"/>
+        </a:lnRef>
+        <a:fillRef idx="1">
+          <a:scrgbClr r="0" g="0" b="0"/>
+        </a:fillRef>
+        <a:effectRef idx="0">
+          <a:scrgbClr r="0" g="0" b="0"/>
+        </a:effectRef>
+        <a:fontRef idx="minor">
+          <a:schemeClr val="lt1"/>
+        </a:fontRef>
+      </dsp:style>
+      <dsp:txBody>
+        <a:bodyPr spcFirstLastPara="0" vert="horz" wrap="square" lIns="200052" tIns="0" rIns="200052" bIns="0" numCol="1" spcCol="1270" anchor="ctr" anchorCtr="0">
+          <a:noAutofit/>
+        </a:bodyPr>
+        <a:lstStyle/>
+        <a:p>
+          <a:pPr marL="0" lvl="0" indent="0" algn="l" defTabSz="1111250" rtl="0">
+            <a:lnSpc>
+              <a:spcPct val="90000"/>
+            </a:lnSpc>
+            <a:spcBef>
+              <a:spcPct val="0"/>
+            </a:spcBef>
+            <a:spcAft>
+              <a:spcPct val="35000"/>
+            </a:spcAft>
+            <a:buNone/>
+          </a:pPr>
+          <a:r>
+            <a:rPr lang="en-US" sz="2500" kern="1200" dirty="0"/>
+            <a:t> </a:t>
+          </a:r>
+          <a:r>
+            <a:rPr lang="en-US" sz="2500" kern="1200" dirty="0">
+              <a:latin typeface="Calibri Light" panose="020F0302020204030204"/>
+            </a:rPr>
+            <a:t>Thiết kế cơ sở dữ liệu</a:t>
+          </a:r>
+          <a:endParaRPr lang="en-US" sz="2500" kern="1200" dirty="0"/>
+        </a:p>
+      </dsp:txBody>
+      <dsp:txXfrm>
+        <a:off x="414077" y="4117739"/>
+        <a:ext cx="5220675" cy="665948"/>
+      </dsp:txXfrm>
+    </dsp:sp>
+    <dsp:sp modelId="{419E05F9-922F-4FB7-8801-1FEFF8005325}">
+      <dsp:nvSpPr>
+        <dsp:cNvPr id="0" name=""/>
+        <dsp:cNvSpPr/>
+      </dsp:nvSpPr>
+      <dsp:spPr>
+        <a:xfrm>
+          <a:off x="0" y="5584713"/>
+          <a:ext cx="7561039" cy="630000"/>
+        </a:xfrm>
+        <a:prstGeom prst="rect">
+          <a:avLst/>
+        </a:prstGeom>
+        <a:solidFill>
+          <a:schemeClr val="lt1">
+            <a:alpha val="90000"/>
+            <a:hueOff val="0"/>
+            <a:satOff val="0"/>
+            <a:lumOff val="0"/>
+            <a:alphaOff val="0"/>
+          </a:schemeClr>
+        </a:solidFill>
+        <a:ln w="15875" cap="flat" cmpd="sng" algn="ctr">
+          <a:solidFill>
+            <a:schemeClr val="accent1">
+              <a:hueOff val="0"/>
+              <a:satOff val="0"/>
+              <a:lumOff val="0"/>
+              <a:alphaOff val="0"/>
+            </a:schemeClr>
+          </a:solidFill>
+          <a:prstDash val="solid"/>
+        </a:ln>
+        <a:effectLst/>
+      </dsp:spPr>
+      <dsp:style>
+        <a:lnRef idx="2">
+          <a:scrgbClr r="0" g="0" b="0"/>
+        </a:lnRef>
+        <a:fillRef idx="1">
+          <a:scrgbClr r="0" g="0" b="0"/>
+        </a:fillRef>
+        <a:effectRef idx="0">
+          <a:scrgbClr r="0" g="0" b="0"/>
+        </a:effectRef>
+        <a:fontRef idx="minor"/>
+      </dsp:style>
+    </dsp:sp>
+    <dsp:sp modelId="{5567BF49-C2D4-4FEF-AC1F-8E9883993197}">
+      <dsp:nvSpPr>
+        <dsp:cNvPr id="0" name=""/>
+        <dsp:cNvSpPr/>
+      </dsp:nvSpPr>
+      <dsp:spPr>
+        <a:xfrm>
+          <a:off x="378051" y="5215713"/>
+          <a:ext cx="5292727" cy="738000"/>
+        </a:xfrm>
+        <a:prstGeom prst="roundRect">
+          <a:avLst/>
+        </a:prstGeom>
+        <a:solidFill>
+          <a:schemeClr val="accent1">
+            <a:hueOff val="0"/>
+            <a:satOff val="0"/>
+            <a:lumOff val="0"/>
+            <a:alphaOff val="0"/>
+          </a:schemeClr>
+        </a:solidFill>
+        <a:ln w="15875" cap="flat" cmpd="sng" algn="ctr">
+          <a:solidFill>
+            <a:schemeClr val="lt1">
+              <a:hueOff val="0"/>
+              <a:satOff val="0"/>
+              <a:lumOff val="0"/>
+              <a:alphaOff val="0"/>
+            </a:schemeClr>
+          </a:solidFill>
+          <a:prstDash val="solid"/>
+        </a:ln>
+        <a:effectLst/>
+      </dsp:spPr>
+      <dsp:style>
+        <a:lnRef idx="2">
+          <a:scrgbClr r="0" g="0" b="0"/>
+        </a:lnRef>
+        <a:fillRef idx="1">
+          <a:scrgbClr r="0" g="0" b="0"/>
+        </a:fillRef>
+        <a:effectRef idx="0">
+          <a:scrgbClr r="0" g="0" b="0"/>
+        </a:effectRef>
+        <a:fontRef idx="minor">
+          <a:schemeClr val="lt1"/>
+        </a:fontRef>
+      </dsp:style>
+      <dsp:txBody>
+        <a:bodyPr spcFirstLastPara="0" vert="horz" wrap="square" lIns="200052" tIns="0" rIns="200052" bIns="0" numCol="1" spcCol="1270" anchor="ctr" anchorCtr="0">
+          <a:noAutofit/>
+        </a:bodyPr>
+        <a:lstStyle/>
+        <a:p>
+          <a:pPr marL="0" lvl="0" indent="0" algn="l" defTabSz="1111250" rtl="0">
+            <a:lnSpc>
+              <a:spcPct val="90000"/>
+            </a:lnSpc>
+            <a:spcBef>
+              <a:spcPct val="0"/>
+            </a:spcBef>
+            <a:spcAft>
+              <a:spcPct val="35000"/>
+            </a:spcAft>
+            <a:buNone/>
+          </a:pPr>
+          <a:r>
+            <a:rPr lang="en-US" sz="2500" kern="1200" dirty="0">
+              <a:latin typeface="Calibri Light" panose="020F0302020204030204"/>
+            </a:rPr>
+            <a:t> Thiết kế kiến trúc</a:t>
+          </a:r>
+        </a:p>
+      </dsp:txBody>
+      <dsp:txXfrm>
+        <a:off x="414077" y="5251739"/>
+        <a:ext cx="5220675" cy="665948"/>
+      </dsp:txXfrm>
+    </dsp:sp>
+  </dsp:spTree>
+</dsp:drawing>
+</file>
+
 <file path=ppt/diagrams/layout1.xml><?xml version="1.0" encoding="utf-8"?>
 <dgm:layoutDef xmlns:dgm="http://schemas.openxmlformats.org/drawingml/2006/diagram" xmlns:a="http://schemas.openxmlformats.org/drawingml/2006/main" uniqueId="urn:microsoft.com/office/officeart/2005/8/layout/vList2">
   <dgm:title val=""/>
@@ -14080,6 +16817,231 @@
 </dgm:layoutDef>
 </file>
 
+<file path=ppt/diagrams/layout6.xml><?xml version="1.0" encoding="utf-8"?>
+<dgm:layoutDef xmlns:dgm="http://schemas.openxmlformats.org/drawingml/2006/diagram" xmlns:a="http://schemas.openxmlformats.org/drawingml/2006/main" uniqueId="urn:microsoft.com/office/officeart/2005/8/layout/list1">
+  <dgm:title val=""/>
+  <dgm:desc val=""/>
+  <dgm:catLst>
+    <dgm:cat type="list" pri="4000"/>
+  </dgm:catLst>
+  <dgm:sampData>
+    <dgm:dataModel>
+      <dgm:ptLst>
+        <dgm:pt modelId="0" type="doc"/>
+        <dgm:pt modelId="1">
+          <dgm:prSet phldr="1"/>
+        </dgm:pt>
+        <dgm:pt modelId="2">
+          <dgm:prSet phldr="1"/>
+        </dgm:pt>
+        <dgm:pt modelId="3">
+          <dgm:prSet phldr="1"/>
+        </dgm:pt>
+      </dgm:ptLst>
+      <dgm:cxnLst>
+        <dgm:cxn modelId="4" srcId="0" destId="1" srcOrd="0" destOrd="0"/>
+        <dgm:cxn modelId="5" srcId="0" destId="2" srcOrd="1" destOrd="0"/>
+        <dgm:cxn modelId="6" srcId="0" destId="3" srcOrd="2" destOrd="0"/>
+      </dgm:cxnLst>
+      <dgm:bg/>
+      <dgm:whole/>
+    </dgm:dataModel>
+  </dgm:sampData>
+  <dgm:styleData>
+    <dgm:dataModel>
+      <dgm:ptLst>
+        <dgm:pt modelId="0" type="doc"/>
+        <dgm:pt modelId="1"/>
+        <dgm:pt modelId="2"/>
+      </dgm:ptLst>
+      <dgm:cxnLst>
+        <dgm:cxn modelId="4" srcId="0" destId="1" srcOrd="0" destOrd="0"/>
+        <dgm:cxn modelId="5" srcId="0" destId="2" srcOrd="1" destOrd="0"/>
+      </dgm:cxnLst>
+      <dgm:bg/>
+      <dgm:whole/>
+    </dgm:dataModel>
+  </dgm:styleData>
+  <dgm:clrData>
+    <dgm:dataModel>
+      <dgm:ptLst>
+        <dgm:pt modelId="0" type="doc"/>
+        <dgm:pt modelId="1"/>
+        <dgm:pt modelId="2"/>
+        <dgm:pt modelId="3"/>
+        <dgm:pt modelId="4"/>
+      </dgm:ptLst>
+      <dgm:cxnLst>
+        <dgm:cxn modelId="5" srcId="0" destId="1" srcOrd="0" destOrd="0"/>
+        <dgm:cxn modelId="6" srcId="0" destId="2" srcOrd="1" destOrd="0"/>
+        <dgm:cxn modelId="7" srcId="0" destId="3" srcOrd="2" destOrd="0"/>
+        <dgm:cxn modelId="8" srcId="0" destId="4" srcOrd="3" destOrd="0"/>
+      </dgm:cxnLst>
+      <dgm:bg/>
+      <dgm:whole/>
+    </dgm:dataModel>
+  </dgm:clrData>
+  <dgm:layoutNode name="linear">
+    <dgm:varLst>
+      <dgm:dir/>
+      <dgm:animLvl val="lvl"/>
+      <dgm:resizeHandles val="exact"/>
+    </dgm:varLst>
+    <dgm:choose name="Name0">
+      <dgm:if name="Name1" func="var" arg="dir" op="equ" val="norm">
+        <dgm:alg type="lin">
+          <dgm:param type="linDir" val="fromT"/>
+          <dgm:param type="vertAlign" val="mid"/>
+          <dgm:param type="horzAlign" val="l"/>
+          <dgm:param type="nodeHorzAlign" val="l"/>
+        </dgm:alg>
+      </dgm:if>
+      <dgm:else name="Name2">
+        <dgm:alg type="lin">
+          <dgm:param type="linDir" val="fromT"/>
+          <dgm:param type="vertAlign" val="mid"/>
+          <dgm:param type="horzAlign" val="r"/>
+          <dgm:param type="nodeHorzAlign" val="r"/>
+        </dgm:alg>
+      </dgm:else>
+    </dgm:choose>
+    <dgm:shape xmlns:r="http://schemas.openxmlformats.org/officeDocument/2006/relationships" r:blip="">
+      <dgm:adjLst/>
+    </dgm:shape>
+    <dgm:presOf/>
+    <dgm:constrLst>
+      <dgm:constr type="w" for="ch" forName="parentLin" refType="w"/>
+      <dgm:constr type="h" for="ch" forName="parentLin" val="INF"/>
+      <dgm:constr type="w" for="des" forName="parentLeftMargin" refType="w" fact="0.05"/>
+      <dgm:constr type="w" for="des" forName="parentText" refType="w" fact="0.7"/>
+      <dgm:constr type="h" for="des" forName="parentText" refType="primFontSz" refFor="des" refForName="parentText" fact="0.82"/>
+      <dgm:constr type="h" for="ch" forName="negativeSpace" refType="primFontSz" refFor="des" refForName="parentText" fact="-0.41"/>
+      <dgm:constr type="h" for="ch" forName="negativeSpace" refType="h" refFor="des" refForName="parentText" op="lte" fact="-0.82"/>
+      <dgm:constr type="h" for="ch" forName="negativeSpace" refType="h" refFor="des" refForName="parentText" op="gte" fact="-0.82"/>
+      <dgm:constr type="w" for="ch" forName="childText" refType="w"/>
+      <dgm:constr type="h" for="ch" forName="childText" refType="primFontSz" refFor="des" refForName="parentText" fact="0.7"/>
+      <dgm:constr type="primFontSz" for="des" forName="parentText" val="65"/>
+      <dgm:constr type="primFontSz" for="ch" forName="childText" refType="primFontSz" refFor="des" refForName="parentText"/>
+      <dgm:constr type="tMarg" for="ch" forName="childText" refType="primFontSz" refFor="des" refForName="parentText" fact="1.64"/>
+      <dgm:constr type="tMarg" for="ch" forName="childText" refType="h" refFor="des" refForName="parentText" op="lte" fact="3.28"/>
+      <dgm:constr type="tMarg" for="ch" forName="childText" refType="h" refFor="des" refForName="parentText" op="gte" fact="3.28"/>
+      <dgm:constr type="lMarg" for="ch" forName="childText" refType="w" fact="0.22"/>
+      <dgm:constr type="rMarg" for="ch" forName="childText" refType="lMarg" refFor="ch" refForName="childText"/>
+      <dgm:constr type="lMarg" for="des" forName="parentText" refType="w" fact="0.075"/>
+      <dgm:constr type="rMarg" for="des" forName="parentText" refType="lMarg" refFor="des" refForName="parentText"/>
+      <dgm:constr type="h" for="ch" forName="spaceBetweenRectangles" refType="primFontSz" refFor="des" refForName="parentText" fact="0.15"/>
+    </dgm:constrLst>
+    <dgm:ruleLst>
+      <dgm:rule type="primFontSz" for="des" forName="parentText" val="5" fact="NaN" max="NaN"/>
+    </dgm:ruleLst>
+    <dgm:forEach name="Name3" axis="ch" ptType="node">
+      <dgm:layoutNode name="parentLin">
+        <dgm:choose name="Name4">
+          <dgm:if name="Name5" func="var" arg="dir" op="equ" val="norm">
+            <dgm:alg type="lin">
+              <dgm:param type="linDir" val="fromL"/>
+              <dgm:param type="horzAlign" val="l"/>
+              <dgm:param type="nodeHorzAlign" val="l"/>
+            </dgm:alg>
+          </dgm:if>
+          <dgm:else name="Name6">
+            <dgm:alg type="lin">
+              <dgm:param type="linDir" val="fromR"/>
+              <dgm:param type="horzAlign" val="r"/>
+              <dgm:param type="nodeHorzAlign" val="r"/>
+            </dgm:alg>
+          </dgm:else>
+        </dgm:choose>
+        <dgm:shape xmlns:r="http://schemas.openxmlformats.org/officeDocument/2006/relationships" r:blip="">
+          <dgm:adjLst/>
+        </dgm:shape>
+        <dgm:presOf/>
+        <dgm:constrLst/>
+        <dgm:ruleLst/>
+        <dgm:layoutNode name="parentLeftMargin">
+          <dgm:alg type="sp"/>
+          <dgm:shape xmlns:r="http://schemas.openxmlformats.org/officeDocument/2006/relationships" type="rect" r:blip="" hideGeom="1">
+            <dgm:adjLst/>
+          </dgm:shape>
+          <dgm:presOf axis="self"/>
+          <dgm:constrLst>
+            <dgm:constr type="h"/>
+          </dgm:constrLst>
+          <dgm:ruleLst/>
+        </dgm:layoutNode>
+        <dgm:layoutNode name="parentText" styleLbl="node1">
+          <dgm:varLst>
+            <dgm:chMax val="0"/>
+            <dgm:bulletEnabled val="1"/>
+          </dgm:varLst>
+          <dgm:choose name="Name7">
+            <dgm:if name="Name8" func="var" arg="dir" op="equ" val="norm">
+              <dgm:alg type="tx">
+                <dgm:param type="parTxLTRAlign" val="l"/>
+                <dgm:param type="parTxRTLAlign" val="l"/>
+              </dgm:alg>
+            </dgm:if>
+            <dgm:else name="Name9">
+              <dgm:alg type="tx">
+                <dgm:param type="parTxLTRAlign" val="r"/>
+                <dgm:param type="parTxRTLAlign" val="r"/>
+              </dgm:alg>
+            </dgm:else>
+          </dgm:choose>
+          <dgm:shape xmlns:r="http://schemas.openxmlformats.org/officeDocument/2006/relationships" type="roundRect" r:blip="">
+            <dgm:adjLst/>
+          </dgm:shape>
+          <dgm:presOf axis="self" ptType="node"/>
+          <dgm:constrLst>
+            <dgm:constr type="tMarg"/>
+            <dgm:constr type="bMarg"/>
+          </dgm:constrLst>
+          <dgm:ruleLst/>
+        </dgm:layoutNode>
+      </dgm:layoutNode>
+      <dgm:layoutNode name="negativeSpace">
+        <dgm:alg type="sp"/>
+        <dgm:shape xmlns:r="http://schemas.openxmlformats.org/officeDocument/2006/relationships" r:blip="">
+          <dgm:adjLst/>
+        </dgm:shape>
+        <dgm:presOf/>
+        <dgm:constrLst/>
+        <dgm:ruleLst/>
+      </dgm:layoutNode>
+      <dgm:layoutNode name="childText" styleLbl="conFgAcc1">
+        <dgm:varLst>
+          <dgm:bulletEnabled val="1"/>
+        </dgm:varLst>
+        <dgm:alg type="tx">
+          <dgm:param type="stBulletLvl" val="1"/>
+        </dgm:alg>
+        <dgm:shape xmlns:r="http://schemas.openxmlformats.org/officeDocument/2006/relationships" type="rect" r:blip="" zOrderOff="-2">
+          <dgm:adjLst/>
+        </dgm:shape>
+        <dgm:presOf axis="des" ptType="node"/>
+        <dgm:constrLst>
+          <dgm:constr type="secFontSz" refType="primFontSz"/>
+        </dgm:constrLst>
+        <dgm:ruleLst>
+          <dgm:rule type="h" val="INF" fact="NaN" max="NaN"/>
+        </dgm:ruleLst>
+      </dgm:layoutNode>
+      <dgm:forEach name="Name10" axis="followSib" ptType="sibTrans" cnt="1">
+        <dgm:layoutNode name="spaceBetweenRectangles">
+          <dgm:alg type="sp"/>
+          <dgm:shape xmlns:r="http://schemas.openxmlformats.org/officeDocument/2006/relationships" r:blip="">
+            <dgm:adjLst/>
+          </dgm:shape>
+          <dgm:presOf/>
+          <dgm:constrLst/>
+          <dgm:ruleLst/>
+        </dgm:layoutNode>
+      </dgm:forEach>
+    </dgm:forEach>
+  </dgm:layoutNode>
+</dgm:layoutDef>
+</file>
+
 <file path=ppt/diagrams/quickStyle1.xml><?xml version="1.0" encoding="utf-8"?>
 <dgm:styleDef xmlns:dgm="http://schemas.openxmlformats.org/drawingml/2006/diagram" xmlns:a="http://schemas.openxmlformats.org/drawingml/2006/main" uniqueId="urn:microsoft.com/office/officeart/2005/8/quickstyle/simple1">
   <dgm:title val=""/>
@@ -18217,6 +21179,1040 @@
 </file>
 
 <file path=ppt/diagrams/quickStyle5.xml><?xml version="1.0" encoding="utf-8"?>
+<dgm:styleDef xmlns:dgm="http://schemas.openxmlformats.org/drawingml/2006/diagram" xmlns:a="http://schemas.openxmlformats.org/drawingml/2006/main" uniqueId="urn:microsoft.com/office/officeart/2005/8/quickstyle/simple1">
+  <dgm:title val=""/>
+  <dgm:desc val=""/>
+  <dgm:catLst>
+    <dgm:cat type="simple" pri="10100"/>
+  </dgm:catLst>
+  <dgm:scene3d>
+    <a:camera prst="orthographicFront"/>
+    <a:lightRig rig="threePt" dir="t"/>
+  </dgm:scene3d>
+  <dgm:styleLbl name="node0">
+    <dgm:scene3d>
+      <a:camera prst="orthographicFront"/>
+      <a:lightRig rig="threePt" dir="t"/>
+    </dgm:scene3d>
+    <dgm:sp3d/>
+    <dgm:txPr/>
+    <dgm:style>
+      <a:lnRef idx="2">
+        <a:scrgbClr r="0" g="0" b="0"/>
+      </a:lnRef>
+      <a:fillRef idx="1">
+        <a:scrgbClr r="0" g="0" b="0"/>
+      </a:fillRef>
+      <a:effectRef idx="0">
+        <a:scrgbClr r="0" g="0" b="0"/>
+      </a:effectRef>
+      <a:fontRef idx="minor">
+        <a:schemeClr val="lt1"/>
+      </a:fontRef>
+    </dgm:style>
+  </dgm:styleLbl>
+  <dgm:styleLbl name="lnNode1">
+    <dgm:scene3d>
+      <a:camera prst="orthographicFront"/>
+      <a:lightRig rig="threePt" dir="t"/>
+    </dgm:scene3d>
+    <dgm:sp3d/>
+    <dgm:txPr/>
+    <dgm:style>
+      <a:lnRef idx="2">
+        <a:scrgbClr r="0" g="0" b="0"/>
+      </a:lnRef>
+      <a:fillRef idx="1">
+        <a:scrgbClr r="0" g="0" b="0"/>
+      </a:fillRef>
+      <a:effectRef idx="0">
+        <a:scrgbClr r="0" g="0" b="0"/>
+      </a:effectRef>
+      <a:fontRef idx="minor">
+        <a:schemeClr val="lt1"/>
+      </a:fontRef>
+    </dgm:style>
+  </dgm:styleLbl>
+  <dgm:styleLbl name="vennNode1">
+    <dgm:scene3d>
+      <a:camera prst="orthographicFront"/>
+      <a:lightRig rig="threePt" dir="t"/>
+    </dgm:scene3d>
+    <dgm:sp3d/>
+    <dgm:txPr/>
+    <dgm:style>
+      <a:lnRef idx="2">
+        <a:scrgbClr r="0" g="0" b="0"/>
+      </a:lnRef>
+      <a:fillRef idx="1">
+        <a:scrgbClr r="0" g="0" b="0"/>
+      </a:fillRef>
+      <a:effectRef idx="0">
+        <a:scrgbClr r="0" g="0" b="0"/>
+      </a:effectRef>
+      <a:fontRef idx="minor">
+        <a:schemeClr val="tx1"/>
+      </a:fontRef>
+    </dgm:style>
+  </dgm:styleLbl>
+  <dgm:styleLbl name="alignNode1">
+    <dgm:scene3d>
+      <a:camera prst="orthographicFront"/>
+      <a:lightRig rig="threePt" dir="t"/>
+    </dgm:scene3d>
+    <dgm:sp3d/>
+    <dgm:txPr/>
+    <dgm:style>
+      <a:lnRef idx="2">
+        <a:scrgbClr r="0" g="0" b="0"/>
+      </a:lnRef>
+      <a:fillRef idx="1">
+        <a:scrgbClr r="0" g="0" b="0"/>
+      </a:fillRef>
+      <a:effectRef idx="0">
+        <a:scrgbClr r="0" g="0" b="0"/>
+      </a:effectRef>
+      <a:fontRef idx="minor">
+        <a:schemeClr val="lt1"/>
+      </a:fontRef>
+    </dgm:style>
+  </dgm:styleLbl>
+  <dgm:styleLbl name="node1">
+    <dgm:scene3d>
+      <a:camera prst="orthographicFront"/>
+      <a:lightRig rig="threePt" dir="t"/>
+    </dgm:scene3d>
+    <dgm:sp3d/>
+    <dgm:txPr/>
+    <dgm:style>
+      <a:lnRef idx="2">
+        <a:scrgbClr r="0" g="0" b="0"/>
+      </a:lnRef>
+      <a:fillRef idx="1">
+        <a:scrgbClr r="0" g="0" b="0"/>
+      </a:fillRef>
+      <a:effectRef idx="0">
+        <a:scrgbClr r="0" g="0" b="0"/>
+      </a:effectRef>
+      <a:fontRef idx="minor">
+        <a:schemeClr val="lt1"/>
+      </a:fontRef>
+    </dgm:style>
+  </dgm:styleLbl>
+  <dgm:styleLbl name="node2">
+    <dgm:scene3d>
+      <a:camera prst="orthographicFront"/>
+      <a:lightRig rig="threePt" dir="t"/>
+    </dgm:scene3d>
+    <dgm:sp3d/>
+    <dgm:txPr/>
+    <dgm:style>
+      <a:lnRef idx="2">
+        <a:scrgbClr r="0" g="0" b="0"/>
+      </a:lnRef>
+      <a:fillRef idx="1">
+        <a:scrgbClr r="0" g="0" b="0"/>
+      </a:fillRef>
+      <a:effectRef idx="0">
+        <a:scrgbClr r="0" g="0" b="0"/>
+      </a:effectRef>
+      <a:fontRef idx="minor">
+        <a:schemeClr val="lt1"/>
+      </a:fontRef>
+    </dgm:style>
+  </dgm:styleLbl>
+  <dgm:styleLbl name="node3">
+    <dgm:scene3d>
+      <a:camera prst="orthographicFront"/>
+      <a:lightRig rig="threePt" dir="t"/>
+    </dgm:scene3d>
+    <dgm:sp3d/>
+    <dgm:txPr/>
+    <dgm:style>
+      <a:lnRef idx="2">
+        <a:scrgbClr r="0" g="0" b="0"/>
+      </a:lnRef>
+      <a:fillRef idx="1">
+        <a:scrgbClr r="0" g="0" b="0"/>
+      </a:fillRef>
+      <a:effectRef idx="0">
+        <a:scrgbClr r="0" g="0" b="0"/>
+      </a:effectRef>
+      <a:fontRef idx="minor">
+        <a:schemeClr val="lt1"/>
+      </a:fontRef>
+    </dgm:style>
+  </dgm:styleLbl>
+  <dgm:styleLbl name="node4">
+    <dgm:scene3d>
+      <a:camera prst="orthographicFront"/>
+      <a:lightRig rig="threePt" dir="t"/>
+    </dgm:scene3d>
+    <dgm:sp3d/>
+    <dgm:txPr/>
+    <dgm:style>
+      <a:lnRef idx="2">
+        <a:scrgbClr r="0" g="0" b="0"/>
+      </a:lnRef>
+      <a:fillRef idx="1">
+        <a:scrgbClr r="0" g="0" b="0"/>
+      </a:fillRef>
+      <a:effectRef idx="0">
+        <a:scrgbClr r="0" g="0" b="0"/>
+      </a:effectRef>
+      <a:fontRef idx="minor">
+        <a:schemeClr val="lt1"/>
+      </a:fontRef>
+    </dgm:style>
+  </dgm:styleLbl>
+  <dgm:styleLbl name="fgImgPlace1">
+    <dgm:scene3d>
+      <a:camera prst="orthographicFront"/>
+      <a:lightRig rig="threePt" dir="t"/>
+    </dgm:scene3d>
+    <dgm:sp3d/>
+    <dgm:txPr/>
+    <dgm:style>
+      <a:lnRef idx="2">
+        <a:scrgbClr r="0" g="0" b="0"/>
+      </a:lnRef>
+      <a:fillRef idx="1">
+        <a:scrgbClr r="0" g="0" b="0"/>
+      </a:fillRef>
+      <a:effectRef idx="0">
+        <a:scrgbClr r="0" g="0" b="0"/>
+      </a:effectRef>
+      <a:fontRef idx="minor"/>
+    </dgm:style>
+  </dgm:styleLbl>
+  <dgm:styleLbl name="alignImgPlace1">
+    <dgm:scene3d>
+      <a:camera prst="orthographicFront"/>
+      <a:lightRig rig="threePt" dir="t"/>
+    </dgm:scene3d>
+    <dgm:sp3d/>
+    <dgm:txPr/>
+    <dgm:style>
+      <a:lnRef idx="2">
+        <a:scrgbClr r="0" g="0" b="0"/>
+      </a:lnRef>
+      <a:fillRef idx="1">
+        <a:scrgbClr r="0" g="0" b="0"/>
+      </a:fillRef>
+      <a:effectRef idx="0">
+        <a:scrgbClr r="0" g="0" b="0"/>
+      </a:effectRef>
+      <a:fontRef idx="minor"/>
+    </dgm:style>
+  </dgm:styleLbl>
+  <dgm:styleLbl name="bgImgPlace1">
+    <dgm:scene3d>
+      <a:camera prst="orthographicFront"/>
+      <a:lightRig rig="threePt" dir="t"/>
+    </dgm:scene3d>
+    <dgm:sp3d/>
+    <dgm:txPr/>
+    <dgm:style>
+      <a:lnRef idx="2">
+        <a:scrgbClr r="0" g="0" b="0"/>
+      </a:lnRef>
+      <a:fillRef idx="1">
+        <a:scrgbClr r="0" g="0" b="0"/>
+      </a:fillRef>
+      <a:effectRef idx="0">
+        <a:scrgbClr r="0" g="0" b="0"/>
+      </a:effectRef>
+      <a:fontRef idx="minor"/>
+    </dgm:style>
+  </dgm:styleLbl>
+  <dgm:styleLbl name="sibTrans2D1">
+    <dgm:scene3d>
+      <a:camera prst="orthographicFront"/>
+      <a:lightRig rig="threePt" dir="t"/>
+    </dgm:scene3d>
+    <dgm:sp3d/>
+    <dgm:txPr/>
+    <dgm:style>
+      <a:lnRef idx="0">
+        <a:scrgbClr r="0" g="0" b="0"/>
+      </a:lnRef>
+      <a:fillRef idx="1">
+        <a:scrgbClr r="0" g="0" b="0"/>
+      </a:fillRef>
+      <a:effectRef idx="0">
+        <a:scrgbClr r="0" g="0" b="0"/>
+      </a:effectRef>
+      <a:fontRef idx="minor">
+        <a:schemeClr val="lt1"/>
+      </a:fontRef>
+    </dgm:style>
+  </dgm:styleLbl>
+  <dgm:styleLbl name="fgSibTrans2D1">
+    <dgm:scene3d>
+      <a:camera prst="orthographicFront"/>
+      <a:lightRig rig="threePt" dir="t"/>
+    </dgm:scene3d>
+    <dgm:sp3d/>
+    <dgm:txPr/>
+    <dgm:style>
+      <a:lnRef idx="0">
+        <a:scrgbClr r="0" g="0" b="0"/>
+      </a:lnRef>
+      <a:fillRef idx="1">
+        <a:scrgbClr r="0" g="0" b="0"/>
+      </a:fillRef>
+      <a:effectRef idx="0">
+        <a:scrgbClr r="0" g="0" b="0"/>
+      </a:effectRef>
+      <a:fontRef idx="minor">
+        <a:schemeClr val="lt1"/>
+      </a:fontRef>
+    </dgm:style>
+  </dgm:styleLbl>
+  <dgm:styleLbl name="bgSibTrans2D1">
+    <dgm:scene3d>
+      <a:camera prst="orthographicFront"/>
+      <a:lightRig rig="threePt" dir="t"/>
+    </dgm:scene3d>
+    <dgm:sp3d/>
+    <dgm:txPr/>
+    <dgm:style>
+      <a:lnRef idx="0">
+        <a:scrgbClr r="0" g="0" b="0"/>
+      </a:lnRef>
+      <a:fillRef idx="1">
+        <a:scrgbClr r="0" g="0" b="0"/>
+      </a:fillRef>
+      <a:effectRef idx="0">
+        <a:scrgbClr r="0" g="0" b="0"/>
+      </a:effectRef>
+      <a:fontRef idx="minor">
+        <a:schemeClr val="lt1"/>
+      </a:fontRef>
+    </dgm:style>
+  </dgm:styleLbl>
+  <dgm:styleLbl name="sibTrans1D1">
+    <dgm:scene3d>
+      <a:camera prst="orthographicFront"/>
+      <a:lightRig rig="threePt" dir="t"/>
+    </dgm:scene3d>
+    <dgm:sp3d/>
+    <dgm:txPr/>
+    <dgm:style>
+      <a:lnRef idx="1">
+        <a:scrgbClr r="0" g="0" b="0"/>
+      </a:lnRef>
+      <a:fillRef idx="0">
+        <a:scrgbClr r="0" g="0" b="0"/>
+      </a:fillRef>
+      <a:effectRef idx="0">
+        <a:scrgbClr r="0" g="0" b="0"/>
+      </a:effectRef>
+      <a:fontRef idx="minor"/>
+    </dgm:style>
+  </dgm:styleLbl>
+  <dgm:styleLbl name="callout">
+    <dgm:scene3d>
+      <a:camera prst="orthographicFront"/>
+      <a:lightRig rig="threePt" dir="t"/>
+    </dgm:scene3d>
+    <dgm:sp3d/>
+    <dgm:txPr/>
+    <dgm:style>
+      <a:lnRef idx="2">
+        <a:scrgbClr r="0" g="0" b="0"/>
+      </a:lnRef>
+      <a:fillRef idx="1">
+        <a:scrgbClr r="0" g="0" b="0"/>
+      </a:fillRef>
+      <a:effectRef idx="0">
+        <a:scrgbClr r="0" g="0" b="0"/>
+      </a:effectRef>
+      <a:fontRef idx="minor"/>
+    </dgm:style>
+  </dgm:styleLbl>
+  <dgm:styleLbl name="asst0">
+    <dgm:scene3d>
+      <a:camera prst="orthographicFront"/>
+      <a:lightRig rig="threePt" dir="t"/>
+    </dgm:scene3d>
+    <dgm:sp3d/>
+    <dgm:txPr/>
+    <dgm:style>
+      <a:lnRef idx="2">
+        <a:scrgbClr r="0" g="0" b="0"/>
+      </a:lnRef>
+      <a:fillRef idx="1">
+        <a:scrgbClr r="0" g="0" b="0"/>
+      </a:fillRef>
+      <a:effectRef idx="0">
+        <a:scrgbClr r="0" g="0" b="0"/>
+      </a:effectRef>
+      <a:fontRef idx="minor">
+        <a:schemeClr val="lt1"/>
+      </a:fontRef>
+    </dgm:style>
+  </dgm:styleLbl>
+  <dgm:styleLbl name="asst1">
+    <dgm:scene3d>
+      <a:camera prst="orthographicFront"/>
+      <a:lightRig rig="threePt" dir="t"/>
+    </dgm:scene3d>
+    <dgm:sp3d/>
+    <dgm:txPr/>
+    <dgm:style>
+      <a:lnRef idx="2">
+        <a:scrgbClr r="0" g="0" b="0"/>
+      </a:lnRef>
+      <a:fillRef idx="1">
+        <a:scrgbClr r="0" g="0" b="0"/>
+      </a:fillRef>
+      <a:effectRef idx="0">
+        <a:scrgbClr r="0" g="0" b="0"/>
+      </a:effectRef>
+      <a:fontRef idx="minor">
+        <a:schemeClr val="lt1"/>
+      </a:fontRef>
+    </dgm:style>
+  </dgm:styleLbl>
+  <dgm:styleLbl name="asst2">
+    <dgm:scene3d>
+      <a:camera prst="orthographicFront"/>
+      <a:lightRig rig="threePt" dir="t"/>
+    </dgm:scene3d>
+    <dgm:sp3d/>
+    <dgm:txPr/>
+    <dgm:style>
+      <a:lnRef idx="2">
+        <a:scrgbClr r="0" g="0" b="0"/>
+      </a:lnRef>
+      <a:fillRef idx="1">
+        <a:scrgbClr r="0" g="0" b="0"/>
+      </a:fillRef>
+      <a:effectRef idx="0">
+        <a:scrgbClr r="0" g="0" b="0"/>
+      </a:effectRef>
+      <a:fontRef idx="minor">
+        <a:schemeClr val="lt1"/>
+      </a:fontRef>
+    </dgm:style>
+  </dgm:styleLbl>
+  <dgm:styleLbl name="asst3">
+    <dgm:scene3d>
+      <a:camera prst="orthographicFront"/>
+      <a:lightRig rig="threePt" dir="t"/>
+    </dgm:scene3d>
+    <dgm:sp3d/>
+    <dgm:txPr/>
+    <dgm:style>
+      <a:lnRef idx="2">
+        <a:scrgbClr r="0" g="0" b="0"/>
+      </a:lnRef>
+      <a:fillRef idx="1">
+        <a:scrgbClr r="0" g="0" b="0"/>
+      </a:fillRef>
+      <a:effectRef idx="0">
+        <a:scrgbClr r="0" g="0" b="0"/>
+      </a:effectRef>
+      <a:fontRef idx="minor">
+        <a:schemeClr val="lt1"/>
+      </a:fontRef>
+    </dgm:style>
+  </dgm:styleLbl>
+  <dgm:styleLbl name="asst4">
+    <dgm:scene3d>
+      <a:camera prst="orthographicFront"/>
+      <a:lightRig rig="threePt" dir="t"/>
+    </dgm:scene3d>
+    <dgm:sp3d/>
+    <dgm:txPr/>
+    <dgm:style>
+      <a:lnRef idx="2">
+        <a:scrgbClr r="0" g="0" b="0"/>
+      </a:lnRef>
+      <a:fillRef idx="1">
+        <a:scrgbClr r="0" g="0" b="0"/>
+      </a:fillRef>
+      <a:effectRef idx="0">
+        <a:scrgbClr r="0" g="0" b="0"/>
+      </a:effectRef>
+      <a:fontRef idx="minor">
+        <a:schemeClr val="lt1"/>
+      </a:fontRef>
+    </dgm:style>
+  </dgm:styleLbl>
+  <dgm:styleLbl name="parChTrans2D1">
+    <dgm:scene3d>
+      <a:camera prst="orthographicFront"/>
+      <a:lightRig rig="threePt" dir="t"/>
+    </dgm:scene3d>
+    <dgm:sp3d/>
+    <dgm:txPr/>
+    <dgm:style>
+      <a:lnRef idx="2">
+        <a:scrgbClr r="0" g="0" b="0"/>
+      </a:lnRef>
+      <a:fillRef idx="1">
+        <a:scrgbClr r="0" g="0" b="0"/>
+      </a:fillRef>
+      <a:effectRef idx="0">
+        <a:scrgbClr r="0" g="0" b="0"/>
+      </a:effectRef>
+      <a:fontRef idx="minor">
+        <a:schemeClr val="lt1"/>
+      </a:fontRef>
+    </dgm:style>
+  </dgm:styleLbl>
+  <dgm:styleLbl name="parChTrans2D2">
+    <dgm:scene3d>
+      <a:camera prst="orthographicFront"/>
+      <a:lightRig rig="threePt" dir="t"/>
+    </dgm:scene3d>
+    <dgm:sp3d/>
+    <dgm:txPr/>
+    <dgm:style>
+      <a:lnRef idx="2">
+        <a:scrgbClr r="0" g="0" b="0"/>
+      </a:lnRef>
+      <a:fillRef idx="1">
+        <a:scrgbClr r="0" g="0" b="0"/>
+      </a:fillRef>
+      <a:effectRef idx="0">
+        <a:scrgbClr r="0" g="0" b="0"/>
+      </a:effectRef>
+      <a:fontRef idx="minor">
+        <a:schemeClr val="lt1"/>
+      </a:fontRef>
+    </dgm:style>
+  </dgm:styleLbl>
+  <dgm:styleLbl name="parChTrans2D3">
+    <dgm:scene3d>
+      <a:camera prst="orthographicFront"/>
+      <a:lightRig rig="threePt" dir="t"/>
+    </dgm:scene3d>
+    <dgm:sp3d/>
+    <dgm:txPr/>
+    <dgm:style>
+      <a:lnRef idx="2">
+        <a:scrgbClr r="0" g="0" b="0"/>
+      </a:lnRef>
+      <a:fillRef idx="1">
+        <a:scrgbClr r="0" g="0" b="0"/>
+      </a:fillRef>
+      <a:effectRef idx="0">
+        <a:scrgbClr r="0" g="0" b="0"/>
+      </a:effectRef>
+      <a:fontRef idx="minor">
+        <a:schemeClr val="lt1"/>
+      </a:fontRef>
+    </dgm:style>
+  </dgm:styleLbl>
+  <dgm:styleLbl name="parChTrans2D4">
+    <dgm:scene3d>
+      <a:camera prst="orthographicFront"/>
+      <a:lightRig rig="threePt" dir="t"/>
+    </dgm:scene3d>
+    <dgm:sp3d/>
+    <dgm:txPr/>
+    <dgm:style>
+      <a:lnRef idx="2">
+        <a:scrgbClr r="0" g="0" b="0"/>
+      </a:lnRef>
+      <a:fillRef idx="1">
+        <a:scrgbClr r="0" g="0" b="0"/>
+      </a:fillRef>
+      <a:effectRef idx="0">
+        <a:scrgbClr r="0" g="0" b="0"/>
+      </a:effectRef>
+      <a:fontRef idx="minor">
+        <a:schemeClr val="lt1"/>
+      </a:fontRef>
+    </dgm:style>
+  </dgm:styleLbl>
+  <dgm:styleLbl name="parChTrans1D1">
+    <dgm:scene3d>
+      <a:camera prst="orthographicFront"/>
+      <a:lightRig rig="threePt" dir="t"/>
+    </dgm:scene3d>
+    <dgm:sp3d/>
+    <dgm:txPr/>
+    <dgm:style>
+      <a:lnRef idx="2">
+        <a:scrgbClr r="0" g="0" b="0"/>
+      </a:lnRef>
+      <a:fillRef idx="0">
+        <a:scrgbClr r="0" g="0" b="0"/>
+      </a:fillRef>
+      <a:effectRef idx="0">
+        <a:scrgbClr r="0" g="0" b="0"/>
+      </a:effectRef>
+      <a:fontRef idx="minor"/>
+    </dgm:style>
+  </dgm:styleLbl>
+  <dgm:styleLbl name="parChTrans1D2">
+    <dgm:scene3d>
+      <a:camera prst="orthographicFront"/>
+      <a:lightRig rig="threePt" dir="t"/>
+    </dgm:scene3d>
+    <dgm:sp3d/>
+    <dgm:txPr/>
+    <dgm:style>
+      <a:lnRef idx="2">
+        <a:scrgbClr r="0" g="0" b="0"/>
+      </a:lnRef>
+      <a:fillRef idx="0">
+        <a:scrgbClr r="0" g="0" b="0"/>
+      </a:fillRef>
+      <a:effectRef idx="0">
+        <a:scrgbClr r="0" g="0" b="0"/>
+      </a:effectRef>
+      <a:fontRef idx="minor"/>
+    </dgm:style>
+  </dgm:styleLbl>
+  <dgm:styleLbl name="parChTrans1D3">
+    <dgm:scene3d>
+      <a:camera prst="orthographicFront"/>
+      <a:lightRig rig="threePt" dir="t"/>
+    </dgm:scene3d>
+    <dgm:sp3d/>
+    <dgm:txPr/>
+    <dgm:style>
+      <a:lnRef idx="2">
+        <a:scrgbClr r="0" g="0" b="0"/>
+      </a:lnRef>
+      <a:fillRef idx="0">
+        <a:scrgbClr r="0" g="0" b="0"/>
+      </a:fillRef>
+      <a:effectRef idx="0">
+        <a:scrgbClr r="0" g="0" b="0"/>
+      </a:effectRef>
+      <a:fontRef idx="minor"/>
+    </dgm:style>
+  </dgm:styleLbl>
+  <dgm:styleLbl name="parChTrans1D4">
+    <dgm:scene3d>
+      <a:camera prst="orthographicFront"/>
+      <a:lightRig rig="threePt" dir="t"/>
+    </dgm:scene3d>
+    <dgm:sp3d/>
+    <dgm:txPr/>
+    <dgm:style>
+      <a:lnRef idx="2">
+        <a:scrgbClr r="0" g="0" b="0"/>
+      </a:lnRef>
+      <a:fillRef idx="0">
+        <a:scrgbClr r="0" g="0" b="0"/>
+      </a:fillRef>
+      <a:effectRef idx="0">
+        <a:scrgbClr r="0" g="0" b="0"/>
+      </a:effectRef>
+      <a:fontRef idx="minor"/>
+    </dgm:style>
+  </dgm:styleLbl>
+  <dgm:styleLbl name="fgAcc1">
+    <dgm:scene3d>
+      <a:camera prst="orthographicFront"/>
+      <a:lightRig rig="threePt" dir="t"/>
+    </dgm:scene3d>
+    <dgm:sp3d/>
+    <dgm:txPr/>
+    <dgm:style>
+      <a:lnRef idx="2">
+        <a:scrgbClr r="0" g="0" b="0"/>
+      </a:lnRef>
+      <a:fillRef idx="1">
+        <a:scrgbClr r="0" g="0" b="0"/>
+      </a:fillRef>
+      <a:effectRef idx="0">
+        <a:scrgbClr r="0" g="0" b="0"/>
+      </a:effectRef>
+      <a:fontRef idx="minor"/>
+    </dgm:style>
+  </dgm:styleLbl>
+  <dgm:styleLbl name="conFgAcc1">
+    <dgm:scene3d>
+      <a:camera prst="orthographicFront"/>
+      <a:lightRig rig="threePt" dir="t"/>
+    </dgm:scene3d>
+    <dgm:sp3d/>
+    <dgm:txPr/>
+    <dgm:style>
+      <a:lnRef idx="2">
+        <a:scrgbClr r="0" g="0" b="0"/>
+      </a:lnRef>
+      <a:fillRef idx="1">
+        <a:scrgbClr r="0" g="0" b="0"/>
+      </a:fillRef>
+      <a:effectRef idx="0">
+        <a:scrgbClr r="0" g="0" b="0"/>
+      </a:effectRef>
+      <a:fontRef idx="minor"/>
+    </dgm:style>
+  </dgm:styleLbl>
+  <dgm:styleLbl name="alignAcc1">
+    <dgm:scene3d>
+      <a:camera prst="orthographicFront"/>
+      <a:lightRig rig="threePt" dir="t"/>
+    </dgm:scene3d>
+    <dgm:sp3d/>
+    <dgm:txPr/>
+    <dgm:style>
+      <a:lnRef idx="2">
+        <a:scrgbClr r="0" g="0" b="0"/>
+      </a:lnRef>
+      <a:fillRef idx="1">
+        <a:scrgbClr r="0" g="0" b="0"/>
+      </a:fillRef>
+      <a:effectRef idx="0">
+        <a:scrgbClr r="0" g="0" b="0"/>
+      </a:effectRef>
+      <a:fontRef idx="minor"/>
+    </dgm:style>
+  </dgm:styleLbl>
+  <dgm:styleLbl name="trAlignAcc1">
+    <dgm:scene3d>
+      <a:camera prst="orthographicFront"/>
+      <a:lightRig rig="threePt" dir="t"/>
+    </dgm:scene3d>
+    <dgm:sp3d/>
+    <dgm:txPr/>
+    <dgm:style>
+      <a:lnRef idx="1">
+        <a:scrgbClr r="0" g="0" b="0"/>
+      </a:lnRef>
+      <a:fillRef idx="1">
+        <a:scrgbClr r="0" g="0" b="0"/>
+      </a:fillRef>
+      <a:effectRef idx="0">
+        <a:scrgbClr r="0" g="0" b="0"/>
+      </a:effectRef>
+      <a:fontRef idx="minor"/>
+    </dgm:style>
+  </dgm:styleLbl>
+  <dgm:styleLbl name="bgAcc1">
+    <dgm:scene3d>
+      <a:camera prst="orthographicFront"/>
+      <a:lightRig rig="threePt" dir="t"/>
+    </dgm:scene3d>
+    <dgm:sp3d/>
+    <dgm:txPr/>
+    <dgm:style>
+      <a:lnRef idx="2">
+        <a:scrgbClr r="0" g="0" b="0"/>
+      </a:lnRef>
+      <a:fillRef idx="1">
+        <a:scrgbClr r="0" g="0" b="0"/>
+      </a:fillRef>
+      <a:effectRef idx="0">
+        <a:scrgbClr r="0" g="0" b="0"/>
+      </a:effectRef>
+      <a:fontRef idx="minor"/>
+    </dgm:style>
+  </dgm:styleLbl>
+  <dgm:styleLbl name="solidFgAcc1">
+    <dgm:scene3d>
+      <a:camera prst="orthographicFront"/>
+      <a:lightRig rig="threePt" dir="t"/>
+    </dgm:scene3d>
+    <dgm:sp3d/>
+    <dgm:txPr/>
+    <dgm:style>
+      <a:lnRef idx="2">
+        <a:scrgbClr r="0" g="0" b="0"/>
+      </a:lnRef>
+      <a:fillRef idx="1">
+        <a:scrgbClr r="0" g="0" b="0"/>
+      </a:fillRef>
+      <a:effectRef idx="0">
+        <a:scrgbClr r="0" g="0" b="0"/>
+      </a:effectRef>
+      <a:fontRef idx="minor"/>
+    </dgm:style>
+  </dgm:styleLbl>
+  <dgm:styleLbl name="solidAlignAcc1">
+    <dgm:scene3d>
+      <a:camera prst="orthographicFront"/>
+      <a:lightRig rig="threePt" dir="t"/>
+    </dgm:scene3d>
+    <dgm:sp3d/>
+    <dgm:txPr/>
+    <dgm:style>
+      <a:lnRef idx="2">
+        <a:scrgbClr r="0" g="0" b="0"/>
+      </a:lnRef>
+      <a:fillRef idx="1">
+        <a:scrgbClr r="0" g="0" b="0"/>
+      </a:fillRef>
+      <a:effectRef idx="0">
+        <a:scrgbClr r="0" g="0" b="0"/>
+      </a:effectRef>
+      <a:fontRef idx="minor"/>
+    </dgm:style>
+  </dgm:styleLbl>
+  <dgm:styleLbl name="solidBgAcc1">
+    <dgm:scene3d>
+      <a:camera prst="orthographicFront"/>
+      <a:lightRig rig="threePt" dir="t"/>
+    </dgm:scene3d>
+    <dgm:sp3d/>
+    <dgm:txPr/>
+    <dgm:style>
+      <a:lnRef idx="2">
+        <a:scrgbClr r="0" g="0" b="0"/>
+      </a:lnRef>
+      <a:fillRef idx="1">
+        <a:scrgbClr r="0" g="0" b="0"/>
+      </a:fillRef>
+      <a:effectRef idx="0">
+        <a:scrgbClr r="0" g="0" b="0"/>
+      </a:effectRef>
+      <a:fontRef idx="minor"/>
+    </dgm:style>
+  </dgm:styleLbl>
+  <dgm:styleLbl name="fgAccFollowNode1">
+    <dgm:scene3d>
+      <a:camera prst="orthographicFront"/>
+      <a:lightRig rig="threePt" dir="t"/>
+    </dgm:scene3d>
+    <dgm:sp3d/>
+    <dgm:txPr/>
+    <dgm:style>
+      <a:lnRef idx="2">
+        <a:scrgbClr r="0" g="0" b="0"/>
+      </a:lnRef>
+      <a:fillRef idx="1">
+        <a:scrgbClr r="0" g="0" b="0"/>
+      </a:fillRef>
+      <a:effectRef idx="0">
+        <a:scrgbClr r="0" g="0" b="0"/>
+      </a:effectRef>
+      <a:fontRef idx="minor"/>
+    </dgm:style>
+  </dgm:styleLbl>
+  <dgm:styleLbl name="alignAccFollowNode1">
+    <dgm:scene3d>
+      <a:camera prst="orthographicFront"/>
+      <a:lightRig rig="threePt" dir="t"/>
+    </dgm:scene3d>
+    <dgm:sp3d/>
+    <dgm:txPr/>
+    <dgm:style>
+      <a:lnRef idx="2">
+        <a:scrgbClr r="0" g="0" b="0"/>
+      </a:lnRef>
+      <a:fillRef idx="1">
+        <a:scrgbClr r="0" g="0" b="0"/>
+      </a:fillRef>
+      <a:effectRef idx="0">
+        <a:scrgbClr r="0" g="0" b="0"/>
+      </a:effectRef>
+      <a:fontRef idx="minor"/>
+    </dgm:style>
+  </dgm:styleLbl>
+  <dgm:styleLbl name="bgAccFollowNode1">
+    <dgm:scene3d>
+      <a:camera prst="orthographicFront"/>
+      <a:lightRig rig="threePt" dir="t"/>
+    </dgm:scene3d>
+    <dgm:sp3d/>
+    <dgm:txPr/>
+    <dgm:style>
+      <a:lnRef idx="2">
+        <a:scrgbClr r="0" g="0" b="0"/>
+      </a:lnRef>
+      <a:fillRef idx="1">
+        <a:scrgbClr r="0" g="0" b="0"/>
+      </a:fillRef>
+      <a:effectRef idx="0">
+        <a:scrgbClr r="0" g="0" b="0"/>
+      </a:effectRef>
+      <a:fontRef idx="minor"/>
+    </dgm:style>
+  </dgm:styleLbl>
+  <dgm:styleLbl name="fgAcc0">
+    <dgm:scene3d>
+      <a:camera prst="orthographicFront"/>
+      <a:lightRig rig="threePt" dir="t"/>
+    </dgm:scene3d>
+    <dgm:sp3d/>
+    <dgm:txPr/>
+    <dgm:style>
+      <a:lnRef idx="2">
+        <a:scrgbClr r="0" g="0" b="0"/>
+      </a:lnRef>
+      <a:fillRef idx="1">
+        <a:scrgbClr r="0" g="0" b="0"/>
+      </a:fillRef>
+      <a:effectRef idx="0">
+        <a:scrgbClr r="0" g="0" b="0"/>
+      </a:effectRef>
+      <a:fontRef idx="minor"/>
+    </dgm:style>
+  </dgm:styleLbl>
+  <dgm:styleLbl name="fgAcc2">
+    <dgm:scene3d>
+      <a:camera prst="orthographicFront"/>
+      <a:lightRig rig="threePt" dir="t"/>
+    </dgm:scene3d>
+    <dgm:sp3d/>
+    <dgm:txPr/>
+    <dgm:style>
+      <a:lnRef idx="2">
+        <a:scrgbClr r="0" g="0" b="0"/>
+      </a:lnRef>
+      <a:fillRef idx="1">
+        <a:scrgbClr r="0" g="0" b="0"/>
+      </a:fillRef>
+      <a:effectRef idx="0">
+        <a:scrgbClr r="0" g="0" b="0"/>
+      </a:effectRef>
+      <a:fontRef idx="minor"/>
+    </dgm:style>
+  </dgm:styleLbl>
+  <dgm:styleLbl name="fgAcc3">
+    <dgm:scene3d>
+      <a:camera prst="orthographicFront"/>
+      <a:lightRig rig="threePt" dir="t"/>
+    </dgm:scene3d>
+    <dgm:sp3d/>
+    <dgm:txPr/>
+    <dgm:style>
+      <a:lnRef idx="2">
+        <a:scrgbClr r="0" g="0" b="0"/>
+      </a:lnRef>
+      <a:fillRef idx="1">
+        <a:scrgbClr r="0" g="0" b="0"/>
+      </a:fillRef>
+      <a:effectRef idx="0">
+        <a:scrgbClr r="0" g="0" b="0"/>
+      </a:effectRef>
+      <a:fontRef idx="minor"/>
+    </dgm:style>
+  </dgm:styleLbl>
+  <dgm:styleLbl name="fgAcc4">
+    <dgm:scene3d>
+      <a:camera prst="orthographicFront"/>
+      <a:lightRig rig="threePt" dir="t"/>
+    </dgm:scene3d>
+    <dgm:sp3d/>
+    <dgm:txPr/>
+    <dgm:style>
+      <a:lnRef idx="2">
+        <a:scrgbClr r="0" g="0" b="0"/>
+      </a:lnRef>
+      <a:fillRef idx="1">
+        <a:scrgbClr r="0" g="0" b="0"/>
+      </a:fillRef>
+      <a:effectRef idx="0">
+        <a:scrgbClr r="0" g="0" b="0"/>
+      </a:effectRef>
+      <a:fontRef idx="minor"/>
+    </dgm:style>
+  </dgm:styleLbl>
+  <dgm:styleLbl name="bgShp">
+    <dgm:scene3d>
+      <a:camera prst="orthographicFront"/>
+      <a:lightRig rig="threePt" dir="t"/>
+    </dgm:scene3d>
+    <dgm:sp3d/>
+    <dgm:txPr/>
+    <dgm:style>
+      <a:lnRef idx="0">
+        <a:scrgbClr r="0" g="0" b="0"/>
+      </a:lnRef>
+      <a:fillRef idx="1">
+        <a:scrgbClr r="0" g="0" b="0"/>
+      </a:fillRef>
+      <a:effectRef idx="0">
+        <a:scrgbClr r="0" g="0" b="0"/>
+      </a:effectRef>
+      <a:fontRef idx="minor"/>
+    </dgm:style>
+  </dgm:styleLbl>
+  <dgm:styleLbl name="dkBgShp">
+    <dgm:scene3d>
+      <a:camera prst="orthographicFront"/>
+      <a:lightRig rig="threePt" dir="t"/>
+    </dgm:scene3d>
+    <dgm:sp3d/>
+    <dgm:txPr/>
+    <dgm:style>
+      <a:lnRef idx="0">
+        <a:scrgbClr r="0" g="0" b="0"/>
+      </a:lnRef>
+      <a:fillRef idx="1">
+        <a:scrgbClr r="0" g="0" b="0"/>
+      </a:fillRef>
+      <a:effectRef idx="0">
+        <a:scrgbClr r="0" g="0" b="0"/>
+      </a:effectRef>
+      <a:fontRef idx="minor"/>
+    </dgm:style>
+  </dgm:styleLbl>
+  <dgm:styleLbl name="trBgShp">
+    <dgm:scene3d>
+      <a:camera prst="orthographicFront"/>
+      <a:lightRig rig="threePt" dir="t"/>
+    </dgm:scene3d>
+    <dgm:sp3d/>
+    <dgm:txPr/>
+    <dgm:style>
+      <a:lnRef idx="0">
+        <a:scrgbClr r="0" g="0" b="0"/>
+      </a:lnRef>
+      <a:fillRef idx="1">
+        <a:scrgbClr r="0" g="0" b="0"/>
+      </a:fillRef>
+      <a:effectRef idx="0">
+        <a:scrgbClr r="0" g="0" b="0"/>
+      </a:effectRef>
+      <a:fontRef idx="minor"/>
+    </dgm:style>
+  </dgm:styleLbl>
+  <dgm:styleLbl name="fgShp">
+    <dgm:scene3d>
+      <a:camera prst="orthographicFront"/>
+      <a:lightRig rig="threePt" dir="t"/>
+    </dgm:scene3d>
+    <dgm:sp3d/>
+    <dgm:txPr/>
+    <dgm:style>
+      <a:lnRef idx="2">
+        <a:scrgbClr r="0" g="0" b="0"/>
+      </a:lnRef>
+      <a:fillRef idx="1">
+        <a:scrgbClr r="0" g="0" b="0"/>
+      </a:fillRef>
+      <a:effectRef idx="0">
+        <a:scrgbClr r="0" g="0" b="0"/>
+      </a:effectRef>
+      <a:fontRef idx="minor"/>
+    </dgm:style>
+  </dgm:styleLbl>
+  <dgm:styleLbl name="revTx">
+    <dgm:scene3d>
+      <a:camera prst="orthographicFront"/>
+      <a:lightRig rig="threePt" dir="t"/>
+    </dgm:scene3d>
+    <dgm:sp3d/>
+    <dgm:txPr/>
+    <dgm:style>
+      <a:lnRef idx="0">
+        <a:scrgbClr r="0" g="0" b="0"/>
+      </a:lnRef>
+      <a:fillRef idx="0">
+        <a:scrgbClr r="0" g="0" b="0"/>
+      </a:fillRef>
+      <a:effectRef idx="0">
+        <a:scrgbClr r="0" g="0" b="0"/>
+      </a:effectRef>
+      <a:fontRef idx="minor"/>
+    </dgm:style>
+  </dgm:styleLbl>
+</dgm:styleDef>
+</file>
+
+<file path=ppt/diagrams/quickStyle6.xml><?xml version="1.0" encoding="utf-8"?>
 <dgm:styleDef xmlns:dgm="http://schemas.openxmlformats.org/drawingml/2006/diagram" xmlns:a="http://schemas.openxmlformats.org/drawingml/2006/main" uniqueId="urn:microsoft.com/office/officeart/2005/8/quickstyle/simple1">
   <dgm:title val=""/>
   <dgm:desc val=""/>
@@ -23763,6 +27759,3859 @@
       </p:grpSpPr>
       <p:sp>
         <p:nvSpPr>
+          <p:cNvPr id="11" name="Rectangle 10">
+            <a:extLst>
+              <a:ext uri="{FF2B5EF4-FFF2-40B4-BE49-F238E27FC236}">
+                <a16:creationId xmlns:a16="http://schemas.microsoft.com/office/drawing/2014/main" id="{4E4490D0-3672-446A-AC12-B4830333BDDD}"/>
+              </a:ext>
+              <a:ext uri="{C183D7F6-B498-43B3-948B-1728B52AA6E4}">
+                <adec:decorative xmlns:adec="http://schemas.microsoft.com/office/drawing/2017/decorative" val="1"/>
+              </a:ext>
+            </a:extLst>
+          </p:cNvPr>
+          <p:cNvSpPr>
+            <a:spLocks noGrp="1" noRot="1" noChangeAspect="1" noMove="1" noResize="1" noEditPoints="1" noAdjustHandles="1" noChangeArrowheads="1" noChangeShapeType="1" noTextEdit="1"/>
+          </p:cNvSpPr>
+          <p:nvPr>
+            <p:extLst>
+              <p:ext uri="{386F3935-93C4-4BCD-93E2-E3B085C9AB24}">
+                <p16:designElem xmlns:p16="http://schemas.microsoft.com/office/powerpoint/2015/main" val="1"/>
+              </p:ext>
+            </p:extLst>
+          </p:nvPr>
+        </p:nvSpPr>
+        <p:spPr>
+          <a:xfrm>
+            <a:off x="3175" y="6400800"/>
+            <a:ext cx="12188825" cy="457200"/>
+          </a:xfrm>
+          <a:prstGeom prst="rect">
+            <a:avLst/>
+          </a:prstGeom>
+          <a:solidFill>
+            <a:schemeClr val="accent2"/>
+          </a:solidFill>
+          <a:ln>
+            <a:noFill/>
+          </a:ln>
+        </p:spPr>
+        <p:style>
+          <a:lnRef idx="2">
+            <a:schemeClr val="accent1">
+              <a:shade val="50000"/>
+            </a:schemeClr>
+          </a:lnRef>
+          <a:fillRef idx="1">
+            <a:schemeClr val="accent1"/>
+          </a:fillRef>
+          <a:effectRef idx="0">
+            <a:schemeClr val="accent1"/>
+          </a:effectRef>
+          <a:fontRef idx="minor">
+            <a:schemeClr val="lt1"/>
+          </a:fontRef>
+        </p:style>
+      </p:sp>
+      <p:sp>
+        <p:nvSpPr>
+          <p:cNvPr id="13" name="Rectangle 12">
+            <a:extLst>
+              <a:ext uri="{FF2B5EF4-FFF2-40B4-BE49-F238E27FC236}">
+                <a16:creationId xmlns:a16="http://schemas.microsoft.com/office/drawing/2014/main" id="{39CB82C2-DF65-4EC1-8280-F201D50F570B}"/>
+              </a:ext>
+              <a:ext uri="{C183D7F6-B498-43B3-948B-1728B52AA6E4}">
+                <adec:decorative xmlns:adec="http://schemas.microsoft.com/office/drawing/2017/decorative" val="1"/>
+              </a:ext>
+            </a:extLst>
+          </p:cNvPr>
+          <p:cNvSpPr>
+            <a:spLocks noGrp="1" noRot="1" noChangeAspect="1" noMove="1" noResize="1" noEditPoints="1" noAdjustHandles="1" noChangeArrowheads="1" noChangeShapeType="1" noTextEdit="1"/>
+          </p:cNvSpPr>
+          <p:nvPr>
+            <p:extLst>
+              <p:ext uri="{386F3935-93C4-4BCD-93E2-E3B085C9AB24}">
+                <p16:designElem xmlns:p16="http://schemas.microsoft.com/office/powerpoint/2015/main" val="1"/>
+              </p:ext>
+            </p:extLst>
+          </p:nvPr>
+        </p:nvSpPr>
+        <p:spPr>
+          <a:xfrm>
+            <a:off x="15" y="6334316"/>
+            <a:ext cx="12188825" cy="64008"/>
+          </a:xfrm>
+          <a:prstGeom prst="rect">
+            <a:avLst/>
+          </a:prstGeom>
+          <a:solidFill>
+            <a:schemeClr val="accent1"/>
+          </a:solidFill>
+          <a:ln>
+            <a:noFill/>
+          </a:ln>
+        </p:spPr>
+        <p:style>
+          <a:lnRef idx="2">
+            <a:schemeClr val="accent1">
+              <a:shade val="50000"/>
+            </a:schemeClr>
+          </a:lnRef>
+          <a:fillRef idx="1">
+            <a:schemeClr val="accent1"/>
+          </a:fillRef>
+          <a:effectRef idx="0">
+            <a:schemeClr val="accent1"/>
+          </a:effectRef>
+          <a:fontRef idx="minor">
+            <a:schemeClr val="lt1"/>
+          </a:fontRef>
+        </p:style>
+      </p:sp>
+      <p:cxnSp>
+        <p:nvCxnSpPr>
+          <p:cNvPr id="15" name="Straight Connector 14">
+            <a:extLst>
+              <a:ext uri="{FF2B5EF4-FFF2-40B4-BE49-F238E27FC236}">
+                <a16:creationId xmlns:a16="http://schemas.microsoft.com/office/drawing/2014/main" id="{7E1D4427-852B-4B37-8E76-0E9F1810BA2A}"/>
+              </a:ext>
+              <a:ext uri="{C183D7F6-B498-43B3-948B-1728B52AA6E4}">
+                <adec:decorative xmlns:adec="http://schemas.microsoft.com/office/drawing/2017/decorative" val="1"/>
+              </a:ext>
+            </a:extLst>
+          </p:cNvPr>
+          <p:cNvCxnSpPr>
+            <a:cxnSpLocks noGrp="1" noRot="1" noChangeAspect="1" noMove="1" noResize="1" noEditPoints="1" noAdjustHandles="1" noChangeArrowheads="1" noChangeShapeType="1"/>
+          </p:cNvCxnSpPr>
+          <p:nvPr>
+            <p:extLst>
+              <p:ext uri="{386F3935-93C4-4BCD-93E2-E3B085C9AB24}">
+                <p16:designElem xmlns:p16="http://schemas.microsoft.com/office/powerpoint/2015/main" val="1"/>
+              </p:ext>
+            </p:extLst>
+          </p:nvPr>
+        </p:nvCxnSpPr>
+        <p:spPr>
+          <a:xfrm>
+            <a:off x="1207658" y="4343400"/>
+            <a:ext cx="9875520" cy="0"/>
+          </a:xfrm>
+          <a:prstGeom prst="line">
+            <a:avLst/>
+          </a:prstGeom>
+          <a:ln w="6350">
+            <a:solidFill>
+              <a:schemeClr val="tx1">
+                <a:lumMod val="50000"/>
+                <a:lumOff val="50000"/>
+              </a:schemeClr>
+            </a:solidFill>
+          </a:ln>
+        </p:spPr>
+        <p:style>
+          <a:lnRef idx="1">
+            <a:schemeClr val="accent1"/>
+          </a:lnRef>
+          <a:fillRef idx="0">
+            <a:schemeClr val="accent1"/>
+          </a:fillRef>
+          <a:effectRef idx="0">
+            <a:schemeClr val="accent1"/>
+          </a:effectRef>
+          <a:fontRef idx="minor">
+            <a:schemeClr val="tx1"/>
+          </a:fontRef>
+        </p:style>
+      </p:cxnSp>
+      <p:sp useBgFill="1">
+        <p:nvSpPr>
+          <p:cNvPr id="17" name="Rectangle 16">
+            <a:extLst>
+              <a:ext uri="{FF2B5EF4-FFF2-40B4-BE49-F238E27FC236}">
+                <a16:creationId xmlns:a16="http://schemas.microsoft.com/office/drawing/2014/main" id="{FA4CD5CB-D209-4D70-8CA4-629731C59219}"/>
+              </a:ext>
+              <a:ext uri="{C183D7F6-B498-43B3-948B-1728B52AA6E4}">
+                <adec:decorative xmlns:adec="http://schemas.microsoft.com/office/drawing/2017/decorative" val="1"/>
+              </a:ext>
+            </a:extLst>
+          </p:cNvPr>
+          <p:cNvSpPr>
+            <a:spLocks noGrp="1" noRot="1" noChangeAspect="1" noMove="1" noResize="1" noEditPoints="1" noAdjustHandles="1" noChangeArrowheads="1" noChangeShapeType="1" noTextEdit="1"/>
+          </p:cNvSpPr>
+          <p:nvPr>
+            <p:extLst>
+              <p:ext uri="{386F3935-93C4-4BCD-93E2-E3B085C9AB24}">
+                <p16:designElem xmlns:p16="http://schemas.microsoft.com/office/powerpoint/2015/main" val="1"/>
+              </p:ext>
+            </p:extLst>
+          </p:nvPr>
+        </p:nvSpPr>
+        <p:spPr>
+          <a:xfrm>
+            <a:off x="0" y="0"/>
+            <a:ext cx="12192001" cy="6334316"/>
+          </a:xfrm>
+          <a:prstGeom prst="rect">
+            <a:avLst/>
+          </a:prstGeom>
+          <a:ln>
+            <a:noFill/>
+          </a:ln>
+        </p:spPr>
+        <p:style>
+          <a:lnRef idx="2">
+            <a:schemeClr val="accent1">
+              <a:shade val="50000"/>
+            </a:schemeClr>
+          </a:lnRef>
+          <a:fillRef idx="1">
+            <a:schemeClr val="accent1"/>
+          </a:fillRef>
+          <a:effectRef idx="0">
+            <a:schemeClr val="accent1"/>
+          </a:effectRef>
+          <a:fontRef idx="minor">
+            <a:schemeClr val="lt1"/>
+          </a:fontRef>
+        </p:style>
+        <p:txBody>
+          <a:bodyPr rtlCol="0" anchor="ctr"/>
+          <a:lstStyle/>
+          <a:p>
+            <a:pPr algn="ctr"/>
+            <a:endParaRPr lang="en-US"/>
+          </a:p>
+        </p:txBody>
+      </p:sp>
+      <p:sp>
+        <p:nvSpPr>
+          <p:cNvPr id="2" name="Title 1">
+            <a:extLst>
+              <a:ext uri="{FF2B5EF4-FFF2-40B4-BE49-F238E27FC236}">
+                <a16:creationId xmlns:a16="http://schemas.microsoft.com/office/drawing/2014/main" id="{1D089AA2-066B-4261-AB5D-07B4856E2AE5}"/>
+              </a:ext>
+            </a:extLst>
+          </p:cNvPr>
+          <p:cNvSpPr>
+            <a:spLocks noGrp="1"/>
+          </p:cNvSpPr>
+          <p:nvPr>
+            <p:ph type="title"/>
+          </p:nvPr>
+        </p:nvSpPr>
+        <p:spPr>
+          <a:xfrm>
+            <a:off x="8141110" y="639097"/>
+            <a:ext cx="3401961" cy="3686015"/>
+          </a:xfrm>
+        </p:spPr>
+        <p:txBody>
+          <a:bodyPr vert="horz" lIns="91440" tIns="45720" rIns="91440" bIns="45720" rtlCol="0" anchor="b">
+            <a:normAutofit/>
+          </a:bodyPr>
+          <a:lstStyle/>
+          <a:p>
+            <a:r>
+              <a:rPr lang="en-US" sz="6600">
+                <a:solidFill>
+                  <a:schemeClr val="tx1">
+                    <a:lumMod val="85000"/>
+                    <a:lumOff val="15000"/>
+                  </a:schemeClr>
+                </a:solidFill>
+              </a:rPr>
+              <a:t>Hiện thực hóa use case</a:t>
+            </a:r>
+          </a:p>
+        </p:txBody>
+      </p:sp>
+      <p:pic>
+        <p:nvPicPr>
+          <p:cNvPr id="6" name="Picture 6" descr="Diagram&#10;&#10;Description automatically generated">
+            <a:extLst>
+              <a:ext uri="{FF2B5EF4-FFF2-40B4-BE49-F238E27FC236}">
+                <a16:creationId xmlns:a16="http://schemas.microsoft.com/office/drawing/2014/main" id="{E5A440EF-A125-451D-A0A8-D4939DA5932B}"/>
+              </a:ext>
+            </a:extLst>
+          </p:cNvPr>
+          <p:cNvPicPr>
+            <a:picLocks noGrp="1" noChangeAspect="1"/>
+          </p:cNvPicPr>
+          <p:nvPr>
+            <p:ph sz="quarter" idx="13"/>
+          </p:nvPr>
+        </p:nvPicPr>
+        <p:blipFill>
+          <a:blip r:embed="rId2"/>
+          <a:stretch>
+            <a:fillRect/>
+          </a:stretch>
+        </p:blipFill>
+        <p:spPr>
+          <a:xfrm>
+            <a:off x="748184" y="352008"/>
+            <a:ext cx="6813943" cy="5593131"/>
+          </a:xfrm>
+          <a:prstGeom prst="rect">
+            <a:avLst/>
+          </a:prstGeom>
+        </p:spPr>
+      </p:pic>
+      <p:cxnSp>
+        <p:nvCxnSpPr>
+          <p:cNvPr id="19" name="Straight Connector 18">
+            <a:extLst>
+              <a:ext uri="{FF2B5EF4-FFF2-40B4-BE49-F238E27FC236}">
+                <a16:creationId xmlns:a16="http://schemas.microsoft.com/office/drawing/2014/main" id="{5C6A2BAE-B461-4B55-8E1F-0722ABDD1393}"/>
+              </a:ext>
+              <a:ext uri="{C183D7F6-B498-43B3-948B-1728B52AA6E4}">
+                <adec:decorative xmlns:adec="http://schemas.microsoft.com/office/drawing/2017/decorative" val="1"/>
+              </a:ext>
+            </a:extLst>
+          </p:cNvPr>
+          <p:cNvCxnSpPr>
+            <a:cxnSpLocks noGrp="1" noRot="1" noChangeAspect="1" noMove="1" noResize="1" noEditPoints="1" noAdjustHandles="1" noChangeArrowheads="1" noChangeShapeType="1"/>
+          </p:cNvCxnSpPr>
+          <p:nvPr>
+            <p:extLst>
+              <p:ext uri="{386F3935-93C4-4BCD-93E2-E3B085C9AB24}">
+                <p16:designElem xmlns:p16="http://schemas.microsoft.com/office/powerpoint/2015/main" val="1"/>
+              </p:ext>
+            </p:extLst>
+          </p:nvPr>
+        </p:nvCxnSpPr>
+        <p:spPr>
+          <a:xfrm>
+            <a:off x="8209305" y="4343400"/>
+            <a:ext cx="3200400" cy="0"/>
+          </a:xfrm>
+          <a:prstGeom prst="line">
+            <a:avLst/>
+          </a:prstGeom>
+          <a:ln w="6350">
+            <a:solidFill>
+              <a:schemeClr val="tx2">
+                <a:alpha val="90000"/>
+              </a:schemeClr>
+            </a:solidFill>
+          </a:ln>
+        </p:spPr>
+        <p:style>
+          <a:lnRef idx="1">
+            <a:schemeClr val="accent1"/>
+          </a:lnRef>
+          <a:fillRef idx="0">
+            <a:schemeClr val="accent1"/>
+          </a:fillRef>
+          <a:effectRef idx="0">
+            <a:schemeClr val="accent1"/>
+          </a:effectRef>
+          <a:fontRef idx="minor">
+            <a:schemeClr val="tx1"/>
+          </a:fontRef>
+        </p:style>
+      </p:cxnSp>
+      <p:sp>
+        <p:nvSpPr>
+          <p:cNvPr id="21" name="Rectangle 20">
+            <a:extLst>
+              <a:ext uri="{FF2B5EF4-FFF2-40B4-BE49-F238E27FC236}">
+                <a16:creationId xmlns:a16="http://schemas.microsoft.com/office/drawing/2014/main" id="{B4C27B90-DF2B-4D00-BA07-18ED774CD2F1}"/>
+              </a:ext>
+              <a:ext uri="{C183D7F6-B498-43B3-948B-1728B52AA6E4}">
+                <adec:decorative xmlns:adec="http://schemas.microsoft.com/office/drawing/2017/decorative" val="1"/>
+              </a:ext>
+            </a:extLst>
+          </p:cNvPr>
+          <p:cNvSpPr>
+            <a:spLocks noGrp="1" noRot="1" noChangeAspect="1" noMove="1" noResize="1" noEditPoints="1" noAdjustHandles="1" noChangeArrowheads="1" noChangeShapeType="1" noTextEdit="1"/>
+          </p:cNvSpPr>
+          <p:nvPr>
+            <p:extLst>
+              <p:ext uri="{386F3935-93C4-4BCD-93E2-E3B085C9AB24}">
+                <p16:designElem xmlns:p16="http://schemas.microsoft.com/office/powerpoint/2015/main" val="1"/>
+              </p:ext>
+            </p:extLst>
+          </p:nvPr>
+        </p:nvSpPr>
+        <p:spPr>
+          <a:xfrm>
+            <a:off x="15" y="6334316"/>
+            <a:ext cx="12191985" cy="66484"/>
+          </a:xfrm>
+          <a:prstGeom prst="rect">
+            <a:avLst/>
+          </a:prstGeom>
+          <a:solidFill>
+            <a:schemeClr val="accent1"/>
+          </a:solidFill>
+          <a:ln>
+            <a:noFill/>
+          </a:ln>
+        </p:spPr>
+        <p:style>
+          <a:lnRef idx="2">
+            <a:schemeClr val="accent1">
+              <a:shade val="50000"/>
+            </a:schemeClr>
+          </a:lnRef>
+          <a:fillRef idx="1">
+            <a:schemeClr val="accent1"/>
+          </a:fillRef>
+          <a:effectRef idx="0">
+            <a:schemeClr val="accent1"/>
+          </a:effectRef>
+          <a:fontRef idx="minor">
+            <a:schemeClr val="lt1"/>
+          </a:fontRef>
+        </p:style>
+      </p:sp>
+      <p:sp>
+        <p:nvSpPr>
+          <p:cNvPr id="23" name="Rectangle 22">
+            <a:extLst>
+              <a:ext uri="{FF2B5EF4-FFF2-40B4-BE49-F238E27FC236}">
+                <a16:creationId xmlns:a16="http://schemas.microsoft.com/office/drawing/2014/main" id="{593ACC25-C262-417A-8AA9-0641C772BDB6}"/>
+              </a:ext>
+              <a:ext uri="{C183D7F6-B498-43B3-948B-1728B52AA6E4}">
+                <adec:decorative xmlns:adec="http://schemas.microsoft.com/office/drawing/2017/decorative" val="1"/>
+              </a:ext>
+            </a:extLst>
+          </p:cNvPr>
+          <p:cNvSpPr>
+            <a:spLocks noGrp="1" noRot="1" noChangeAspect="1" noMove="1" noResize="1" noEditPoints="1" noAdjustHandles="1" noChangeArrowheads="1" noChangeShapeType="1" noTextEdit="1"/>
+          </p:cNvSpPr>
+          <p:nvPr>
+            <p:extLst>
+              <p:ext uri="{386F3935-93C4-4BCD-93E2-E3B085C9AB24}">
+                <p16:designElem xmlns:p16="http://schemas.microsoft.com/office/powerpoint/2015/main" val="1"/>
+              </p:ext>
+            </p:extLst>
+          </p:nvPr>
+        </p:nvSpPr>
+        <p:spPr>
+          <a:xfrm>
+            <a:off x="1" y="6400800"/>
+            <a:ext cx="12192000" cy="457200"/>
+          </a:xfrm>
+          <a:prstGeom prst="rect">
+            <a:avLst/>
+          </a:prstGeom>
+          <a:solidFill>
+            <a:schemeClr val="accent2"/>
+          </a:solidFill>
+          <a:ln>
+            <a:noFill/>
+          </a:ln>
+        </p:spPr>
+        <p:style>
+          <a:lnRef idx="2">
+            <a:schemeClr val="accent1">
+              <a:shade val="50000"/>
+            </a:schemeClr>
+          </a:lnRef>
+          <a:fillRef idx="1">
+            <a:schemeClr val="accent1"/>
+          </a:fillRef>
+          <a:effectRef idx="0">
+            <a:schemeClr val="accent1"/>
+          </a:effectRef>
+          <a:fontRef idx="minor">
+            <a:schemeClr val="lt1"/>
+          </a:fontRef>
+        </p:style>
+      </p:sp>
+      <p:sp>
+        <p:nvSpPr>
+          <p:cNvPr id="4" name="Slide Number Placeholder 3">
+            <a:extLst>
+              <a:ext uri="{FF2B5EF4-FFF2-40B4-BE49-F238E27FC236}">
+                <a16:creationId xmlns:a16="http://schemas.microsoft.com/office/drawing/2014/main" id="{7743B9EC-989C-4DFD-89CF-5AB3B4E1959E}"/>
+              </a:ext>
+            </a:extLst>
+          </p:cNvPr>
+          <p:cNvSpPr>
+            <a:spLocks noGrp="1"/>
+          </p:cNvSpPr>
+          <p:nvPr>
+            <p:ph type="sldNum" sz="quarter" idx="12"/>
+          </p:nvPr>
+        </p:nvSpPr>
+        <p:spPr>
+          <a:xfrm>
+            <a:off x="9900458" y="6459785"/>
+            <a:ext cx="1312025" cy="365125"/>
+          </a:xfrm>
+        </p:spPr>
+        <p:txBody>
+          <a:bodyPr vert="horz" lIns="91440" tIns="45720" rIns="91440" bIns="45720" rtlCol="0" anchor="ctr">
+            <a:normAutofit/>
+          </a:bodyPr>
+          <a:lstStyle/>
+          <a:p>
+            <a:pPr defTabSz="914400">
+              <a:spcAft>
+                <a:spcPts val="600"/>
+              </a:spcAft>
+            </a:pPr>
+            <a:fld id="{6D22F896-40B5-4ADD-8801-0D06FADFA095}" type="slidenum">
+              <a:rPr lang="en-US" dirty="0"/>
+              <a:pPr defTabSz="914400">
+                <a:spcAft>
+                  <a:spcPts val="600"/>
+                </a:spcAft>
+              </a:pPr>
+              <a:t>10</a:t>
+            </a:fld>
+            <a:endParaRPr lang="en-US"/>
+          </a:p>
+        </p:txBody>
+      </p:sp>
+    </p:spTree>
+    <p:extLst>
+      <p:ext uri="{BB962C8B-B14F-4D97-AF65-F5344CB8AC3E}">
+        <p14:creationId xmlns:p14="http://schemas.microsoft.com/office/powerpoint/2010/main" val="2297162241"/>
+      </p:ext>
+    </p:extLst>
+  </p:cSld>
+  <p:clrMapOvr>
+    <a:masterClrMapping/>
+  </p:clrMapOvr>
+</p:sld>
+</file>
+
+<file path=ppt/slides/slide11.xml><?xml version="1.0" encoding="utf-8"?>
+<p:sld xmlns:a="http://schemas.openxmlformats.org/drawingml/2006/main" xmlns:r="http://schemas.openxmlformats.org/officeDocument/2006/relationships" xmlns:p="http://schemas.openxmlformats.org/presentationml/2006/main">
+  <p:cSld>
+    <p:bg>
+      <p:bgPr>
+        <a:solidFill>
+          <a:schemeClr val="bg1"/>
+        </a:solidFill>
+        <a:effectLst/>
+      </p:bgPr>
+    </p:bg>
+    <p:spTree>
+      <p:nvGrpSpPr>
+        <p:cNvPr id="1" name=""/>
+        <p:cNvGrpSpPr/>
+        <p:nvPr/>
+      </p:nvGrpSpPr>
+      <p:grpSpPr>
+        <a:xfrm>
+          <a:off x="0" y="0"/>
+          <a:ext cx="0" cy="0"/>
+          <a:chOff x="0" y="0"/>
+          <a:chExt cx="0" cy="0"/>
+        </a:xfrm>
+      </p:grpSpPr>
+      <p:sp>
+        <p:nvSpPr>
+          <p:cNvPr id="27" name="Rectangle 26">
+            <a:extLst>
+              <a:ext uri="{FF2B5EF4-FFF2-40B4-BE49-F238E27FC236}">
+                <a16:creationId xmlns:a16="http://schemas.microsoft.com/office/drawing/2014/main" id="{4E4490D0-3672-446A-AC12-B4830333BDDD}"/>
+              </a:ext>
+              <a:ext uri="{C183D7F6-B498-43B3-948B-1728B52AA6E4}">
+                <adec:decorative xmlns:adec="http://schemas.microsoft.com/office/drawing/2017/decorative" val="1"/>
+              </a:ext>
+            </a:extLst>
+          </p:cNvPr>
+          <p:cNvSpPr>
+            <a:spLocks noGrp="1" noRot="1" noChangeAspect="1" noMove="1" noResize="1" noEditPoints="1" noAdjustHandles="1" noChangeArrowheads="1" noChangeShapeType="1" noTextEdit="1"/>
+          </p:cNvSpPr>
+          <p:nvPr>
+            <p:extLst>
+              <p:ext uri="{386F3935-93C4-4BCD-93E2-E3B085C9AB24}">
+                <p16:designElem xmlns:p16="http://schemas.microsoft.com/office/powerpoint/2015/main" val="1"/>
+              </p:ext>
+            </p:extLst>
+          </p:nvPr>
+        </p:nvSpPr>
+        <p:spPr>
+          <a:xfrm>
+            <a:off x="3175" y="6400800"/>
+            <a:ext cx="12188825" cy="457200"/>
+          </a:xfrm>
+          <a:prstGeom prst="rect">
+            <a:avLst/>
+          </a:prstGeom>
+          <a:solidFill>
+            <a:schemeClr val="accent2"/>
+          </a:solidFill>
+          <a:ln>
+            <a:noFill/>
+          </a:ln>
+        </p:spPr>
+        <p:style>
+          <a:lnRef idx="2">
+            <a:schemeClr val="accent1">
+              <a:shade val="50000"/>
+            </a:schemeClr>
+          </a:lnRef>
+          <a:fillRef idx="1">
+            <a:schemeClr val="accent1"/>
+          </a:fillRef>
+          <a:effectRef idx="0">
+            <a:schemeClr val="accent1"/>
+          </a:effectRef>
+          <a:fontRef idx="minor">
+            <a:schemeClr val="lt1"/>
+          </a:fontRef>
+        </p:style>
+      </p:sp>
+      <p:sp>
+        <p:nvSpPr>
+          <p:cNvPr id="29" name="Rectangle 28">
+            <a:extLst>
+              <a:ext uri="{FF2B5EF4-FFF2-40B4-BE49-F238E27FC236}">
+                <a16:creationId xmlns:a16="http://schemas.microsoft.com/office/drawing/2014/main" id="{39CB82C2-DF65-4EC1-8280-F201D50F570B}"/>
+              </a:ext>
+              <a:ext uri="{C183D7F6-B498-43B3-948B-1728B52AA6E4}">
+                <adec:decorative xmlns:adec="http://schemas.microsoft.com/office/drawing/2017/decorative" val="1"/>
+              </a:ext>
+            </a:extLst>
+          </p:cNvPr>
+          <p:cNvSpPr>
+            <a:spLocks noGrp="1" noRot="1" noChangeAspect="1" noMove="1" noResize="1" noEditPoints="1" noAdjustHandles="1" noChangeArrowheads="1" noChangeShapeType="1" noTextEdit="1"/>
+          </p:cNvSpPr>
+          <p:nvPr>
+            <p:extLst>
+              <p:ext uri="{386F3935-93C4-4BCD-93E2-E3B085C9AB24}">
+                <p16:designElem xmlns:p16="http://schemas.microsoft.com/office/powerpoint/2015/main" val="1"/>
+              </p:ext>
+            </p:extLst>
+          </p:nvPr>
+        </p:nvSpPr>
+        <p:spPr>
+          <a:xfrm>
+            <a:off x="15" y="6334316"/>
+            <a:ext cx="12188825" cy="64008"/>
+          </a:xfrm>
+          <a:prstGeom prst="rect">
+            <a:avLst/>
+          </a:prstGeom>
+          <a:solidFill>
+            <a:schemeClr val="accent1"/>
+          </a:solidFill>
+          <a:ln>
+            <a:noFill/>
+          </a:ln>
+        </p:spPr>
+        <p:style>
+          <a:lnRef idx="2">
+            <a:schemeClr val="accent1">
+              <a:shade val="50000"/>
+            </a:schemeClr>
+          </a:lnRef>
+          <a:fillRef idx="1">
+            <a:schemeClr val="accent1"/>
+          </a:fillRef>
+          <a:effectRef idx="0">
+            <a:schemeClr val="accent1"/>
+          </a:effectRef>
+          <a:fontRef idx="minor">
+            <a:schemeClr val="lt1"/>
+          </a:fontRef>
+        </p:style>
+      </p:sp>
+      <p:cxnSp>
+        <p:nvCxnSpPr>
+          <p:cNvPr id="31" name="Straight Connector 30">
+            <a:extLst>
+              <a:ext uri="{FF2B5EF4-FFF2-40B4-BE49-F238E27FC236}">
+                <a16:creationId xmlns:a16="http://schemas.microsoft.com/office/drawing/2014/main" id="{7E1D4427-852B-4B37-8E76-0E9F1810BA2A}"/>
+              </a:ext>
+              <a:ext uri="{C183D7F6-B498-43B3-948B-1728B52AA6E4}">
+                <adec:decorative xmlns:adec="http://schemas.microsoft.com/office/drawing/2017/decorative" val="1"/>
+              </a:ext>
+            </a:extLst>
+          </p:cNvPr>
+          <p:cNvCxnSpPr>
+            <a:cxnSpLocks noGrp="1" noRot="1" noChangeAspect="1" noMove="1" noResize="1" noEditPoints="1" noAdjustHandles="1" noChangeArrowheads="1" noChangeShapeType="1"/>
+          </p:cNvCxnSpPr>
+          <p:nvPr>
+            <p:extLst>
+              <p:ext uri="{386F3935-93C4-4BCD-93E2-E3B085C9AB24}">
+                <p16:designElem xmlns:p16="http://schemas.microsoft.com/office/powerpoint/2015/main" val="1"/>
+              </p:ext>
+            </p:extLst>
+          </p:nvPr>
+        </p:nvCxnSpPr>
+        <p:spPr>
+          <a:xfrm>
+            <a:off x="1207658" y="4343400"/>
+            <a:ext cx="9875520" cy="0"/>
+          </a:xfrm>
+          <a:prstGeom prst="line">
+            <a:avLst/>
+          </a:prstGeom>
+          <a:ln w="6350">
+            <a:solidFill>
+              <a:schemeClr val="tx1">
+                <a:lumMod val="50000"/>
+                <a:lumOff val="50000"/>
+              </a:schemeClr>
+            </a:solidFill>
+          </a:ln>
+        </p:spPr>
+        <p:style>
+          <a:lnRef idx="1">
+            <a:schemeClr val="accent1"/>
+          </a:lnRef>
+          <a:fillRef idx="0">
+            <a:schemeClr val="accent1"/>
+          </a:fillRef>
+          <a:effectRef idx="0">
+            <a:schemeClr val="accent1"/>
+          </a:effectRef>
+          <a:fontRef idx="minor">
+            <a:schemeClr val="tx1"/>
+          </a:fontRef>
+        </p:style>
+      </p:cxnSp>
+      <p:sp useBgFill="1">
+        <p:nvSpPr>
+          <p:cNvPr id="33" name="Rectangle 32">
+            <a:extLst>
+              <a:ext uri="{FF2B5EF4-FFF2-40B4-BE49-F238E27FC236}">
+                <a16:creationId xmlns:a16="http://schemas.microsoft.com/office/drawing/2014/main" id="{FA4CD5CB-D209-4D70-8CA4-629731C59219}"/>
+              </a:ext>
+              <a:ext uri="{C183D7F6-B498-43B3-948B-1728B52AA6E4}">
+                <adec:decorative xmlns:adec="http://schemas.microsoft.com/office/drawing/2017/decorative" val="1"/>
+              </a:ext>
+            </a:extLst>
+          </p:cNvPr>
+          <p:cNvSpPr>
+            <a:spLocks noGrp="1" noRot="1" noChangeAspect="1" noMove="1" noResize="1" noEditPoints="1" noAdjustHandles="1" noChangeArrowheads="1" noChangeShapeType="1" noTextEdit="1"/>
+          </p:cNvSpPr>
+          <p:nvPr>
+            <p:extLst>
+              <p:ext uri="{386F3935-93C4-4BCD-93E2-E3B085C9AB24}">
+                <p16:designElem xmlns:p16="http://schemas.microsoft.com/office/powerpoint/2015/main" val="1"/>
+              </p:ext>
+            </p:extLst>
+          </p:nvPr>
+        </p:nvSpPr>
+        <p:spPr>
+          <a:xfrm>
+            <a:off x="0" y="0"/>
+            <a:ext cx="12192001" cy="6334316"/>
+          </a:xfrm>
+          <a:prstGeom prst="rect">
+            <a:avLst/>
+          </a:prstGeom>
+          <a:ln>
+            <a:noFill/>
+          </a:ln>
+        </p:spPr>
+        <p:style>
+          <a:lnRef idx="2">
+            <a:schemeClr val="accent1">
+              <a:shade val="50000"/>
+            </a:schemeClr>
+          </a:lnRef>
+          <a:fillRef idx="1">
+            <a:schemeClr val="accent1"/>
+          </a:fillRef>
+          <a:effectRef idx="0">
+            <a:schemeClr val="accent1"/>
+          </a:effectRef>
+          <a:fontRef idx="minor">
+            <a:schemeClr val="lt1"/>
+          </a:fontRef>
+        </p:style>
+        <p:txBody>
+          <a:bodyPr rtlCol="0" anchor="ctr"/>
+          <a:lstStyle/>
+          <a:p>
+            <a:pPr algn="ctr"/>
+            <a:endParaRPr lang="en-US"/>
+          </a:p>
+        </p:txBody>
+      </p:sp>
+      <p:sp>
+        <p:nvSpPr>
+          <p:cNvPr id="2" name="Title 1">
+            <a:extLst>
+              <a:ext uri="{FF2B5EF4-FFF2-40B4-BE49-F238E27FC236}">
+                <a16:creationId xmlns:a16="http://schemas.microsoft.com/office/drawing/2014/main" id="{1D089AA2-066B-4261-AB5D-07B4856E2AE5}"/>
+              </a:ext>
+            </a:extLst>
+          </p:cNvPr>
+          <p:cNvSpPr>
+            <a:spLocks noGrp="1"/>
+          </p:cNvSpPr>
+          <p:nvPr>
+            <p:ph type="title"/>
+          </p:nvPr>
+        </p:nvSpPr>
+        <p:spPr>
+          <a:xfrm>
+            <a:off x="8141110" y="639097"/>
+            <a:ext cx="3401961" cy="3686015"/>
+          </a:xfrm>
+        </p:spPr>
+        <p:txBody>
+          <a:bodyPr vert="horz" lIns="91440" tIns="45720" rIns="91440" bIns="45720" rtlCol="0" anchor="b">
+            <a:normAutofit/>
+          </a:bodyPr>
+          <a:lstStyle/>
+          <a:p>
+            <a:r>
+              <a:rPr lang="en-US" sz="6600">
+                <a:solidFill>
+                  <a:schemeClr val="tx1">
+                    <a:lumMod val="85000"/>
+                    <a:lumOff val="15000"/>
+                  </a:schemeClr>
+                </a:solidFill>
+              </a:rPr>
+              <a:t>Xem thông tin TK</a:t>
+            </a:r>
+          </a:p>
+        </p:txBody>
+      </p:sp>
+      <p:pic>
+        <p:nvPicPr>
+          <p:cNvPr id="5" name="Picture 5" descr="Diagram, schematic&#10;&#10;Description automatically generated">
+            <a:extLst>
+              <a:ext uri="{FF2B5EF4-FFF2-40B4-BE49-F238E27FC236}">
+                <a16:creationId xmlns:a16="http://schemas.microsoft.com/office/drawing/2014/main" id="{28288018-24D1-41BD-9E16-A877B29822BE}"/>
+              </a:ext>
+            </a:extLst>
+          </p:cNvPr>
+          <p:cNvPicPr>
+            <a:picLocks noGrp="1" noChangeAspect="1"/>
+          </p:cNvPicPr>
+          <p:nvPr>
+            <p:ph sz="quarter" idx="13"/>
+          </p:nvPr>
+        </p:nvPicPr>
+        <p:blipFill>
+          <a:blip r:embed="rId2"/>
+          <a:stretch>
+            <a:fillRect/>
+          </a:stretch>
+        </p:blipFill>
+        <p:spPr>
+          <a:xfrm>
+            <a:off x="448145" y="904044"/>
+            <a:ext cx="7757851" cy="4015132"/>
+          </a:xfrm>
+          <a:prstGeom prst="rect">
+            <a:avLst/>
+          </a:prstGeom>
+        </p:spPr>
+      </p:pic>
+      <p:cxnSp>
+        <p:nvCxnSpPr>
+          <p:cNvPr id="35" name="Straight Connector 34">
+            <a:extLst>
+              <a:ext uri="{FF2B5EF4-FFF2-40B4-BE49-F238E27FC236}">
+                <a16:creationId xmlns:a16="http://schemas.microsoft.com/office/drawing/2014/main" id="{5C6A2BAE-B461-4B55-8E1F-0722ABDD1393}"/>
+              </a:ext>
+              <a:ext uri="{C183D7F6-B498-43B3-948B-1728B52AA6E4}">
+                <adec:decorative xmlns:adec="http://schemas.microsoft.com/office/drawing/2017/decorative" val="1"/>
+              </a:ext>
+            </a:extLst>
+          </p:cNvPr>
+          <p:cNvCxnSpPr>
+            <a:cxnSpLocks noGrp="1" noRot="1" noChangeAspect="1" noMove="1" noResize="1" noEditPoints="1" noAdjustHandles="1" noChangeArrowheads="1" noChangeShapeType="1"/>
+          </p:cNvCxnSpPr>
+          <p:nvPr>
+            <p:extLst>
+              <p:ext uri="{386F3935-93C4-4BCD-93E2-E3B085C9AB24}">
+                <p16:designElem xmlns:p16="http://schemas.microsoft.com/office/powerpoint/2015/main" val="1"/>
+              </p:ext>
+            </p:extLst>
+          </p:nvPr>
+        </p:nvCxnSpPr>
+        <p:spPr>
+          <a:xfrm>
+            <a:off x="8209305" y="4343400"/>
+            <a:ext cx="3200400" cy="0"/>
+          </a:xfrm>
+          <a:prstGeom prst="line">
+            <a:avLst/>
+          </a:prstGeom>
+          <a:ln w="6350">
+            <a:solidFill>
+              <a:schemeClr val="tx2">
+                <a:alpha val="90000"/>
+              </a:schemeClr>
+            </a:solidFill>
+          </a:ln>
+        </p:spPr>
+        <p:style>
+          <a:lnRef idx="1">
+            <a:schemeClr val="accent1"/>
+          </a:lnRef>
+          <a:fillRef idx="0">
+            <a:schemeClr val="accent1"/>
+          </a:fillRef>
+          <a:effectRef idx="0">
+            <a:schemeClr val="accent1"/>
+          </a:effectRef>
+          <a:fontRef idx="minor">
+            <a:schemeClr val="tx1"/>
+          </a:fontRef>
+        </p:style>
+      </p:cxnSp>
+      <p:sp>
+        <p:nvSpPr>
+          <p:cNvPr id="37" name="Rectangle 36">
+            <a:extLst>
+              <a:ext uri="{FF2B5EF4-FFF2-40B4-BE49-F238E27FC236}">
+                <a16:creationId xmlns:a16="http://schemas.microsoft.com/office/drawing/2014/main" id="{B4C27B90-DF2B-4D00-BA07-18ED774CD2F1}"/>
+              </a:ext>
+              <a:ext uri="{C183D7F6-B498-43B3-948B-1728B52AA6E4}">
+                <adec:decorative xmlns:adec="http://schemas.microsoft.com/office/drawing/2017/decorative" val="1"/>
+              </a:ext>
+            </a:extLst>
+          </p:cNvPr>
+          <p:cNvSpPr>
+            <a:spLocks noGrp="1" noRot="1" noChangeAspect="1" noMove="1" noResize="1" noEditPoints="1" noAdjustHandles="1" noChangeArrowheads="1" noChangeShapeType="1" noTextEdit="1"/>
+          </p:cNvSpPr>
+          <p:nvPr>
+            <p:extLst>
+              <p:ext uri="{386F3935-93C4-4BCD-93E2-E3B085C9AB24}">
+                <p16:designElem xmlns:p16="http://schemas.microsoft.com/office/powerpoint/2015/main" val="1"/>
+              </p:ext>
+            </p:extLst>
+          </p:nvPr>
+        </p:nvSpPr>
+        <p:spPr>
+          <a:xfrm>
+            <a:off x="15" y="6334316"/>
+            <a:ext cx="12191985" cy="66484"/>
+          </a:xfrm>
+          <a:prstGeom prst="rect">
+            <a:avLst/>
+          </a:prstGeom>
+          <a:solidFill>
+            <a:schemeClr val="accent1"/>
+          </a:solidFill>
+          <a:ln>
+            <a:noFill/>
+          </a:ln>
+        </p:spPr>
+        <p:style>
+          <a:lnRef idx="2">
+            <a:schemeClr val="accent1">
+              <a:shade val="50000"/>
+            </a:schemeClr>
+          </a:lnRef>
+          <a:fillRef idx="1">
+            <a:schemeClr val="accent1"/>
+          </a:fillRef>
+          <a:effectRef idx="0">
+            <a:schemeClr val="accent1"/>
+          </a:effectRef>
+          <a:fontRef idx="minor">
+            <a:schemeClr val="lt1"/>
+          </a:fontRef>
+        </p:style>
+      </p:sp>
+      <p:sp>
+        <p:nvSpPr>
+          <p:cNvPr id="39" name="Rectangle 38">
+            <a:extLst>
+              <a:ext uri="{FF2B5EF4-FFF2-40B4-BE49-F238E27FC236}">
+                <a16:creationId xmlns:a16="http://schemas.microsoft.com/office/drawing/2014/main" id="{593ACC25-C262-417A-8AA9-0641C772BDB6}"/>
+              </a:ext>
+              <a:ext uri="{C183D7F6-B498-43B3-948B-1728B52AA6E4}">
+                <adec:decorative xmlns:adec="http://schemas.microsoft.com/office/drawing/2017/decorative" val="1"/>
+              </a:ext>
+            </a:extLst>
+          </p:cNvPr>
+          <p:cNvSpPr>
+            <a:spLocks noGrp="1" noRot="1" noChangeAspect="1" noMove="1" noResize="1" noEditPoints="1" noAdjustHandles="1" noChangeArrowheads="1" noChangeShapeType="1" noTextEdit="1"/>
+          </p:cNvSpPr>
+          <p:nvPr>
+            <p:extLst>
+              <p:ext uri="{386F3935-93C4-4BCD-93E2-E3B085C9AB24}">
+                <p16:designElem xmlns:p16="http://schemas.microsoft.com/office/powerpoint/2015/main" val="1"/>
+              </p:ext>
+            </p:extLst>
+          </p:nvPr>
+        </p:nvSpPr>
+        <p:spPr>
+          <a:xfrm>
+            <a:off x="1" y="6400800"/>
+            <a:ext cx="12192000" cy="457200"/>
+          </a:xfrm>
+          <a:prstGeom prst="rect">
+            <a:avLst/>
+          </a:prstGeom>
+          <a:solidFill>
+            <a:schemeClr val="accent2"/>
+          </a:solidFill>
+          <a:ln>
+            <a:noFill/>
+          </a:ln>
+        </p:spPr>
+        <p:style>
+          <a:lnRef idx="2">
+            <a:schemeClr val="accent1">
+              <a:shade val="50000"/>
+            </a:schemeClr>
+          </a:lnRef>
+          <a:fillRef idx="1">
+            <a:schemeClr val="accent1"/>
+          </a:fillRef>
+          <a:effectRef idx="0">
+            <a:schemeClr val="accent1"/>
+          </a:effectRef>
+          <a:fontRef idx="minor">
+            <a:schemeClr val="lt1"/>
+          </a:fontRef>
+        </p:style>
+      </p:sp>
+      <p:sp>
+        <p:nvSpPr>
+          <p:cNvPr id="4" name="Slide Number Placeholder 3">
+            <a:extLst>
+              <a:ext uri="{FF2B5EF4-FFF2-40B4-BE49-F238E27FC236}">
+                <a16:creationId xmlns:a16="http://schemas.microsoft.com/office/drawing/2014/main" id="{7743B9EC-989C-4DFD-89CF-5AB3B4E1959E}"/>
+              </a:ext>
+            </a:extLst>
+          </p:cNvPr>
+          <p:cNvSpPr>
+            <a:spLocks noGrp="1"/>
+          </p:cNvSpPr>
+          <p:nvPr>
+            <p:ph type="sldNum" sz="quarter" idx="12"/>
+          </p:nvPr>
+        </p:nvSpPr>
+        <p:spPr>
+          <a:xfrm>
+            <a:off x="9900458" y="6459785"/>
+            <a:ext cx="1312025" cy="365125"/>
+          </a:xfrm>
+        </p:spPr>
+        <p:txBody>
+          <a:bodyPr vert="horz" lIns="91440" tIns="45720" rIns="91440" bIns="45720" rtlCol="0" anchor="ctr">
+            <a:normAutofit/>
+          </a:bodyPr>
+          <a:lstStyle/>
+          <a:p>
+            <a:pPr defTabSz="914400">
+              <a:spcAft>
+                <a:spcPts val="600"/>
+              </a:spcAft>
+            </a:pPr>
+            <a:fld id="{6D22F896-40B5-4ADD-8801-0D06FADFA095}" type="slidenum">
+              <a:rPr lang="en-US" dirty="0"/>
+              <a:pPr defTabSz="914400">
+                <a:spcAft>
+                  <a:spcPts val="600"/>
+                </a:spcAft>
+              </a:pPr>
+              <a:t>11</a:t>
+            </a:fld>
+            <a:endParaRPr lang="en-US"/>
+          </a:p>
+        </p:txBody>
+      </p:sp>
+    </p:spTree>
+    <p:extLst>
+      <p:ext uri="{BB962C8B-B14F-4D97-AF65-F5344CB8AC3E}">
+        <p14:creationId xmlns:p14="http://schemas.microsoft.com/office/powerpoint/2010/main" val="1785015907"/>
+      </p:ext>
+    </p:extLst>
+  </p:cSld>
+  <p:clrMapOvr>
+    <a:masterClrMapping/>
+  </p:clrMapOvr>
+</p:sld>
+</file>
+
+<file path=ppt/slides/slide12.xml><?xml version="1.0" encoding="utf-8"?>
+<p:sld xmlns:a="http://schemas.openxmlformats.org/drawingml/2006/main" xmlns:r="http://schemas.openxmlformats.org/officeDocument/2006/relationships" xmlns:p="http://schemas.openxmlformats.org/presentationml/2006/main">
+  <p:cSld>
+    <p:bg>
+      <p:bgPr>
+        <a:solidFill>
+          <a:schemeClr val="bg1"/>
+        </a:solidFill>
+        <a:effectLst/>
+      </p:bgPr>
+    </p:bg>
+    <p:spTree>
+      <p:nvGrpSpPr>
+        <p:cNvPr id="1" name=""/>
+        <p:cNvGrpSpPr/>
+        <p:nvPr/>
+      </p:nvGrpSpPr>
+      <p:grpSpPr>
+        <a:xfrm>
+          <a:off x="0" y="0"/>
+          <a:ext cx="0" cy="0"/>
+          <a:chOff x="0" y="0"/>
+          <a:chExt cx="0" cy="0"/>
+        </a:xfrm>
+      </p:grpSpPr>
+      <p:sp>
+        <p:nvSpPr>
+          <p:cNvPr id="10" name="Rectangle 9">
+            <a:extLst>
+              <a:ext uri="{FF2B5EF4-FFF2-40B4-BE49-F238E27FC236}">
+                <a16:creationId xmlns:a16="http://schemas.microsoft.com/office/drawing/2014/main" id="{4E4490D0-3672-446A-AC12-B4830333BDDD}"/>
+              </a:ext>
+              <a:ext uri="{C183D7F6-B498-43B3-948B-1728B52AA6E4}">
+                <adec:decorative xmlns:adec="http://schemas.microsoft.com/office/drawing/2017/decorative" val="1"/>
+              </a:ext>
+            </a:extLst>
+          </p:cNvPr>
+          <p:cNvSpPr>
+            <a:spLocks noGrp="1" noRot="1" noChangeAspect="1" noMove="1" noResize="1" noEditPoints="1" noAdjustHandles="1" noChangeArrowheads="1" noChangeShapeType="1" noTextEdit="1"/>
+          </p:cNvSpPr>
+          <p:nvPr>
+            <p:extLst>
+              <p:ext uri="{386F3935-93C4-4BCD-93E2-E3B085C9AB24}">
+                <p16:designElem xmlns:p16="http://schemas.microsoft.com/office/powerpoint/2015/main" val="1"/>
+              </p:ext>
+            </p:extLst>
+          </p:nvPr>
+        </p:nvSpPr>
+        <p:spPr>
+          <a:xfrm>
+            <a:off x="3175" y="6400800"/>
+            <a:ext cx="12188825" cy="457200"/>
+          </a:xfrm>
+          <a:prstGeom prst="rect">
+            <a:avLst/>
+          </a:prstGeom>
+          <a:solidFill>
+            <a:schemeClr val="accent2"/>
+          </a:solidFill>
+          <a:ln>
+            <a:noFill/>
+          </a:ln>
+        </p:spPr>
+        <p:style>
+          <a:lnRef idx="2">
+            <a:schemeClr val="accent1">
+              <a:shade val="50000"/>
+            </a:schemeClr>
+          </a:lnRef>
+          <a:fillRef idx="1">
+            <a:schemeClr val="accent1"/>
+          </a:fillRef>
+          <a:effectRef idx="0">
+            <a:schemeClr val="accent1"/>
+          </a:effectRef>
+          <a:fontRef idx="minor">
+            <a:schemeClr val="lt1"/>
+          </a:fontRef>
+        </p:style>
+      </p:sp>
+      <p:sp>
+        <p:nvSpPr>
+          <p:cNvPr id="12" name="Rectangle 11">
+            <a:extLst>
+              <a:ext uri="{FF2B5EF4-FFF2-40B4-BE49-F238E27FC236}">
+                <a16:creationId xmlns:a16="http://schemas.microsoft.com/office/drawing/2014/main" id="{39CB82C2-DF65-4EC1-8280-F201D50F570B}"/>
+              </a:ext>
+              <a:ext uri="{C183D7F6-B498-43B3-948B-1728B52AA6E4}">
+                <adec:decorative xmlns:adec="http://schemas.microsoft.com/office/drawing/2017/decorative" val="1"/>
+              </a:ext>
+            </a:extLst>
+          </p:cNvPr>
+          <p:cNvSpPr>
+            <a:spLocks noGrp="1" noRot="1" noChangeAspect="1" noMove="1" noResize="1" noEditPoints="1" noAdjustHandles="1" noChangeArrowheads="1" noChangeShapeType="1" noTextEdit="1"/>
+          </p:cNvSpPr>
+          <p:nvPr>
+            <p:extLst>
+              <p:ext uri="{386F3935-93C4-4BCD-93E2-E3B085C9AB24}">
+                <p16:designElem xmlns:p16="http://schemas.microsoft.com/office/powerpoint/2015/main" val="1"/>
+              </p:ext>
+            </p:extLst>
+          </p:nvPr>
+        </p:nvSpPr>
+        <p:spPr>
+          <a:xfrm>
+            <a:off x="15" y="6334316"/>
+            <a:ext cx="12188825" cy="64008"/>
+          </a:xfrm>
+          <a:prstGeom prst="rect">
+            <a:avLst/>
+          </a:prstGeom>
+          <a:solidFill>
+            <a:schemeClr val="accent1"/>
+          </a:solidFill>
+          <a:ln>
+            <a:noFill/>
+          </a:ln>
+        </p:spPr>
+        <p:style>
+          <a:lnRef idx="2">
+            <a:schemeClr val="accent1">
+              <a:shade val="50000"/>
+            </a:schemeClr>
+          </a:lnRef>
+          <a:fillRef idx="1">
+            <a:schemeClr val="accent1"/>
+          </a:fillRef>
+          <a:effectRef idx="0">
+            <a:schemeClr val="accent1"/>
+          </a:effectRef>
+          <a:fontRef idx="minor">
+            <a:schemeClr val="lt1"/>
+          </a:fontRef>
+        </p:style>
+      </p:sp>
+      <p:cxnSp>
+        <p:nvCxnSpPr>
+          <p:cNvPr id="14" name="Straight Connector 13">
+            <a:extLst>
+              <a:ext uri="{FF2B5EF4-FFF2-40B4-BE49-F238E27FC236}">
+                <a16:creationId xmlns:a16="http://schemas.microsoft.com/office/drawing/2014/main" id="{7E1D4427-852B-4B37-8E76-0E9F1810BA2A}"/>
+              </a:ext>
+              <a:ext uri="{C183D7F6-B498-43B3-948B-1728B52AA6E4}">
+                <adec:decorative xmlns:adec="http://schemas.microsoft.com/office/drawing/2017/decorative" val="1"/>
+              </a:ext>
+            </a:extLst>
+          </p:cNvPr>
+          <p:cNvCxnSpPr>
+            <a:cxnSpLocks noGrp="1" noRot="1" noChangeAspect="1" noMove="1" noResize="1" noEditPoints="1" noAdjustHandles="1" noChangeArrowheads="1" noChangeShapeType="1"/>
+          </p:cNvCxnSpPr>
+          <p:nvPr>
+            <p:extLst>
+              <p:ext uri="{386F3935-93C4-4BCD-93E2-E3B085C9AB24}">
+                <p16:designElem xmlns:p16="http://schemas.microsoft.com/office/powerpoint/2015/main" val="1"/>
+              </p:ext>
+            </p:extLst>
+          </p:nvPr>
+        </p:nvCxnSpPr>
+        <p:spPr>
+          <a:xfrm>
+            <a:off x="1207658" y="4343400"/>
+            <a:ext cx="9875520" cy="0"/>
+          </a:xfrm>
+          <a:prstGeom prst="line">
+            <a:avLst/>
+          </a:prstGeom>
+          <a:ln w="6350">
+            <a:solidFill>
+              <a:schemeClr val="tx1">
+                <a:lumMod val="50000"/>
+                <a:lumOff val="50000"/>
+              </a:schemeClr>
+            </a:solidFill>
+          </a:ln>
+        </p:spPr>
+        <p:style>
+          <a:lnRef idx="1">
+            <a:schemeClr val="accent1"/>
+          </a:lnRef>
+          <a:fillRef idx="0">
+            <a:schemeClr val="accent1"/>
+          </a:fillRef>
+          <a:effectRef idx="0">
+            <a:schemeClr val="accent1"/>
+          </a:effectRef>
+          <a:fontRef idx="minor">
+            <a:schemeClr val="tx1"/>
+          </a:fontRef>
+        </p:style>
+      </p:cxnSp>
+      <p:sp useBgFill="1">
+        <p:nvSpPr>
+          <p:cNvPr id="16" name="Rectangle 15">
+            <a:extLst>
+              <a:ext uri="{FF2B5EF4-FFF2-40B4-BE49-F238E27FC236}">
+                <a16:creationId xmlns:a16="http://schemas.microsoft.com/office/drawing/2014/main" id="{FA4CD5CB-D209-4D70-8CA4-629731C59219}"/>
+              </a:ext>
+              <a:ext uri="{C183D7F6-B498-43B3-948B-1728B52AA6E4}">
+                <adec:decorative xmlns:adec="http://schemas.microsoft.com/office/drawing/2017/decorative" val="1"/>
+              </a:ext>
+            </a:extLst>
+          </p:cNvPr>
+          <p:cNvSpPr>
+            <a:spLocks noGrp="1" noRot="1" noChangeAspect="1" noMove="1" noResize="1" noEditPoints="1" noAdjustHandles="1" noChangeArrowheads="1" noChangeShapeType="1" noTextEdit="1"/>
+          </p:cNvSpPr>
+          <p:nvPr>
+            <p:extLst>
+              <p:ext uri="{386F3935-93C4-4BCD-93E2-E3B085C9AB24}">
+                <p16:designElem xmlns:p16="http://schemas.microsoft.com/office/powerpoint/2015/main" val="1"/>
+              </p:ext>
+            </p:extLst>
+          </p:nvPr>
+        </p:nvSpPr>
+        <p:spPr>
+          <a:xfrm>
+            <a:off x="0" y="0"/>
+            <a:ext cx="12192001" cy="6334316"/>
+          </a:xfrm>
+          <a:prstGeom prst="rect">
+            <a:avLst/>
+          </a:prstGeom>
+          <a:ln>
+            <a:noFill/>
+          </a:ln>
+        </p:spPr>
+        <p:style>
+          <a:lnRef idx="2">
+            <a:schemeClr val="accent1">
+              <a:shade val="50000"/>
+            </a:schemeClr>
+          </a:lnRef>
+          <a:fillRef idx="1">
+            <a:schemeClr val="accent1"/>
+          </a:fillRef>
+          <a:effectRef idx="0">
+            <a:schemeClr val="accent1"/>
+          </a:effectRef>
+          <a:fontRef idx="minor">
+            <a:schemeClr val="lt1"/>
+          </a:fontRef>
+        </p:style>
+        <p:txBody>
+          <a:bodyPr rtlCol="0" anchor="ctr"/>
+          <a:lstStyle/>
+          <a:p>
+            <a:pPr algn="ctr"/>
+            <a:endParaRPr lang="en-US"/>
+          </a:p>
+        </p:txBody>
+      </p:sp>
+      <p:sp>
+        <p:nvSpPr>
+          <p:cNvPr id="2" name="Title 1">
+            <a:extLst>
+              <a:ext uri="{FF2B5EF4-FFF2-40B4-BE49-F238E27FC236}">
+                <a16:creationId xmlns:a16="http://schemas.microsoft.com/office/drawing/2014/main" id="{1D089AA2-066B-4261-AB5D-07B4856E2AE5}"/>
+              </a:ext>
+            </a:extLst>
+          </p:cNvPr>
+          <p:cNvSpPr>
+            <a:spLocks noGrp="1"/>
+          </p:cNvSpPr>
+          <p:nvPr>
+            <p:ph type="title"/>
+          </p:nvPr>
+        </p:nvSpPr>
+        <p:spPr>
+          <a:xfrm>
+            <a:off x="8141110" y="639097"/>
+            <a:ext cx="3401961" cy="3686015"/>
+          </a:xfrm>
+        </p:spPr>
+        <p:txBody>
+          <a:bodyPr vert="horz" lIns="91440" tIns="45720" rIns="91440" bIns="45720" rtlCol="0" anchor="b">
+            <a:normAutofit/>
+          </a:bodyPr>
+          <a:lstStyle/>
+          <a:p>
+            <a:r>
+              <a:rPr lang="en-US" sz="6600">
+                <a:solidFill>
+                  <a:schemeClr val="tx1">
+                    <a:lumMod val="85000"/>
+                    <a:lumOff val="15000"/>
+                  </a:schemeClr>
+                </a:solidFill>
+              </a:rPr>
+              <a:t>Xem khuyến mãi</a:t>
+            </a:r>
+          </a:p>
+        </p:txBody>
+      </p:sp>
+      <p:pic>
+        <p:nvPicPr>
+          <p:cNvPr id="5" name="Picture 5" descr="Diagram, schematic&#10;&#10;Description automatically generated">
+            <a:extLst>
+              <a:ext uri="{FF2B5EF4-FFF2-40B4-BE49-F238E27FC236}">
+                <a16:creationId xmlns:a16="http://schemas.microsoft.com/office/drawing/2014/main" id="{113EB94B-F9F0-49B3-A45A-9FE6B0AA421A}"/>
+              </a:ext>
+            </a:extLst>
+          </p:cNvPr>
+          <p:cNvPicPr>
+            <a:picLocks noGrp="1" noChangeAspect="1"/>
+          </p:cNvPicPr>
+          <p:nvPr>
+            <p:ph sz="quarter" idx="13"/>
+          </p:nvPr>
+        </p:nvPicPr>
+        <p:blipFill>
+          <a:blip r:embed="rId2"/>
+          <a:stretch>
+            <a:fillRect/>
+          </a:stretch>
+        </p:blipFill>
+        <p:spPr>
+          <a:xfrm>
+            <a:off x="633999" y="1015732"/>
+            <a:ext cx="6912217" cy="4302854"/>
+          </a:xfrm>
+          <a:prstGeom prst="rect">
+            <a:avLst/>
+          </a:prstGeom>
+        </p:spPr>
+      </p:pic>
+      <p:cxnSp>
+        <p:nvCxnSpPr>
+          <p:cNvPr id="18" name="Straight Connector 17">
+            <a:extLst>
+              <a:ext uri="{FF2B5EF4-FFF2-40B4-BE49-F238E27FC236}">
+                <a16:creationId xmlns:a16="http://schemas.microsoft.com/office/drawing/2014/main" id="{5C6A2BAE-B461-4B55-8E1F-0722ABDD1393}"/>
+              </a:ext>
+              <a:ext uri="{C183D7F6-B498-43B3-948B-1728B52AA6E4}">
+                <adec:decorative xmlns:adec="http://schemas.microsoft.com/office/drawing/2017/decorative" val="1"/>
+              </a:ext>
+            </a:extLst>
+          </p:cNvPr>
+          <p:cNvCxnSpPr>
+            <a:cxnSpLocks noGrp="1" noRot="1" noChangeAspect="1" noMove="1" noResize="1" noEditPoints="1" noAdjustHandles="1" noChangeArrowheads="1" noChangeShapeType="1"/>
+          </p:cNvCxnSpPr>
+          <p:nvPr>
+            <p:extLst>
+              <p:ext uri="{386F3935-93C4-4BCD-93E2-E3B085C9AB24}">
+                <p16:designElem xmlns:p16="http://schemas.microsoft.com/office/powerpoint/2015/main" val="1"/>
+              </p:ext>
+            </p:extLst>
+          </p:nvPr>
+        </p:nvCxnSpPr>
+        <p:spPr>
+          <a:xfrm>
+            <a:off x="8209305" y="4343400"/>
+            <a:ext cx="3200400" cy="0"/>
+          </a:xfrm>
+          <a:prstGeom prst="line">
+            <a:avLst/>
+          </a:prstGeom>
+          <a:ln w="6350">
+            <a:solidFill>
+              <a:schemeClr val="tx2">
+                <a:alpha val="90000"/>
+              </a:schemeClr>
+            </a:solidFill>
+          </a:ln>
+        </p:spPr>
+        <p:style>
+          <a:lnRef idx="1">
+            <a:schemeClr val="accent1"/>
+          </a:lnRef>
+          <a:fillRef idx="0">
+            <a:schemeClr val="accent1"/>
+          </a:fillRef>
+          <a:effectRef idx="0">
+            <a:schemeClr val="accent1"/>
+          </a:effectRef>
+          <a:fontRef idx="minor">
+            <a:schemeClr val="tx1"/>
+          </a:fontRef>
+        </p:style>
+      </p:cxnSp>
+      <p:sp>
+        <p:nvSpPr>
+          <p:cNvPr id="20" name="Rectangle 19">
+            <a:extLst>
+              <a:ext uri="{FF2B5EF4-FFF2-40B4-BE49-F238E27FC236}">
+                <a16:creationId xmlns:a16="http://schemas.microsoft.com/office/drawing/2014/main" id="{B4C27B90-DF2B-4D00-BA07-18ED774CD2F1}"/>
+              </a:ext>
+              <a:ext uri="{C183D7F6-B498-43B3-948B-1728B52AA6E4}">
+                <adec:decorative xmlns:adec="http://schemas.microsoft.com/office/drawing/2017/decorative" val="1"/>
+              </a:ext>
+            </a:extLst>
+          </p:cNvPr>
+          <p:cNvSpPr>
+            <a:spLocks noGrp="1" noRot="1" noChangeAspect="1" noMove="1" noResize="1" noEditPoints="1" noAdjustHandles="1" noChangeArrowheads="1" noChangeShapeType="1" noTextEdit="1"/>
+          </p:cNvSpPr>
+          <p:nvPr>
+            <p:extLst>
+              <p:ext uri="{386F3935-93C4-4BCD-93E2-E3B085C9AB24}">
+                <p16:designElem xmlns:p16="http://schemas.microsoft.com/office/powerpoint/2015/main" val="1"/>
+              </p:ext>
+            </p:extLst>
+          </p:nvPr>
+        </p:nvSpPr>
+        <p:spPr>
+          <a:xfrm>
+            <a:off x="15" y="6334316"/>
+            <a:ext cx="12191985" cy="66484"/>
+          </a:xfrm>
+          <a:prstGeom prst="rect">
+            <a:avLst/>
+          </a:prstGeom>
+          <a:solidFill>
+            <a:schemeClr val="accent1"/>
+          </a:solidFill>
+          <a:ln>
+            <a:noFill/>
+          </a:ln>
+        </p:spPr>
+        <p:style>
+          <a:lnRef idx="2">
+            <a:schemeClr val="accent1">
+              <a:shade val="50000"/>
+            </a:schemeClr>
+          </a:lnRef>
+          <a:fillRef idx="1">
+            <a:schemeClr val="accent1"/>
+          </a:fillRef>
+          <a:effectRef idx="0">
+            <a:schemeClr val="accent1"/>
+          </a:effectRef>
+          <a:fontRef idx="minor">
+            <a:schemeClr val="lt1"/>
+          </a:fontRef>
+        </p:style>
+      </p:sp>
+      <p:sp>
+        <p:nvSpPr>
+          <p:cNvPr id="22" name="Rectangle 21">
+            <a:extLst>
+              <a:ext uri="{FF2B5EF4-FFF2-40B4-BE49-F238E27FC236}">
+                <a16:creationId xmlns:a16="http://schemas.microsoft.com/office/drawing/2014/main" id="{593ACC25-C262-417A-8AA9-0641C772BDB6}"/>
+              </a:ext>
+              <a:ext uri="{C183D7F6-B498-43B3-948B-1728B52AA6E4}">
+                <adec:decorative xmlns:adec="http://schemas.microsoft.com/office/drawing/2017/decorative" val="1"/>
+              </a:ext>
+            </a:extLst>
+          </p:cNvPr>
+          <p:cNvSpPr>
+            <a:spLocks noGrp="1" noRot="1" noChangeAspect="1" noMove="1" noResize="1" noEditPoints="1" noAdjustHandles="1" noChangeArrowheads="1" noChangeShapeType="1" noTextEdit="1"/>
+          </p:cNvSpPr>
+          <p:nvPr>
+            <p:extLst>
+              <p:ext uri="{386F3935-93C4-4BCD-93E2-E3B085C9AB24}">
+                <p16:designElem xmlns:p16="http://schemas.microsoft.com/office/powerpoint/2015/main" val="1"/>
+              </p:ext>
+            </p:extLst>
+          </p:nvPr>
+        </p:nvSpPr>
+        <p:spPr>
+          <a:xfrm>
+            <a:off x="1" y="6400800"/>
+            <a:ext cx="12192000" cy="457200"/>
+          </a:xfrm>
+          <a:prstGeom prst="rect">
+            <a:avLst/>
+          </a:prstGeom>
+          <a:solidFill>
+            <a:schemeClr val="accent2"/>
+          </a:solidFill>
+          <a:ln>
+            <a:noFill/>
+          </a:ln>
+        </p:spPr>
+        <p:style>
+          <a:lnRef idx="2">
+            <a:schemeClr val="accent1">
+              <a:shade val="50000"/>
+            </a:schemeClr>
+          </a:lnRef>
+          <a:fillRef idx="1">
+            <a:schemeClr val="accent1"/>
+          </a:fillRef>
+          <a:effectRef idx="0">
+            <a:schemeClr val="accent1"/>
+          </a:effectRef>
+          <a:fontRef idx="minor">
+            <a:schemeClr val="lt1"/>
+          </a:fontRef>
+        </p:style>
+      </p:sp>
+      <p:sp>
+        <p:nvSpPr>
+          <p:cNvPr id="4" name="Slide Number Placeholder 3">
+            <a:extLst>
+              <a:ext uri="{FF2B5EF4-FFF2-40B4-BE49-F238E27FC236}">
+                <a16:creationId xmlns:a16="http://schemas.microsoft.com/office/drawing/2014/main" id="{7743B9EC-989C-4DFD-89CF-5AB3B4E1959E}"/>
+              </a:ext>
+            </a:extLst>
+          </p:cNvPr>
+          <p:cNvSpPr>
+            <a:spLocks noGrp="1"/>
+          </p:cNvSpPr>
+          <p:nvPr>
+            <p:ph type="sldNum" sz="quarter" idx="12"/>
+          </p:nvPr>
+        </p:nvSpPr>
+        <p:spPr>
+          <a:xfrm>
+            <a:off x="9900458" y="6459785"/>
+            <a:ext cx="1312025" cy="365125"/>
+          </a:xfrm>
+        </p:spPr>
+        <p:txBody>
+          <a:bodyPr vert="horz" lIns="91440" tIns="45720" rIns="91440" bIns="45720" rtlCol="0" anchor="ctr">
+            <a:normAutofit/>
+          </a:bodyPr>
+          <a:lstStyle/>
+          <a:p>
+            <a:pPr defTabSz="914400">
+              <a:spcAft>
+                <a:spcPts val="600"/>
+              </a:spcAft>
+            </a:pPr>
+            <a:fld id="{6D22F896-40B5-4ADD-8801-0D06FADFA095}" type="slidenum">
+              <a:rPr lang="en-US" dirty="0"/>
+              <a:pPr defTabSz="914400">
+                <a:spcAft>
+                  <a:spcPts val="600"/>
+                </a:spcAft>
+              </a:pPr>
+              <a:t>12</a:t>
+            </a:fld>
+            <a:endParaRPr lang="en-US"/>
+          </a:p>
+        </p:txBody>
+      </p:sp>
+    </p:spTree>
+    <p:extLst>
+      <p:ext uri="{BB962C8B-B14F-4D97-AF65-F5344CB8AC3E}">
+        <p14:creationId xmlns:p14="http://schemas.microsoft.com/office/powerpoint/2010/main" val="619985121"/>
+      </p:ext>
+    </p:extLst>
+  </p:cSld>
+  <p:clrMapOvr>
+    <a:masterClrMapping/>
+  </p:clrMapOvr>
+</p:sld>
+</file>
+
+<file path=ppt/slides/slide13.xml><?xml version="1.0" encoding="utf-8"?>
+<p:sld xmlns:a="http://schemas.openxmlformats.org/drawingml/2006/main" xmlns:r="http://schemas.openxmlformats.org/officeDocument/2006/relationships" xmlns:p="http://schemas.openxmlformats.org/presentationml/2006/main">
+  <p:cSld>
+    <p:bg>
+      <p:bgPr>
+        <a:solidFill>
+          <a:schemeClr val="bg1"/>
+        </a:solidFill>
+        <a:effectLst/>
+      </p:bgPr>
+    </p:bg>
+    <p:spTree>
+      <p:nvGrpSpPr>
+        <p:cNvPr id="1" name=""/>
+        <p:cNvGrpSpPr/>
+        <p:nvPr/>
+      </p:nvGrpSpPr>
+      <p:grpSpPr>
+        <a:xfrm>
+          <a:off x="0" y="0"/>
+          <a:ext cx="0" cy="0"/>
+          <a:chOff x="0" y="0"/>
+          <a:chExt cx="0" cy="0"/>
+        </a:xfrm>
+      </p:grpSpPr>
+      <p:sp>
+        <p:nvSpPr>
+          <p:cNvPr id="26" name="Rectangle 10">
+            <a:extLst>
+              <a:ext uri="{FF2B5EF4-FFF2-40B4-BE49-F238E27FC236}">
+                <a16:creationId xmlns:a16="http://schemas.microsoft.com/office/drawing/2014/main" id="{4E4490D0-3672-446A-AC12-B4830333BDDD}"/>
+              </a:ext>
+              <a:ext uri="{C183D7F6-B498-43B3-948B-1728B52AA6E4}">
+                <adec:decorative xmlns:adec="http://schemas.microsoft.com/office/drawing/2017/decorative" val="1"/>
+              </a:ext>
+            </a:extLst>
+          </p:cNvPr>
+          <p:cNvSpPr>
+            <a:spLocks noGrp="1" noRot="1" noChangeAspect="1" noMove="1" noResize="1" noEditPoints="1" noAdjustHandles="1" noChangeArrowheads="1" noChangeShapeType="1" noTextEdit="1"/>
+          </p:cNvSpPr>
+          <p:nvPr>
+            <p:extLst>
+              <p:ext uri="{386F3935-93C4-4BCD-93E2-E3B085C9AB24}">
+                <p16:designElem xmlns:p16="http://schemas.microsoft.com/office/powerpoint/2015/main" val="1"/>
+              </p:ext>
+            </p:extLst>
+          </p:nvPr>
+        </p:nvSpPr>
+        <p:spPr>
+          <a:xfrm>
+            <a:off x="3175" y="6400800"/>
+            <a:ext cx="12188825" cy="457200"/>
+          </a:xfrm>
+          <a:prstGeom prst="rect">
+            <a:avLst/>
+          </a:prstGeom>
+          <a:solidFill>
+            <a:schemeClr val="accent2"/>
+          </a:solidFill>
+          <a:ln>
+            <a:noFill/>
+          </a:ln>
+        </p:spPr>
+        <p:style>
+          <a:lnRef idx="2">
+            <a:schemeClr val="accent1">
+              <a:shade val="50000"/>
+            </a:schemeClr>
+          </a:lnRef>
+          <a:fillRef idx="1">
+            <a:schemeClr val="accent1"/>
+          </a:fillRef>
+          <a:effectRef idx="0">
+            <a:schemeClr val="accent1"/>
+          </a:effectRef>
+          <a:fontRef idx="minor">
+            <a:schemeClr val="lt1"/>
+          </a:fontRef>
+        </p:style>
+      </p:sp>
+      <p:sp>
+        <p:nvSpPr>
+          <p:cNvPr id="27" name="Rectangle 12">
+            <a:extLst>
+              <a:ext uri="{FF2B5EF4-FFF2-40B4-BE49-F238E27FC236}">
+                <a16:creationId xmlns:a16="http://schemas.microsoft.com/office/drawing/2014/main" id="{39CB82C2-DF65-4EC1-8280-F201D50F570B}"/>
+              </a:ext>
+              <a:ext uri="{C183D7F6-B498-43B3-948B-1728B52AA6E4}">
+                <adec:decorative xmlns:adec="http://schemas.microsoft.com/office/drawing/2017/decorative" val="1"/>
+              </a:ext>
+            </a:extLst>
+          </p:cNvPr>
+          <p:cNvSpPr>
+            <a:spLocks noGrp="1" noRot="1" noChangeAspect="1" noMove="1" noResize="1" noEditPoints="1" noAdjustHandles="1" noChangeArrowheads="1" noChangeShapeType="1" noTextEdit="1"/>
+          </p:cNvSpPr>
+          <p:nvPr>
+            <p:extLst>
+              <p:ext uri="{386F3935-93C4-4BCD-93E2-E3B085C9AB24}">
+                <p16:designElem xmlns:p16="http://schemas.microsoft.com/office/powerpoint/2015/main" val="1"/>
+              </p:ext>
+            </p:extLst>
+          </p:nvPr>
+        </p:nvSpPr>
+        <p:spPr>
+          <a:xfrm>
+            <a:off x="15" y="6334316"/>
+            <a:ext cx="12188825" cy="64008"/>
+          </a:xfrm>
+          <a:prstGeom prst="rect">
+            <a:avLst/>
+          </a:prstGeom>
+          <a:solidFill>
+            <a:schemeClr val="accent1"/>
+          </a:solidFill>
+          <a:ln>
+            <a:noFill/>
+          </a:ln>
+        </p:spPr>
+        <p:style>
+          <a:lnRef idx="2">
+            <a:schemeClr val="accent1">
+              <a:shade val="50000"/>
+            </a:schemeClr>
+          </a:lnRef>
+          <a:fillRef idx="1">
+            <a:schemeClr val="accent1"/>
+          </a:fillRef>
+          <a:effectRef idx="0">
+            <a:schemeClr val="accent1"/>
+          </a:effectRef>
+          <a:fontRef idx="minor">
+            <a:schemeClr val="lt1"/>
+          </a:fontRef>
+        </p:style>
+      </p:sp>
+      <p:cxnSp>
+        <p:nvCxnSpPr>
+          <p:cNvPr id="28" name="Straight Connector 14">
+            <a:extLst>
+              <a:ext uri="{FF2B5EF4-FFF2-40B4-BE49-F238E27FC236}">
+                <a16:creationId xmlns:a16="http://schemas.microsoft.com/office/drawing/2014/main" id="{7E1D4427-852B-4B37-8E76-0E9F1810BA2A}"/>
+              </a:ext>
+              <a:ext uri="{C183D7F6-B498-43B3-948B-1728B52AA6E4}">
+                <adec:decorative xmlns:adec="http://schemas.microsoft.com/office/drawing/2017/decorative" val="1"/>
+              </a:ext>
+            </a:extLst>
+          </p:cNvPr>
+          <p:cNvCxnSpPr>
+            <a:cxnSpLocks noGrp="1" noRot="1" noChangeAspect="1" noMove="1" noResize="1" noEditPoints="1" noAdjustHandles="1" noChangeArrowheads="1" noChangeShapeType="1"/>
+          </p:cNvCxnSpPr>
+          <p:nvPr>
+            <p:extLst>
+              <p:ext uri="{386F3935-93C4-4BCD-93E2-E3B085C9AB24}">
+                <p16:designElem xmlns:p16="http://schemas.microsoft.com/office/powerpoint/2015/main" val="1"/>
+              </p:ext>
+            </p:extLst>
+          </p:nvPr>
+        </p:nvCxnSpPr>
+        <p:spPr>
+          <a:xfrm>
+            <a:off x="1207658" y="4343400"/>
+            <a:ext cx="9875520" cy="0"/>
+          </a:xfrm>
+          <a:prstGeom prst="line">
+            <a:avLst/>
+          </a:prstGeom>
+          <a:ln w="6350">
+            <a:solidFill>
+              <a:schemeClr val="tx1">
+                <a:lumMod val="50000"/>
+                <a:lumOff val="50000"/>
+              </a:schemeClr>
+            </a:solidFill>
+          </a:ln>
+        </p:spPr>
+        <p:style>
+          <a:lnRef idx="1">
+            <a:schemeClr val="accent1"/>
+          </a:lnRef>
+          <a:fillRef idx="0">
+            <a:schemeClr val="accent1"/>
+          </a:fillRef>
+          <a:effectRef idx="0">
+            <a:schemeClr val="accent1"/>
+          </a:effectRef>
+          <a:fontRef idx="minor">
+            <a:schemeClr val="tx1"/>
+          </a:fontRef>
+        </p:style>
+      </p:cxnSp>
+      <p:sp useBgFill="1">
+        <p:nvSpPr>
+          <p:cNvPr id="29" name="Rectangle 16">
+            <a:extLst>
+              <a:ext uri="{FF2B5EF4-FFF2-40B4-BE49-F238E27FC236}">
+                <a16:creationId xmlns:a16="http://schemas.microsoft.com/office/drawing/2014/main" id="{FA4CD5CB-D209-4D70-8CA4-629731C59219}"/>
+              </a:ext>
+              <a:ext uri="{C183D7F6-B498-43B3-948B-1728B52AA6E4}">
+                <adec:decorative xmlns:adec="http://schemas.microsoft.com/office/drawing/2017/decorative" val="1"/>
+              </a:ext>
+            </a:extLst>
+          </p:cNvPr>
+          <p:cNvSpPr>
+            <a:spLocks noGrp="1" noRot="1" noChangeAspect="1" noMove="1" noResize="1" noEditPoints="1" noAdjustHandles="1" noChangeArrowheads="1" noChangeShapeType="1" noTextEdit="1"/>
+          </p:cNvSpPr>
+          <p:nvPr>
+            <p:extLst>
+              <p:ext uri="{386F3935-93C4-4BCD-93E2-E3B085C9AB24}">
+                <p16:designElem xmlns:p16="http://schemas.microsoft.com/office/powerpoint/2015/main" val="1"/>
+              </p:ext>
+            </p:extLst>
+          </p:nvPr>
+        </p:nvSpPr>
+        <p:spPr>
+          <a:xfrm>
+            <a:off x="0" y="0"/>
+            <a:ext cx="12192001" cy="6334316"/>
+          </a:xfrm>
+          <a:prstGeom prst="rect">
+            <a:avLst/>
+          </a:prstGeom>
+          <a:ln>
+            <a:noFill/>
+          </a:ln>
+        </p:spPr>
+        <p:style>
+          <a:lnRef idx="2">
+            <a:schemeClr val="accent1">
+              <a:shade val="50000"/>
+            </a:schemeClr>
+          </a:lnRef>
+          <a:fillRef idx="1">
+            <a:schemeClr val="accent1"/>
+          </a:fillRef>
+          <a:effectRef idx="0">
+            <a:schemeClr val="accent1"/>
+          </a:effectRef>
+          <a:fontRef idx="minor">
+            <a:schemeClr val="lt1"/>
+          </a:fontRef>
+        </p:style>
+        <p:txBody>
+          <a:bodyPr rtlCol="0" anchor="ctr"/>
+          <a:lstStyle/>
+          <a:p>
+            <a:pPr algn="ctr"/>
+            <a:endParaRPr lang="en-US"/>
+          </a:p>
+        </p:txBody>
+      </p:sp>
+      <p:sp>
+        <p:nvSpPr>
+          <p:cNvPr id="2" name="Title 1">
+            <a:extLst>
+              <a:ext uri="{FF2B5EF4-FFF2-40B4-BE49-F238E27FC236}">
+                <a16:creationId xmlns:a16="http://schemas.microsoft.com/office/drawing/2014/main" id="{1D089AA2-066B-4261-AB5D-07B4856E2AE5}"/>
+              </a:ext>
+            </a:extLst>
+          </p:cNvPr>
+          <p:cNvSpPr>
+            <a:spLocks noGrp="1"/>
+          </p:cNvSpPr>
+          <p:nvPr>
+            <p:ph type="title"/>
+          </p:nvPr>
+        </p:nvSpPr>
+        <p:spPr>
+          <a:xfrm>
+            <a:off x="8141110" y="639097"/>
+            <a:ext cx="3401961" cy="3686015"/>
+          </a:xfrm>
+        </p:spPr>
+        <p:txBody>
+          <a:bodyPr vert="horz" lIns="91440" tIns="45720" rIns="91440" bIns="45720" rtlCol="0" anchor="b">
+            <a:normAutofit/>
+          </a:bodyPr>
+          <a:lstStyle/>
+          <a:p>
+            <a:r>
+              <a:rPr lang="en-US" sz="6600">
+                <a:solidFill>
+                  <a:schemeClr val="tx1">
+                    <a:lumMod val="85000"/>
+                    <a:lumOff val="15000"/>
+                  </a:schemeClr>
+                </a:solidFill>
+              </a:rPr>
+              <a:t>Gửi YC hậu mãi</a:t>
+            </a:r>
+          </a:p>
+        </p:txBody>
+      </p:sp>
+      <p:pic>
+        <p:nvPicPr>
+          <p:cNvPr id="6" name="Picture 25" descr="Diagram&#10;&#10;Description automatically generated">
+            <a:extLst>
+              <a:ext uri="{FF2B5EF4-FFF2-40B4-BE49-F238E27FC236}">
+                <a16:creationId xmlns:a16="http://schemas.microsoft.com/office/drawing/2014/main" id="{5FD71C84-4237-4EDA-87F6-EE888FEDB4C3}"/>
+              </a:ext>
+            </a:extLst>
+          </p:cNvPr>
+          <p:cNvPicPr>
+            <a:picLocks noGrp="1" noChangeAspect="1"/>
+          </p:cNvPicPr>
+          <p:nvPr>
+            <p:ph sz="quarter" idx="13"/>
+          </p:nvPr>
+        </p:nvPicPr>
+        <p:blipFill>
+          <a:blip r:embed="rId2"/>
+          <a:stretch>
+            <a:fillRect/>
+          </a:stretch>
+        </p:blipFill>
+        <p:spPr>
+          <a:xfrm>
+            <a:off x="271584" y="1338684"/>
+            <a:ext cx="7934411" cy="4316729"/>
+          </a:xfrm>
+          <a:prstGeom prst="rect">
+            <a:avLst/>
+          </a:prstGeom>
+        </p:spPr>
+      </p:pic>
+      <p:cxnSp>
+        <p:nvCxnSpPr>
+          <p:cNvPr id="30" name="Straight Connector 18">
+            <a:extLst>
+              <a:ext uri="{FF2B5EF4-FFF2-40B4-BE49-F238E27FC236}">
+                <a16:creationId xmlns:a16="http://schemas.microsoft.com/office/drawing/2014/main" id="{5C6A2BAE-B461-4B55-8E1F-0722ABDD1393}"/>
+              </a:ext>
+              <a:ext uri="{C183D7F6-B498-43B3-948B-1728B52AA6E4}">
+                <adec:decorative xmlns:adec="http://schemas.microsoft.com/office/drawing/2017/decorative" val="1"/>
+              </a:ext>
+            </a:extLst>
+          </p:cNvPr>
+          <p:cNvCxnSpPr>
+            <a:cxnSpLocks noGrp="1" noRot="1" noChangeAspect="1" noMove="1" noResize="1" noEditPoints="1" noAdjustHandles="1" noChangeArrowheads="1" noChangeShapeType="1"/>
+          </p:cNvCxnSpPr>
+          <p:nvPr>
+            <p:extLst>
+              <p:ext uri="{386F3935-93C4-4BCD-93E2-E3B085C9AB24}">
+                <p16:designElem xmlns:p16="http://schemas.microsoft.com/office/powerpoint/2015/main" val="1"/>
+              </p:ext>
+            </p:extLst>
+          </p:nvPr>
+        </p:nvCxnSpPr>
+        <p:spPr>
+          <a:xfrm>
+            <a:off x="8209305" y="4343400"/>
+            <a:ext cx="3200400" cy="0"/>
+          </a:xfrm>
+          <a:prstGeom prst="line">
+            <a:avLst/>
+          </a:prstGeom>
+          <a:ln w="6350">
+            <a:solidFill>
+              <a:schemeClr val="tx2">
+                <a:alpha val="90000"/>
+              </a:schemeClr>
+            </a:solidFill>
+          </a:ln>
+        </p:spPr>
+        <p:style>
+          <a:lnRef idx="1">
+            <a:schemeClr val="accent1"/>
+          </a:lnRef>
+          <a:fillRef idx="0">
+            <a:schemeClr val="accent1"/>
+          </a:fillRef>
+          <a:effectRef idx="0">
+            <a:schemeClr val="accent1"/>
+          </a:effectRef>
+          <a:fontRef idx="minor">
+            <a:schemeClr val="tx1"/>
+          </a:fontRef>
+        </p:style>
+      </p:cxnSp>
+      <p:sp>
+        <p:nvSpPr>
+          <p:cNvPr id="31" name="Rectangle 20">
+            <a:extLst>
+              <a:ext uri="{FF2B5EF4-FFF2-40B4-BE49-F238E27FC236}">
+                <a16:creationId xmlns:a16="http://schemas.microsoft.com/office/drawing/2014/main" id="{B4C27B90-DF2B-4D00-BA07-18ED774CD2F1}"/>
+              </a:ext>
+              <a:ext uri="{C183D7F6-B498-43B3-948B-1728B52AA6E4}">
+                <adec:decorative xmlns:adec="http://schemas.microsoft.com/office/drawing/2017/decorative" val="1"/>
+              </a:ext>
+            </a:extLst>
+          </p:cNvPr>
+          <p:cNvSpPr>
+            <a:spLocks noGrp="1" noRot="1" noChangeAspect="1" noMove="1" noResize="1" noEditPoints="1" noAdjustHandles="1" noChangeArrowheads="1" noChangeShapeType="1" noTextEdit="1"/>
+          </p:cNvSpPr>
+          <p:nvPr>
+            <p:extLst>
+              <p:ext uri="{386F3935-93C4-4BCD-93E2-E3B085C9AB24}">
+                <p16:designElem xmlns:p16="http://schemas.microsoft.com/office/powerpoint/2015/main" val="1"/>
+              </p:ext>
+            </p:extLst>
+          </p:nvPr>
+        </p:nvSpPr>
+        <p:spPr>
+          <a:xfrm>
+            <a:off x="15" y="6334316"/>
+            <a:ext cx="12191985" cy="66484"/>
+          </a:xfrm>
+          <a:prstGeom prst="rect">
+            <a:avLst/>
+          </a:prstGeom>
+          <a:solidFill>
+            <a:schemeClr val="accent1"/>
+          </a:solidFill>
+          <a:ln>
+            <a:noFill/>
+          </a:ln>
+        </p:spPr>
+        <p:style>
+          <a:lnRef idx="2">
+            <a:schemeClr val="accent1">
+              <a:shade val="50000"/>
+            </a:schemeClr>
+          </a:lnRef>
+          <a:fillRef idx="1">
+            <a:schemeClr val="accent1"/>
+          </a:fillRef>
+          <a:effectRef idx="0">
+            <a:schemeClr val="accent1"/>
+          </a:effectRef>
+          <a:fontRef idx="minor">
+            <a:schemeClr val="lt1"/>
+          </a:fontRef>
+        </p:style>
+      </p:sp>
+      <p:sp>
+        <p:nvSpPr>
+          <p:cNvPr id="32" name="Rectangle 22">
+            <a:extLst>
+              <a:ext uri="{FF2B5EF4-FFF2-40B4-BE49-F238E27FC236}">
+                <a16:creationId xmlns:a16="http://schemas.microsoft.com/office/drawing/2014/main" id="{593ACC25-C262-417A-8AA9-0641C772BDB6}"/>
+              </a:ext>
+              <a:ext uri="{C183D7F6-B498-43B3-948B-1728B52AA6E4}">
+                <adec:decorative xmlns:adec="http://schemas.microsoft.com/office/drawing/2017/decorative" val="1"/>
+              </a:ext>
+            </a:extLst>
+          </p:cNvPr>
+          <p:cNvSpPr>
+            <a:spLocks noGrp="1" noRot="1" noChangeAspect="1" noMove="1" noResize="1" noEditPoints="1" noAdjustHandles="1" noChangeArrowheads="1" noChangeShapeType="1" noTextEdit="1"/>
+          </p:cNvSpPr>
+          <p:nvPr>
+            <p:extLst>
+              <p:ext uri="{386F3935-93C4-4BCD-93E2-E3B085C9AB24}">
+                <p16:designElem xmlns:p16="http://schemas.microsoft.com/office/powerpoint/2015/main" val="1"/>
+              </p:ext>
+            </p:extLst>
+          </p:nvPr>
+        </p:nvSpPr>
+        <p:spPr>
+          <a:xfrm>
+            <a:off x="1" y="6400800"/>
+            <a:ext cx="12192000" cy="457200"/>
+          </a:xfrm>
+          <a:prstGeom prst="rect">
+            <a:avLst/>
+          </a:prstGeom>
+          <a:solidFill>
+            <a:schemeClr val="accent2"/>
+          </a:solidFill>
+          <a:ln>
+            <a:noFill/>
+          </a:ln>
+        </p:spPr>
+        <p:style>
+          <a:lnRef idx="2">
+            <a:schemeClr val="accent1">
+              <a:shade val="50000"/>
+            </a:schemeClr>
+          </a:lnRef>
+          <a:fillRef idx="1">
+            <a:schemeClr val="accent1"/>
+          </a:fillRef>
+          <a:effectRef idx="0">
+            <a:schemeClr val="accent1"/>
+          </a:effectRef>
+          <a:fontRef idx="minor">
+            <a:schemeClr val="lt1"/>
+          </a:fontRef>
+        </p:style>
+      </p:sp>
+      <p:sp>
+        <p:nvSpPr>
+          <p:cNvPr id="4" name="Slide Number Placeholder 3">
+            <a:extLst>
+              <a:ext uri="{FF2B5EF4-FFF2-40B4-BE49-F238E27FC236}">
+                <a16:creationId xmlns:a16="http://schemas.microsoft.com/office/drawing/2014/main" id="{7743B9EC-989C-4DFD-89CF-5AB3B4E1959E}"/>
+              </a:ext>
+            </a:extLst>
+          </p:cNvPr>
+          <p:cNvSpPr>
+            <a:spLocks noGrp="1"/>
+          </p:cNvSpPr>
+          <p:nvPr>
+            <p:ph type="sldNum" sz="quarter" idx="12"/>
+          </p:nvPr>
+        </p:nvSpPr>
+        <p:spPr>
+          <a:xfrm>
+            <a:off x="9900458" y="6459785"/>
+            <a:ext cx="1312025" cy="365125"/>
+          </a:xfrm>
+        </p:spPr>
+        <p:txBody>
+          <a:bodyPr vert="horz" lIns="91440" tIns="45720" rIns="91440" bIns="45720" rtlCol="0" anchor="ctr">
+            <a:normAutofit/>
+          </a:bodyPr>
+          <a:lstStyle/>
+          <a:p>
+            <a:pPr defTabSz="914400">
+              <a:spcAft>
+                <a:spcPts val="600"/>
+              </a:spcAft>
+            </a:pPr>
+            <a:fld id="{6D22F896-40B5-4ADD-8801-0D06FADFA095}" type="slidenum">
+              <a:rPr lang="en-US" dirty="0"/>
+              <a:pPr defTabSz="914400">
+                <a:spcAft>
+                  <a:spcPts val="600"/>
+                </a:spcAft>
+              </a:pPr>
+              <a:t>13</a:t>
+            </a:fld>
+            <a:endParaRPr lang="en-US"/>
+          </a:p>
+        </p:txBody>
+      </p:sp>
+    </p:spTree>
+    <p:extLst>
+      <p:ext uri="{BB962C8B-B14F-4D97-AF65-F5344CB8AC3E}">
+        <p14:creationId xmlns:p14="http://schemas.microsoft.com/office/powerpoint/2010/main" val="695631241"/>
+      </p:ext>
+    </p:extLst>
+  </p:cSld>
+  <p:clrMapOvr>
+    <a:masterClrMapping/>
+  </p:clrMapOvr>
+</p:sld>
+</file>
+
+<file path=ppt/slides/slide14.xml><?xml version="1.0" encoding="utf-8"?>
+<p:sld xmlns:a="http://schemas.openxmlformats.org/drawingml/2006/main" xmlns:r="http://schemas.openxmlformats.org/officeDocument/2006/relationships" xmlns:p="http://schemas.openxmlformats.org/presentationml/2006/main">
+  <p:cSld>
+    <p:bg>
+      <p:bgPr>
+        <a:solidFill>
+          <a:schemeClr val="bg1"/>
+        </a:solidFill>
+        <a:effectLst/>
+      </p:bgPr>
+    </p:bg>
+    <p:spTree>
+      <p:nvGrpSpPr>
+        <p:cNvPr id="1" name=""/>
+        <p:cNvGrpSpPr/>
+        <p:nvPr/>
+      </p:nvGrpSpPr>
+      <p:grpSpPr>
+        <a:xfrm>
+          <a:off x="0" y="0"/>
+          <a:ext cx="0" cy="0"/>
+          <a:chOff x="0" y="0"/>
+          <a:chExt cx="0" cy="0"/>
+        </a:xfrm>
+      </p:grpSpPr>
+      <p:sp>
+        <p:nvSpPr>
+          <p:cNvPr id="10" name="Rectangle 9">
+            <a:extLst>
+              <a:ext uri="{FF2B5EF4-FFF2-40B4-BE49-F238E27FC236}">
+                <a16:creationId xmlns:a16="http://schemas.microsoft.com/office/drawing/2014/main" id="{4E4490D0-3672-446A-AC12-B4830333BDDD}"/>
+              </a:ext>
+              <a:ext uri="{C183D7F6-B498-43B3-948B-1728B52AA6E4}">
+                <adec:decorative xmlns:adec="http://schemas.microsoft.com/office/drawing/2017/decorative" val="1"/>
+              </a:ext>
+            </a:extLst>
+          </p:cNvPr>
+          <p:cNvSpPr>
+            <a:spLocks noGrp="1" noRot="1" noChangeAspect="1" noMove="1" noResize="1" noEditPoints="1" noAdjustHandles="1" noChangeArrowheads="1" noChangeShapeType="1" noTextEdit="1"/>
+          </p:cNvSpPr>
+          <p:nvPr>
+            <p:extLst>
+              <p:ext uri="{386F3935-93C4-4BCD-93E2-E3B085C9AB24}">
+                <p16:designElem xmlns:p16="http://schemas.microsoft.com/office/powerpoint/2015/main" val="1"/>
+              </p:ext>
+            </p:extLst>
+          </p:nvPr>
+        </p:nvSpPr>
+        <p:spPr>
+          <a:xfrm>
+            <a:off x="3175" y="6400800"/>
+            <a:ext cx="12188825" cy="457200"/>
+          </a:xfrm>
+          <a:prstGeom prst="rect">
+            <a:avLst/>
+          </a:prstGeom>
+          <a:solidFill>
+            <a:schemeClr val="accent2"/>
+          </a:solidFill>
+          <a:ln>
+            <a:noFill/>
+          </a:ln>
+        </p:spPr>
+        <p:style>
+          <a:lnRef idx="2">
+            <a:schemeClr val="accent1">
+              <a:shade val="50000"/>
+            </a:schemeClr>
+          </a:lnRef>
+          <a:fillRef idx="1">
+            <a:schemeClr val="accent1"/>
+          </a:fillRef>
+          <a:effectRef idx="0">
+            <a:schemeClr val="accent1"/>
+          </a:effectRef>
+          <a:fontRef idx="minor">
+            <a:schemeClr val="lt1"/>
+          </a:fontRef>
+        </p:style>
+      </p:sp>
+      <p:sp>
+        <p:nvSpPr>
+          <p:cNvPr id="12" name="Rectangle 11">
+            <a:extLst>
+              <a:ext uri="{FF2B5EF4-FFF2-40B4-BE49-F238E27FC236}">
+                <a16:creationId xmlns:a16="http://schemas.microsoft.com/office/drawing/2014/main" id="{39CB82C2-DF65-4EC1-8280-F201D50F570B}"/>
+              </a:ext>
+              <a:ext uri="{C183D7F6-B498-43B3-948B-1728B52AA6E4}">
+                <adec:decorative xmlns:adec="http://schemas.microsoft.com/office/drawing/2017/decorative" val="1"/>
+              </a:ext>
+            </a:extLst>
+          </p:cNvPr>
+          <p:cNvSpPr>
+            <a:spLocks noGrp="1" noRot="1" noChangeAspect="1" noMove="1" noResize="1" noEditPoints="1" noAdjustHandles="1" noChangeArrowheads="1" noChangeShapeType="1" noTextEdit="1"/>
+          </p:cNvSpPr>
+          <p:nvPr>
+            <p:extLst>
+              <p:ext uri="{386F3935-93C4-4BCD-93E2-E3B085C9AB24}">
+                <p16:designElem xmlns:p16="http://schemas.microsoft.com/office/powerpoint/2015/main" val="1"/>
+              </p:ext>
+            </p:extLst>
+          </p:nvPr>
+        </p:nvSpPr>
+        <p:spPr>
+          <a:xfrm>
+            <a:off x="15" y="6334316"/>
+            <a:ext cx="12188825" cy="64008"/>
+          </a:xfrm>
+          <a:prstGeom prst="rect">
+            <a:avLst/>
+          </a:prstGeom>
+          <a:solidFill>
+            <a:schemeClr val="accent1"/>
+          </a:solidFill>
+          <a:ln>
+            <a:noFill/>
+          </a:ln>
+        </p:spPr>
+        <p:style>
+          <a:lnRef idx="2">
+            <a:schemeClr val="accent1">
+              <a:shade val="50000"/>
+            </a:schemeClr>
+          </a:lnRef>
+          <a:fillRef idx="1">
+            <a:schemeClr val="accent1"/>
+          </a:fillRef>
+          <a:effectRef idx="0">
+            <a:schemeClr val="accent1"/>
+          </a:effectRef>
+          <a:fontRef idx="minor">
+            <a:schemeClr val="lt1"/>
+          </a:fontRef>
+        </p:style>
+      </p:sp>
+      <p:cxnSp>
+        <p:nvCxnSpPr>
+          <p:cNvPr id="14" name="Straight Connector 13">
+            <a:extLst>
+              <a:ext uri="{FF2B5EF4-FFF2-40B4-BE49-F238E27FC236}">
+                <a16:creationId xmlns:a16="http://schemas.microsoft.com/office/drawing/2014/main" id="{7E1D4427-852B-4B37-8E76-0E9F1810BA2A}"/>
+              </a:ext>
+              <a:ext uri="{C183D7F6-B498-43B3-948B-1728B52AA6E4}">
+                <adec:decorative xmlns:adec="http://schemas.microsoft.com/office/drawing/2017/decorative" val="1"/>
+              </a:ext>
+            </a:extLst>
+          </p:cNvPr>
+          <p:cNvCxnSpPr>
+            <a:cxnSpLocks noGrp="1" noRot="1" noChangeAspect="1" noMove="1" noResize="1" noEditPoints="1" noAdjustHandles="1" noChangeArrowheads="1" noChangeShapeType="1"/>
+          </p:cNvCxnSpPr>
+          <p:nvPr>
+            <p:extLst>
+              <p:ext uri="{386F3935-93C4-4BCD-93E2-E3B085C9AB24}">
+                <p16:designElem xmlns:p16="http://schemas.microsoft.com/office/powerpoint/2015/main" val="1"/>
+              </p:ext>
+            </p:extLst>
+          </p:nvPr>
+        </p:nvCxnSpPr>
+        <p:spPr>
+          <a:xfrm>
+            <a:off x="1207658" y="4343400"/>
+            <a:ext cx="9875520" cy="0"/>
+          </a:xfrm>
+          <a:prstGeom prst="line">
+            <a:avLst/>
+          </a:prstGeom>
+          <a:ln w="6350">
+            <a:solidFill>
+              <a:schemeClr val="tx1">
+                <a:lumMod val="50000"/>
+                <a:lumOff val="50000"/>
+              </a:schemeClr>
+            </a:solidFill>
+          </a:ln>
+        </p:spPr>
+        <p:style>
+          <a:lnRef idx="1">
+            <a:schemeClr val="accent1"/>
+          </a:lnRef>
+          <a:fillRef idx="0">
+            <a:schemeClr val="accent1"/>
+          </a:fillRef>
+          <a:effectRef idx="0">
+            <a:schemeClr val="accent1"/>
+          </a:effectRef>
+          <a:fontRef idx="minor">
+            <a:schemeClr val="tx1"/>
+          </a:fontRef>
+        </p:style>
+      </p:cxnSp>
+      <p:sp useBgFill="1">
+        <p:nvSpPr>
+          <p:cNvPr id="16" name="Rectangle 15">
+            <a:extLst>
+              <a:ext uri="{FF2B5EF4-FFF2-40B4-BE49-F238E27FC236}">
+                <a16:creationId xmlns:a16="http://schemas.microsoft.com/office/drawing/2014/main" id="{FA4CD5CB-D209-4D70-8CA4-629731C59219}"/>
+              </a:ext>
+              <a:ext uri="{C183D7F6-B498-43B3-948B-1728B52AA6E4}">
+                <adec:decorative xmlns:adec="http://schemas.microsoft.com/office/drawing/2017/decorative" val="1"/>
+              </a:ext>
+            </a:extLst>
+          </p:cNvPr>
+          <p:cNvSpPr>
+            <a:spLocks noGrp="1" noRot="1" noChangeAspect="1" noMove="1" noResize="1" noEditPoints="1" noAdjustHandles="1" noChangeArrowheads="1" noChangeShapeType="1" noTextEdit="1"/>
+          </p:cNvSpPr>
+          <p:nvPr>
+            <p:extLst>
+              <p:ext uri="{386F3935-93C4-4BCD-93E2-E3B085C9AB24}">
+                <p16:designElem xmlns:p16="http://schemas.microsoft.com/office/powerpoint/2015/main" val="1"/>
+              </p:ext>
+            </p:extLst>
+          </p:nvPr>
+        </p:nvSpPr>
+        <p:spPr>
+          <a:xfrm>
+            <a:off x="0" y="0"/>
+            <a:ext cx="12192001" cy="6334316"/>
+          </a:xfrm>
+          <a:prstGeom prst="rect">
+            <a:avLst/>
+          </a:prstGeom>
+          <a:ln>
+            <a:noFill/>
+          </a:ln>
+        </p:spPr>
+        <p:style>
+          <a:lnRef idx="2">
+            <a:schemeClr val="accent1">
+              <a:shade val="50000"/>
+            </a:schemeClr>
+          </a:lnRef>
+          <a:fillRef idx="1">
+            <a:schemeClr val="accent1"/>
+          </a:fillRef>
+          <a:effectRef idx="0">
+            <a:schemeClr val="accent1"/>
+          </a:effectRef>
+          <a:fontRef idx="minor">
+            <a:schemeClr val="lt1"/>
+          </a:fontRef>
+        </p:style>
+        <p:txBody>
+          <a:bodyPr rtlCol="0" anchor="ctr"/>
+          <a:lstStyle/>
+          <a:p>
+            <a:pPr algn="ctr"/>
+            <a:endParaRPr lang="en-US"/>
+          </a:p>
+        </p:txBody>
+      </p:sp>
+      <p:sp>
+        <p:nvSpPr>
+          <p:cNvPr id="2" name="Title 1">
+            <a:extLst>
+              <a:ext uri="{FF2B5EF4-FFF2-40B4-BE49-F238E27FC236}">
+                <a16:creationId xmlns:a16="http://schemas.microsoft.com/office/drawing/2014/main" id="{1D089AA2-066B-4261-AB5D-07B4856E2AE5}"/>
+              </a:ext>
+            </a:extLst>
+          </p:cNvPr>
+          <p:cNvSpPr>
+            <a:spLocks noGrp="1"/>
+          </p:cNvSpPr>
+          <p:nvPr>
+            <p:ph type="title"/>
+          </p:nvPr>
+        </p:nvSpPr>
+        <p:spPr>
+          <a:xfrm>
+            <a:off x="8141110" y="639097"/>
+            <a:ext cx="3401961" cy="3686015"/>
+          </a:xfrm>
+        </p:spPr>
+        <p:txBody>
+          <a:bodyPr vert="horz" lIns="91440" tIns="45720" rIns="91440" bIns="45720" rtlCol="0" anchor="b">
+            <a:normAutofit/>
+          </a:bodyPr>
+          <a:lstStyle/>
+          <a:p>
+            <a:r>
+              <a:rPr lang="en-US" sz="6600">
+                <a:solidFill>
+                  <a:schemeClr val="tx1">
+                    <a:lumMod val="85000"/>
+                    <a:lumOff val="15000"/>
+                  </a:schemeClr>
+                </a:solidFill>
+              </a:rPr>
+              <a:t>QLYC hậu mãi</a:t>
+            </a:r>
+          </a:p>
+        </p:txBody>
+      </p:sp>
+      <p:pic>
+        <p:nvPicPr>
+          <p:cNvPr id="5" name="Picture 5" descr="Diagram, engineering drawing&#10;&#10;Description automatically generated">
+            <a:extLst>
+              <a:ext uri="{FF2B5EF4-FFF2-40B4-BE49-F238E27FC236}">
+                <a16:creationId xmlns:a16="http://schemas.microsoft.com/office/drawing/2014/main" id="{C89AEBB4-D653-4329-A3E7-B8437198B48E}"/>
+              </a:ext>
+            </a:extLst>
+          </p:cNvPr>
+          <p:cNvPicPr>
+            <a:picLocks noGrp="1" noChangeAspect="1"/>
+          </p:cNvPicPr>
+          <p:nvPr>
+            <p:ph sz="quarter" idx="13"/>
+          </p:nvPr>
+        </p:nvPicPr>
+        <p:blipFill>
+          <a:blip r:embed="rId2"/>
+          <a:stretch>
+            <a:fillRect/>
+          </a:stretch>
+        </p:blipFill>
+        <p:spPr>
+          <a:xfrm>
+            <a:off x="1001262" y="101105"/>
+            <a:ext cx="6642324" cy="6085643"/>
+          </a:xfrm>
+          <a:prstGeom prst="rect">
+            <a:avLst/>
+          </a:prstGeom>
+        </p:spPr>
+      </p:pic>
+      <p:cxnSp>
+        <p:nvCxnSpPr>
+          <p:cNvPr id="18" name="Straight Connector 17">
+            <a:extLst>
+              <a:ext uri="{FF2B5EF4-FFF2-40B4-BE49-F238E27FC236}">
+                <a16:creationId xmlns:a16="http://schemas.microsoft.com/office/drawing/2014/main" id="{5C6A2BAE-B461-4B55-8E1F-0722ABDD1393}"/>
+              </a:ext>
+              <a:ext uri="{C183D7F6-B498-43B3-948B-1728B52AA6E4}">
+                <adec:decorative xmlns:adec="http://schemas.microsoft.com/office/drawing/2017/decorative" val="1"/>
+              </a:ext>
+            </a:extLst>
+          </p:cNvPr>
+          <p:cNvCxnSpPr>
+            <a:cxnSpLocks noGrp="1" noRot="1" noChangeAspect="1" noMove="1" noResize="1" noEditPoints="1" noAdjustHandles="1" noChangeArrowheads="1" noChangeShapeType="1"/>
+          </p:cNvCxnSpPr>
+          <p:nvPr>
+            <p:extLst>
+              <p:ext uri="{386F3935-93C4-4BCD-93E2-E3B085C9AB24}">
+                <p16:designElem xmlns:p16="http://schemas.microsoft.com/office/powerpoint/2015/main" val="1"/>
+              </p:ext>
+            </p:extLst>
+          </p:nvPr>
+        </p:nvCxnSpPr>
+        <p:spPr>
+          <a:xfrm>
+            <a:off x="8209305" y="4343400"/>
+            <a:ext cx="3200400" cy="0"/>
+          </a:xfrm>
+          <a:prstGeom prst="line">
+            <a:avLst/>
+          </a:prstGeom>
+          <a:ln w="6350">
+            <a:solidFill>
+              <a:schemeClr val="tx2">
+                <a:alpha val="90000"/>
+              </a:schemeClr>
+            </a:solidFill>
+          </a:ln>
+        </p:spPr>
+        <p:style>
+          <a:lnRef idx="1">
+            <a:schemeClr val="accent1"/>
+          </a:lnRef>
+          <a:fillRef idx="0">
+            <a:schemeClr val="accent1"/>
+          </a:fillRef>
+          <a:effectRef idx="0">
+            <a:schemeClr val="accent1"/>
+          </a:effectRef>
+          <a:fontRef idx="minor">
+            <a:schemeClr val="tx1"/>
+          </a:fontRef>
+        </p:style>
+      </p:cxnSp>
+      <p:sp>
+        <p:nvSpPr>
+          <p:cNvPr id="20" name="Rectangle 19">
+            <a:extLst>
+              <a:ext uri="{FF2B5EF4-FFF2-40B4-BE49-F238E27FC236}">
+                <a16:creationId xmlns:a16="http://schemas.microsoft.com/office/drawing/2014/main" id="{B4C27B90-DF2B-4D00-BA07-18ED774CD2F1}"/>
+              </a:ext>
+              <a:ext uri="{C183D7F6-B498-43B3-948B-1728B52AA6E4}">
+                <adec:decorative xmlns:adec="http://schemas.microsoft.com/office/drawing/2017/decorative" val="1"/>
+              </a:ext>
+            </a:extLst>
+          </p:cNvPr>
+          <p:cNvSpPr>
+            <a:spLocks noGrp="1" noRot="1" noChangeAspect="1" noMove="1" noResize="1" noEditPoints="1" noAdjustHandles="1" noChangeArrowheads="1" noChangeShapeType="1" noTextEdit="1"/>
+          </p:cNvSpPr>
+          <p:nvPr>
+            <p:extLst>
+              <p:ext uri="{386F3935-93C4-4BCD-93E2-E3B085C9AB24}">
+                <p16:designElem xmlns:p16="http://schemas.microsoft.com/office/powerpoint/2015/main" val="1"/>
+              </p:ext>
+            </p:extLst>
+          </p:nvPr>
+        </p:nvSpPr>
+        <p:spPr>
+          <a:xfrm>
+            <a:off x="15" y="6334316"/>
+            <a:ext cx="12191985" cy="66484"/>
+          </a:xfrm>
+          <a:prstGeom prst="rect">
+            <a:avLst/>
+          </a:prstGeom>
+          <a:solidFill>
+            <a:schemeClr val="accent1"/>
+          </a:solidFill>
+          <a:ln>
+            <a:noFill/>
+          </a:ln>
+        </p:spPr>
+        <p:style>
+          <a:lnRef idx="2">
+            <a:schemeClr val="accent1">
+              <a:shade val="50000"/>
+            </a:schemeClr>
+          </a:lnRef>
+          <a:fillRef idx="1">
+            <a:schemeClr val="accent1"/>
+          </a:fillRef>
+          <a:effectRef idx="0">
+            <a:schemeClr val="accent1"/>
+          </a:effectRef>
+          <a:fontRef idx="minor">
+            <a:schemeClr val="lt1"/>
+          </a:fontRef>
+        </p:style>
+      </p:sp>
+      <p:sp>
+        <p:nvSpPr>
+          <p:cNvPr id="22" name="Rectangle 21">
+            <a:extLst>
+              <a:ext uri="{FF2B5EF4-FFF2-40B4-BE49-F238E27FC236}">
+                <a16:creationId xmlns:a16="http://schemas.microsoft.com/office/drawing/2014/main" id="{593ACC25-C262-417A-8AA9-0641C772BDB6}"/>
+              </a:ext>
+              <a:ext uri="{C183D7F6-B498-43B3-948B-1728B52AA6E4}">
+                <adec:decorative xmlns:adec="http://schemas.microsoft.com/office/drawing/2017/decorative" val="1"/>
+              </a:ext>
+            </a:extLst>
+          </p:cNvPr>
+          <p:cNvSpPr>
+            <a:spLocks noGrp="1" noRot="1" noChangeAspect="1" noMove="1" noResize="1" noEditPoints="1" noAdjustHandles="1" noChangeArrowheads="1" noChangeShapeType="1" noTextEdit="1"/>
+          </p:cNvSpPr>
+          <p:nvPr>
+            <p:extLst>
+              <p:ext uri="{386F3935-93C4-4BCD-93E2-E3B085C9AB24}">
+                <p16:designElem xmlns:p16="http://schemas.microsoft.com/office/powerpoint/2015/main" val="1"/>
+              </p:ext>
+            </p:extLst>
+          </p:nvPr>
+        </p:nvSpPr>
+        <p:spPr>
+          <a:xfrm>
+            <a:off x="1" y="6400800"/>
+            <a:ext cx="12192000" cy="457200"/>
+          </a:xfrm>
+          <a:prstGeom prst="rect">
+            <a:avLst/>
+          </a:prstGeom>
+          <a:solidFill>
+            <a:schemeClr val="accent2"/>
+          </a:solidFill>
+          <a:ln>
+            <a:noFill/>
+          </a:ln>
+        </p:spPr>
+        <p:style>
+          <a:lnRef idx="2">
+            <a:schemeClr val="accent1">
+              <a:shade val="50000"/>
+            </a:schemeClr>
+          </a:lnRef>
+          <a:fillRef idx="1">
+            <a:schemeClr val="accent1"/>
+          </a:fillRef>
+          <a:effectRef idx="0">
+            <a:schemeClr val="accent1"/>
+          </a:effectRef>
+          <a:fontRef idx="minor">
+            <a:schemeClr val="lt1"/>
+          </a:fontRef>
+        </p:style>
+      </p:sp>
+      <p:sp>
+        <p:nvSpPr>
+          <p:cNvPr id="4" name="Slide Number Placeholder 3">
+            <a:extLst>
+              <a:ext uri="{FF2B5EF4-FFF2-40B4-BE49-F238E27FC236}">
+                <a16:creationId xmlns:a16="http://schemas.microsoft.com/office/drawing/2014/main" id="{7743B9EC-989C-4DFD-89CF-5AB3B4E1959E}"/>
+              </a:ext>
+            </a:extLst>
+          </p:cNvPr>
+          <p:cNvSpPr>
+            <a:spLocks noGrp="1"/>
+          </p:cNvSpPr>
+          <p:nvPr>
+            <p:ph type="sldNum" sz="quarter" idx="12"/>
+          </p:nvPr>
+        </p:nvSpPr>
+        <p:spPr>
+          <a:xfrm>
+            <a:off x="9900458" y="6459785"/>
+            <a:ext cx="1312025" cy="365125"/>
+          </a:xfrm>
+        </p:spPr>
+        <p:txBody>
+          <a:bodyPr vert="horz" lIns="91440" tIns="45720" rIns="91440" bIns="45720" rtlCol="0" anchor="ctr">
+            <a:normAutofit/>
+          </a:bodyPr>
+          <a:lstStyle/>
+          <a:p>
+            <a:pPr defTabSz="914400">
+              <a:spcAft>
+                <a:spcPts val="600"/>
+              </a:spcAft>
+            </a:pPr>
+            <a:fld id="{6D22F896-40B5-4ADD-8801-0D06FADFA095}" type="slidenum">
+              <a:rPr lang="en-US" dirty="0"/>
+              <a:pPr defTabSz="914400">
+                <a:spcAft>
+                  <a:spcPts val="600"/>
+                </a:spcAft>
+              </a:pPr>
+              <a:t>14</a:t>
+            </a:fld>
+            <a:endParaRPr lang="en-US"/>
+          </a:p>
+        </p:txBody>
+      </p:sp>
+    </p:spTree>
+    <p:extLst>
+      <p:ext uri="{BB962C8B-B14F-4D97-AF65-F5344CB8AC3E}">
+        <p14:creationId xmlns:p14="http://schemas.microsoft.com/office/powerpoint/2010/main" val="3118699940"/>
+      </p:ext>
+    </p:extLst>
+  </p:cSld>
+  <p:clrMapOvr>
+    <a:masterClrMapping/>
+  </p:clrMapOvr>
+</p:sld>
+</file>
+
+<file path=ppt/slides/slide15.xml><?xml version="1.0" encoding="utf-8"?>
+<p:sld xmlns:a="http://schemas.openxmlformats.org/drawingml/2006/main" xmlns:r="http://schemas.openxmlformats.org/officeDocument/2006/relationships" xmlns:p="http://schemas.openxmlformats.org/presentationml/2006/main">
+  <p:cSld>
+    <p:bg>
+      <p:bgPr>
+        <a:solidFill>
+          <a:schemeClr val="bg1"/>
+        </a:solidFill>
+        <a:effectLst/>
+      </p:bgPr>
+    </p:bg>
+    <p:spTree>
+      <p:nvGrpSpPr>
+        <p:cNvPr id="1" name=""/>
+        <p:cNvGrpSpPr/>
+        <p:nvPr/>
+      </p:nvGrpSpPr>
+      <p:grpSpPr>
+        <a:xfrm>
+          <a:off x="0" y="0"/>
+          <a:ext cx="0" cy="0"/>
+          <a:chOff x="0" y="0"/>
+          <a:chExt cx="0" cy="0"/>
+        </a:xfrm>
+      </p:grpSpPr>
+      <p:sp>
+        <p:nvSpPr>
+          <p:cNvPr id="10" name="Rectangle 9">
+            <a:extLst>
+              <a:ext uri="{FF2B5EF4-FFF2-40B4-BE49-F238E27FC236}">
+                <a16:creationId xmlns:a16="http://schemas.microsoft.com/office/drawing/2014/main" id="{4E4490D0-3672-446A-AC12-B4830333BDDD}"/>
+              </a:ext>
+              <a:ext uri="{C183D7F6-B498-43B3-948B-1728B52AA6E4}">
+                <adec:decorative xmlns:adec="http://schemas.microsoft.com/office/drawing/2017/decorative" val="1"/>
+              </a:ext>
+            </a:extLst>
+          </p:cNvPr>
+          <p:cNvSpPr>
+            <a:spLocks noGrp="1" noRot="1" noChangeAspect="1" noMove="1" noResize="1" noEditPoints="1" noAdjustHandles="1" noChangeArrowheads="1" noChangeShapeType="1" noTextEdit="1"/>
+          </p:cNvSpPr>
+          <p:nvPr>
+            <p:extLst>
+              <p:ext uri="{386F3935-93C4-4BCD-93E2-E3B085C9AB24}">
+                <p16:designElem xmlns:p16="http://schemas.microsoft.com/office/powerpoint/2015/main" val="1"/>
+              </p:ext>
+            </p:extLst>
+          </p:nvPr>
+        </p:nvSpPr>
+        <p:spPr>
+          <a:xfrm>
+            <a:off x="3175" y="6400800"/>
+            <a:ext cx="12188825" cy="457200"/>
+          </a:xfrm>
+          <a:prstGeom prst="rect">
+            <a:avLst/>
+          </a:prstGeom>
+          <a:solidFill>
+            <a:schemeClr val="accent2"/>
+          </a:solidFill>
+          <a:ln>
+            <a:noFill/>
+          </a:ln>
+        </p:spPr>
+        <p:style>
+          <a:lnRef idx="2">
+            <a:schemeClr val="accent1">
+              <a:shade val="50000"/>
+            </a:schemeClr>
+          </a:lnRef>
+          <a:fillRef idx="1">
+            <a:schemeClr val="accent1"/>
+          </a:fillRef>
+          <a:effectRef idx="0">
+            <a:schemeClr val="accent1"/>
+          </a:effectRef>
+          <a:fontRef idx="minor">
+            <a:schemeClr val="lt1"/>
+          </a:fontRef>
+        </p:style>
+      </p:sp>
+      <p:sp>
+        <p:nvSpPr>
+          <p:cNvPr id="12" name="Rectangle 11">
+            <a:extLst>
+              <a:ext uri="{FF2B5EF4-FFF2-40B4-BE49-F238E27FC236}">
+                <a16:creationId xmlns:a16="http://schemas.microsoft.com/office/drawing/2014/main" id="{39CB82C2-DF65-4EC1-8280-F201D50F570B}"/>
+              </a:ext>
+              <a:ext uri="{C183D7F6-B498-43B3-948B-1728B52AA6E4}">
+                <adec:decorative xmlns:adec="http://schemas.microsoft.com/office/drawing/2017/decorative" val="1"/>
+              </a:ext>
+            </a:extLst>
+          </p:cNvPr>
+          <p:cNvSpPr>
+            <a:spLocks noGrp="1" noRot="1" noChangeAspect="1" noMove="1" noResize="1" noEditPoints="1" noAdjustHandles="1" noChangeArrowheads="1" noChangeShapeType="1" noTextEdit="1"/>
+          </p:cNvSpPr>
+          <p:nvPr>
+            <p:extLst>
+              <p:ext uri="{386F3935-93C4-4BCD-93E2-E3B085C9AB24}">
+                <p16:designElem xmlns:p16="http://schemas.microsoft.com/office/powerpoint/2015/main" val="1"/>
+              </p:ext>
+            </p:extLst>
+          </p:nvPr>
+        </p:nvSpPr>
+        <p:spPr>
+          <a:xfrm>
+            <a:off x="15" y="6334316"/>
+            <a:ext cx="12188825" cy="64008"/>
+          </a:xfrm>
+          <a:prstGeom prst="rect">
+            <a:avLst/>
+          </a:prstGeom>
+          <a:solidFill>
+            <a:schemeClr val="accent1"/>
+          </a:solidFill>
+          <a:ln>
+            <a:noFill/>
+          </a:ln>
+        </p:spPr>
+        <p:style>
+          <a:lnRef idx="2">
+            <a:schemeClr val="accent1">
+              <a:shade val="50000"/>
+            </a:schemeClr>
+          </a:lnRef>
+          <a:fillRef idx="1">
+            <a:schemeClr val="accent1"/>
+          </a:fillRef>
+          <a:effectRef idx="0">
+            <a:schemeClr val="accent1"/>
+          </a:effectRef>
+          <a:fontRef idx="minor">
+            <a:schemeClr val="lt1"/>
+          </a:fontRef>
+        </p:style>
+      </p:sp>
+      <p:cxnSp>
+        <p:nvCxnSpPr>
+          <p:cNvPr id="14" name="Straight Connector 13">
+            <a:extLst>
+              <a:ext uri="{FF2B5EF4-FFF2-40B4-BE49-F238E27FC236}">
+                <a16:creationId xmlns:a16="http://schemas.microsoft.com/office/drawing/2014/main" id="{7E1D4427-852B-4B37-8E76-0E9F1810BA2A}"/>
+              </a:ext>
+              <a:ext uri="{C183D7F6-B498-43B3-948B-1728B52AA6E4}">
+                <adec:decorative xmlns:adec="http://schemas.microsoft.com/office/drawing/2017/decorative" val="1"/>
+              </a:ext>
+            </a:extLst>
+          </p:cNvPr>
+          <p:cNvCxnSpPr>
+            <a:cxnSpLocks noGrp="1" noRot="1" noChangeAspect="1" noMove="1" noResize="1" noEditPoints="1" noAdjustHandles="1" noChangeArrowheads="1" noChangeShapeType="1"/>
+          </p:cNvCxnSpPr>
+          <p:nvPr>
+            <p:extLst>
+              <p:ext uri="{386F3935-93C4-4BCD-93E2-E3B085C9AB24}">
+                <p16:designElem xmlns:p16="http://schemas.microsoft.com/office/powerpoint/2015/main" val="1"/>
+              </p:ext>
+            </p:extLst>
+          </p:nvPr>
+        </p:nvCxnSpPr>
+        <p:spPr>
+          <a:xfrm>
+            <a:off x="1207658" y="4343400"/>
+            <a:ext cx="9875520" cy="0"/>
+          </a:xfrm>
+          <a:prstGeom prst="line">
+            <a:avLst/>
+          </a:prstGeom>
+          <a:ln w="6350">
+            <a:solidFill>
+              <a:schemeClr val="tx1">
+                <a:lumMod val="50000"/>
+                <a:lumOff val="50000"/>
+              </a:schemeClr>
+            </a:solidFill>
+          </a:ln>
+        </p:spPr>
+        <p:style>
+          <a:lnRef idx="1">
+            <a:schemeClr val="accent1"/>
+          </a:lnRef>
+          <a:fillRef idx="0">
+            <a:schemeClr val="accent1"/>
+          </a:fillRef>
+          <a:effectRef idx="0">
+            <a:schemeClr val="accent1"/>
+          </a:effectRef>
+          <a:fontRef idx="minor">
+            <a:schemeClr val="tx1"/>
+          </a:fontRef>
+        </p:style>
+      </p:cxnSp>
+      <p:sp useBgFill="1">
+        <p:nvSpPr>
+          <p:cNvPr id="16" name="Rectangle 15">
+            <a:extLst>
+              <a:ext uri="{FF2B5EF4-FFF2-40B4-BE49-F238E27FC236}">
+                <a16:creationId xmlns:a16="http://schemas.microsoft.com/office/drawing/2014/main" id="{FA4CD5CB-D209-4D70-8CA4-629731C59219}"/>
+              </a:ext>
+              <a:ext uri="{C183D7F6-B498-43B3-948B-1728B52AA6E4}">
+                <adec:decorative xmlns:adec="http://schemas.microsoft.com/office/drawing/2017/decorative" val="1"/>
+              </a:ext>
+            </a:extLst>
+          </p:cNvPr>
+          <p:cNvSpPr>
+            <a:spLocks noGrp="1" noRot="1" noChangeAspect="1" noMove="1" noResize="1" noEditPoints="1" noAdjustHandles="1" noChangeArrowheads="1" noChangeShapeType="1" noTextEdit="1"/>
+          </p:cNvSpPr>
+          <p:nvPr>
+            <p:extLst>
+              <p:ext uri="{386F3935-93C4-4BCD-93E2-E3B085C9AB24}">
+                <p16:designElem xmlns:p16="http://schemas.microsoft.com/office/powerpoint/2015/main" val="1"/>
+              </p:ext>
+            </p:extLst>
+          </p:nvPr>
+        </p:nvSpPr>
+        <p:spPr>
+          <a:xfrm>
+            <a:off x="0" y="0"/>
+            <a:ext cx="12192001" cy="6334316"/>
+          </a:xfrm>
+          <a:prstGeom prst="rect">
+            <a:avLst/>
+          </a:prstGeom>
+          <a:ln>
+            <a:noFill/>
+          </a:ln>
+        </p:spPr>
+        <p:style>
+          <a:lnRef idx="2">
+            <a:schemeClr val="accent1">
+              <a:shade val="50000"/>
+            </a:schemeClr>
+          </a:lnRef>
+          <a:fillRef idx="1">
+            <a:schemeClr val="accent1"/>
+          </a:fillRef>
+          <a:effectRef idx="0">
+            <a:schemeClr val="accent1"/>
+          </a:effectRef>
+          <a:fontRef idx="minor">
+            <a:schemeClr val="lt1"/>
+          </a:fontRef>
+        </p:style>
+        <p:txBody>
+          <a:bodyPr rtlCol="0" anchor="ctr"/>
+          <a:lstStyle/>
+          <a:p>
+            <a:pPr algn="ctr"/>
+            <a:endParaRPr lang="en-US"/>
+          </a:p>
+        </p:txBody>
+      </p:sp>
+      <p:sp>
+        <p:nvSpPr>
+          <p:cNvPr id="2" name="Title 1">
+            <a:extLst>
+              <a:ext uri="{FF2B5EF4-FFF2-40B4-BE49-F238E27FC236}">
+                <a16:creationId xmlns:a16="http://schemas.microsoft.com/office/drawing/2014/main" id="{1D089AA2-066B-4261-AB5D-07B4856E2AE5}"/>
+              </a:ext>
+            </a:extLst>
+          </p:cNvPr>
+          <p:cNvSpPr>
+            <a:spLocks noGrp="1"/>
+          </p:cNvSpPr>
+          <p:nvPr>
+            <p:ph type="title"/>
+          </p:nvPr>
+        </p:nvSpPr>
+        <p:spPr>
+          <a:xfrm>
+            <a:off x="8141110" y="639097"/>
+            <a:ext cx="3401961" cy="3686015"/>
+          </a:xfrm>
+        </p:spPr>
+        <p:txBody>
+          <a:bodyPr vert="horz" lIns="91440" tIns="45720" rIns="91440" bIns="45720" rtlCol="0" anchor="b">
+            <a:normAutofit/>
+          </a:bodyPr>
+          <a:lstStyle/>
+          <a:p>
+            <a:r>
+              <a:rPr lang="en-US" sz="6600">
+                <a:solidFill>
+                  <a:schemeClr val="tx1">
+                    <a:lumMod val="85000"/>
+                    <a:lumOff val="15000"/>
+                  </a:schemeClr>
+                </a:solidFill>
+              </a:rPr>
+              <a:t>QL Khuyến mãi/Ưu đãi</a:t>
+            </a:r>
+          </a:p>
+        </p:txBody>
+      </p:sp>
+      <p:pic>
+        <p:nvPicPr>
+          <p:cNvPr id="5" name="Picture 5" descr="Diagram&#10;&#10;Description automatically generated">
+            <a:extLst>
+              <a:ext uri="{FF2B5EF4-FFF2-40B4-BE49-F238E27FC236}">
+                <a16:creationId xmlns:a16="http://schemas.microsoft.com/office/drawing/2014/main" id="{A3178145-4569-4EA8-8AAF-1944333CE599}"/>
+              </a:ext>
+            </a:extLst>
+          </p:cNvPr>
+          <p:cNvPicPr>
+            <a:picLocks noGrp="1" noChangeAspect="1"/>
+          </p:cNvPicPr>
+          <p:nvPr>
+            <p:ph sz="quarter" idx="13"/>
+          </p:nvPr>
+        </p:nvPicPr>
+        <p:blipFill>
+          <a:blip r:embed="rId2"/>
+          <a:stretch>
+            <a:fillRect/>
+          </a:stretch>
+        </p:blipFill>
+        <p:spPr>
+          <a:xfrm>
+            <a:off x="1100673" y="203325"/>
+            <a:ext cx="6815211" cy="6094936"/>
+          </a:xfrm>
+          <a:prstGeom prst="rect">
+            <a:avLst/>
+          </a:prstGeom>
+        </p:spPr>
+      </p:pic>
+      <p:cxnSp>
+        <p:nvCxnSpPr>
+          <p:cNvPr id="18" name="Straight Connector 17">
+            <a:extLst>
+              <a:ext uri="{FF2B5EF4-FFF2-40B4-BE49-F238E27FC236}">
+                <a16:creationId xmlns:a16="http://schemas.microsoft.com/office/drawing/2014/main" id="{5C6A2BAE-B461-4B55-8E1F-0722ABDD1393}"/>
+              </a:ext>
+              <a:ext uri="{C183D7F6-B498-43B3-948B-1728B52AA6E4}">
+                <adec:decorative xmlns:adec="http://schemas.microsoft.com/office/drawing/2017/decorative" val="1"/>
+              </a:ext>
+            </a:extLst>
+          </p:cNvPr>
+          <p:cNvCxnSpPr>
+            <a:cxnSpLocks noGrp="1" noRot="1" noChangeAspect="1" noMove="1" noResize="1" noEditPoints="1" noAdjustHandles="1" noChangeArrowheads="1" noChangeShapeType="1"/>
+          </p:cNvCxnSpPr>
+          <p:nvPr>
+            <p:extLst>
+              <p:ext uri="{386F3935-93C4-4BCD-93E2-E3B085C9AB24}">
+                <p16:designElem xmlns:p16="http://schemas.microsoft.com/office/powerpoint/2015/main" val="1"/>
+              </p:ext>
+            </p:extLst>
+          </p:nvPr>
+        </p:nvCxnSpPr>
+        <p:spPr>
+          <a:xfrm>
+            <a:off x="8209305" y="4343400"/>
+            <a:ext cx="3200400" cy="0"/>
+          </a:xfrm>
+          <a:prstGeom prst="line">
+            <a:avLst/>
+          </a:prstGeom>
+          <a:ln w="6350">
+            <a:solidFill>
+              <a:schemeClr val="tx2">
+                <a:alpha val="90000"/>
+              </a:schemeClr>
+            </a:solidFill>
+          </a:ln>
+        </p:spPr>
+        <p:style>
+          <a:lnRef idx="1">
+            <a:schemeClr val="accent1"/>
+          </a:lnRef>
+          <a:fillRef idx="0">
+            <a:schemeClr val="accent1"/>
+          </a:fillRef>
+          <a:effectRef idx="0">
+            <a:schemeClr val="accent1"/>
+          </a:effectRef>
+          <a:fontRef idx="minor">
+            <a:schemeClr val="tx1"/>
+          </a:fontRef>
+        </p:style>
+      </p:cxnSp>
+      <p:sp>
+        <p:nvSpPr>
+          <p:cNvPr id="20" name="Rectangle 19">
+            <a:extLst>
+              <a:ext uri="{FF2B5EF4-FFF2-40B4-BE49-F238E27FC236}">
+                <a16:creationId xmlns:a16="http://schemas.microsoft.com/office/drawing/2014/main" id="{B4C27B90-DF2B-4D00-BA07-18ED774CD2F1}"/>
+              </a:ext>
+              <a:ext uri="{C183D7F6-B498-43B3-948B-1728B52AA6E4}">
+                <adec:decorative xmlns:adec="http://schemas.microsoft.com/office/drawing/2017/decorative" val="1"/>
+              </a:ext>
+            </a:extLst>
+          </p:cNvPr>
+          <p:cNvSpPr>
+            <a:spLocks noGrp="1" noRot="1" noChangeAspect="1" noMove="1" noResize="1" noEditPoints="1" noAdjustHandles="1" noChangeArrowheads="1" noChangeShapeType="1" noTextEdit="1"/>
+          </p:cNvSpPr>
+          <p:nvPr>
+            <p:extLst>
+              <p:ext uri="{386F3935-93C4-4BCD-93E2-E3B085C9AB24}">
+                <p16:designElem xmlns:p16="http://schemas.microsoft.com/office/powerpoint/2015/main" val="1"/>
+              </p:ext>
+            </p:extLst>
+          </p:nvPr>
+        </p:nvSpPr>
+        <p:spPr>
+          <a:xfrm>
+            <a:off x="15" y="6334316"/>
+            <a:ext cx="12191985" cy="66484"/>
+          </a:xfrm>
+          <a:prstGeom prst="rect">
+            <a:avLst/>
+          </a:prstGeom>
+          <a:solidFill>
+            <a:schemeClr val="accent1"/>
+          </a:solidFill>
+          <a:ln>
+            <a:noFill/>
+          </a:ln>
+        </p:spPr>
+        <p:style>
+          <a:lnRef idx="2">
+            <a:schemeClr val="accent1">
+              <a:shade val="50000"/>
+            </a:schemeClr>
+          </a:lnRef>
+          <a:fillRef idx="1">
+            <a:schemeClr val="accent1"/>
+          </a:fillRef>
+          <a:effectRef idx="0">
+            <a:schemeClr val="accent1"/>
+          </a:effectRef>
+          <a:fontRef idx="minor">
+            <a:schemeClr val="lt1"/>
+          </a:fontRef>
+        </p:style>
+      </p:sp>
+      <p:sp>
+        <p:nvSpPr>
+          <p:cNvPr id="22" name="Rectangle 21">
+            <a:extLst>
+              <a:ext uri="{FF2B5EF4-FFF2-40B4-BE49-F238E27FC236}">
+                <a16:creationId xmlns:a16="http://schemas.microsoft.com/office/drawing/2014/main" id="{593ACC25-C262-417A-8AA9-0641C772BDB6}"/>
+              </a:ext>
+              <a:ext uri="{C183D7F6-B498-43B3-948B-1728B52AA6E4}">
+                <adec:decorative xmlns:adec="http://schemas.microsoft.com/office/drawing/2017/decorative" val="1"/>
+              </a:ext>
+            </a:extLst>
+          </p:cNvPr>
+          <p:cNvSpPr>
+            <a:spLocks noGrp="1" noRot="1" noChangeAspect="1" noMove="1" noResize="1" noEditPoints="1" noAdjustHandles="1" noChangeArrowheads="1" noChangeShapeType="1" noTextEdit="1"/>
+          </p:cNvSpPr>
+          <p:nvPr>
+            <p:extLst>
+              <p:ext uri="{386F3935-93C4-4BCD-93E2-E3B085C9AB24}">
+                <p16:designElem xmlns:p16="http://schemas.microsoft.com/office/powerpoint/2015/main" val="1"/>
+              </p:ext>
+            </p:extLst>
+          </p:nvPr>
+        </p:nvSpPr>
+        <p:spPr>
+          <a:xfrm>
+            <a:off x="1" y="6400800"/>
+            <a:ext cx="12192000" cy="457200"/>
+          </a:xfrm>
+          <a:prstGeom prst="rect">
+            <a:avLst/>
+          </a:prstGeom>
+          <a:solidFill>
+            <a:schemeClr val="accent2"/>
+          </a:solidFill>
+          <a:ln>
+            <a:noFill/>
+          </a:ln>
+        </p:spPr>
+        <p:style>
+          <a:lnRef idx="2">
+            <a:schemeClr val="accent1">
+              <a:shade val="50000"/>
+            </a:schemeClr>
+          </a:lnRef>
+          <a:fillRef idx="1">
+            <a:schemeClr val="accent1"/>
+          </a:fillRef>
+          <a:effectRef idx="0">
+            <a:schemeClr val="accent1"/>
+          </a:effectRef>
+          <a:fontRef idx="minor">
+            <a:schemeClr val="lt1"/>
+          </a:fontRef>
+        </p:style>
+      </p:sp>
+      <p:sp>
+        <p:nvSpPr>
+          <p:cNvPr id="4" name="Slide Number Placeholder 3">
+            <a:extLst>
+              <a:ext uri="{FF2B5EF4-FFF2-40B4-BE49-F238E27FC236}">
+                <a16:creationId xmlns:a16="http://schemas.microsoft.com/office/drawing/2014/main" id="{7743B9EC-989C-4DFD-89CF-5AB3B4E1959E}"/>
+              </a:ext>
+            </a:extLst>
+          </p:cNvPr>
+          <p:cNvSpPr>
+            <a:spLocks noGrp="1"/>
+          </p:cNvSpPr>
+          <p:nvPr>
+            <p:ph type="sldNum" sz="quarter" idx="12"/>
+          </p:nvPr>
+        </p:nvSpPr>
+        <p:spPr>
+          <a:xfrm>
+            <a:off x="9900458" y="6459785"/>
+            <a:ext cx="1312025" cy="365125"/>
+          </a:xfrm>
+        </p:spPr>
+        <p:txBody>
+          <a:bodyPr vert="horz" lIns="91440" tIns="45720" rIns="91440" bIns="45720" rtlCol="0" anchor="ctr">
+            <a:normAutofit/>
+          </a:bodyPr>
+          <a:lstStyle/>
+          <a:p>
+            <a:pPr defTabSz="914400">
+              <a:spcAft>
+                <a:spcPts val="600"/>
+              </a:spcAft>
+            </a:pPr>
+            <a:fld id="{6D22F896-40B5-4ADD-8801-0D06FADFA095}" type="slidenum">
+              <a:rPr lang="en-US" dirty="0"/>
+              <a:pPr defTabSz="914400">
+                <a:spcAft>
+                  <a:spcPts val="600"/>
+                </a:spcAft>
+              </a:pPr>
+              <a:t>15</a:t>
+            </a:fld>
+            <a:endParaRPr lang="en-US"/>
+          </a:p>
+        </p:txBody>
+      </p:sp>
+    </p:spTree>
+    <p:extLst>
+      <p:ext uri="{BB962C8B-B14F-4D97-AF65-F5344CB8AC3E}">
+        <p14:creationId xmlns:p14="http://schemas.microsoft.com/office/powerpoint/2010/main" val="2410360228"/>
+      </p:ext>
+    </p:extLst>
+  </p:cSld>
+  <p:clrMapOvr>
+    <a:masterClrMapping/>
+  </p:clrMapOvr>
+</p:sld>
+</file>
+
+<file path=ppt/slides/slide16.xml><?xml version="1.0" encoding="utf-8"?>
+<p:sld xmlns:a="http://schemas.openxmlformats.org/drawingml/2006/main" xmlns:r="http://schemas.openxmlformats.org/officeDocument/2006/relationships" xmlns:p="http://schemas.openxmlformats.org/presentationml/2006/main">
+  <p:cSld>
+    <p:spTree>
+      <p:nvGrpSpPr>
+        <p:cNvPr id="1" name=""/>
+        <p:cNvGrpSpPr/>
+        <p:nvPr/>
+      </p:nvGrpSpPr>
+      <p:grpSpPr>
+        <a:xfrm>
+          <a:off x="0" y="0"/>
+          <a:ext cx="0" cy="0"/>
+          <a:chOff x="0" y="0"/>
+          <a:chExt cx="0" cy="0"/>
+        </a:xfrm>
+      </p:grpSpPr>
+      <p:sp>
+        <p:nvSpPr>
+          <p:cNvPr id="2" name="Title 1">
+            <a:extLst>
+              <a:ext uri="{FF2B5EF4-FFF2-40B4-BE49-F238E27FC236}">
+                <a16:creationId xmlns:a16="http://schemas.microsoft.com/office/drawing/2014/main" id="{DF3FBF0F-F73B-43AD-955B-D970EC39E725}"/>
+              </a:ext>
+            </a:extLst>
+          </p:cNvPr>
+          <p:cNvSpPr>
+            <a:spLocks noGrp="1"/>
+          </p:cNvSpPr>
+          <p:nvPr>
+            <p:ph type="title"/>
+          </p:nvPr>
+        </p:nvSpPr>
+        <p:spPr/>
+        <p:txBody>
+          <a:bodyPr/>
+          <a:lstStyle/>
+          <a:p>
+            <a:r>
+              <a:rPr lang="en-US">
+                <a:cs typeface="Calibri Light"/>
+              </a:rPr>
+              <a:t>Thiết kế cơ sở dữ liệu</a:t>
+            </a:r>
+            <a:endParaRPr lang="en-US"/>
+          </a:p>
+        </p:txBody>
+      </p:sp>
+      <p:sp>
+        <p:nvSpPr>
+          <p:cNvPr id="3" name="Content Placeholder 2">
+            <a:extLst>
+              <a:ext uri="{FF2B5EF4-FFF2-40B4-BE49-F238E27FC236}">
+                <a16:creationId xmlns:a16="http://schemas.microsoft.com/office/drawing/2014/main" id="{8C4018D4-E3F9-44BB-A371-1580B6EDB3B5}"/>
+              </a:ext>
+            </a:extLst>
+          </p:cNvPr>
+          <p:cNvSpPr>
+            <a:spLocks noGrp="1"/>
+          </p:cNvSpPr>
+          <p:nvPr>
+            <p:ph sz="quarter" idx="13"/>
+          </p:nvPr>
+        </p:nvSpPr>
+        <p:spPr/>
+        <p:txBody>
+          <a:bodyPr/>
+          <a:lstStyle/>
+          <a:p>
+            <a:endParaRPr lang="en-US"/>
+          </a:p>
+        </p:txBody>
+      </p:sp>
+      <p:sp>
+        <p:nvSpPr>
+          <p:cNvPr id="4" name="Slide Number Placeholder 3">
+            <a:extLst>
+              <a:ext uri="{FF2B5EF4-FFF2-40B4-BE49-F238E27FC236}">
+                <a16:creationId xmlns:a16="http://schemas.microsoft.com/office/drawing/2014/main" id="{8623E549-6A23-461E-8B58-F19B8B57C3EB}"/>
+              </a:ext>
+            </a:extLst>
+          </p:cNvPr>
+          <p:cNvSpPr>
+            <a:spLocks noGrp="1"/>
+          </p:cNvSpPr>
+          <p:nvPr>
+            <p:ph type="sldNum" sz="quarter" idx="12"/>
+          </p:nvPr>
+        </p:nvSpPr>
+        <p:spPr/>
+        <p:txBody>
+          <a:bodyPr/>
+          <a:lstStyle/>
+          <a:p>
+            <a:fld id="{6D22F896-40B5-4ADD-8801-0D06FADFA095}" type="slidenum">
+              <a:rPr lang="en-US" dirty="0"/>
+              <a:t>16</a:t>
+            </a:fld>
+            <a:endParaRPr lang="en-US"/>
+          </a:p>
+        </p:txBody>
+      </p:sp>
+    </p:spTree>
+    <p:extLst>
+      <p:ext uri="{BB962C8B-B14F-4D97-AF65-F5344CB8AC3E}">
+        <p14:creationId xmlns:p14="http://schemas.microsoft.com/office/powerpoint/2010/main" val="1987568373"/>
+      </p:ext>
+    </p:extLst>
+  </p:cSld>
+  <p:clrMapOvr>
+    <a:masterClrMapping/>
+  </p:clrMapOvr>
+</p:sld>
+</file>
+
+<file path=ppt/slides/slide17.xml><?xml version="1.0" encoding="utf-8"?>
+<p:sld xmlns:a="http://schemas.openxmlformats.org/drawingml/2006/main" xmlns:r="http://schemas.openxmlformats.org/officeDocument/2006/relationships" xmlns:p="http://schemas.openxmlformats.org/presentationml/2006/main">
+  <p:cSld>
+    <p:spTree>
+      <p:nvGrpSpPr>
+        <p:cNvPr id="1" name=""/>
+        <p:cNvGrpSpPr/>
+        <p:nvPr/>
+      </p:nvGrpSpPr>
+      <p:grpSpPr>
+        <a:xfrm>
+          <a:off x="0" y="0"/>
+          <a:ext cx="0" cy="0"/>
+          <a:chOff x="0" y="0"/>
+          <a:chExt cx="0" cy="0"/>
+        </a:xfrm>
+      </p:grpSpPr>
+      <p:sp>
+        <p:nvSpPr>
+          <p:cNvPr id="2" name="Title 1">
+            <a:extLst>
+              <a:ext uri="{FF2B5EF4-FFF2-40B4-BE49-F238E27FC236}">
+                <a16:creationId xmlns:a16="http://schemas.microsoft.com/office/drawing/2014/main" id="{DF3FBF0F-F73B-43AD-955B-D970EC39E725}"/>
+              </a:ext>
+            </a:extLst>
+          </p:cNvPr>
+          <p:cNvSpPr>
+            <a:spLocks noGrp="1"/>
+          </p:cNvSpPr>
+          <p:nvPr>
+            <p:ph type="title"/>
+          </p:nvPr>
+        </p:nvSpPr>
+        <p:spPr/>
+        <p:txBody>
+          <a:bodyPr/>
+          <a:lstStyle/>
+          <a:p>
+            <a:r>
+              <a:rPr lang="en-US">
+                <a:cs typeface="Calibri Light"/>
+              </a:rPr>
+              <a:t>Thiết kế kiến trúc</a:t>
+            </a:r>
+            <a:endParaRPr lang="en-US"/>
+          </a:p>
+        </p:txBody>
+      </p:sp>
+      <p:pic>
+        <p:nvPicPr>
+          <p:cNvPr id="5" name="Picture 5" descr="Diagram&#10;&#10;Description automatically generated">
+            <a:extLst>
+              <a:ext uri="{FF2B5EF4-FFF2-40B4-BE49-F238E27FC236}">
+                <a16:creationId xmlns:a16="http://schemas.microsoft.com/office/drawing/2014/main" id="{D6783082-BAB5-44DC-B587-FC6D3FBCB3A6}"/>
+              </a:ext>
+            </a:extLst>
+          </p:cNvPr>
+          <p:cNvPicPr>
+            <a:picLocks noGrp="1" noChangeAspect="1"/>
+          </p:cNvPicPr>
+          <p:nvPr>
+            <p:ph sz="quarter" idx="13"/>
+          </p:nvPr>
+        </p:nvPicPr>
+        <p:blipFill>
+          <a:blip r:embed="rId2"/>
+          <a:stretch>
+            <a:fillRect/>
+          </a:stretch>
+        </p:blipFill>
+        <p:spPr>
+          <a:xfrm>
+            <a:off x="1294754" y="1765899"/>
+            <a:ext cx="9605106" cy="4246788"/>
+          </a:xfrm>
+        </p:spPr>
+      </p:pic>
+      <p:sp>
+        <p:nvSpPr>
+          <p:cNvPr id="4" name="Slide Number Placeholder 3">
+            <a:extLst>
+              <a:ext uri="{FF2B5EF4-FFF2-40B4-BE49-F238E27FC236}">
+                <a16:creationId xmlns:a16="http://schemas.microsoft.com/office/drawing/2014/main" id="{8623E549-6A23-461E-8B58-F19B8B57C3EB}"/>
+              </a:ext>
+            </a:extLst>
+          </p:cNvPr>
+          <p:cNvSpPr>
+            <a:spLocks noGrp="1"/>
+          </p:cNvSpPr>
+          <p:nvPr>
+            <p:ph type="sldNum" sz="quarter" idx="12"/>
+          </p:nvPr>
+        </p:nvSpPr>
+        <p:spPr/>
+        <p:txBody>
+          <a:bodyPr/>
+          <a:lstStyle/>
+          <a:p>
+            <a:fld id="{6D22F896-40B5-4ADD-8801-0D06FADFA095}" type="slidenum">
+              <a:rPr lang="en-US" dirty="0"/>
+              <a:t>17</a:t>
+            </a:fld>
+            <a:endParaRPr lang="en-US"/>
+          </a:p>
+        </p:txBody>
+      </p:sp>
+    </p:spTree>
+    <p:extLst>
+      <p:ext uri="{BB962C8B-B14F-4D97-AF65-F5344CB8AC3E}">
+        <p14:creationId xmlns:p14="http://schemas.microsoft.com/office/powerpoint/2010/main" val="2865463543"/>
+      </p:ext>
+    </p:extLst>
+  </p:cSld>
+  <p:clrMapOvr>
+    <a:masterClrMapping/>
+  </p:clrMapOvr>
+</p:sld>
+</file>
+
+<file path=ppt/slides/slide18.xml><?xml version="1.0" encoding="utf-8"?>
+<p:sld xmlns:a="http://schemas.openxmlformats.org/drawingml/2006/main" xmlns:r="http://schemas.openxmlformats.org/officeDocument/2006/relationships" xmlns:p="http://schemas.openxmlformats.org/presentationml/2006/main">
+  <p:cSld>
+    <p:bg>
+      <p:bgPr>
+        <a:solidFill>
+          <a:schemeClr val="bg1"/>
+        </a:solidFill>
+        <a:effectLst/>
+      </p:bgPr>
+    </p:bg>
+    <p:spTree>
+      <p:nvGrpSpPr>
+        <p:cNvPr id="1" name=""/>
+        <p:cNvGrpSpPr/>
+        <p:nvPr/>
+      </p:nvGrpSpPr>
+      <p:grpSpPr>
+        <a:xfrm>
+          <a:off x="0" y="0"/>
+          <a:ext cx="0" cy="0"/>
+          <a:chOff x="0" y="0"/>
+          <a:chExt cx="0" cy="0"/>
+        </a:xfrm>
+      </p:grpSpPr>
+      <p:sp useBgFill="1">
+        <p:nvSpPr>
+          <p:cNvPr id="71" name="Rectangle 64">
+            <a:extLst>
+              <a:ext uri="{FF2B5EF4-FFF2-40B4-BE49-F238E27FC236}">
+                <a16:creationId xmlns:a16="http://schemas.microsoft.com/office/drawing/2014/main" id="{3741B58E-3B65-4A01-A276-975AB2CF8A08}"/>
+              </a:ext>
+              <a:ext uri="{C183D7F6-B498-43B3-948B-1728B52AA6E4}">
+                <adec:decorative xmlns:adec="http://schemas.microsoft.com/office/drawing/2017/decorative" val="1"/>
+              </a:ext>
+            </a:extLst>
+          </p:cNvPr>
+          <p:cNvSpPr>
+            <a:spLocks noGrp="1" noRot="1" noChangeAspect="1" noMove="1" noResize="1" noEditPoints="1" noAdjustHandles="1" noChangeArrowheads="1" noChangeShapeType="1" noTextEdit="1"/>
+          </p:cNvSpPr>
+          <p:nvPr>
+            <p:extLst>
+              <p:ext uri="{386F3935-93C4-4BCD-93E2-E3B085C9AB24}">
+                <p16:designElem xmlns:p16="http://schemas.microsoft.com/office/powerpoint/2015/main" val="1"/>
+              </p:ext>
+            </p:extLst>
+          </p:nvPr>
+        </p:nvSpPr>
+        <p:spPr>
+          <a:xfrm>
+            <a:off x="0" y="0"/>
+            <a:ext cx="12186315" cy="6858000"/>
+          </a:xfrm>
+          <a:prstGeom prst="rect">
+            <a:avLst/>
+          </a:prstGeom>
+          <a:ln>
+            <a:noFill/>
+          </a:ln>
+        </p:spPr>
+        <p:style>
+          <a:lnRef idx="2">
+            <a:schemeClr val="accent6">
+              <a:shade val="50000"/>
+            </a:schemeClr>
+          </a:lnRef>
+          <a:fillRef idx="1001">
+            <a:schemeClr val="lt1"/>
+          </a:fillRef>
+          <a:effectRef idx="0">
+            <a:schemeClr val="accent6"/>
+          </a:effectRef>
+          <a:fontRef idx="minor">
+            <a:schemeClr val="lt1"/>
+          </a:fontRef>
+        </p:style>
+        <p:txBody>
+          <a:bodyPr rtlCol="0" anchor="ctr"/>
+          <a:lstStyle/>
+          <a:p>
+            <a:pPr algn="ctr"/>
+            <a:endParaRPr lang="en-US"/>
+          </a:p>
+        </p:txBody>
+      </p:sp>
+      <p:sp>
+        <p:nvSpPr>
+          <p:cNvPr id="72" name="Rectangle 66">
+            <a:extLst>
+              <a:ext uri="{FF2B5EF4-FFF2-40B4-BE49-F238E27FC236}">
+                <a16:creationId xmlns:a16="http://schemas.microsoft.com/office/drawing/2014/main" id="{7AAC67C3-831B-4AB1-A259-DFB839CAFAFC}"/>
+              </a:ext>
+              <a:ext uri="{C183D7F6-B498-43B3-948B-1728B52AA6E4}">
+                <adec:decorative xmlns:adec="http://schemas.microsoft.com/office/drawing/2017/decorative" val="1"/>
+              </a:ext>
+            </a:extLst>
+          </p:cNvPr>
+          <p:cNvSpPr>
+            <a:spLocks noGrp="1" noRot="1" noChangeAspect="1" noMove="1" noResize="1" noEditPoints="1" noAdjustHandles="1" noChangeArrowheads="1" noChangeShapeType="1" noTextEdit="1"/>
+          </p:cNvSpPr>
+          <p:nvPr>
+            <p:extLst>
+              <p:ext uri="{386F3935-93C4-4BCD-93E2-E3B085C9AB24}">
+                <p16:designElem xmlns:p16="http://schemas.microsoft.com/office/powerpoint/2015/main" val="1"/>
+              </p:ext>
+            </p:extLst>
+          </p:nvPr>
+        </p:nvSpPr>
+        <p:spPr>
+          <a:xfrm>
+            <a:off x="16" y="0"/>
+            <a:ext cx="4050791" cy="6858000"/>
+          </a:xfrm>
+          <a:prstGeom prst="rect">
+            <a:avLst/>
+          </a:prstGeom>
+          <a:solidFill>
+            <a:schemeClr val="accent2"/>
+          </a:solidFill>
+          <a:ln>
+            <a:noFill/>
+          </a:ln>
+        </p:spPr>
+        <p:style>
+          <a:lnRef idx="2">
+            <a:schemeClr val="accent1">
+              <a:shade val="50000"/>
+            </a:schemeClr>
+          </a:lnRef>
+          <a:fillRef idx="1">
+            <a:schemeClr val="accent1"/>
+          </a:fillRef>
+          <a:effectRef idx="0">
+            <a:schemeClr val="accent1"/>
+          </a:effectRef>
+          <a:fontRef idx="minor">
+            <a:schemeClr val="lt1"/>
+          </a:fontRef>
+        </p:style>
+      </p:sp>
+      <p:sp>
+        <p:nvSpPr>
+          <p:cNvPr id="2" name="Title 1">
+            <a:extLst>
+              <a:ext uri="{FF2B5EF4-FFF2-40B4-BE49-F238E27FC236}">
+                <a16:creationId xmlns:a16="http://schemas.microsoft.com/office/drawing/2014/main" id="{EE2C1B71-8396-466A-BC7B-B65182F98752}"/>
+              </a:ext>
+            </a:extLst>
+          </p:cNvPr>
+          <p:cNvSpPr>
+            <a:spLocks noGrp="1"/>
+          </p:cNvSpPr>
+          <p:nvPr>
+            <p:ph type="title"/>
+          </p:nvPr>
+        </p:nvSpPr>
+        <p:spPr>
+          <a:xfrm>
+            <a:off x="263770" y="605896"/>
+            <a:ext cx="3694444" cy="5646208"/>
+          </a:xfrm>
+        </p:spPr>
+        <p:txBody>
+          <a:bodyPr anchor="ctr">
+            <a:normAutofit/>
+          </a:bodyPr>
+          <a:lstStyle/>
+          <a:p>
+            <a:r>
+              <a:rPr lang="en-US" sz="3600" b="1" dirty="0">
+                <a:solidFill>
+                  <a:srgbClr val="FFFFFF"/>
+                </a:solidFill>
+                <a:latin typeface="Bahnschrift Condensed"/>
+                <a:cs typeface="Calibri Light"/>
+              </a:rPr>
+              <a:t>TRIỂN KHAI</a:t>
+            </a:r>
+          </a:p>
+        </p:txBody>
+      </p:sp>
+      <p:sp>
+        <p:nvSpPr>
+          <p:cNvPr id="73" name="Rectangle 68">
+            <a:extLst>
+              <a:ext uri="{FF2B5EF4-FFF2-40B4-BE49-F238E27FC236}">
+                <a16:creationId xmlns:a16="http://schemas.microsoft.com/office/drawing/2014/main" id="{054B3F04-9EAC-45C0-B3CE-0387EEA10A0C}"/>
+              </a:ext>
+              <a:ext uri="{C183D7F6-B498-43B3-948B-1728B52AA6E4}">
+                <adec:decorative xmlns:adec="http://schemas.microsoft.com/office/drawing/2017/decorative" val="1"/>
+              </a:ext>
+            </a:extLst>
+          </p:cNvPr>
+          <p:cNvSpPr>
+            <a:spLocks noGrp="1" noRot="1" noChangeAspect="1" noMove="1" noResize="1" noEditPoints="1" noAdjustHandles="1" noChangeArrowheads="1" noChangeShapeType="1" noTextEdit="1"/>
+          </p:cNvSpPr>
+          <p:nvPr>
+            <p:extLst>
+              <p:ext uri="{386F3935-93C4-4BCD-93E2-E3B085C9AB24}">
+                <p16:designElem xmlns:p16="http://schemas.microsoft.com/office/powerpoint/2015/main" val="1"/>
+              </p:ext>
+            </p:extLst>
+          </p:nvPr>
+        </p:nvSpPr>
+        <p:spPr>
+          <a:xfrm>
+            <a:off x="4040071" y="0"/>
+            <a:ext cx="64008" cy="6858000"/>
+          </a:xfrm>
+          <a:prstGeom prst="rect">
+            <a:avLst/>
+          </a:prstGeom>
+          <a:solidFill>
+            <a:schemeClr val="accent1"/>
+          </a:solidFill>
+          <a:ln>
+            <a:noFill/>
+          </a:ln>
+        </p:spPr>
+        <p:style>
+          <a:lnRef idx="2">
+            <a:schemeClr val="accent1">
+              <a:shade val="50000"/>
+            </a:schemeClr>
+          </a:lnRef>
+          <a:fillRef idx="1">
+            <a:schemeClr val="accent1"/>
+          </a:fillRef>
+          <a:effectRef idx="0">
+            <a:schemeClr val="accent1"/>
+          </a:effectRef>
+          <a:fontRef idx="minor">
+            <a:schemeClr val="lt1"/>
+          </a:fontRef>
+        </p:style>
+      </p:sp>
+      <p:sp>
+        <p:nvSpPr>
+          <p:cNvPr id="40" name="Content Placeholder 39">
+            <a:extLst>
+              <a:ext uri="{FF2B5EF4-FFF2-40B4-BE49-F238E27FC236}">
+                <a16:creationId xmlns:a16="http://schemas.microsoft.com/office/drawing/2014/main" id="{4E53D4DB-EB70-40AF-A4FB-19C4F9B089E8}"/>
+              </a:ext>
+            </a:extLst>
+          </p:cNvPr>
+          <p:cNvSpPr>
+            <a:spLocks noGrp="1"/>
+          </p:cNvSpPr>
+          <p:nvPr>
+            <p:ph sz="quarter" idx="13"/>
+          </p:nvPr>
+        </p:nvSpPr>
+        <p:spPr>
+          <a:xfrm>
+            <a:off x="4742016" y="605896"/>
+            <a:ext cx="6413663" cy="5646208"/>
+          </a:xfrm>
+        </p:spPr>
+        <p:txBody>
+          <a:bodyPr anchor="ctr">
+            <a:normAutofit/>
+          </a:bodyPr>
+          <a:lstStyle/>
+          <a:p>
+            <a:endParaRPr lang="en-US">
+              <a:cs typeface="Calibri"/>
+            </a:endParaRPr>
+          </a:p>
+        </p:txBody>
+      </p:sp>
+      <p:sp>
+        <p:nvSpPr>
+          <p:cNvPr id="60" name="Slide Number Placeholder 59">
+            <a:extLst>
+              <a:ext uri="{FF2B5EF4-FFF2-40B4-BE49-F238E27FC236}">
+                <a16:creationId xmlns:a16="http://schemas.microsoft.com/office/drawing/2014/main" id="{C0F05CE8-93D7-48A5-89CC-0E4411D4A8EB}"/>
+              </a:ext>
+            </a:extLst>
+          </p:cNvPr>
+          <p:cNvSpPr>
+            <a:spLocks noGrp="1"/>
+          </p:cNvSpPr>
+          <p:nvPr>
+            <p:ph type="sldNum" sz="quarter" idx="12"/>
+          </p:nvPr>
+        </p:nvSpPr>
+        <p:spPr>
+          <a:xfrm>
+            <a:off x="10123055" y="6459785"/>
+            <a:ext cx="1089428" cy="365125"/>
+          </a:xfrm>
+        </p:spPr>
+        <p:txBody>
+          <a:bodyPr>
+            <a:normAutofit/>
+          </a:bodyPr>
+          <a:lstStyle/>
+          <a:p>
+            <a:pPr>
+              <a:spcAft>
+                <a:spcPts val="600"/>
+              </a:spcAft>
+            </a:pPr>
+            <a:fld id="{6D22F896-40B5-4ADD-8801-0D06FADFA095}" type="slidenum">
+              <a:rPr lang="en-US">
+                <a:solidFill>
+                  <a:schemeClr val="tx2"/>
+                </a:solidFill>
+              </a:rPr>
+              <a:pPr>
+                <a:spcAft>
+                  <a:spcPts val="600"/>
+                </a:spcAft>
+              </a:pPr>
+              <a:t>18</a:t>
+            </a:fld>
+            <a:endParaRPr lang="en-US">
+              <a:solidFill>
+                <a:schemeClr val="tx2"/>
+              </a:solidFill>
+            </a:endParaRPr>
+          </a:p>
+        </p:txBody>
+      </p:sp>
+    </p:spTree>
+    <p:extLst>
+      <p:ext uri="{BB962C8B-B14F-4D97-AF65-F5344CB8AC3E}">
+        <p14:creationId xmlns:p14="http://schemas.microsoft.com/office/powerpoint/2010/main" val="2052042930"/>
+      </p:ext>
+    </p:extLst>
+  </p:cSld>
+  <p:clrMapOvr>
+    <a:masterClrMapping/>
+  </p:clrMapOvr>
+</p:sld>
+</file>
+
+<file path=ppt/slides/slide19.xml><?xml version="1.0" encoding="utf-8"?>
+<p:sld xmlns:a="http://schemas.openxmlformats.org/drawingml/2006/main" xmlns:r="http://schemas.openxmlformats.org/officeDocument/2006/relationships" xmlns:p="http://schemas.openxmlformats.org/presentationml/2006/main">
+  <p:cSld>
+    <p:bg>
+      <p:bgPr>
+        <a:solidFill>
+          <a:schemeClr val="bg1"/>
+        </a:solidFill>
+        <a:effectLst/>
+      </p:bgPr>
+    </p:bg>
+    <p:spTree>
+      <p:nvGrpSpPr>
+        <p:cNvPr id="1" name=""/>
+        <p:cNvGrpSpPr/>
+        <p:nvPr/>
+      </p:nvGrpSpPr>
+      <p:grpSpPr>
+        <a:xfrm>
+          <a:off x="0" y="0"/>
+          <a:ext cx="0" cy="0"/>
+          <a:chOff x="0" y="0"/>
+          <a:chExt cx="0" cy="0"/>
+        </a:xfrm>
+      </p:grpSpPr>
+      <p:sp>
+        <p:nvSpPr>
           <p:cNvPr id="4" name="Title 3">
             <a:extLst>
               <a:ext uri="{FF2B5EF4-FFF2-40B4-BE49-F238E27FC236}">
@@ -24148,7 +31997,7 @@
                   <a:spcPts val="600"/>
                 </a:spcAft>
               </a:pPr>
-              <a:t>10</a:t>
+              <a:t>19</a:t>
             </a:fld>
             <a:endParaRPr lang="en-US">
               <a:solidFill>
@@ -26018,40 +33867,6 @@
       </p:sp>
       <p:sp>
         <p:nvSpPr>
-          <p:cNvPr id="40" name="Content Placeholder 39">
-            <a:extLst>
-              <a:ext uri="{FF2B5EF4-FFF2-40B4-BE49-F238E27FC236}">
-                <a16:creationId xmlns:a16="http://schemas.microsoft.com/office/drawing/2014/main" id="{4E53D4DB-EB70-40AF-A4FB-19C4F9B089E8}"/>
-              </a:ext>
-            </a:extLst>
-          </p:cNvPr>
-          <p:cNvSpPr>
-            <a:spLocks noGrp="1"/>
-          </p:cNvSpPr>
-          <p:nvPr>
-            <p:ph sz="quarter" idx="13"/>
-          </p:nvPr>
-        </p:nvSpPr>
-        <p:spPr>
-          <a:xfrm>
-            <a:off x="4742016" y="605896"/>
-            <a:ext cx="6413663" cy="5646208"/>
-          </a:xfrm>
-        </p:spPr>
-        <p:txBody>
-          <a:bodyPr anchor="ctr">
-            <a:normAutofit/>
-          </a:bodyPr>
-          <a:lstStyle/>
-          <a:p>
-            <a:endParaRPr lang="en-US">
-              <a:cs typeface="Calibri"/>
-            </a:endParaRPr>
-          </a:p>
-        </p:txBody>
-      </p:sp>
-      <p:sp>
-        <p:nvSpPr>
           <p:cNvPr id="60" name="Slide Number Placeholder 59">
             <a:extLst>
               <a:ext uri="{FF2B5EF4-FFF2-40B4-BE49-F238E27FC236}">
@@ -26104,6 +33919,34 @@
           </a:p>
         </p:txBody>
       </p:sp>
+      <p:graphicFrame>
+        <p:nvGraphicFramePr>
+          <p:cNvPr id="3" name="Diagram 2">
+            <a:extLst>
+              <a:ext uri="{FF2B5EF4-FFF2-40B4-BE49-F238E27FC236}">
+                <a16:creationId xmlns:a16="http://schemas.microsoft.com/office/drawing/2014/main" id="{4B9CE800-5AFA-4AFA-B286-4D0ED9A7FF5C}"/>
+              </a:ext>
+            </a:extLst>
+          </p:cNvPr>
+          <p:cNvGraphicFramePr/>
+          <p:nvPr>
+            <p:extLst>
+              <p:ext uri="{D42A27DB-BD31-4B8C-83A1-F6EECF244321}">
+                <p14:modId xmlns:p14="http://schemas.microsoft.com/office/powerpoint/2010/main" val="1905979564"/>
+              </p:ext>
+            </p:extLst>
+          </p:nvPr>
+        </p:nvGraphicFramePr>
+        <p:xfrm>
+          <a:off x="4371382" y="241794"/>
+          <a:ext cx="7561039" cy="6335302"/>
+        </p:xfrm>
+        <a:graphic>
+          <a:graphicData uri="http://schemas.openxmlformats.org/drawingml/2006/diagram">
+            <dgm:relIds xmlns:dgm="http://schemas.openxmlformats.org/drawingml/2006/diagram" xmlns:r="http://schemas.openxmlformats.org/officeDocument/2006/relationships" r:dm="rId2" r:lo="rId3" r:qs="rId4" r:cs="rId5"/>
+          </a:graphicData>
+        </a:graphic>
+      </p:graphicFrame>
     </p:spTree>
     <p:extLst>
       <p:ext uri="{BB962C8B-B14F-4D97-AF65-F5344CB8AC3E}">
@@ -26120,14 +33963,6 @@
 <file path=ppt/slides/slide9.xml><?xml version="1.0" encoding="utf-8"?>
 <p:sld xmlns:a="http://schemas.openxmlformats.org/drawingml/2006/main" xmlns:r="http://schemas.openxmlformats.org/officeDocument/2006/relationships" xmlns:p="http://schemas.openxmlformats.org/presentationml/2006/main">
   <p:cSld>
-    <p:bg>
-      <p:bgPr>
-        <a:solidFill>
-          <a:schemeClr val="bg1"/>
-        </a:solidFill>
-        <a:effectLst/>
-      </p:bgPr>
-    </p:bg>
     <p:spTree>
       <p:nvGrpSpPr>
         <p:cNvPr id="1" name=""/>
@@ -26142,127 +33977,12 @@
           <a:chExt cx="0" cy="0"/>
         </a:xfrm>
       </p:grpSpPr>
-      <p:sp useBgFill="1">
-        <p:nvSpPr>
-          <p:cNvPr id="71" name="Rectangle 64">
-            <a:extLst>
-              <a:ext uri="{FF2B5EF4-FFF2-40B4-BE49-F238E27FC236}">
-                <a16:creationId xmlns:a16="http://schemas.microsoft.com/office/drawing/2014/main" id="{3741B58E-3B65-4A01-A276-975AB2CF8A08}"/>
-              </a:ext>
-              <a:ext uri="{C183D7F6-B498-43B3-948B-1728B52AA6E4}">
-                <adec:decorative xmlns:adec="http://schemas.microsoft.com/office/drawing/2017/decorative" val="1"/>
-              </a:ext>
-            </a:extLst>
-          </p:cNvPr>
-          <p:cNvSpPr>
-            <a:spLocks noGrp="1" noRot="1" noChangeAspect="1" noMove="1" noResize="1" noEditPoints="1" noAdjustHandles="1" noChangeArrowheads="1" noChangeShapeType="1" noTextEdit="1"/>
-          </p:cNvSpPr>
-          <p:nvPr>
-            <p:extLst>
-              <p:ext uri="{386F3935-93C4-4BCD-93E2-E3B085C9AB24}">
-                <p16:designElem xmlns:p16="http://schemas.microsoft.com/office/powerpoint/2015/main" val="1"/>
-              </p:ext>
-            </p:extLst>
-          </p:nvPr>
-        </p:nvSpPr>
-        <p:spPr>
-          <a:xfrm>
-            <a:off x="0" y="0"/>
-            <a:ext cx="12186315" cy="6858000"/>
-          </a:xfrm>
-          <a:prstGeom prst="rect">
-            <a:avLst/>
-          </a:prstGeom>
-          <a:ln>
-            <a:noFill/>
-          </a:ln>
-        </p:spPr>
-        <p:style>
-          <a:lnRef idx="2">
-            <a:schemeClr val="accent6">
-              <a:shade val="50000"/>
-            </a:schemeClr>
-          </a:lnRef>
-          <a:fillRef idx="1001">
-            <a:schemeClr val="lt1"/>
-          </a:fillRef>
-          <a:effectRef idx="0">
-            <a:schemeClr val="accent6"/>
-          </a:effectRef>
-          <a:fontRef idx="minor">
-            <a:schemeClr val="lt1"/>
-          </a:fontRef>
-        </p:style>
-        <p:txBody>
-          <a:bodyPr rtlCol="0" anchor="ctr"/>
-          <a:lstStyle/>
-          <a:p>
-            <a:pPr algn="ctr"/>
-            <a:endParaRPr lang="en-US"/>
-          </a:p>
-        </p:txBody>
-      </p:sp>
-      <p:sp>
-        <p:nvSpPr>
-          <p:cNvPr id="72" name="Rectangle 66">
-            <a:extLst>
-              <a:ext uri="{FF2B5EF4-FFF2-40B4-BE49-F238E27FC236}">
-                <a16:creationId xmlns:a16="http://schemas.microsoft.com/office/drawing/2014/main" id="{7AAC67C3-831B-4AB1-A259-DFB839CAFAFC}"/>
-              </a:ext>
-              <a:ext uri="{C183D7F6-B498-43B3-948B-1728B52AA6E4}">
-                <adec:decorative xmlns:adec="http://schemas.microsoft.com/office/drawing/2017/decorative" val="1"/>
-              </a:ext>
-            </a:extLst>
-          </p:cNvPr>
-          <p:cNvSpPr>
-            <a:spLocks noGrp="1" noRot="1" noChangeAspect="1" noMove="1" noResize="1" noEditPoints="1" noAdjustHandles="1" noChangeArrowheads="1" noChangeShapeType="1" noTextEdit="1"/>
-          </p:cNvSpPr>
-          <p:nvPr>
-            <p:extLst>
-              <p:ext uri="{386F3935-93C4-4BCD-93E2-E3B085C9AB24}">
-                <p16:designElem xmlns:p16="http://schemas.microsoft.com/office/powerpoint/2015/main" val="1"/>
-              </p:ext>
-            </p:extLst>
-          </p:nvPr>
-        </p:nvSpPr>
-        <p:spPr>
-          <a:xfrm>
-            <a:off x="16" y="0"/>
-            <a:ext cx="4050791" cy="6858000"/>
-          </a:xfrm>
-          <a:prstGeom prst="rect">
-            <a:avLst/>
-          </a:prstGeom>
-          <a:solidFill>
-            <a:schemeClr val="accent2"/>
-          </a:solidFill>
-          <a:ln>
-            <a:noFill/>
-          </a:ln>
-        </p:spPr>
-        <p:style>
-          <a:lnRef idx="2">
-            <a:schemeClr val="accent1">
-              <a:shade val="50000"/>
-            </a:schemeClr>
-          </a:lnRef>
-          <a:fillRef idx="1">
-            <a:schemeClr val="accent1"/>
-          </a:fillRef>
-          <a:effectRef idx="0">
-            <a:schemeClr val="accent1"/>
-          </a:effectRef>
-          <a:fontRef idx="minor">
-            <a:schemeClr val="lt1"/>
-          </a:fontRef>
-        </p:style>
-      </p:sp>
       <p:sp>
         <p:nvSpPr>
           <p:cNvPr id="2" name="Title 1">
             <a:extLst>
               <a:ext uri="{FF2B5EF4-FFF2-40B4-BE49-F238E27FC236}">
-                <a16:creationId xmlns:a16="http://schemas.microsoft.com/office/drawing/2014/main" id="{EE2C1B71-8396-466A-BC7B-B65182F98752}"/>
+                <a16:creationId xmlns:a16="http://schemas.microsoft.com/office/drawing/2014/main" id="{EBF3C664-E1DA-41E3-AAD5-4680841370D3}"/>
               </a:ext>
             </a:extLst>
           </p:cNvPr>
@@ -26273,92 +33993,27 @@
             <p:ph type="title"/>
           </p:nvPr>
         </p:nvSpPr>
-        <p:spPr>
-          <a:xfrm>
-            <a:off x="263770" y="605896"/>
-            <a:ext cx="3694444" cy="5646208"/>
-          </a:xfrm>
-        </p:spPr>
+        <p:spPr/>
         <p:txBody>
-          <a:bodyPr anchor="ctr">
-            <a:normAutofit/>
-          </a:bodyPr>
+          <a:bodyPr/>
           <a:lstStyle/>
           <a:p>
             <a:r>
-              <a:rPr lang="en-US" sz="3600" b="1" dirty="0">
-                <a:solidFill>
-                  <a:srgbClr val="FFFFFF"/>
-                </a:solidFill>
-                <a:latin typeface="Bahnschrift Condensed"/>
+              <a:rPr lang="en-US">
                 <a:cs typeface="Calibri Light"/>
               </a:rPr>
-              <a:t>TRIỂN KHAI</a:t>
+              <a:t>Thiết kế chức năng </a:t>
             </a:r>
+            <a:endParaRPr lang="en-US"/>
           </a:p>
         </p:txBody>
       </p:sp>
       <p:sp>
         <p:nvSpPr>
-          <p:cNvPr id="73" name="Rectangle 68">
+          <p:cNvPr id="3" name="Content Placeholder 2">
             <a:extLst>
               <a:ext uri="{FF2B5EF4-FFF2-40B4-BE49-F238E27FC236}">
-                <a16:creationId xmlns:a16="http://schemas.microsoft.com/office/drawing/2014/main" id="{054B3F04-9EAC-45C0-B3CE-0387EEA10A0C}"/>
-              </a:ext>
-              <a:ext uri="{C183D7F6-B498-43B3-948B-1728B52AA6E4}">
-                <adec:decorative xmlns:adec="http://schemas.microsoft.com/office/drawing/2017/decorative" val="1"/>
-              </a:ext>
-            </a:extLst>
-          </p:cNvPr>
-          <p:cNvSpPr>
-            <a:spLocks noGrp="1" noRot="1" noChangeAspect="1" noMove="1" noResize="1" noEditPoints="1" noAdjustHandles="1" noChangeArrowheads="1" noChangeShapeType="1" noTextEdit="1"/>
-          </p:cNvSpPr>
-          <p:nvPr>
-            <p:extLst>
-              <p:ext uri="{386F3935-93C4-4BCD-93E2-E3B085C9AB24}">
-                <p16:designElem xmlns:p16="http://schemas.microsoft.com/office/powerpoint/2015/main" val="1"/>
-              </p:ext>
-            </p:extLst>
-          </p:nvPr>
-        </p:nvSpPr>
-        <p:spPr>
-          <a:xfrm>
-            <a:off x="4040071" y="0"/>
-            <a:ext cx="64008" cy="6858000"/>
-          </a:xfrm>
-          <a:prstGeom prst="rect">
-            <a:avLst/>
-          </a:prstGeom>
-          <a:solidFill>
-            <a:schemeClr val="accent1"/>
-          </a:solidFill>
-          <a:ln>
-            <a:noFill/>
-          </a:ln>
-        </p:spPr>
-        <p:style>
-          <a:lnRef idx="2">
-            <a:schemeClr val="accent1">
-              <a:shade val="50000"/>
-            </a:schemeClr>
-          </a:lnRef>
-          <a:fillRef idx="1">
-            <a:schemeClr val="accent1"/>
-          </a:fillRef>
-          <a:effectRef idx="0">
-            <a:schemeClr val="accent1"/>
-          </a:effectRef>
-          <a:fontRef idx="minor">
-            <a:schemeClr val="lt1"/>
-          </a:fontRef>
-        </p:style>
-      </p:sp>
-      <p:sp>
-        <p:nvSpPr>
-          <p:cNvPr id="40" name="Content Placeholder 39">
-            <a:extLst>
-              <a:ext uri="{FF2B5EF4-FFF2-40B4-BE49-F238E27FC236}">
-                <a16:creationId xmlns:a16="http://schemas.microsoft.com/office/drawing/2014/main" id="{4E53D4DB-EB70-40AF-A4FB-19C4F9B089E8}"/>
+                <a16:creationId xmlns:a16="http://schemas.microsoft.com/office/drawing/2014/main" id="{270001F6-C9A3-4710-83B1-B547A87D0E88}"/>
               </a:ext>
             </a:extLst>
           </p:cNvPr>
@@ -26369,30 +34024,21 @@
             <p:ph sz="quarter" idx="13"/>
           </p:nvPr>
         </p:nvSpPr>
-        <p:spPr>
-          <a:xfrm>
-            <a:off x="4742016" y="605896"/>
-            <a:ext cx="6413663" cy="5646208"/>
-          </a:xfrm>
-        </p:spPr>
+        <p:spPr/>
         <p:txBody>
-          <a:bodyPr anchor="ctr">
-            <a:normAutofit/>
-          </a:bodyPr>
+          <a:bodyPr/>
           <a:lstStyle/>
           <a:p>
-            <a:endParaRPr lang="en-US">
-              <a:cs typeface="Calibri"/>
-            </a:endParaRPr>
+            <a:endParaRPr lang="en-US"/>
           </a:p>
         </p:txBody>
       </p:sp>
       <p:sp>
         <p:nvSpPr>
-          <p:cNvPr id="60" name="Slide Number Placeholder 59">
+          <p:cNvPr id="4" name="Slide Number Placeholder 3">
             <a:extLst>
               <a:ext uri="{FF2B5EF4-FFF2-40B4-BE49-F238E27FC236}">
-                <a16:creationId xmlns:a16="http://schemas.microsoft.com/office/drawing/2014/main" id="{C0F05CE8-93D7-48A5-89CC-0E4411D4A8EB}"/>
+                <a16:creationId xmlns:a16="http://schemas.microsoft.com/office/drawing/2014/main" id="{4BB80B78-4581-47BD-A9F8-CD2CB89489F2}"/>
               </a:ext>
             </a:extLst>
           </p:cNvPr>
@@ -26403,48 +34049,23 @@
             <p:ph type="sldNum" sz="quarter" idx="12"/>
           </p:nvPr>
         </p:nvSpPr>
-        <p:spPr>
-          <a:xfrm>
-            <a:off x="10123055" y="6459785"/>
-            <a:ext cx="1089428" cy="365125"/>
-          </a:xfrm>
-        </p:spPr>
+        <p:spPr/>
         <p:txBody>
-          <a:bodyPr>
-            <a:normAutofit/>
-          </a:bodyPr>
+          <a:bodyPr/>
           <a:lstStyle/>
           <a:p>
-            <a:pPr>
-              <a:spcAft>
-                <a:spcPts val="600"/>
-              </a:spcAft>
-            </a:pPr>
             <a:fld id="{6D22F896-40B5-4ADD-8801-0D06FADFA095}" type="slidenum">
-              <a:rPr lang="en-US">
-                <a:solidFill>
-                  <a:schemeClr val="tx2"/>
-                </a:solidFill>
-              </a:rPr>
-              <a:pPr>
-                <a:spcAft>
-                  <a:spcPts val="600"/>
-                </a:spcAft>
-              </a:pPr>
+              <a:rPr lang="en-US" dirty="0"/>
               <a:t>9</a:t>
             </a:fld>
-            <a:endParaRPr lang="en-US">
-              <a:solidFill>
-                <a:schemeClr val="tx2"/>
-              </a:solidFill>
-            </a:endParaRPr>
+            <a:endParaRPr lang="en-US"/>
           </a:p>
         </p:txBody>
       </p:sp>
     </p:spTree>
     <p:extLst>
       <p:ext uri="{BB962C8B-B14F-4D97-AF65-F5344CB8AC3E}">
-        <p14:creationId xmlns:p14="http://schemas.microsoft.com/office/powerpoint/2010/main" val="2052042930"/>
+        <p14:creationId xmlns:p14="http://schemas.microsoft.com/office/powerpoint/2010/main" val="2627859462"/>
       </p:ext>
     </p:extLst>
   </p:cSld>

--- a/HoachDinhChienLuoc/DoAnHoachDinhChienLuoc.pptx
+++ b/HoachDinhChienLuoc/DoAnHoachDinhChienLuoc.pptx
@@ -5,7 +5,7 @@
     <p:sldMasterId id="2147483669" r:id="rId1"/>
   </p:sldMasterIdLst>
   <p:notesMasterIdLst>
-    <p:notesMasterId r:id="rId31"/>
+    <p:notesMasterId r:id="rId32"/>
   </p:notesMasterIdLst>
   <p:sldIdLst>
     <p:sldId id="256" r:id="rId2"/>
@@ -21,22 +21,23 @@
     <p:sldId id="284" r:id="rId12"/>
     <p:sldId id="289" r:id="rId13"/>
     <p:sldId id="290" r:id="rId14"/>
-    <p:sldId id="267" r:id="rId15"/>
-    <p:sldId id="272" r:id="rId16"/>
-    <p:sldId id="273" r:id="rId17"/>
-    <p:sldId id="278" r:id="rId18"/>
-    <p:sldId id="275" r:id="rId19"/>
-    <p:sldId id="274" r:id="rId20"/>
-    <p:sldId id="276" r:id="rId21"/>
-    <p:sldId id="277" r:id="rId22"/>
-    <p:sldId id="279" r:id="rId23"/>
-    <p:sldId id="280" r:id="rId24"/>
-    <p:sldId id="268" r:id="rId25"/>
-    <p:sldId id="285" r:id="rId26"/>
-    <p:sldId id="286" r:id="rId27"/>
-    <p:sldId id="287" r:id="rId28"/>
-    <p:sldId id="288" r:id="rId29"/>
-    <p:sldId id="265" r:id="rId30"/>
+    <p:sldId id="291" r:id="rId15"/>
+    <p:sldId id="267" r:id="rId16"/>
+    <p:sldId id="272" r:id="rId17"/>
+    <p:sldId id="273" r:id="rId18"/>
+    <p:sldId id="278" r:id="rId19"/>
+    <p:sldId id="275" r:id="rId20"/>
+    <p:sldId id="274" r:id="rId21"/>
+    <p:sldId id="276" r:id="rId22"/>
+    <p:sldId id="277" r:id="rId23"/>
+    <p:sldId id="279" r:id="rId24"/>
+    <p:sldId id="280" r:id="rId25"/>
+    <p:sldId id="268" r:id="rId26"/>
+    <p:sldId id="285" r:id="rId27"/>
+    <p:sldId id="286" r:id="rId28"/>
+    <p:sldId id="287" r:id="rId29"/>
+    <p:sldId id="288" r:id="rId30"/>
+    <p:sldId id="265" r:id="rId31"/>
   </p:sldIdLst>
   <p:sldSz cx="12192000" cy="6858000"/>
   <p:notesSz cx="6858000" cy="9144000"/>
@@ -34152,14 +34153,14 @@
             <p:ph sz="quarter" idx="13"/>
             <p:extLst>
               <p:ext uri="{D42A27DB-BD31-4B8C-83A1-F6EECF244321}">
-                <p14:modId xmlns:p14="http://schemas.microsoft.com/office/powerpoint/2010/main" val="2034055932"/>
+                <p14:modId xmlns:p14="http://schemas.microsoft.com/office/powerpoint/2010/main" val="1976350791"/>
               </p:ext>
             </p:extLst>
           </p:nvPr>
         </p:nvGraphicFramePr>
         <p:xfrm>
-          <a:off x="914400" y="2366963"/>
-          <a:ext cx="10241280" cy="3787004"/>
+          <a:off x="914400" y="1781643"/>
+          <a:ext cx="10241280" cy="4297680"/>
         </p:xfrm>
         <a:graphic>
           <a:graphicData uri="http://schemas.openxmlformats.org/drawingml/2006/table">
@@ -34168,21 +34169,21 @@
                 <a:tableStyleId>{5C22544A-7EE6-4342-B048-85BDC9FD1C3A}</a:tableStyleId>
               </a:tblPr>
               <a:tblGrid>
-                <a:gridCol w="3413760">
+                <a:gridCol w="2343807">
                   <a:extLst>
                     <a:ext uri="{9D8B030D-6E8A-4147-A177-3AD203B41FA5}">
                       <a16:colId xmlns:a16="http://schemas.microsoft.com/office/drawing/2014/main" val="3078560029"/>
                     </a:ext>
                   </a:extLst>
                 </a:gridCol>
-                <a:gridCol w="3413760">
+                <a:gridCol w="5707117">
                   <a:extLst>
                     <a:ext uri="{9D8B030D-6E8A-4147-A177-3AD203B41FA5}">
                       <a16:colId xmlns:a16="http://schemas.microsoft.com/office/drawing/2014/main" val="493371144"/>
                     </a:ext>
                   </a:extLst>
                 </a:gridCol>
-                <a:gridCol w="3413760">
+                <a:gridCol w="2190356">
                   <a:extLst>
                     <a:ext uri="{9D8B030D-6E8A-4147-A177-3AD203B41FA5}">
                       <a16:colId xmlns:a16="http://schemas.microsoft.com/office/drawing/2014/main" val="3912040680"/>
@@ -34375,16 +34376,440 @@
                     <a:bodyPr/>
                     <a:lstStyle/>
                     <a:p>
+                      <a:pPr marL="285750" indent="-285750">
+                        <a:buFontTx/>
+                        <a:buChar char="-"/>
+                      </a:pPr>
+                      <a:r>
+                        <a:rPr lang="en-US" dirty="0" err="1"/>
+                        <a:t>Cung</a:t>
+                      </a:r>
+                      <a:r>
+                        <a:rPr lang="en-US" dirty="0"/>
+                        <a:t> </a:t>
+                      </a:r>
+                      <a:r>
+                        <a:rPr lang="en-US" dirty="0" err="1"/>
+                        <a:t>cấp</a:t>
+                      </a:r>
+                      <a:r>
+                        <a:rPr lang="en-US" dirty="0"/>
+                        <a:t> </a:t>
+                      </a:r>
+                      <a:r>
+                        <a:rPr lang="en-US" dirty="0" err="1"/>
+                        <a:t>chính</a:t>
+                      </a:r>
+                      <a:r>
+                        <a:rPr lang="en-US" dirty="0"/>
+                        <a:t> </a:t>
+                      </a:r>
+                      <a:r>
+                        <a:rPr lang="en-US" dirty="0" err="1"/>
+                        <a:t>xác</a:t>
+                      </a:r>
+                      <a:r>
+                        <a:rPr lang="en-US" dirty="0"/>
+                        <a:t> </a:t>
+                      </a:r>
+                      <a:r>
+                        <a:rPr lang="en-US" dirty="0" err="1"/>
+                        <a:t>thông</a:t>
+                      </a:r>
+                      <a:r>
+                        <a:rPr lang="en-US" dirty="0"/>
+                        <a:t> tin </a:t>
+                      </a:r>
+                      <a:r>
+                        <a:rPr lang="en-US" dirty="0" err="1"/>
+                        <a:t>mua</a:t>
+                      </a:r>
+                      <a:r>
+                        <a:rPr lang="en-US" dirty="0"/>
+                        <a:t> hang</a:t>
+                      </a:r>
+                    </a:p>
+                    <a:p>
+                      <a:pPr marL="285750" indent="-285750">
+                        <a:buFontTx/>
+                        <a:buChar char="-"/>
+                      </a:pPr>
+                      <a:r>
+                        <a:rPr lang="en-US" dirty="0" err="1"/>
+                        <a:t>Gửi</a:t>
+                      </a:r>
+                      <a:r>
+                        <a:rPr lang="en-US" dirty="0"/>
+                        <a:t> </a:t>
+                      </a:r>
+                      <a:r>
+                        <a:rPr lang="en-US" dirty="0" err="1"/>
+                        <a:t>thông</a:t>
+                      </a:r>
+                      <a:r>
+                        <a:rPr lang="en-US" dirty="0"/>
+                        <a:t> tin </a:t>
+                      </a:r>
+                      <a:r>
+                        <a:rPr lang="en-US" dirty="0" err="1"/>
+                        <a:t>khuyến</a:t>
+                      </a:r>
+                      <a:r>
+                        <a:rPr lang="en-US" dirty="0"/>
+                        <a:t> </a:t>
+                      </a:r>
+                      <a:r>
+                        <a:rPr lang="en-US" dirty="0" err="1"/>
+                        <a:t>mãi</a:t>
+                      </a:r>
                       <a:endParaRPr lang="en-US" dirty="0"/>
+                    </a:p>
+                    <a:p>
+                      <a:pPr marL="285750" indent="-285750">
+                        <a:buFontTx/>
+                        <a:buChar char="-"/>
+                      </a:pPr>
+                      <a:r>
+                        <a:rPr lang="en-US" dirty="0" err="1"/>
+                        <a:t>Lưu</a:t>
+                      </a:r>
+                      <a:r>
+                        <a:rPr lang="en-US" dirty="0"/>
+                        <a:t> </a:t>
+                      </a:r>
+                      <a:r>
+                        <a:rPr lang="en-US" dirty="0" err="1"/>
+                        <a:t>trữ</a:t>
+                      </a:r>
+                      <a:r>
+                        <a:rPr lang="en-US" dirty="0"/>
+                        <a:t> </a:t>
+                      </a:r>
+                      <a:r>
+                        <a:rPr lang="en-US" dirty="0" err="1"/>
+                        <a:t>hoá</a:t>
+                      </a:r>
+                      <a:r>
+                        <a:rPr lang="en-US" dirty="0"/>
+                        <a:t> </a:t>
+                      </a:r>
+                      <a:r>
+                        <a:rPr lang="en-US" dirty="0" err="1"/>
+                        <a:t>đơn</a:t>
+                      </a:r>
+                      <a:r>
+                        <a:rPr lang="en-US" dirty="0"/>
+                        <a:t>, </a:t>
+                      </a:r>
+                      <a:r>
+                        <a:rPr lang="en-US" dirty="0" err="1"/>
+                        <a:t>chúng</a:t>
+                      </a:r>
+                      <a:r>
+                        <a:rPr lang="en-US" dirty="0"/>
+                        <a:t> </a:t>
+                      </a:r>
+                      <a:r>
+                        <a:rPr lang="en-US" dirty="0" err="1"/>
+                        <a:t>từ</a:t>
+                      </a:r>
+                      <a:r>
+                        <a:rPr lang="en-US" dirty="0"/>
+                        <a:t>,…</a:t>
+                      </a:r>
                     </a:p>
                   </a:txBody>
                   <a:tcPr/>
                 </a:tc>
-                <a:tc>
+                <a:tc rowSpan="3">
                   <a:txBody>
                     <a:bodyPr/>
                     <a:lstStyle/>
                     <a:p>
+                      <a:pPr marL="285750" indent="-285750">
+                        <a:buFontTx/>
+                        <a:buChar char="-"/>
+                      </a:pPr>
+                      <a:r>
+                        <a:rPr lang="en-US" dirty="0" err="1"/>
+                        <a:t>Hệ</a:t>
+                      </a:r>
+                      <a:r>
+                        <a:rPr lang="en-US" dirty="0"/>
+                        <a:t> </a:t>
+                      </a:r>
+                      <a:r>
+                        <a:rPr lang="en-US" dirty="0" err="1"/>
+                        <a:t>thống</a:t>
+                      </a:r>
+                      <a:r>
+                        <a:rPr lang="en-US" dirty="0"/>
+                        <a:t> </a:t>
+                      </a:r>
+                      <a:r>
+                        <a:rPr lang="en-US" dirty="0" err="1"/>
+                        <a:t>sẵn</a:t>
+                      </a:r>
+                      <a:r>
+                        <a:rPr lang="en-US" dirty="0"/>
+                        <a:t> </a:t>
+                      </a:r>
+                      <a:r>
+                        <a:rPr lang="en-US" dirty="0" err="1"/>
+                        <a:t>sàng</a:t>
+                      </a:r>
+                      <a:r>
+                        <a:rPr lang="en-US" dirty="0"/>
+                        <a:t> </a:t>
+                      </a:r>
+                      <a:r>
+                        <a:rPr lang="en-US" dirty="0" err="1"/>
+                        <a:t>ít</a:t>
+                      </a:r>
+                      <a:r>
+                        <a:rPr lang="en-US" dirty="0"/>
+                        <a:t> </a:t>
+                      </a:r>
+                      <a:r>
+                        <a:rPr lang="en-US" dirty="0" err="1"/>
+                        <a:t>nhất</a:t>
+                      </a:r>
+                      <a:r>
+                        <a:rPr lang="en-US" dirty="0"/>
+                        <a:t> 20h </a:t>
+                      </a:r>
+                      <a:r>
+                        <a:rPr lang="en-US" dirty="0" err="1"/>
+                        <a:t>một</a:t>
+                      </a:r>
+                      <a:r>
+                        <a:rPr lang="en-US" dirty="0"/>
+                        <a:t> </a:t>
+                      </a:r>
+                      <a:r>
+                        <a:rPr lang="en-US" dirty="0" err="1"/>
+                        <a:t>ngày</a:t>
+                      </a:r>
+                      <a:endParaRPr lang="en-US" dirty="0"/>
+                    </a:p>
+                    <a:p>
+                      <a:pPr marL="285750" indent="-285750">
+                        <a:buFontTx/>
+                        <a:buChar char="-"/>
+                      </a:pPr>
+                      <a:r>
+                        <a:rPr lang="en-US" dirty="0" err="1"/>
+                        <a:t>Đảm</a:t>
+                      </a:r>
+                      <a:r>
+                        <a:rPr lang="en-US" dirty="0"/>
+                        <a:t> </a:t>
+                      </a:r>
+                      <a:r>
+                        <a:rPr lang="en-US" dirty="0" err="1"/>
+                        <a:t>bảo</a:t>
+                      </a:r>
+                      <a:r>
+                        <a:rPr lang="en-US" dirty="0"/>
+                        <a:t> </a:t>
+                      </a:r>
+                      <a:r>
+                        <a:rPr lang="en-US" dirty="0" err="1"/>
+                        <a:t>thông</a:t>
+                      </a:r>
+                      <a:r>
+                        <a:rPr lang="en-US" dirty="0"/>
+                        <a:t> tin </a:t>
+                      </a:r>
+                      <a:r>
+                        <a:rPr lang="en-US" dirty="0" err="1"/>
+                        <a:t>khách</a:t>
+                      </a:r>
+                      <a:r>
+                        <a:rPr lang="en-US" dirty="0"/>
+                        <a:t> </a:t>
+                      </a:r>
+                      <a:r>
+                        <a:rPr lang="en-US" dirty="0" err="1"/>
+                        <a:t>hàng</a:t>
+                      </a:r>
+                      <a:r>
+                        <a:rPr lang="en-US" dirty="0"/>
+                        <a:t> </a:t>
+                      </a:r>
+                      <a:r>
+                        <a:rPr lang="en-US" dirty="0" err="1"/>
+                        <a:t>không</a:t>
+                      </a:r>
+                      <a:r>
+                        <a:rPr lang="en-US" dirty="0"/>
+                        <a:t> </a:t>
+                      </a:r>
+                      <a:r>
+                        <a:rPr lang="en-US" dirty="0" err="1"/>
+                        <a:t>bị</a:t>
+                      </a:r>
+                      <a:r>
+                        <a:rPr lang="en-US" dirty="0"/>
+                        <a:t> </a:t>
+                      </a:r>
+                      <a:r>
+                        <a:rPr lang="en-US" dirty="0" err="1"/>
+                        <a:t>lộ</a:t>
+                      </a:r>
+                      <a:endParaRPr lang="en-US" dirty="0"/>
+                    </a:p>
+                    <a:p>
+                      <a:pPr marL="285750" indent="-285750">
+                        <a:buFontTx/>
+                        <a:buChar char="-"/>
+                      </a:pPr>
+                      <a:r>
+                        <a:rPr lang="en-US" dirty="0" err="1"/>
+                        <a:t>Kiểm</a:t>
+                      </a:r>
+                      <a:r>
+                        <a:rPr lang="en-US" dirty="0"/>
+                        <a:t> </a:t>
+                      </a:r>
+                      <a:r>
+                        <a:rPr lang="en-US" dirty="0" err="1"/>
+                        <a:t>tra</a:t>
+                      </a:r>
+                      <a:r>
+                        <a:rPr lang="en-US" dirty="0"/>
+                        <a:t>/ </a:t>
+                      </a:r>
+                      <a:r>
+                        <a:rPr lang="en-US" dirty="0" err="1"/>
+                        <a:t>thực</a:t>
+                      </a:r>
+                      <a:r>
+                        <a:rPr lang="en-US" dirty="0"/>
+                        <a:t> </a:t>
+                      </a:r>
+                      <a:r>
+                        <a:rPr lang="en-US" dirty="0" err="1"/>
+                        <a:t>hiện</a:t>
+                      </a:r>
+                      <a:r>
+                        <a:rPr lang="en-US" dirty="0"/>
+                        <a:t> </a:t>
+                      </a:r>
+                      <a:r>
+                        <a:rPr lang="en-US" dirty="0" err="1"/>
+                        <a:t>khuyến</a:t>
+                      </a:r>
+                      <a:r>
+                        <a:rPr lang="en-US" dirty="0"/>
+                        <a:t> </a:t>
+                      </a:r>
+                      <a:r>
+                        <a:rPr lang="en-US" dirty="0" err="1"/>
+                        <a:t>mãi</a:t>
+                      </a:r>
+                      <a:r>
+                        <a:rPr lang="en-US" dirty="0"/>
+                        <a:t>/ </a:t>
+                      </a:r>
+                      <a:r>
+                        <a:rPr lang="en-US" dirty="0" err="1"/>
+                        <a:t>ưu</a:t>
+                      </a:r>
+                      <a:r>
+                        <a:rPr lang="en-US" dirty="0"/>
+                        <a:t> </a:t>
+                      </a:r>
+                      <a:r>
+                        <a:rPr lang="en-US" dirty="0" err="1"/>
+                        <a:t>đãi</a:t>
+                      </a:r>
+                      <a:r>
+                        <a:rPr lang="en-US" dirty="0"/>
+                        <a:t> </a:t>
+                      </a:r>
+                      <a:r>
+                        <a:rPr lang="en-US" dirty="0" err="1"/>
+                        <a:t>của</a:t>
+                      </a:r>
+                      <a:r>
+                        <a:rPr lang="en-US" dirty="0"/>
+                        <a:t> </a:t>
+                      </a:r>
+                      <a:r>
+                        <a:rPr lang="en-US" dirty="0" err="1"/>
+                        <a:t>khách</a:t>
+                      </a:r>
+                      <a:r>
+                        <a:rPr lang="en-US" dirty="0"/>
+                        <a:t> </a:t>
+                      </a:r>
+                      <a:r>
+                        <a:rPr lang="en-US" dirty="0" err="1"/>
+                        <a:t>hàng</a:t>
+                      </a:r>
+                      <a:r>
+                        <a:rPr lang="en-US" dirty="0"/>
+                        <a:t> </a:t>
+                      </a:r>
+                      <a:r>
+                        <a:rPr lang="en-US" dirty="0" err="1"/>
+                        <a:t>nhanh</a:t>
+                      </a:r>
+                      <a:r>
+                        <a:rPr lang="en-US" dirty="0"/>
+                        <a:t> </a:t>
+                      </a:r>
+                      <a:r>
+                        <a:rPr lang="en-US" dirty="0" err="1"/>
+                        <a:t>hơn</a:t>
+                      </a:r>
+                      <a:r>
+                        <a:rPr lang="en-US" dirty="0"/>
+                        <a:t> 10s</a:t>
+                      </a:r>
+                    </a:p>
+                    <a:p>
+                      <a:pPr marL="285750" indent="-285750">
+                        <a:buFontTx/>
+                        <a:buChar char="-"/>
+                      </a:pPr>
+                      <a:r>
+                        <a:rPr lang="en-US" dirty="0" err="1"/>
+                        <a:t>Tiện</a:t>
+                      </a:r>
+                      <a:r>
+                        <a:rPr lang="en-US" dirty="0"/>
+                        <a:t> </a:t>
+                      </a:r>
+                      <a:r>
+                        <a:rPr lang="en-US" dirty="0" err="1"/>
+                        <a:t>lợi</a:t>
+                      </a:r>
+                      <a:r>
+                        <a:rPr lang="en-US" dirty="0"/>
+                        <a:t>, </a:t>
+                      </a:r>
+                      <a:r>
+                        <a:rPr lang="en-US" dirty="0" err="1"/>
+                        <a:t>dễ</a:t>
+                      </a:r>
+                      <a:r>
+                        <a:rPr lang="en-US" dirty="0"/>
+                        <a:t> </a:t>
+                      </a:r>
+                      <a:r>
+                        <a:rPr lang="en-US" dirty="0" err="1"/>
+                        <a:t>sử</a:t>
+                      </a:r>
+                      <a:r>
+                        <a:rPr lang="en-US" dirty="0"/>
+                        <a:t> </a:t>
+                      </a:r>
+                      <a:r>
+                        <a:rPr lang="en-US" dirty="0" err="1"/>
+                        <a:t>dụng</a:t>
+                      </a:r>
                       <a:endParaRPr lang="en-US" dirty="0"/>
                     </a:p>
                   </a:txBody>
@@ -34440,12 +34865,269 @@
                     <a:bodyPr/>
                     <a:lstStyle/>
                     <a:p>
+                      <a:pPr marL="285750" indent="-285750">
+                        <a:buFontTx/>
+                        <a:buChar char="-"/>
+                      </a:pPr>
+                      <a:r>
+                        <a:rPr lang="en-US" dirty="0" err="1"/>
+                        <a:t>Cung</a:t>
+                      </a:r>
+                      <a:r>
+                        <a:rPr lang="en-US" dirty="0"/>
+                        <a:t> </a:t>
+                      </a:r>
+                      <a:r>
+                        <a:rPr lang="en-US" dirty="0" err="1"/>
+                        <a:t>cấp</a:t>
+                      </a:r>
+                      <a:r>
+                        <a:rPr lang="en-US" dirty="0"/>
+                        <a:t> </a:t>
+                      </a:r>
+                      <a:r>
+                        <a:rPr lang="en-US" dirty="0" err="1"/>
+                        <a:t>thông</a:t>
+                      </a:r>
+                      <a:r>
+                        <a:rPr lang="en-US" dirty="0"/>
+                        <a:t> tin </a:t>
+                      </a:r>
+                      <a:r>
+                        <a:rPr lang="en-US" dirty="0" err="1"/>
+                        <a:t>bảo</a:t>
+                      </a:r>
+                      <a:r>
+                        <a:rPr lang="en-US" dirty="0"/>
+                        <a:t> </a:t>
+                      </a:r>
+                      <a:r>
+                        <a:rPr lang="en-US" dirty="0" err="1"/>
+                        <a:t>hành</a:t>
+                      </a:r>
+                      <a:r>
+                        <a:rPr lang="en-US" dirty="0"/>
+                        <a:t>, </a:t>
+                      </a:r>
+                      <a:r>
+                        <a:rPr lang="en-US" dirty="0" err="1"/>
+                        <a:t>thông</a:t>
+                      </a:r>
+                      <a:r>
+                        <a:rPr lang="en-US" dirty="0"/>
+                        <a:t> tin </a:t>
+                      </a:r>
+                      <a:r>
+                        <a:rPr lang="en-US" dirty="0" err="1"/>
+                        <a:t>đổi</a:t>
+                      </a:r>
+                      <a:r>
+                        <a:rPr lang="en-US" dirty="0"/>
+                        <a:t> </a:t>
+                      </a:r>
+                      <a:r>
+                        <a:rPr lang="en-US" dirty="0" err="1"/>
+                        <a:t>trả</a:t>
+                      </a:r>
+                      <a:endParaRPr lang="en-US" dirty="0"/>
+                    </a:p>
+                    <a:p>
+                      <a:pPr marL="285750" indent="-285750">
+                        <a:buFontTx/>
+                        <a:buChar char="-"/>
+                      </a:pPr>
+                      <a:r>
+                        <a:rPr lang="en-US" dirty="0" err="1"/>
+                        <a:t>Thông</a:t>
+                      </a:r>
+                      <a:r>
+                        <a:rPr lang="en-US" dirty="0"/>
+                        <a:t> </a:t>
+                      </a:r>
+                      <a:r>
+                        <a:rPr lang="en-US" dirty="0" err="1"/>
+                        <a:t>báo</a:t>
+                      </a:r>
+                      <a:r>
+                        <a:rPr lang="en-US" dirty="0"/>
+                        <a:t> </a:t>
+                      </a:r>
+                      <a:r>
+                        <a:rPr lang="en-US" dirty="0" err="1"/>
+                        <a:t>đến</a:t>
+                      </a:r>
+                      <a:r>
+                        <a:rPr lang="en-US" dirty="0"/>
+                        <a:t> </a:t>
+                      </a:r>
+                      <a:r>
+                        <a:rPr lang="en-US" dirty="0" err="1"/>
+                        <a:t>khách</a:t>
+                      </a:r>
+                      <a:r>
+                        <a:rPr lang="en-US" dirty="0"/>
+                        <a:t> </a:t>
+                      </a:r>
+                      <a:r>
+                        <a:rPr lang="en-US" dirty="0" err="1"/>
+                        <a:t>hàng</a:t>
+                      </a:r>
+                      <a:r>
+                        <a:rPr lang="en-US" dirty="0"/>
+                        <a:t> </a:t>
+                      </a:r>
+                      <a:r>
+                        <a:rPr lang="en-US" dirty="0" err="1"/>
+                        <a:t>về</a:t>
+                      </a:r>
+                      <a:r>
+                        <a:rPr lang="en-US" dirty="0"/>
+                        <a:t> </a:t>
+                      </a:r>
+                      <a:r>
+                        <a:rPr lang="en-US" dirty="0" err="1"/>
+                        <a:t>tình</a:t>
+                      </a:r>
+                      <a:r>
+                        <a:rPr lang="en-US" dirty="0"/>
+                        <a:t> </a:t>
+                      </a:r>
+                      <a:r>
+                        <a:rPr lang="en-US" dirty="0" err="1"/>
+                        <a:t>trạng</a:t>
+                      </a:r>
+                      <a:r>
+                        <a:rPr lang="en-US" dirty="0"/>
+                        <a:t> </a:t>
+                      </a:r>
+                      <a:r>
+                        <a:rPr lang="en-US" dirty="0" err="1"/>
+                        <a:t>sp</a:t>
+                      </a:r>
+                      <a:endParaRPr lang="en-US" dirty="0"/>
+                    </a:p>
+                    <a:p>
+                      <a:pPr marL="285750" indent="-285750">
+                        <a:buFontTx/>
+                        <a:buChar char="-"/>
+                      </a:pPr>
+                      <a:r>
+                        <a:rPr lang="en-US" dirty="0" err="1"/>
+                        <a:t>Kiểm</a:t>
+                      </a:r>
+                      <a:r>
+                        <a:rPr lang="en-US" dirty="0"/>
+                        <a:t> </a:t>
+                      </a:r>
+                      <a:r>
+                        <a:rPr lang="en-US" dirty="0" err="1"/>
+                        <a:t>tra</a:t>
+                      </a:r>
+                      <a:r>
+                        <a:rPr lang="en-US" dirty="0"/>
+                        <a:t> </a:t>
+                      </a:r>
+                      <a:r>
+                        <a:rPr lang="en-US" dirty="0" err="1"/>
+                        <a:t>thông</a:t>
+                      </a:r>
+                      <a:r>
+                        <a:rPr lang="en-US" dirty="0"/>
+                        <a:t> tin </a:t>
+                      </a:r>
+                      <a:r>
+                        <a:rPr lang="en-US" dirty="0" err="1"/>
+                        <a:t>sản</a:t>
+                      </a:r>
+                      <a:r>
+                        <a:rPr lang="en-US" dirty="0"/>
+                        <a:t> </a:t>
+                      </a:r>
+                      <a:r>
+                        <a:rPr lang="en-US" dirty="0" err="1"/>
+                        <a:t>phẩm</a:t>
+                      </a:r>
+                      <a:r>
+                        <a:rPr lang="en-US" dirty="0"/>
+                        <a:t> </a:t>
+                      </a:r>
+                      <a:r>
+                        <a:rPr lang="en-US" dirty="0" err="1"/>
+                        <a:t>được</a:t>
+                      </a:r>
+                      <a:r>
+                        <a:rPr lang="en-US" dirty="0"/>
+                        <a:t> </a:t>
+                      </a:r>
+                      <a:r>
+                        <a:rPr lang="en-US" dirty="0" err="1"/>
+                        <a:t>bảo</a:t>
+                      </a:r>
+                      <a:r>
+                        <a:rPr lang="en-US" dirty="0"/>
+                        <a:t> </a:t>
+                      </a:r>
+                      <a:r>
+                        <a:rPr lang="en-US" dirty="0" err="1"/>
+                        <a:t>hành</a:t>
+                      </a:r>
+                      <a:endParaRPr lang="en-US" dirty="0"/>
+                    </a:p>
+                    <a:p>
+                      <a:pPr marL="285750" indent="-285750">
+                        <a:buFontTx/>
+                        <a:buChar char="-"/>
+                      </a:pPr>
+                      <a:r>
+                        <a:rPr lang="en-US" dirty="0" err="1"/>
+                        <a:t>Tạo</a:t>
+                      </a:r>
+                      <a:r>
+                        <a:rPr lang="en-US" dirty="0"/>
+                        <a:t> </a:t>
+                      </a:r>
+                      <a:r>
+                        <a:rPr lang="en-US" dirty="0" err="1"/>
+                        <a:t>phiếu</a:t>
+                      </a:r>
+                      <a:r>
+                        <a:rPr lang="en-US" dirty="0"/>
+                        <a:t> </a:t>
+                      </a:r>
+                      <a:r>
+                        <a:rPr lang="en-US" dirty="0" err="1"/>
+                        <a:t>đổi</a:t>
+                      </a:r>
+                      <a:r>
+                        <a:rPr lang="en-US" dirty="0"/>
+                        <a:t> </a:t>
+                      </a:r>
+                      <a:r>
+                        <a:rPr lang="en-US" dirty="0" err="1"/>
+                        <a:t>trả</a:t>
+                      </a:r>
+                      <a:r>
+                        <a:rPr lang="en-US" dirty="0"/>
+                        <a:t>, </a:t>
+                      </a:r>
+                      <a:r>
+                        <a:rPr lang="en-US" dirty="0" err="1"/>
+                        <a:t>sửa</a:t>
+                      </a:r>
+                      <a:r>
+                        <a:rPr lang="en-US" dirty="0"/>
+                        <a:t> </a:t>
+                      </a:r>
+                      <a:r>
+                        <a:rPr lang="en-US" dirty="0" err="1"/>
+                        <a:t>chữa</a:t>
+                      </a:r>
                       <a:endParaRPr lang="en-US" dirty="0"/>
                     </a:p>
                   </a:txBody>
                   <a:tcPr/>
                 </a:tc>
-                <a:tc>
+                <a:tc vMerge="1">
                   <a:txBody>
                     <a:bodyPr/>
                     <a:lstStyle/>
@@ -34476,7 +35158,7 @@
                         <a:t> </a:t>
                       </a:r>
                       <a:r>
-                        <a:rPr lang="en-US"/>
+                        <a:rPr lang="en-US" dirty="0" err="1"/>
                         <a:t>hàng</a:t>
                       </a:r>
                       <a:endParaRPr lang="en-US" dirty="0"/>
@@ -34489,12 +35171,244 @@
                     <a:bodyPr/>
                     <a:lstStyle/>
                     <a:p>
+                      <a:pPr marL="285750" indent="-285750">
+                        <a:buFontTx/>
+                        <a:buChar char="-"/>
+                      </a:pPr>
+                      <a:r>
+                        <a:rPr lang="en-US" dirty="0"/>
+                        <a:t>Theo </a:t>
+                      </a:r>
+                      <a:r>
+                        <a:rPr lang="en-US" dirty="0" err="1"/>
+                        <a:t>dõi</a:t>
+                      </a:r>
+                      <a:r>
+                        <a:rPr lang="en-US" dirty="0"/>
+                        <a:t> </a:t>
+                      </a:r>
+                      <a:r>
+                        <a:rPr lang="en-US" dirty="0" err="1"/>
+                        <a:t>thông</a:t>
+                      </a:r>
+                      <a:r>
+                        <a:rPr lang="en-US" dirty="0"/>
+                        <a:t> tin </a:t>
+                      </a:r>
+                      <a:r>
+                        <a:rPr lang="en-US" dirty="0" err="1"/>
+                        <a:t>mua</a:t>
+                      </a:r>
+                      <a:r>
+                        <a:rPr lang="en-US" dirty="0"/>
+                        <a:t> hang, </a:t>
+                      </a:r>
+                      <a:r>
+                        <a:rPr lang="en-US" dirty="0" err="1"/>
+                        <a:t>thông</a:t>
+                      </a:r>
+                      <a:r>
+                        <a:rPr lang="en-US" dirty="0"/>
+                        <a:t> tin </a:t>
+                      </a:r>
+                      <a:r>
+                        <a:rPr lang="en-US" dirty="0" err="1"/>
+                        <a:t>khuyến</a:t>
+                      </a:r>
+                      <a:r>
+                        <a:rPr lang="en-US" dirty="0"/>
+                        <a:t> </a:t>
+                      </a:r>
+                      <a:r>
+                        <a:rPr lang="en-US" dirty="0" err="1"/>
+                        <a:t>mãi</a:t>
+                      </a:r>
+                      <a:endParaRPr lang="en-US" dirty="0"/>
+                    </a:p>
+                    <a:p>
+                      <a:pPr marL="285750" indent="-285750">
+                        <a:buFontTx/>
+                        <a:buChar char="-"/>
+                      </a:pPr>
+                      <a:r>
+                        <a:rPr lang="en-US" dirty="0" err="1"/>
+                        <a:t>Yêu</a:t>
+                      </a:r>
+                      <a:r>
+                        <a:rPr lang="en-US" dirty="0"/>
+                        <a:t> </a:t>
+                      </a:r>
+                      <a:r>
+                        <a:rPr lang="en-US" dirty="0" err="1"/>
+                        <a:t>cầu</a:t>
+                      </a:r>
+                      <a:r>
+                        <a:rPr lang="en-US" dirty="0"/>
+                        <a:t> </a:t>
+                      </a:r>
+                      <a:r>
+                        <a:rPr lang="en-US" dirty="0" err="1"/>
+                        <a:t>đổi</a:t>
+                      </a:r>
+                      <a:r>
+                        <a:rPr lang="en-US" dirty="0"/>
+                        <a:t> </a:t>
+                      </a:r>
+                      <a:r>
+                        <a:rPr lang="en-US" dirty="0" err="1"/>
+                        <a:t>tra</a:t>
+                      </a:r>
+                      <a:r>
+                        <a:rPr lang="en-US" dirty="0"/>
+                        <a:t>, </a:t>
+                      </a:r>
+                      <a:r>
+                        <a:rPr lang="en-US" dirty="0" err="1"/>
+                        <a:t>bảnh</a:t>
+                      </a:r>
+                      <a:r>
+                        <a:rPr lang="en-US" dirty="0"/>
+                        <a:t> </a:t>
+                      </a:r>
+                      <a:r>
+                        <a:rPr lang="en-US" dirty="0" err="1"/>
+                        <a:t>hành</a:t>
+                      </a:r>
+                      <a:r>
+                        <a:rPr lang="en-US" dirty="0"/>
+                        <a:t>,..</a:t>
+                      </a:r>
+                    </a:p>
+                    <a:p>
+                      <a:pPr marL="285750" indent="-285750">
+                        <a:buFontTx/>
+                        <a:buChar char="-"/>
+                      </a:pPr>
+                      <a:r>
+                        <a:rPr lang="en-US" dirty="0" err="1"/>
+                        <a:t>Xem</a:t>
+                      </a:r>
+                      <a:r>
+                        <a:rPr lang="en-US" dirty="0"/>
+                        <a:t> </a:t>
+                      </a:r>
+                      <a:r>
+                        <a:rPr lang="en-US" dirty="0" err="1"/>
+                        <a:t>các</a:t>
+                      </a:r>
+                      <a:r>
+                        <a:rPr lang="en-US" dirty="0"/>
+                        <a:t> </a:t>
+                      </a:r>
+                      <a:r>
+                        <a:rPr lang="en-US" dirty="0" err="1"/>
+                        <a:t>chương</a:t>
+                      </a:r>
+                      <a:r>
+                        <a:rPr lang="en-US" dirty="0"/>
+                        <a:t> </a:t>
+                      </a:r>
+                      <a:r>
+                        <a:rPr lang="en-US" dirty="0" err="1"/>
+                        <a:t>trình</a:t>
+                      </a:r>
+                      <a:r>
+                        <a:rPr lang="en-US" dirty="0"/>
+                        <a:t> </a:t>
+                      </a:r>
+                      <a:r>
+                        <a:rPr lang="en-US" dirty="0" err="1"/>
+                        <a:t>khuyến</a:t>
+                      </a:r>
+                      <a:r>
+                        <a:rPr lang="en-US" dirty="0"/>
+                        <a:t> </a:t>
+                      </a:r>
+                      <a:r>
+                        <a:rPr lang="en-US" dirty="0" err="1"/>
+                        <a:t>mãi</a:t>
+                      </a:r>
+                      <a:endParaRPr lang="en-US" dirty="0"/>
+                    </a:p>
+                    <a:p>
+                      <a:pPr marL="285750" indent="-285750">
+                        <a:buFontTx/>
+                        <a:buChar char="-"/>
+                      </a:pPr>
+                      <a:r>
+                        <a:rPr lang="en-US" dirty="0" err="1"/>
+                        <a:t>Nhận</a:t>
+                      </a:r>
+                      <a:r>
+                        <a:rPr lang="en-US" dirty="0"/>
+                        <a:t> </a:t>
+                      </a:r>
+                      <a:r>
+                        <a:rPr lang="en-US" dirty="0" err="1"/>
+                        <a:t>thông</a:t>
+                      </a:r>
+                      <a:r>
+                        <a:rPr lang="en-US" dirty="0"/>
+                        <a:t> </a:t>
+                      </a:r>
+                      <a:r>
+                        <a:rPr lang="en-US" dirty="0" err="1"/>
+                        <a:t>báo</a:t>
+                      </a:r>
+                      <a:r>
+                        <a:rPr lang="en-US" dirty="0"/>
+                        <a:t> </a:t>
+                      </a:r>
+                      <a:r>
+                        <a:rPr lang="en-US" dirty="0" err="1"/>
+                        <a:t>về</a:t>
+                      </a:r>
+                      <a:r>
+                        <a:rPr lang="en-US" dirty="0"/>
+                        <a:t> </a:t>
+                      </a:r>
+                      <a:r>
+                        <a:rPr lang="en-US" dirty="0" err="1"/>
+                        <a:t>các</a:t>
+                      </a:r>
+                      <a:r>
+                        <a:rPr lang="en-US" dirty="0"/>
+                        <a:t> </a:t>
+                      </a:r>
+                      <a:r>
+                        <a:rPr lang="en-US" dirty="0" err="1"/>
+                        <a:t>chương</a:t>
+                      </a:r>
+                      <a:r>
+                        <a:rPr lang="en-US" dirty="0"/>
+                        <a:t> </a:t>
+                      </a:r>
+                      <a:r>
+                        <a:rPr lang="en-US" dirty="0" err="1"/>
+                        <a:t>trình</a:t>
+                      </a:r>
+                      <a:r>
+                        <a:rPr lang="en-US" dirty="0"/>
+                        <a:t> </a:t>
+                      </a:r>
+                      <a:r>
+                        <a:rPr lang="en-US" dirty="0" err="1"/>
+                        <a:t>khuyến</a:t>
+                      </a:r>
+                      <a:r>
+                        <a:rPr lang="en-US" dirty="0"/>
+                        <a:t> </a:t>
+                      </a:r>
+                      <a:r>
+                        <a:rPr lang="en-US" dirty="0" err="1"/>
+                        <a:t>mãi</a:t>
+                      </a:r>
                       <a:endParaRPr lang="en-US" dirty="0"/>
                     </a:p>
                   </a:txBody>
                   <a:tcPr/>
                 </a:tc>
-                <a:tc>
+                <a:tc vMerge="1">
                   <a:txBody>
                     <a:bodyPr/>
                     <a:lstStyle/>
@@ -34557,6 +35471,115 @@
 </file>
 
 <file path=ppt/slides/slide14.xml><?xml version="1.0" encoding="utf-8"?>
+<p:sld xmlns:a="http://schemas.openxmlformats.org/drawingml/2006/main" xmlns:r="http://schemas.openxmlformats.org/officeDocument/2006/relationships" xmlns:p="http://schemas.openxmlformats.org/presentationml/2006/main">
+  <p:cSld>
+    <p:spTree>
+      <p:nvGrpSpPr>
+        <p:cNvPr id="1" name=""/>
+        <p:cNvGrpSpPr/>
+        <p:nvPr/>
+      </p:nvGrpSpPr>
+      <p:grpSpPr>
+        <a:xfrm>
+          <a:off x="0" y="0"/>
+          <a:ext cx="0" cy="0"/>
+          <a:chOff x="0" y="0"/>
+          <a:chExt cx="0" cy="0"/>
+        </a:xfrm>
+      </p:grpSpPr>
+      <p:sp>
+        <p:nvSpPr>
+          <p:cNvPr id="2" name="Title 1">
+            <a:extLst>
+              <a:ext uri="{FF2B5EF4-FFF2-40B4-BE49-F238E27FC236}">
+                <a16:creationId xmlns:a16="http://schemas.microsoft.com/office/drawing/2014/main" id="{12D268A3-6EA7-8544-91DB-B4C9208F5E66}"/>
+              </a:ext>
+            </a:extLst>
+          </p:cNvPr>
+          <p:cNvSpPr>
+            <a:spLocks noGrp="1"/>
+          </p:cNvSpPr>
+          <p:nvPr>
+            <p:ph type="title"/>
+          </p:nvPr>
+        </p:nvSpPr>
+        <p:spPr/>
+        <p:txBody>
+          <a:bodyPr/>
+          <a:lstStyle/>
+          <a:p>
+            <a:endParaRPr lang="en-US"/>
+          </a:p>
+        </p:txBody>
+      </p:sp>
+      <p:sp>
+        <p:nvSpPr>
+          <p:cNvPr id="3" name="Content Placeholder 2">
+            <a:extLst>
+              <a:ext uri="{FF2B5EF4-FFF2-40B4-BE49-F238E27FC236}">
+                <a16:creationId xmlns:a16="http://schemas.microsoft.com/office/drawing/2014/main" id="{5CD92A60-1D4F-8442-A19E-E0B566DAFBCA}"/>
+              </a:ext>
+            </a:extLst>
+          </p:cNvPr>
+          <p:cNvSpPr>
+            <a:spLocks noGrp="1"/>
+          </p:cNvSpPr>
+          <p:nvPr>
+            <p:ph sz="quarter" idx="13"/>
+          </p:nvPr>
+        </p:nvSpPr>
+        <p:spPr/>
+        <p:txBody>
+          <a:bodyPr/>
+          <a:lstStyle/>
+          <a:p>
+            <a:endParaRPr lang="en-US"/>
+          </a:p>
+        </p:txBody>
+      </p:sp>
+      <p:sp>
+        <p:nvSpPr>
+          <p:cNvPr id="4" name="Slide Number Placeholder 3">
+            <a:extLst>
+              <a:ext uri="{FF2B5EF4-FFF2-40B4-BE49-F238E27FC236}">
+                <a16:creationId xmlns:a16="http://schemas.microsoft.com/office/drawing/2014/main" id="{DD97D64C-4445-B54F-8AF6-0E6679810F1F}"/>
+              </a:ext>
+            </a:extLst>
+          </p:cNvPr>
+          <p:cNvSpPr>
+            <a:spLocks noGrp="1"/>
+          </p:cNvSpPr>
+          <p:nvPr>
+            <p:ph type="sldNum" sz="quarter" idx="12"/>
+          </p:nvPr>
+        </p:nvSpPr>
+        <p:spPr/>
+        <p:txBody>
+          <a:bodyPr/>
+          <a:lstStyle/>
+          <a:p>
+            <a:fld id="{6D22F896-40B5-4ADD-8801-0D06FADFA095}" type="slidenum">
+              <a:rPr lang="en-US" smtClean="0"/>
+              <a:t>14</a:t>
+            </a:fld>
+            <a:endParaRPr lang="en-US"/>
+          </a:p>
+        </p:txBody>
+      </p:sp>
+    </p:spTree>
+    <p:extLst>
+      <p:ext uri="{BB962C8B-B14F-4D97-AF65-F5344CB8AC3E}">
+        <p14:creationId xmlns:p14="http://schemas.microsoft.com/office/powerpoint/2010/main" val="2837672466"/>
+      </p:ext>
+    </p:extLst>
+  </p:cSld>
+  <p:clrMapOvr>
+    <a:masterClrMapping/>
+  </p:clrMapOvr>
+</p:sld>
+</file>
+
+<file path=ppt/slides/slide15.xml><?xml version="1.0" encoding="utf-8"?>
 <p:sld xmlns:a="http://schemas.openxmlformats.org/drawingml/2006/main" xmlns:r="http://schemas.openxmlformats.org/officeDocument/2006/relationships" xmlns:p="http://schemas.openxmlformats.org/presentationml/2006/main">
   <p:cSld>
     <p:bg>
@@ -34836,7 +35859,7 @@
                   <a:spcPts val="600"/>
                 </a:spcAft>
               </a:pPr>
-              <a:t>14</a:t>
+              <a:t>15</a:t>
             </a:fld>
             <a:endParaRPr lang="en-US">
               <a:solidFill>
@@ -34887,7 +35910,7 @@
 </p:sld>
 </file>
 
-<file path=ppt/slides/slide15.xml><?xml version="1.0" encoding="utf-8"?>
+<file path=ppt/slides/slide16.xml><?xml version="1.0" encoding="utf-8"?>
 <p:sld xmlns:a="http://schemas.openxmlformats.org/drawingml/2006/main" xmlns:r="http://schemas.openxmlformats.org/officeDocument/2006/relationships" xmlns:p="http://schemas.openxmlformats.org/presentationml/2006/main">
   <p:cSld>
     <p:spTree>
@@ -34983,7 +36006,7 @@
           <a:p>
             <a:fld id="{6D22F896-40B5-4ADD-8801-0D06FADFA095}" type="slidenum">
               <a:rPr lang="en-US" dirty="0"/>
-              <a:t>15</a:t>
+              <a:t>16</a:t>
             </a:fld>
             <a:endParaRPr lang="en-US"/>
           </a:p>
@@ -35002,7 +36025,7 @@
 </p:sld>
 </file>
 
-<file path=ppt/slides/slide16.xml><?xml version="1.0" encoding="utf-8"?>
+<file path=ppt/slides/slide17.xml><?xml version="1.0" encoding="utf-8"?>
 <p:sld xmlns:a="http://schemas.openxmlformats.org/drawingml/2006/main" xmlns:r="http://schemas.openxmlformats.org/officeDocument/2006/relationships" xmlns:p="http://schemas.openxmlformats.org/presentationml/2006/main">
   <p:cSld>
     <p:bg>
@@ -35530,7 +36553,7 @@
                   <a:spcPts val="600"/>
                 </a:spcAft>
               </a:pPr>
-              <a:t>16</a:t>
+              <a:t>17</a:t>
             </a:fld>
             <a:endParaRPr lang="en-US"/>
           </a:p>
@@ -35549,7 +36572,7 @@
 </p:sld>
 </file>
 
-<file path=ppt/slides/slide17.xml><?xml version="1.0" encoding="utf-8"?>
+<file path=ppt/slides/slide18.xml><?xml version="1.0" encoding="utf-8"?>
 <p:sld xmlns:a="http://schemas.openxmlformats.org/drawingml/2006/main" xmlns:r="http://schemas.openxmlformats.org/officeDocument/2006/relationships" xmlns:p="http://schemas.openxmlformats.org/presentationml/2006/main">
   <p:cSld>
     <p:bg>
@@ -36077,7 +37100,7 @@
                   <a:spcPts val="600"/>
                 </a:spcAft>
               </a:pPr>
-              <a:t>17</a:t>
+              <a:t>18</a:t>
             </a:fld>
             <a:endParaRPr lang="en-US"/>
           </a:p>
@@ -36096,7 +37119,7 @@
 </p:sld>
 </file>
 
-<file path=ppt/slides/slide18.xml><?xml version="1.0" encoding="utf-8"?>
+<file path=ppt/slides/slide19.xml><?xml version="1.0" encoding="utf-8"?>
 <p:sld xmlns:a="http://schemas.openxmlformats.org/drawingml/2006/main" xmlns:r="http://schemas.openxmlformats.org/officeDocument/2006/relationships" xmlns:p="http://schemas.openxmlformats.org/presentationml/2006/main">
   <p:cSld>
     <p:bg>
@@ -36624,7 +37647,7 @@
                   <a:spcPts val="600"/>
                 </a:spcAft>
               </a:pPr>
-              <a:t>18</a:t>
+              <a:t>19</a:t>
             </a:fld>
             <a:endParaRPr lang="en-US"/>
           </a:p>
@@ -36643,7 +37666,343 @@
 </p:sld>
 </file>
 
-<file path=ppt/slides/slide19.xml><?xml version="1.0" encoding="utf-8"?>
+<file path=ppt/slides/slide2.xml><?xml version="1.0" encoding="utf-8"?>
+<p:sld xmlns:a="http://schemas.openxmlformats.org/drawingml/2006/main" xmlns:r="http://schemas.openxmlformats.org/officeDocument/2006/relationships" xmlns:p="http://schemas.openxmlformats.org/presentationml/2006/main">
+  <p:cSld>
+    <p:bg>
+      <p:bgPr>
+        <a:solidFill>
+          <a:schemeClr val="bg1"/>
+        </a:solidFill>
+        <a:effectLst/>
+      </p:bgPr>
+    </p:bg>
+    <p:spTree>
+      <p:nvGrpSpPr>
+        <p:cNvPr id="1" name=""/>
+        <p:cNvGrpSpPr/>
+        <p:nvPr/>
+      </p:nvGrpSpPr>
+      <p:grpSpPr>
+        <a:xfrm>
+          <a:off x="0" y="0"/>
+          <a:ext cx="0" cy="0"/>
+          <a:chOff x="0" y="0"/>
+          <a:chExt cx="0" cy="0"/>
+        </a:xfrm>
+      </p:grpSpPr>
+      <p:sp useBgFill="1">
+        <p:nvSpPr>
+          <p:cNvPr id="9" name="Rectangle 8">
+            <a:extLst>
+              <a:ext uri="{FF2B5EF4-FFF2-40B4-BE49-F238E27FC236}">
+                <a16:creationId xmlns:a16="http://schemas.microsoft.com/office/drawing/2014/main" id="{FB5993E2-C02B-4335-ABA5-D8EC465551E3}"/>
+              </a:ext>
+              <a:ext uri="{C183D7F6-B498-43B3-948B-1728B52AA6E4}">
+                <adec:decorative xmlns:adec="http://schemas.microsoft.com/office/drawing/2017/decorative" val="1"/>
+              </a:ext>
+            </a:extLst>
+          </p:cNvPr>
+          <p:cNvSpPr>
+            <a:spLocks noGrp="1" noRot="1" noChangeAspect="1" noMove="1" noResize="1" noEditPoints="1" noAdjustHandles="1" noChangeArrowheads="1" noChangeShapeType="1" noTextEdit="1"/>
+          </p:cNvSpPr>
+          <p:nvPr>
+            <p:extLst>
+              <p:ext uri="{386F3935-93C4-4BCD-93E2-E3B085C9AB24}">
+                <p16:designElem xmlns:p16="http://schemas.microsoft.com/office/powerpoint/2015/main" val="1"/>
+              </p:ext>
+            </p:extLst>
+          </p:nvPr>
+        </p:nvSpPr>
+        <p:spPr>
+          <a:xfrm>
+            <a:off x="0" y="0"/>
+            <a:ext cx="12186315" cy="6858000"/>
+          </a:xfrm>
+          <a:prstGeom prst="rect">
+            <a:avLst/>
+          </a:prstGeom>
+          <a:ln>
+            <a:noFill/>
+          </a:ln>
+        </p:spPr>
+        <p:style>
+          <a:lnRef idx="2">
+            <a:schemeClr val="accent6">
+              <a:shade val="50000"/>
+            </a:schemeClr>
+          </a:lnRef>
+          <a:fillRef idx="1001">
+            <a:schemeClr val="lt1"/>
+          </a:fillRef>
+          <a:effectRef idx="0">
+            <a:schemeClr val="accent6"/>
+          </a:effectRef>
+          <a:fontRef idx="minor">
+            <a:schemeClr val="lt1"/>
+          </a:fontRef>
+        </p:style>
+        <p:txBody>
+          <a:bodyPr rtlCol="0" anchor="ctr"/>
+          <a:lstStyle/>
+          <a:p>
+            <a:pPr algn="ctr"/>
+            <a:endParaRPr lang="en-US"/>
+          </a:p>
+        </p:txBody>
+      </p:sp>
+      <p:sp>
+        <p:nvSpPr>
+          <p:cNvPr id="11" name="Rectangle 10">
+            <a:extLst>
+              <a:ext uri="{FF2B5EF4-FFF2-40B4-BE49-F238E27FC236}">
+                <a16:creationId xmlns:a16="http://schemas.microsoft.com/office/drawing/2014/main" id="{C0B801A2-5622-4BE8-9AD2-C337A2CD0022}"/>
+              </a:ext>
+              <a:ext uri="{C183D7F6-B498-43B3-948B-1728B52AA6E4}">
+                <adec:decorative xmlns:adec="http://schemas.microsoft.com/office/drawing/2017/decorative" val="1"/>
+              </a:ext>
+            </a:extLst>
+          </p:cNvPr>
+          <p:cNvSpPr>
+            <a:spLocks noGrp="1" noRot="1" noChangeAspect="1" noMove="1" noResize="1" noEditPoints="1" noAdjustHandles="1" noChangeArrowheads="1" noChangeShapeType="1" noTextEdit="1"/>
+          </p:cNvSpPr>
+          <p:nvPr>
+            <p:extLst>
+              <p:ext uri="{386F3935-93C4-4BCD-93E2-E3B085C9AB24}">
+                <p16:designElem xmlns:p16="http://schemas.microsoft.com/office/powerpoint/2015/main" val="1"/>
+              </p:ext>
+            </p:extLst>
+          </p:nvPr>
+        </p:nvSpPr>
+        <p:spPr>
+          <a:xfrm>
+            <a:off x="16" y="0"/>
+            <a:ext cx="4050791" cy="6858000"/>
+          </a:xfrm>
+          <a:prstGeom prst="rect">
+            <a:avLst/>
+          </a:prstGeom>
+          <a:solidFill>
+            <a:schemeClr val="accent2"/>
+          </a:solidFill>
+          <a:ln>
+            <a:noFill/>
+          </a:ln>
+        </p:spPr>
+        <p:style>
+          <a:lnRef idx="2">
+            <a:schemeClr val="accent1">
+              <a:shade val="50000"/>
+            </a:schemeClr>
+          </a:lnRef>
+          <a:fillRef idx="1">
+            <a:schemeClr val="accent1"/>
+          </a:fillRef>
+          <a:effectRef idx="0">
+            <a:schemeClr val="accent1"/>
+          </a:effectRef>
+          <a:fontRef idx="minor">
+            <a:schemeClr val="lt1"/>
+          </a:fontRef>
+        </p:style>
+      </p:sp>
+      <p:sp>
+        <p:nvSpPr>
+          <p:cNvPr id="2" name="Title 1">
+            <a:extLst>
+              <a:ext uri="{FF2B5EF4-FFF2-40B4-BE49-F238E27FC236}">
+                <a16:creationId xmlns:a16="http://schemas.microsoft.com/office/drawing/2014/main" id="{EE2C1B71-8396-466A-BC7B-B65182F98752}"/>
+              </a:ext>
+            </a:extLst>
+          </p:cNvPr>
+          <p:cNvSpPr>
+            <a:spLocks noGrp="1"/>
+          </p:cNvSpPr>
+          <p:nvPr>
+            <p:ph type="title"/>
+          </p:nvPr>
+        </p:nvSpPr>
+        <p:spPr>
+          <a:xfrm>
+            <a:off x="492370" y="516835"/>
+            <a:ext cx="3084844" cy="5772840"/>
+          </a:xfrm>
+        </p:spPr>
+        <p:txBody>
+          <a:bodyPr anchor="ctr">
+            <a:normAutofit/>
+          </a:bodyPr>
+          <a:lstStyle/>
+          <a:p>
+            <a:r>
+              <a:rPr lang="en-US" sz="3600" b="1" err="1">
+                <a:solidFill>
+                  <a:srgbClr val="FFFFFF"/>
+                </a:solidFill>
+                <a:latin typeface="Bahnschrift Condensed"/>
+                <a:cs typeface="Calibri Light"/>
+              </a:rPr>
+              <a:t>Tổng</a:t>
+            </a:r>
+            <a:r>
+              <a:rPr lang="en-US" sz="3600" b="1">
+                <a:solidFill>
+                  <a:srgbClr val="FFFFFF"/>
+                </a:solidFill>
+                <a:latin typeface="Bahnschrift Condensed"/>
+                <a:cs typeface="Calibri Light"/>
+              </a:rPr>
+              <a:t> </a:t>
+            </a:r>
+            <a:r>
+              <a:rPr lang="en-US" sz="3600" b="1" err="1">
+                <a:solidFill>
+                  <a:srgbClr val="FFFFFF"/>
+                </a:solidFill>
+                <a:latin typeface="Bahnschrift Condensed"/>
+                <a:cs typeface="Calibri Light"/>
+              </a:rPr>
+              <a:t>quan</a:t>
+            </a:r>
+            <a:endParaRPr lang="en-US" sz="3600" b="1">
+              <a:solidFill>
+                <a:srgbClr val="FFFFFF"/>
+              </a:solidFill>
+              <a:latin typeface="Bahnschrift Condensed"/>
+              <a:cs typeface="Calibri Light"/>
+            </a:endParaRPr>
+          </a:p>
+        </p:txBody>
+      </p:sp>
+      <p:sp>
+        <p:nvSpPr>
+          <p:cNvPr id="13" name="Rectangle 12">
+            <a:extLst>
+              <a:ext uri="{FF2B5EF4-FFF2-40B4-BE49-F238E27FC236}">
+                <a16:creationId xmlns:a16="http://schemas.microsoft.com/office/drawing/2014/main" id="{B7AF614F-5BC3-4086-99F5-B87C5847A071}"/>
+              </a:ext>
+              <a:ext uri="{C183D7F6-B498-43B3-948B-1728B52AA6E4}">
+                <adec:decorative xmlns:adec="http://schemas.microsoft.com/office/drawing/2017/decorative" val="1"/>
+              </a:ext>
+            </a:extLst>
+          </p:cNvPr>
+          <p:cNvSpPr>
+            <a:spLocks noGrp="1" noRot="1" noChangeAspect="1" noMove="1" noResize="1" noEditPoints="1" noAdjustHandles="1" noChangeArrowheads="1" noChangeShapeType="1" noTextEdit="1"/>
+          </p:cNvSpPr>
+          <p:nvPr>
+            <p:extLst>
+              <p:ext uri="{386F3935-93C4-4BCD-93E2-E3B085C9AB24}">
+                <p16:designElem xmlns:p16="http://schemas.microsoft.com/office/powerpoint/2015/main" val="1"/>
+              </p:ext>
+            </p:extLst>
+          </p:nvPr>
+        </p:nvSpPr>
+        <p:spPr>
+          <a:xfrm>
+            <a:off x="4040071" y="0"/>
+            <a:ext cx="64008" cy="6858000"/>
+          </a:xfrm>
+          <a:prstGeom prst="rect">
+            <a:avLst/>
+          </a:prstGeom>
+          <a:solidFill>
+            <a:schemeClr val="accent1"/>
+          </a:solidFill>
+          <a:ln>
+            <a:noFill/>
+          </a:ln>
+        </p:spPr>
+        <p:style>
+          <a:lnRef idx="2">
+            <a:schemeClr val="accent1">
+              <a:shade val="50000"/>
+            </a:schemeClr>
+          </a:lnRef>
+          <a:fillRef idx="1">
+            <a:schemeClr val="accent1"/>
+          </a:fillRef>
+          <a:effectRef idx="0">
+            <a:schemeClr val="accent1"/>
+          </a:effectRef>
+          <a:fontRef idx="minor">
+            <a:schemeClr val="lt1"/>
+          </a:fontRef>
+        </p:style>
+      </p:sp>
+      <p:graphicFrame>
+        <p:nvGraphicFramePr>
+          <p:cNvPr id="4" name="Diagram 4">
+            <a:extLst>
+              <a:ext uri="{FF2B5EF4-FFF2-40B4-BE49-F238E27FC236}">
+                <a16:creationId xmlns:a16="http://schemas.microsoft.com/office/drawing/2014/main" id="{4C648493-BDE7-4D51-B181-5CAD656B8825}"/>
+              </a:ext>
+            </a:extLst>
+          </p:cNvPr>
+          <p:cNvGraphicFramePr>
+            <a:graphicFrameLocks noGrp="1"/>
+          </p:cNvGraphicFramePr>
+          <p:nvPr>
+            <p:ph sz="quarter" idx="13"/>
+            <p:extLst>
+              <p:ext uri="{D42A27DB-BD31-4B8C-83A1-F6EECF244321}">
+                <p14:modId xmlns:p14="http://schemas.microsoft.com/office/powerpoint/2010/main" val="2789048316"/>
+              </p:ext>
+            </p:extLst>
+          </p:nvPr>
+        </p:nvGraphicFramePr>
+        <p:xfrm>
+          <a:off x="4546933" y="303065"/>
+          <a:ext cx="6797675" cy="5649912"/>
+        </p:xfrm>
+        <a:graphic>
+          <a:graphicData uri="http://schemas.openxmlformats.org/drawingml/2006/diagram">
+            <dgm:relIds xmlns:dgm="http://schemas.openxmlformats.org/drawingml/2006/diagram" xmlns:r="http://schemas.openxmlformats.org/officeDocument/2006/relationships" r:dm="rId2" r:lo="rId3" r:qs="rId4" r:cs="rId5"/>
+          </a:graphicData>
+        </a:graphic>
+      </p:graphicFrame>
+      <p:sp>
+        <p:nvSpPr>
+          <p:cNvPr id="60" name="Slide Number Placeholder 59">
+            <a:extLst>
+              <a:ext uri="{FF2B5EF4-FFF2-40B4-BE49-F238E27FC236}">
+                <a16:creationId xmlns:a16="http://schemas.microsoft.com/office/drawing/2014/main" id="{C0F05CE8-93D7-48A5-89CC-0E4411D4A8EB}"/>
+              </a:ext>
+            </a:extLst>
+          </p:cNvPr>
+          <p:cNvSpPr>
+            <a:spLocks noGrp="1"/>
+          </p:cNvSpPr>
+          <p:nvPr>
+            <p:ph type="sldNum" sz="quarter" idx="12"/>
+          </p:nvPr>
+        </p:nvSpPr>
+        <p:spPr/>
+        <p:txBody>
+          <a:bodyPr/>
+          <a:lstStyle/>
+          <a:p>
+            <a:fld id="{6D22F896-40B5-4ADD-8801-0D06FADFA095}" type="slidenum">
+              <a:rPr lang="en-US" dirty="0"/>
+              <a:t>2</a:t>
+            </a:fld>
+            <a:endParaRPr lang="en-US"/>
+          </a:p>
+        </p:txBody>
+      </p:sp>
+    </p:spTree>
+    <p:extLst>
+      <p:ext uri="{BB962C8B-B14F-4D97-AF65-F5344CB8AC3E}">
+        <p14:creationId xmlns:p14="http://schemas.microsoft.com/office/powerpoint/2010/main" val="1519786657"/>
+      </p:ext>
+    </p:extLst>
+  </p:cSld>
+  <p:clrMapOvr>
+    <a:masterClrMapping/>
+  </p:clrMapOvr>
+</p:sld>
+</file>
+
+<file path=ppt/slides/slide20.xml><?xml version="1.0" encoding="utf-8"?>
 <p:sld xmlns:a="http://schemas.openxmlformats.org/drawingml/2006/main" xmlns:r="http://schemas.openxmlformats.org/officeDocument/2006/relationships" xmlns:p="http://schemas.openxmlformats.org/presentationml/2006/main">
   <p:cSld>
     <p:bg>
@@ -37171,7 +38530,7 @@
                   <a:spcPts val="600"/>
                 </a:spcAft>
               </a:pPr>
-              <a:t>19</a:t>
+              <a:t>20</a:t>
             </a:fld>
             <a:endParaRPr lang="en-US"/>
           </a:p>
@@ -37190,343 +38549,7 @@
 </p:sld>
 </file>
 
-<file path=ppt/slides/slide2.xml><?xml version="1.0" encoding="utf-8"?>
-<p:sld xmlns:a="http://schemas.openxmlformats.org/drawingml/2006/main" xmlns:r="http://schemas.openxmlformats.org/officeDocument/2006/relationships" xmlns:p="http://schemas.openxmlformats.org/presentationml/2006/main">
-  <p:cSld>
-    <p:bg>
-      <p:bgPr>
-        <a:solidFill>
-          <a:schemeClr val="bg1"/>
-        </a:solidFill>
-        <a:effectLst/>
-      </p:bgPr>
-    </p:bg>
-    <p:spTree>
-      <p:nvGrpSpPr>
-        <p:cNvPr id="1" name=""/>
-        <p:cNvGrpSpPr/>
-        <p:nvPr/>
-      </p:nvGrpSpPr>
-      <p:grpSpPr>
-        <a:xfrm>
-          <a:off x="0" y="0"/>
-          <a:ext cx="0" cy="0"/>
-          <a:chOff x="0" y="0"/>
-          <a:chExt cx="0" cy="0"/>
-        </a:xfrm>
-      </p:grpSpPr>
-      <p:sp useBgFill="1">
-        <p:nvSpPr>
-          <p:cNvPr id="9" name="Rectangle 8">
-            <a:extLst>
-              <a:ext uri="{FF2B5EF4-FFF2-40B4-BE49-F238E27FC236}">
-                <a16:creationId xmlns:a16="http://schemas.microsoft.com/office/drawing/2014/main" id="{FB5993E2-C02B-4335-ABA5-D8EC465551E3}"/>
-              </a:ext>
-              <a:ext uri="{C183D7F6-B498-43B3-948B-1728B52AA6E4}">
-                <adec:decorative xmlns:adec="http://schemas.microsoft.com/office/drawing/2017/decorative" val="1"/>
-              </a:ext>
-            </a:extLst>
-          </p:cNvPr>
-          <p:cNvSpPr>
-            <a:spLocks noGrp="1" noRot="1" noChangeAspect="1" noMove="1" noResize="1" noEditPoints="1" noAdjustHandles="1" noChangeArrowheads="1" noChangeShapeType="1" noTextEdit="1"/>
-          </p:cNvSpPr>
-          <p:nvPr>
-            <p:extLst>
-              <p:ext uri="{386F3935-93C4-4BCD-93E2-E3B085C9AB24}">
-                <p16:designElem xmlns:p16="http://schemas.microsoft.com/office/powerpoint/2015/main" val="1"/>
-              </p:ext>
-            </p:extLst>
-          </p:nvPr>
-        </p:nvSpPr>
-        <p:spPr>
-          <a:xfrm>
-            <a:off x="0" y="0"/>
-            <a:ext cx="12186315" cy="6858000"/>
-          </a:xfrm>
-          <a:prstGeom prst="rect">
-            <a:avLst/>
-          </a:prstGeom>
-          <a:ln>
-            <a:noFill/>
-          </a:ln>
-        </p:spPr>
-        <p:style>
-          <a:lnRef idx="2">
-            <a:schemeClr val="accent6">
-              <a:shade val="50000"/>
-            </a:schemeClr>
-          </a:lnRef>
-          <a:fillRef idx="1001">
-            <a:schemeClr val="lt1"/>
-          </a:fillRef>
-          <a:effectRef idx="0">
-            <a:schemeClr val="accent6"/>
-          </a:effectRef>
-          <a:fontRef idx="minor">
-            <a:schemeClr val="lt1"/>
-          </a:fontRef>
-        </p:style>
-        <p:txBody>
-          <a:bodyPr rtlCol="0" anchor="ctr"/>
-          <a:lstStyle/>
-          <a:p>
-            <a:pPr algn="ctr"/>
-            <a:endParaRPr lang="en-US"/>
-          </a:p>
-        </p:txBody>
-      </p:sp>
-      <p:sp>
-        <p:nvSpPr>
-          <p:cNvPr id="11" name="Rectangle 10">
-            <a:extLst>
-              <a:ext uri="{FF2B5EF4-FFF2-40B4-BE49-F238E27FC236}">
-                <a16:creationId xmlns:a16="http://schemas.microsoft.com/office/drawing/2014/main" id="{C0B801A2-5622-4BE8-9AD2-C337A2CD0022}"/>
-              </a:ext>
-              <a:ext uri="{C183D7F6-B498-43B3-948B-1728B52AA6E4}">
-                <adec:decorative xmlns:adec="http://schemas.microsoft.com/office/drawing/2017/decorative" val="1"/>
-              </a:ext>
-            </a:extLst>
-          </p:cNvPr>
-          <p:cNvSpPr>
-            <a:spLocks noGrp="1" noRot="1" noChangeAspect="1" noMove="1" noResize="1" noEditPoints="1" noAdjustHandles="1" noChangeArrowheads="1" noChangeShapeType="1" noTextEdit="1"/>
-          </p:cNvSpPr>
-          <p:nvPr>
-            <p:extLst>
-              <p:ext uri="{386F3935-93C4-4BCD-93E2-E3B085C9AB24}">
-                <p16:designElem xmlns:p16="http://schemas.microsoft.com/office/powerpoint/2015/main" val="1"/>
-              </p:ext>
-            </p:extLst>
-          </p:nvPr>
-        </p:nvSpPr>
-        <p:spPr>
-          <a:xfrm>
-            <a:off x="16" y="0"/>
-            <a:ext cx="4050791" cy="6858000"/>
-          </a:xfrm>
-          <a:prstGeom prst="rect">
-            <a:avLst/>
-          </a:prstGeom>
-          <a:solidFill>
-            <a:schemeClr val="accent2"/>
-          </a:solidFill>
-          <a:ln>
-            <a:noFill/>
-          </a:ln>
-        </p:spPr>
-        <p:style>
-          <a:lnRef idx="2">
-            <a:schemeClr val="accent1">
-              <a:shade val="50000"/>
-            </a:schemeClr>
-          </a:lnRef>
-          <a:fillRef idx="1">
-            <a:schemeClr val="accent1"/>
-          </a:fillRef>
-          <a:effectRef idx="0">
-            <a:schemeClr val="accent1"/>
-          </a:effectRef>
-          <a:fontRef idx="minor">
-            <a:schemeClr val="lt1"/>
-          </a:fontRef>
-        </p:style>
-      </p:sp>
-      <p:sp>
-        <p:nvSpPr>
-          <p:cNvPr id="2" name="Title 1">
-            <a:extLst>
-              <a:ext uri="{FF2B5EF4-FFF2-40B4-BE49-F238E27FC236}">
-                <a16:creationId xmlns:a16="http://schemas.microsoft.com/office/drawing/2014/main" id="{EE2C1B71-8396-466A-BC7B-B65182F98752}"/>
-              </a:ext>
-            </a:extLst>
-          </p:cNvPr>
-          <p:cNvSpPr>
-            <a:spLocks noGrp="1"/>
-          </p:cNvSpPr>
-          <p:nvPr>
-            <p:ph type="title"/>
-          </p:nvPr>
-        </p:nvSpPr>
-        <p:spPr>
-          <a:xfrm>
-            <a:off x="492370" y="516835"/>
-            <a:ext cx="3084844" cy="5772840"/>
-          </a:xfrm>
-        </p:spPr>
-        <p:txBody>
-          <a:bodyPr anchor="ctr">
-            <a:normAutofit/>
-          </a:bodyPr>
-          <a:lstStyle/>
-          <a:p>
-            <a:r>
-              <a:rPr lang="en-US" sz="3600" b="1" err="1">
-                <a:solidFill>
-                  <a:srgbClr val="FFFFFF"/>
-                </a:solidFill>
-                <a:latin typeface="Bahnschrift Condensed"/>
-                <a:cs typeface="Calibri Light"/>
-              </a:rPr>
-              <a:t>Tổng</a:t>
-            </a:r>
-            <a:r>
-              <a:rPr lang="en-US" sz="3600" b="1">
-                <a:solidFill>
-                  <a:srgbClr val="FFFFFF"/>
-                </a:solidFill>
-                <a:latin typeface="Bahnschrift Condensed"/>
-                <a:cs typeface="Calibri Light"/>
-              </a:rPr>
-              <a:t> </a:t>
-            </a:r>
-            <a:r>
-              <a:rPr lang="en-US" sz="3600" b="1" err="1">
-                <a:solidFill>
-                  <a:srgbClr val="FFFFFF"/>
-                </a:solidFill>
-                <a:latin typeface="Bahnschrift Condensed"/>
-                <a:cs typeface="Calibri Light"/>
-              </a:rPr>
-              <a:t>quan</a:t>
-            </a:r>
-            <a:endParaRPr lang="en-US" sz="3600" b="1">
-              <a:solidFill>
-                <a:srgbClr val="FFFFFF"/>
-              </a:solidFill>
-              <a:latin typeface="Bahnschrift Condensed"/>
-              <a:cs typeface="Calibri Light"/>
-            </a:endParaRPr>
-          </a:p>
-        </p:txBody>
-      </p:sp>
-      <p:sp>
-        <p:nvSpPr>
-          <p:cNvPr id="13" name="Rectangle 12">
-            <a:extLst>
-              <a:ext uri="{FF2B5EF4-FFF2-40B4-BE49-F238E27FC236}">
-                <a16:creationId xmlns:a16="http://schemas.microsoft.com/office/drawing/2014/main" id="{B7AF614F-5BC3-4086-99F5-B87C5847A071}"/>
-              </a:ext>
-              <a:ext uri="{C183D7F6-B498-43B3-948B-1728B52AA6E4}">
-                <adec:decorative xmlns:adec="http://schemas.microsoft.com/office/drawing/2017/decorative" val="1"/>
-              </a:ext>
-            </a:extLst>
-          </p:cNvPr>
-          <p:cNvSpPr>
-            <a:spLocks noGrp="1" noRot="1" noChangeAspect="1" noMove="1" noResize="1" noEditPoints="1" noAdjustHandles="1" noChangeArrowheads="1" noChangeShapeType="1" noTextEdit="1"/>
-          </p:cNvSpPr>
-          <p:nvPr>
-            <p:extLst>
-              <p:ext uri="{386F3935-93C4-4BCD-93E2-E3B085C9AB24}">
-                <p16:designElem xmlns:p16="http://schemas.microsoft.com/office/powerpoint/2015/main" val="1"/>
-              </p:ext>
-            </p:extLst>
-          </p:nvPr>
-        </p:nvSpPr>
-        <p:spPr>
-          <a:xfrm>
-            <a:off x="4040071" y="0"/>
-            <a:ext cx="64008" cy="6858000"/>
-          </a:xfrm>
-          <a:prstGeom prst="rect">
-            <a:avLst/>
-          </a:prstGeom>
-          <a:solidFill>
-            <a:schemeClr val="accent1"/>
-          </a:solidFill>
-          <a:ln>
-            <a:noFill/>
-          </a:ln>
-        </p:spPr>
-        <p:style>
-          <a:lnRef idx="2">
-            <a:schemeClr val="accent1">
-              <a:shade val="50000"/>
-            </a:schemeClr>
-          </a:lnRef>
-          <a:fillRef idx="1">
-            <a:schemeClr val="accent1"/>
-          </a:fillRef>
-          <a:effectRef idx="0">
-            <a:schemeClr val="accent1"/>
-          </a:effectRef>
-          <a:fontRef idx="minor">
-            <a:schemeClr val="lt1"/>
-          </a:fontRef>
-        </p:style>
-      </p:sp>
-      <p:graphicFrame>
-        <p:nvGraphicFramePr>
-          <p:cNvPr id="4" name="Diagram 4">
-            <a:extLst>
-              <a:ext uri="{FF2B5EF4-FFF2-40B4-BE49-F238E27FC236}">
-                <a16:creationId xmlns:a16="http://schemas.microsoft.com/office/drawing/2014/main" id="{4C648493-BDE7-4D51-B181-5CAD656B8825}"/>
-              </a:ext>
-            </a:extLst>
-          </p:cNvPr>
-          <p:cNvGraphicFramePr>
-            <a:graphicFrameLocks noGrp="1"/>
-          </p:cNvGraphicFramePr>
-          <p:nvPr>
-            <p:ph sz="quarter" idx="13"/>
-            <p:extLst>
-              <p:ext uri="{D42A27DB-BD31-4B8C-83A1-F6EECF244321}">
-                <p14:modId xmlns:p14="http://schemas.microsoft.com/office/powerpoint/2010/main" val="2789048316"/>
-              </p:ext>
-            </p:extLst>
-          </p:nvPr>
-        </p:nvGraphicFramePr>
-        <p:xfrm>
-          <a:off x="4546933" y="303065"/>
-          <a:ext cx="6797675" cy="5649912"/>
-        </p:xfrm>
-        <a:graphic>
-          <a:graphicData uri="http://schemas.openxmlformats.org/drawingml/2006/diagram">
-            <dgm:relIds xmlns:dgm="http://schemas.openxmlformats.org/drawingml/2006/diagram" xmlns:r="http://schemas.openxmlformats.org/officeDocument/2006/relationships" r:dm="rId2" r:lo="rId3" r:qs="rId4" r:cs="rId5"/>
-          </a:graphicData>
-        </a:graphic>
-      </p:graphicFrame>
-      <p:sp>
-        <p:nvSpPr>
-          <p:cNvPr id="60" name="Slide Number Placeholder 59">
-            <a:extLst>
-              <a:ext uri="{FF2B5EF4-FFF2-40B4-BE49-F238E27FC236}">
-                <a16:creationId xmlns:a16="http://schemas.microsoft.com/office/drawing/2014/main" id="{C0F05CE8-93D7-48A5-89CC-0E4411D4A8EB}"/>
-              </a:ext>
-            </a:extLst>
-          </p:cNvPr>
-          <p:cNvSpPr>
-            <a:spLocks noGrp="1"/>
-          </p:cNvSpPr>
-          <p:nvPr>
-            <p:ph type="sldNum" sz="quarter" idx="12"/>
-          </p:nvPr>
-        </p:nvSpPr>
-        <p:spPr/>
-        <p:txBody>
-          <a:bodyPr/>
-          <a:lstStyle/>
-          <a:p>
-            <a:fld id="{6D22F896-40B5-4ADD-8801-0D06FADFA095}" type="slidenum">
-              <a:rPr lang="en-US" dirty="0"/>
-              <a:t>2</a:t>
-            </a:fld>
-            <a:endParaRPr lang="en-US"/>
-          </a:p>
-        </p:txBody>
-      </p:sp>
-    </p:spTree>
-    <p:extLst>
-      <p:ext uri="{BB962C8B-B14F-4D97-AF65-F5344CB8AC3E}">
-        <p14:creationId xmlns:p14="http://schemas.microsoft.com/office/powerpoint/2010/main" val="1519786657"/>
-      </p:ext>
-    </p:extLst>
-  </p:cSld>
-  <p:clrMapOvr>
-    <a:masterClrMapping/>
-  </p:clrMapOvr>
-</p:sld>
-</file>
-
-<file path=ppt/slides/slide20.xml><?xml version="1.0" encoding="utf-8"?>
+<file path=ppt/slides/slide21.xml><?xml version="1.0" encoding="utf-8"?>
 <p:sld xmlns:a="http://schemas.openxmlformats.org/drawingml/2006/main" xmlns:r="http://schemas.openxmlformats.org/officeDocument/2006/relationships" xmlns:p="http://schemas.openxmlformats.org/presentationml/2006/main">
   <p:cSld>
     <p:bg>
@@ -38054,7 +39077,7 @@
                   <a:spcPts val="600"/>
                 </a:spcAft>
               </a:pPr>
-              <a:t>20</a:t>
+              <a:t>21</a:t>
             </a:fld>
             <a:endParaRPr lang="en-US"/>
           </a:p>
@@ -38073,7 +39096,7 @@
 </p:sld>
 </file>
 
-<file path=ppt/slides/slide21.xml><?xml version="1.0" encoding="utf-8"?>
+<file path=ppt/slides/slide22.xml><?xml version="1.0" encoding="utf-8"?>
 <p:sld xmlns:a="http://schemas.openxmlformats.org/drawingml/2006/main" xmlns:r="http://schemas.openxmlformats.org/officeDocument/2006/relationships" xmlns:p="http://schemas.openxmlformats.org/presentationml/2006/main">
   <p:cSld>
     <p:bg>
@@ -38601,7 +39624,7 @@
                   <a:spcPts val="600"/>
                 </a:spcAft>
               </a:pPr>
-              <a:t>21</a:t>
+              <a:t>22</a:t>
             </a:fld>
             <a:endParaRPr lang="en-US"/>
           </a:p>
@@ -38620,7 +39643,7 @@
 </p:sld>
 </file>
 
-<file path=ppt/slides/slide22.xml><?xml version="1.0" encoding="utf-8"?>
+<file path=ppt/slides/slide23.xml><?xml version="1.0" encoding="utf-8"?>
 <p:sld xmlns:a="http://schemas.openxmlformats.org/drawingml/2006/main" xmlns:r="http://schemas.openxmlformats.org/officeDocument/2006/relationships" xmlns:p="http://schemas.openxmlformats.org/presentationml/2006/main">
   <p:cSld>
     <p:spTree>
@@ -38720,7 +39743,7 @@
           <a:p>
             <a:fld id="{6D22F896-40B5-4ADD-8801-0D06FADFA095}" type="slidenum">
               <a:rPr lang="en-US" dirty="0"/>
-              <a:t>22</a:t>
+              <a:t>23</a:t>
             </a:fld>
             <a:endParaRPr lang="en-US"/>
           </a:p>
@@ -38739,7 +39762,7 @@
 </p:sld>
 </file>
 
-<file path=ppt/slides/slide23.xml><?xml version="1.0" encoding="utf-8"?>
+<file path=ppt/slides/slide24.xml><?xml version="1.0" encoding="utf-8"?>
 <p:sld xmlns:a="http://schemas.openxmlformats.org/drawingml/2006/main" xmlns:r="http://schemas.openxmlformats.org/officeDocument/2006/relationships" xmlns:p="http://schemas.openxmlformats.org/presentationml/2006/main">
   <p:cSld>
     <p:spTree>
@@ -38839,7 +39862,7 @@
           <a:p>
             <a:fld id="{6D22F896-40B5-4ADD-8801-0D06FADFA095}" type="slidenum">
               <a:rPr lang="en-US" dirty="0"/>
-              <a:t>23</a:t>
+              <a:t>24</a:t>
             </a:fld>
             <a:endParaRPr lang="en-US"/>
           </a:p>
@@ -38858,7 +39881,7 @@
 </p:sld>
 </file>
 
-<file path=ppt/slides/slide24.xml><?xml version="1.0" encoding="utf-8"?>
+<file path=ppt/slides/slide25.xml><?xml version="1.0" encoding="utf-8"?>
 <p:sld xmlns:a="http://schemas.openxmlformats.org/drawingml/2006/main" xmlns:r="http://schemas.openxmlformats.org/officeDocument/2006/relationships" xmlns:p="http://schemas.openxmlformats.org/presentationml/2006/main">
   <p:cSld>
     <p:bg>
@@ -39172,7 +40195,7 @@
                   <a:spcPts val="600"/>
                 </a:spcAft>
               </a:pPr>
-              <a:t>24</a:t>
+              <a:t>25</a:t>
             </a:fld>
             <a:endParaRPr lang="en-US">
               <a:solidFill>
@@ -39195,7 +40218,7 @@
 </p:sld>
 </file>
 
-<file path=ppt/slides/slide25.xml><?xml version="1.0" encoding="utf-8"?>
+<file path=ppt/slides/slide26.xml><?xml version="1.0" encoding="utf-8"?>
 <p:sld xmlns:a="http://schemas.openxmlformats.org/drawingml/2006/main" xmlns:r="http://schemas.openxmlformats.org/officeDocument/2006/relationships" xmlns:p="http://schemas.openxmlformats.org/presentationml/2006/main">
   <p:cSld>
     <p:spTree>
@@ -39317,7 +40340,7 @@
           <a:p>
             <a:fld id="{6D22F896-40B5-4ADD-8801-0D06FADFA095}" type="slidenum">
               <a:rPr lang="en-US" smtClean="0"/>
-              <a:t>25</a:t>
+              <a:t>26</a:t>
             </a:fld>
             <a:endParaRPr lang="en-US"/>
           </a:p>
@@ -39336,7 +40359,7 @@
 </p:sld>
 </file>
 
-<file path=ppt/slides/slide26.xml><?xml version="1.0" encoding="utf-8"?>
+<file path=ppt/slides/slide27.xml><?xml version="1.0" encoding="utf-8"?>
 <p:sld xmlns:a="http://schemas.openxmlformats.org/drawingml/2006/main" xmlns:r="http://schemas.openxmlformats.org/officeDocument/2006/relationships" xmlns:p="http://schemas.openxmlformats.org/presentationml/2006/main">
   <p:cSld>
     <p:spTree>
@@ -39458,7 +40481,7 @@
           <a:p>
             <a:fld id="{6D22F896-40B5-4ADD-8801-0D06FADFA095}" type="slidenum">
               <a:rPr lang="en-US" smtClean="0"/>
-              <a:t>26</a:t>
+              <a:t>27</a:t>
             </a:fld>
             <a:endParaRPr lang="en-US"/>
           </a:p>
@@ -39477,7 +40500,7 @@
 </p:sld>
 </file>
 
-<file path=ppt/slides/slide27.xml><?xml version="1.0" encoding="utf-8"?>
+<file path=ppt/slides/slide28.xml><?xml version="1.0" encoding="utf-8"?>
 <p:sld xmlns:a="http://schemas.openxmlformats.org/drawingml/2006/main" xmlns:r="http://schemas.openxmlformats.org/officeDocument/2006/relationships" xmlns:p="http://schemas.openxmlformats.org/presentationml/2006/main">
   <p:cSld>
     <p:spTree>
@@ -39623,7 +40646,7 @@
           <a:p>
             <a:fld id="{6D22F896-40B5-4ADD-8801-0D06FADFA095}" type="slidenum">
               <a:rPr lang="en-US" smtClean="0"/>
-              <a:t>27</a:t>
+              <a:t>28</a:t>
             </a:fld>
             <a:endParaRPr lang="en-US"/>
           </a:p>
@@ -39642,7 +40665,7 @@
 </p:sld>
 </file>
 
-<file path=ppt/slides/slide28.xml><?xml version="1.0" encoding="utf-8"?>
+<file path=ppt/slides/slide29.xml><?xml version="1.0" encoding="utf-8"?>
 <p:sld xmlns:a="http://schemas.openxmlformats.org/drawingml/2006/main" xmlns:r="http://schemas.openxmlformats.org/officeDocument/2006/relationships" xmlns:p="http://schemas.openxmlformats.org/presentationml/2006/main">
   <p:cSld>
     <p:spTree>
@@ -39764,7 +40787,7 @@
           <a:p>
             <a:fld id="{6D22F896-40B5-4ADD-8801-0D06FADFA095}" type="slidenum">
               <a:rPr lang="en-US" smtClean="0"/>
-              <a:t>28</a:t>
+              <a:t>29</a:t>
             </a:fld>
             <a:endParaRPr lang="en-US"/>
           </a:p>
@@ -39963,7 +40986,338 @@
 </p:sld>
 </file>
 
-<file path=ppt/slides/slide29.xml><?xml version="1.0" encoding="utf-8"?>
+<file path=ppt/slides/slide3.xml><?xml version="1.0" encoding="utf-8"?>
+<p:sld xmlns:a="http://schemas.openxmlformats.org/drawingml/2006/main" xmlns:r="http://schemas.openxmlformats.org/officeDocument/2006/relationships" xmlns:p="http://schemas.openxmlformats.org/presentationml/2006/main">
+  <p:cSld>
+    <p:bg>
+      <p:bgPr>
+        <a:solidFill>
+          <a:schemeClr val="bg1"/>
+        </a:solidFill>
+        <a:effectLst/>
+      </p:bgPr>
+    </p:bg>
+    <p:spTree>
+      <p:nvGrpSpPr>
+        <p:cNvPr id="1" name=""/>
+        <p:cNvGrpSpPr/>
+        <p:nvPr/>
+      </p:nvGrpSpPr>
+      <p:grpSpPr>
+        <a:xfrm>
+          <a:off x="0" y="0"/>
+          <a:ext cx="0" cy="0"/>
+          <a:chOff x="0" y="0"/>
+          <a:chExt cx="0" cy="0"/>
+        </a:xfrm>
+      </p:grpSpPr>
+      <p:sp useBgFill="1">
+        <p:nvSpPr>
+          <p:cNvPr id="71" name="Rectangle 64">
+            <a:extLst>
+              <a:ext uri="{FF2B5EF4-FFF2-40B4-BE49-F238E27FC236}">
+                <a16:creationId xmlns:a16="http://schemas.microsoft.com/office/drawing/2014/main" id="{3741B58E-3B65-4A01-A276-975AB2CF8A08}"/>
+              </a:ext>
+              <a:ext uri="{C183D7F6-B498-43B3-948B-1728B52AA6E4}">
+                <adec:decorative xmlns:adec="http://schemas.microsoft.com/office/drawing/2017/decorative" val="1"/>
+              </a:ext>
+            </a:extLst>
+          </p:cNvPr>
+          <p:cNvSpPr>
+            <a:spLocks noGrp="1" noRot="1" noChangeAspect="1" noMove="1" noResize="1" noEditPoints="1" noAdjustHandles="1" noChangeArrowheads="1" noChangeShapeType="1" noTextEdit="1"/>
+          </p:cNvSpPr>
+          <p:nvPr>
+            <p:extLst>
+              <p:ext uri="{386F3935-93C4-4BCD-93E2-E3B085C9AB24}">
+                <p16:designElem xmlns:p16="http://schemas.microsoft.com/office/powerpoint/2015/main" val="1"/>
+              </p:ext>
+            </p:extLst>
+          </p:nvPr>
+        </p:nvSpPr>
+        <p:spPr>
+          <a:xfrm>
+            <a:off x="0" y="0"/>
+            <a:ext cx="12186315" cy="6858000"/>
+          </a:xfrm>
+          <a:prstGeom prst="rect">
+            <a:avLst/>
+          </a:prstGeom>
+          <a:ln>
+            <a:noFill/>
+          </a:ln>
+        </p:spPr>
+        <p:style>
+          <a:lnRef idx="2">
+            <a:schemeClr val="accent6">
+              <a:shade val="50000"/>
+            </a:schemeClr>
+          </a:lnRef>
+          <a:fillRef idx="1001">
+            <a:schemeClr val="lt1"/>
+          </a:fillRef>
+          <a:effectRef idx="0">
+            <a:schemeClr val="accent6"/>
+          </a:effectRef>
+          <a:fontRef idx="minor">
+            <a:schemeClr val="lt1"/>
+          </a:fontRef>
+        </p:style>
+        <p:txBody>
+          <a:bodyPr rtlCol="0" anchor="ctr"/>
+          <a:lstStyle/>
+          <a:p>
+            <a:pPr algn="ctr"/>
+            <a:endParaRPr lang="en-US"/>
+          </a:p>
+        </p:txBody>
+      </p:sp>
+      <p:sp>
+        <p:nvSpPr>
+          <p:cNvPr id="72" name="Rectangle 66">
+            <a:extLst>
+              <a:ext uri="{FF2B5EF4-FFF2-40B4-BE49-F238E27FC236}">
+                <a16:creationId xmlns:a16="http://schemas.microsoft.com/office/drawing/2014/main" id="{7AAC67C3-831B-4AB1-A259-DFB839CAFAFC}"/>
+              </a:ext>
+              <a:ext uri="{C183D7F6-B498-43B3-948B-1728B52AA6E4}">
+                <adec:decorative xmlns:adec="http://schemas.microsoft.com/office/drawing/2017/decorative" val="1"/>
+              </a:ext>
+            </a:extLst>
+          </p:cNvPr>
+          <p:cNvSpPr>
+            <a:spLocks noGrp="1" noRot="1" noChangeAspect="1" noMove="1" noResize="1" noEditPoints="1" noAdjustHandles="1" noChangeArrowheads="1" noChangeShapeType="1" noTextEdit="1"/>
+          </p:cNvSpPr>
+          <p:nvPr>
+            <p:extLst>
+              <p:ext uri="{386F3935-93C4-4BCD-93E2-E3B085C9AB24}">
+                <p16:designElem xmlns:p16="http://schemas.microsoft.com/office/powerpoint/2015/main" val="1"/>
+              </p:ext>
+            </p:extLst>
+          </p:nvPr>
+        </p:nvSpPr>
+        <p:spPr>
+          <a:xfrm>
+            <a:off x="16" y="0"/>
+            <a:ext cx="4050791" cy="6858000"/>
+          </a:xfrm>
+          <a:prstGeom prst="rect">
+            <a:avLst/>
+          </a:prstGeom>
+          <a:solidFill>
+            <a:schemeClr val="accent2"/>
+          </a:solidFill>
+          <a:ln>
+            <a:noFill/>
+          </a:ln>
+        </p:spPr>
+        <p:style>
+          <a:lnRef idx="2">
+            <a:schemeClr val="accent1">
+              <a:shade val="50000"/>
+            </a:schemeClr>
+          </a:lnRef>
+          <a:fillRef idx="1">
+            <a:schemeClr val="accent1"/>
+          </a:fillRef>
+          <a:effectRef idx="0">
+            <a:schemeClr val="accent1"/>
+          </a:effectRef>
+          <a:fontRef idx="minor">
+            <a:schemeClr val="lt1"/>
+          </a:fontRef>
+        </p:style>
+      </p:sp>
+      <p:sp>
+        <p:nvSpPr>
+          <p:cNvPr id="2" name="Title 1">
+            <a:extLst>
+              <a:ext uri="{FF2B5EF4-FFF2-40B4-BE49-F238E27FC236}">
+                <a16:creationId xmlns:a16="http://schemas.microsoft.com/office/drawing/2014/main" id="{EE2C1B71-8396-466A-BC7B-B65182F98752}"/>
+              </a:ext>
+            </a:extLst>
+          </p:cNvPr>
+          <p:cNvSpPr>
+            <a:spLocks noGrp="1"/>
+          </p:cNvSpPr>
+          <p:nvPr>
+            <p:ph type="title"/>
+          </p:nvPr>
+        </p:nvSpPr>
+        <p:spPr>
+          <a:xfrm>
+            <a:off x="263770" y="605896"/>
+            <a:ext cx="3694444" cy="5646208"/>
+          </a:xfrm>
+        </p:spPr>
+        <p:txBody>
+          <a:bodyPr anchor="ctr">
+            <a:normAutofit/>
+          </a:bodyPr>
+          <a:lstStyle/>
+          <a:p>
+            <a:r>
+              <a:rPr lang="en-US" sz="3600" b="1" dirty="0">
+                <a:solidFill>
+                  <a:srgbClr val="FFFFFF"/>
+                </a:solidFill>
+                <a:latin typeface="Bahnschrift Condensed"/>
+                <a:cs typeface="Calibri Light"/>
+              </a:rPr>
+              <a:t>TỔNG QUAN</a:t>
+            </a:r>
+          </a:p>
+        </p:txBody>
+      </p:sp>
+      <p:sp>
+        <p:nvSpPr>
+          <p:cNvPr id="73" name="Rectangle 68">
+            <a:extLst>
+              <a:ext uri="{FF2B5EF4-FFF2-40B4-BE49-F238E27FC236}">
+                <a16:creationId xmlns:a16="http://schemas.microsoft.com/office/drawing/2014/main" id="{054B3F04-9EAC-45C0-B3CE-0387EEA10A0C}"/>
+              </a:ext>
+              <a:ext uri="{C183D7F6-B498-43B3-948B-1728B52AA6E4}">
+                <adec:decorative xmlns:adec="http://schemas.microsoft.com/office/drawing/2017/decorative" val="1"/>
+              </a:ext>
+            </a:extLst>
+          </p:cNvPr>
+          <p:cNvSpPr>
+            <a:spLocks noGrp="1" noRot="1" noChangeAspect="1" noMove="1" noResize="1" noEditPoints="1" noAdjustHandles="1" noChangeArrowheads="1" noChangeShapeType="1" noTextEdit="1"/>
+          </p:cNvSpPr>
+          <p:nvPr>
+            <p:extLst>
+              <p:ext uri="{386F3935-93C4-4BCD-93E2-E3B085C9AB24}">
+                <p16:designElem xmlns:p16="http://schemas.microsoft.com/office/powerpoint/2015/main" val="1"/>
+              </p:ext>
+            </p:extLst>
+          </p:nvPr>
+        </p:nvSpPr>
+        <p:spPr>
+          <a:xfrm>
+            <a:off x="4040071" y="0"/>
+            <a:ext cx="64008" cy="6858000"/>
+          </a:xfrm>
+          <a:prstGeom prst="rect">
+            <a:avLst/>
+          </a:prstGeom>
+          <a:solidFill>
+            <a:schemeClr val="accent1"/>
+          </a:solidFill>
+          <a:ln>
+            <a:noFill/>
+          </a:ln>
+        </p:spPr>
+        <p:style>
+          <a:lnRef idx="2">
+            <a:schemeClr val="accent1">
+              <a:shade val="50000"/>
+            </a:schemeClr>
+          </a:lnRef>
+          <a:fillRef idx="1">
+            <a:schemeClr val="accent1"/>
+          </a:fillRef>
+          <a:effectRef idx="0">
+            <a:schemeClr val="accent1"/>
+          </a:effectRef>
+          <a:fontRef idx="minor">
+            <a:schemeClr val="lt1"/>
+          </a:fontRef>
+        </p:style>
+      </p:sp>
+      <p:sp>
+        <p:nvSpPr>
+          <p:cNvPr id="60" name="Slide Number Placeholder 59">
+            <a:extLst>
+              <a:ext uri="{FF2B5EF4-FFF2-40B4-BE49-F238E27FC236}">
+                <a16:creationId xmlns:a16="http://schemas.microsoft.com/office/drawing/2014/main" id="{C0F05CE8-93D7-48A5-89CC-0E4411D4A8EB}"/>
+              </a:ext>
+            </a:extLst>
+          </p:cNvPr>
+          <p:cNvSpPr>
+            <a:spLocks noGrp="1"/>
+          </p:cNvSpPr>
+          <p:nvPr>
+            <p:ph type="sldNum" sz="quarter" idx="12"/>
+          </p:nvPr>
+        </p:nvSpPr>
+        <p:spPr>
+          <a:xfrm>
+            <a:off x="10123055" y="6459785"/>
+            <a:ext cx="1089428" cy="365125"/>
+          </a:xfrm>
+        </p:spPr>
+        <p:txBody>
+          <a:bodyPr>
+            <a:normAutofit/>
+          </a:bodyPr>
+          <a:lstStyle/>
+          <a:p>
+            <a:pPr>
+              <a:spcAft>
+                <a:spcPts val="600"/>
+              </a:spcAft>
+            </a:pPr>
+            <a:fld id="{6D22F896-40B5-4ADD-8801-0D06FADFA095}" type="slidenum">
+              <a:rPr lang="en-US">
+                <a:solidFill>
+                  <a:schemeClr val="tx2"/>
+                </a:solidFill>
+              </a:rPr>
+              <a:pPr>
+                <a:spcAft>
+                  <a:spcPts val="600"/>
+                </a:spcAft>
+              </a:pPr>
+              <a:t>3</a:t>
+            </a:fld>
+            <a:endParaRPr lang="en-US">
+              <a:solidFill>
+                <a:schemeClr val="tx2"/>
+              </a:solidFill>
+            </a:endParaRPr>
+          </a:p>
+        </p:txBody>
+      </p:sp>
+      <p:graphicFrame>
+        <p:nvGraphicFramePr>
+          <p:cNvPr id="16" name="Diagram 15">
+            <a:extLst>
+              <a:ext uri="{FF2B5EF4-FFF2-40B4-BE49-F238E27FC236}">
+                <a16:creationId xmlns:a16="http://schemas.microsoft.com/office/drawing/2014/main" id="{77FE8A4E-A245-49F8-BEC1-B8BFFC2BD918}"/>
+              </a:ext>
+            </a:extLst>
+          </p:cNvPr>
+          <p:cNvGraphicFramePr/>
+          <p:nvPr>
+            <p:extLst>
+              <p:ext uri="{D42A27DB-BD31-4B8C-83A1-F6EECF244321}">
+                <p14:modId xmlns:p14="http://schemas.microsoft.com/office/powerpoint/2010/main" val="707872130"/>
+              </p:ext>
+            </p:extLst>
+          </p:nvPr>
+        </p:nvGraphicFramePr>
+        <p:xfrm>
+          <a:off x="4371382" y="70558"/>
+          <a:ext cx="7561039" cy="6335302"/>
+        </p:xfrm>
+        <a:graphic>
+          <a:graphicData uri="http://schemas.openxmlformats.org/drawingml/2006/diagram">
+            <dgm:relIds xmlns:dgm="http://schemas.openxmlformats.org/drawingml/2006/diagram" xmlns:r="http://schemas.openxmlformats.org/officeDocument/2006/relationships" r:dm="rId2" r:lo="rId3" r:qs="rId4" r:cs="rId5"/>
+          </a:graphicData>
+        </a:graphic>
+      </p:graphicFrame>
+    </p:spTree>
+    <p:extLst>
+      <p:ext uri="{BB962C8B-B14F-4D97-AF65-F5344CB8AC3E}">
+        <p14:creationId xmlns:p14="http://schemas.microsoft.com/office/powerpoint/2010/main" val="1645489763"/>
+      </p:ext>
+    </p:extLst>
+  </p:cSld>
+  <p:clrMapOvr>
+    <a:masterClrMapping/>
+  </p:clrMapOvr>
+</p:sld>
+</file>
+
+<file path=ppt/slides/slide30.xml><?xml version="1.0" encoding="utf-8"?>
 <p:sld xmlns:a="http://schemas.openxmlformats.org/drawingml/2006/main" xmlns:r="http://schemas.openxmlformats.org/officeDocument/2006/relationships" xmlns:p="http://schemas.openxmlformats.org/presentationml/2006/main">
   <p:cSld>
     <p:bg>
@@ -40375,7 +41729,7 @@
                   <a:spcPts val="600"/>
                 </a:spcAft>
               </a:pPr>
-              <a:t>29</a:t>
+              <a:t>30</a:t>
             </a:fld>
             <a:endParaRPr lang="en-US">
               <a:solidFill>
@@ -40389,337 +41743,6 @@
     <p:extLst>
       <p:ext uri="{BB962C8B-B14F-4D97-AF65-F5344CB8AC3E}">
         <p14:creationId xmlns:p14="http://schemas.microsoft.com/office/powerpoint/2010/main" val="1063874809"/>
-      </p:ext>
-    </p:extLst>
-  </p:cSld>
-  <p:clrMapOvr>
-    <a:masterClrMapping/>
-  </p:clrMapOvr>
-</p:sld>
-</file>
-
-<file path=ppt/slides/slide3.xml><?xml version="1.0" encoding="utf-8"?>
-<p:sld xmlns:a="http://schemas.openxmlformats.org/drawingml/2006/main" xmlns:r="http://schemas.openxmlformats.org/officeDocument/2006/relationships" xmlns:p="http://schemas.openxmlformats.org/presentationml/2006/main">
-  <p:cSld>
-    <p:bg>
-      <p:bgPr>
-        <a:solidFill>
-          <a:schemeClr val="bg1"/>
-        </a:solidFill>
-        <a:effectLst/>
-      </p:bgPr>
-    </p:bg>
-    <p:spTree>
-      <p:nvGrpSpPr>
-        <p:cNvPr id="1" name=""/>
-        <p:cNvGrpSpPr/>
-        <p:nvPr/>
-      </p:nvGrpSpPr>
-      <p:grpSpPr>
-        <a:xfrm>
-          <a:off x="0" y="0"/>
-          <a:ext cx="0" cy="0"/>
-          <a:chOff x="0" y="0"/>
-          <a:chExt cx="0" cy="0"/>
-        </a:xfrm>
-      </p:grpSpPr>
-      <p:sp useBgFill="1">
-        <p:nvSpPr>
-          <p:cNvPr id="71" name="Rectangle 64">
-            <a:extLst>
-              <a:ext uri="{FF2B5EF4-FFF2-40B4-BE49-F238E27FC236}">
-                <a16:creationId xmlns:a16="http://schemas.microsoft.com/office/drawing/2014/main" id="{3741B58E-3B65-4A01-A276-975AB2CF8A08}"/>
-              </a:ext>
-              <a:ext uri="{C183D7F6-B498-43B3-948B-1728B52AA6E4}">
-                <adec:decorative xmlns:adec="http://schemas.microsoft.com/office/drawing/2017/decorative" val="1"/>
-              </a:ext>
-            </a:extLst>
-          </p:cNvPr>
-          <p:cNvSpPr>
-            <a:spLocks noGrp="1" noRot="1" noChangeAspect="1" noMove="1" noResize="1" noEditPoints="1" noAdjustHandles="1" noChangeArrowheads="1" noChangeShapeType="1" noTextEdit="1"/>
-          </p:cNvSpPr>
-          <p:nvPr>
-            <p:extLst>
-              <p:ext uri="{386F3935-93C4-4BCD-93E2-E3B085C9AB24}">
-                <p16:designElem xmlns:p16="http://schemas.microsoft.com/office/powerpoint/2015/main" val="1"/>
-              </p:ext>
-            </p:extLst>
-          </p:nvPr>
-        </p:nvSpPr>
-        <p:spPr>
-          <a:xfrm>
-            <a:off x="0" y="0"/>
-            <a:ext cx="12186315" cy="6858000"/>
-          </a:xfrm>
-          <a:prstGeom prst="rect">
-            <a:avLst/>
-          </a:prstGeom>
-          <a:ln>
-            <a:noFill/>
-          </a:ln>
-        </p:spPr>
-        <p:style>
-          <a:lnRef idx="2">
-            <a:schemeClr val="accent6">
-              <a:shade val="50000"/>
-            </a:schemeClr>
-          </a:lnRef>
-          <a:fillRef idx="1001">
-            <a:schemeClr val="lt1"/>
-          </a:fillRef>
-          <a:effectRef idx="0">
-            <a:schemeClr val="accent6"/>
-          </a:effectRef>
-          <a:fontRef idx="minor">
-            <a:schemeClr val="lt1"/>
-          </a:fontRef>
-        </p:style>
-        <p:txBody>
-          <a:bodyPr rtlCol="0" anchor="ctr"/>
-          <a:lstStyle/>
-          <a:p>
-            <a:pPr algn="ctr"/>
-            <a:endParaRPr lang="en-US"/>
-          </a:p>
-        </p:txBody>
-      </p:sp>
-      <p:sp>
-        <p:nvSpPr>
-          <p:cNvPr id="72" name="Rectangle 66">
-            <a:extLst>
-              <a:ext uri="{FF2B5EF4-FFF2-40B4-BE49-F238E27FC236}">
-                <a16:creationId xmlns:a16="http://schemas.microsoft.com/office/drawing/2014/main" id="{7AAC67C3-831B-4AB1-A259-DFB839CAFAFC}"/>
-              </a:ext>
-              <a:ext uri="{C183D7F6-B498-43B3-948B-1728B52AA6E4}">
-                <adec:decorative xmlns:adec="http://schemas.microsoft.com/office/drawing/2017/decorative" val="1"/>
-              </a:ext>
-            </a:extLst>
-          </p:cNvPr>
-          <p:cNvSpPr>
-            <a:spLocks noGrp="1" noRot="1" noChangeAspect="1" noMove="1" noResize="1" noEditPoints="1" noAdjustHandles="1" noChangeArrowheads="1" noChangeShapeType="1" noTextEdit="1"/>
-          </p:cNvSpPr>
-          <p:nvPr>
-            <p:extLst>
-              <p:ext uri="{386F3935-93C4-4BCD-93E2-E3B085C9AB24}">
-                <p16:designElem xmlns:p16="http://schemas.microsoft.com/office/powerpoint/2015/main" val="1"/>
-              </p:ext>
-            </p:extLst>
-          </p:nvPr>
-        </p:nvSpPr>
-        <p:spPr>
-          <a:xfrm>
-            <a:off x="16" y="0"/>
-            <a:ext cx="4050791" cy="6858000"/>
-          </a:xfrm>
-          <a:prstGeom prst="rect">
-            <a:avLst/>
-          </a:prstGeom>
-          <a:solidFill>
-            <a:schemeClr val="accent2"/>
-          </a:solidFill>
-          <a:ln>
-            <a:noFill/>
-          </a:ln>
-        </p:spPr>
-        <p:style>
-          <a:lnRef idx="2">
-            <a:schemeClr val="accent1">
-              <a:shade val="50000"/>
-            </a:schemeClr>
-          </a:lnRef>
-          <a:fillRef idx="1">
-            <a:schemeClr val="accent1"/>
-          </a:fillRef>
-          <a:effectRef idx="0">
-            <a:schemeClr val="accent1"/>
-          </a:effectRef>
-          <a:fontRef idx="minor">
-            <a:schemeClr val="lt1"/>
-          </a:fontRef>
-        </p:style>
-      </p:sp>
-      <p:sp>
-        <p:nvSpPr>
-          <p:cNvPr id="2" name="Title 1">
-            <a:extLst>
-              <a:ext uri="{FF2B5EF4-FFF2-40B4-BE49-F238E27FC236}">
-                <a16:creationId xmlns:a16="http://schemas.microsoft.com/office/drawing/2014/main" id="{EE2C1B71-8396-466A-BC7B-B65182F98752}"/>
-              </a:ext>
-            </a:extLst>
-          </p:cNvPr>
-          <p:cNvSpPr>
-            <a:spLocks noGrp="1"/>
-          </p:cNvSpPr>
-          <p:nvPr>
-            <p:ph type="title"/>
-          </p:nvPr>
-        </p:nvSpPr>
-        <p:spPr>
-          <a:xfrm>
-            <a:off x="263770" y="605896"/>
-            <a:ext cx="3694444" cy="5646208"/>
-          </a:xfrm>
-        </p:spPr>
-        <p:txBody>
-          <a:bodyPr anchor="ctr">
-            <a:normAutofit/>
-          </a:bodyPr>
-          <a:lstStyle/>
-          <a:p>
-            <a:r>
-              <a:rPr lang="en-US" sz="3600" b="1" dirty="0">
-                <a:solidFill>
-                  <a:srgbClr val="FFFFFF"/>
-                </a:solidFill>
-                <a:latin typeface="Bahnschrift Condensed"/>
-                <a:cs typeface="Calibri Light"/>
-              </a:rPr>
-              <a:t>TỔNG QUAN</a:t>
-            </a:r>
-          </a:p>
-        </p:txBody>
-      </p:sp>
-      <p:sp>
-        <p:nvSpPr>
-          <p:cNvPr id="73" name="Rectangle 68">
-            <a:extLst>
-              <a:ext uri="{FF2B5EF4-FFF2-40B4-BE49-F238E27FC236}">
-                <a16:creationId xmlns:a16="http://schemas.microsoft.com/office/drawing/2014/main" id="{054B3F04-9EAC-45C0-B3CE-0387EEA10A0C}"/>
-              </a:ext>
-              <a:ext uri="{C183D7F6-B498-43B3-948B-1728B52AA6E4}">
-                <adec:decorative xmlns:adec="http://schemas.microsoft.com/office/drawing/2017/decorative" val="1"/>
-              </a:ext>
-            </a:extLst>
-          </p:cNvPr>
-          <p:cNvSpPr>
-            <a:spLocks noGrp="1" noRot="1" noChangeAspect="1" noMove="1" noResize="1" noEditPoints="1" noAdjustHandles="1" noChangeArrowheads="1" noChangeShapeType="1" noTextEdit="1"/>
-          </p:cNvSpPr>
-          <p:nvPr>
-            <p:extLst>
-              <p:ext uri="{386F3935-93C4-4BCD-93E2-E3B085C9AB24}">
-                <p16:designElem xmlns:p16="http://schemas.microsoft.com/office/powerpoint/2015/main" val="1"/>
-              </p:ext>
-            </p:extLst>
-          </p:nvPr>
-        </p:nvSpPr>
-        <p:spPr>
-          <a:xfrm>
-            <a:off x="4040071" y="0"/>
-            <a:ext cx="64008" cy="6858000"/>
-          </a:xfrm>
-          <a:prstGeom prst="rect">
-            <a:avLst/>
-          </a:prstGeom>
-          <a:solidFill>
-            <a:schemeClr val="accent1"/>
-          </a:solidFill>
-          <a:ln>
-            <a:noFill/>
-          </a:ln>
-        </p:spPr>
-        <p:style>
-          <a:lnRef idx="2">
-            <a:schemeClr val="accent1">
-              <a:shade val="50000"/>
-            </a:schemeClr>
-          </a:lnRef>
-          <a:fillRef idx="1">
-            <a:schemeClr val="accent1"/>
-          </a:fillRef>
-          <a:effectRef idx="0">
-            <a:schemeClr val="accent1"/>
-          </a:effectRef>
-          <a:fontRef idx="minor">
-            <a:schemeClr val="lt1"/>
-          </a:fontRef>
-        </p:style>
-      </p:sp>
-      <p:sp>
-        <p:nvSpPr>
-          <p:cNvPr id="60" name="Slide Number Placeholder 59">
-            <a:extLst>
-              <a:ext uri="{FF2B5EF4-FFF2-40B4-BE49-F238E27FC236}">
-                <a16:creationId xmlns:a16="http://schemas.microsoft.com/office/drawing/2014/main" id="{C0F05CE8-93D7-48A5-89CC-0E4411D4A8EB}"/>
-              </a:ext>
-            </a:extLst>
-          </p:cNvPr>
-          <p:cNvSpPr>
-            <a:spLocks noGrp="1"/>
-          </p:cNvSpPr>
-          <p:nvPr>
-            <p:ph type="sldNum" sz="quarter" idx="12"/>
-          </p:nvPr>
-        </p:nvSpPr>
-        <p:spPr>
-          <a:xfrm>
-            <a:off x="10123055" y="6459785"/>
-            <a:ext cx="1089428" cy="365125"/>
-          </a:xfrm>
-        </p:spPr>
-        <p:txBody>
-          <a:bodyPr>
-            <a:normAutofit/>
-          </a:bodyPr>
-          <a:lstStyle/>
-          <a:p>
-            <a:pPr>
-              <a:spcAft>
-                <a:spcPts val="600"/>
-              </a:spcAft>
-            </a:pPr>
-            <a:fld id="{6D22F896-40B5-4ADD-8801-0D06FADFA095}" type="slidenum">
-              <a:rPr lang="en-US">
-                <a:solidFill>
-                  <a:schemeClr val="tx2"/>
-                </a:solidFill>
-              </a:rPr>
-              <a:pPr>
-                <a:spcAft>
-                  <a:spcPts val="600"/>
-                </a:spcAft>
-              </a:pPr>
-              <a:t>3</a:t>
-            </a:fld>
-            <a:endParaRPr lang="en-US">
-              <a:solidFill>
-                <a:schemeClr val="tx2"/>
-              </a:solidFill>
-            </a:endParaRPr>
-          </a:p>
-        </p:txBody>
-      </p:sp>
-      <p:graphicFrame>
-        <p:nvGraphicFramePr>
-          <p:cNvPr id="16" name="Diagram 15">
-            <a:extLst>
-              <a:ext uri="{FF2B5EF4-FFF2-40B4-BE49-F238E27FC236}">
-                <a16:creationId xmlns:a16="http://schemas.microsoft.com/office/drawing/2014/main" id="{77FE8A4E-A245-49F8-BEC1-B8BFFC2BD918}"/>
-              </a:ext>
-            </a:extLst>
-          </p:cNvPr>
-          <p:cNvGraphicFramePr/>
-          <p:nvPr>
-            <p:extLst>
-              <p:ext uri="{D42A27DB-BD31-4B8C-83A1-F6EECF244321}">
-                <p14:modId xmlns:p14="http://schemas.microsoft.com/office/powerpoint/2010/main" val="707872130"/>
-              </p:ext>
-            </p:extLst>
-          </p:nvPr>
-        </p:nvGraphicFramePr>
-        <p:xfrm>
-          <a:off x="4371382" y="70558"/>
-          <a:ext cx="7561039" cy="6335302"/>
-        </p:xfrm>
-        <a:graphic>
-          <a:graphicData uri="http://schemas.openxmlformats.org/drawingml/2006/diagram">
-            <dgm:relIds xmlns:dgm="http://schemas.openxmlformats.org/drawingml/2006/diagram" xmlns:r="http://schemas.openxmlformats.org/officeDocument/2006/relationships" r:dm="rId2" r:lo="rId3" r:qs="rId4" r:cs="rId5"/>
-          </a:graphicData>
-        </a:graphic>
-      </p:graphicFrame>
-    </p:spTree>
-    <p:extLst>
-      <p:ext uri="{BB962C8B-B14F-4D97-AF65-F5344CB8AC3E}">
-        <p14:creationId xmlns:p14="http://schemas.microsoft.com/office/powerpoint/2010/main" val="1645489763"/>
       </p:ext>
     </p:extLst>
   </p:cSld>
